--- a/Presentation/lesson-12-winforms.pptx
+++ b/Presentation/lesson-12-winforms.pptx
@@ -5,7 +5,7 @@
     <p:sldMasterId id="2147483648" r:id="rId1"/>
   </p:sldMasterIdLst>
   <p:notesMasterIdLst>
-    <p:notesMasterId r:id="rId8"/>
+    <p:notesMasterId r:id="rId9"/>
   </p:notesMasterIdLst>
   <p:sldIdLst>
     <p:sldId id="256" r:id="rId2"/>
@@ -13,7 +13,8 @@
     <p:sldId id="277" r:id="rId4"/>
     <p:sldId id="281" r:id="rId5"/>
     <p:sldId id="280" r:id="rId6"/>
-    <p:sldId id="282" r:id="rId7"/>
+    <p:sldId id="283" r:id="rId7"/>
+    <p:sldId id="282" r:id="rId8"/>
   </p:sldIdLst>
   <p:sldSz cx="9144000" cy="6858000" type="screen4x3"/>
   <p:notesSz cx="6858000" cy="9144000"/>
@@ -197,7 +198,7 @@
           <a:p>
             <a:fld id="{B24A7054-7FFB-49F4-A126-5DF6E687FF53}" type="datetimeFigureOut">
               <a:rPr lang="ru-RU" smtClean="0"/>
-              <a:t>19.10.2015</a:t>
+              <a:t>20.10.2015</a:t>
             </a:fld>
             <a:endParaRPr lang="ru-RU"/>
           </a:p>
@@ -1260,7 +1261,7 @@
           <a:p>
             <a:fld id="{8E6E6A2A-E9D3-4A0D-B04A-ABDD367A1E08}" type="datetimeFigureOut">
               <a:rPr lang="ru-RU" smtClean="0"/>
-              <a:t>19.10.2015</a:t>
+              <a:t>20.10.2015</a:t>
             </a:fld>
             <a:endParaRPr lang="ru-RU"/>
           </a:p>
@@ -2708,7 +2709,7 @@
           <a:p>
             <a:fld id="{AC3D3127-B7C4-45E3-9797-C527EC9FDD78}" type="datetimeFigureOut">
               <a:rPr lang="ru-RU" smtClean="0"/>
-              <a:t>19.10.2015</a:t>
+              <a:t>20.10.2015</a:t>
             </a:fld>
             <a:endParaRPr lang="ru-RU"/>
           </a:p>
@@ -3248,15 +3249,7 @@
                   <a:schemeClr val="bg1"/>
                 </a:solidFill>
               </a:rPr>
-              <a:t>Windows  </a:t>
-            </a:r>
-            <a:r>
-              <a:rPr lang="en-US" sz="2400" dirty="0" smtClean="0">
-                <a:solidFill>
-                  <a:schemeClr val="bg1"/>
-                </a:solidFill>
-              </a:rPr>
-              <a:t>Forms</a:t>
+              <a:t>Windows  Forms</a:t>
             </a:r>
             <a:endParaRPr lang="en-US" sz="2400" dirty="0">
               <a:solidFill>
@@ -3814,7 +3807,7 @@
         </p:spPr>
         <p:txBody>
           <a:bodyPr>
-            <a:normAutofit fontScale="70000" lnSpcReduction="20000"/>
+            <a:normAutofit fontScale="62500" lnSpcReduction="20000"/>
           </a:bodyPr>
           <a:lstStyle/>
           <a:p>
@@ -3823,15 +3816,7 @@
             </a:pPr>
             <a:r>
               <a:rPr lang="ru-RU" dirty="0" smtClean="0"/>
-              <a:t>Для упрощения работы с </a:t>
-            </a:r>
-            <a:r>
-              <a:rPr lang="en-US" dirty="0" smtClean="0"/>
-              <a:t>XAML </a:t>
-            </a:r>
-            <a:r>
-              <a:rPr lang="ru-RU" dirty="0" smtClean="0"/>
-              <a:t>«деревом» в </a:t>
+              <a:t>Для упрощения работы с «деревом» элементов управления в </a:t>
             </a:r>
             <a:r>
               <a:rPr lang="en-US" dirty="0" smtClean="0"/>
@@ -3859,15 +3844,7 @@
             </a:r>
             <a:r>
               <a:rPr lang="ru-RU" dirty="0" smtClean="0"/>
-              <a:t>Окно показывает элементы текущего </a:t>
-            </a:r>
-            <a:r>
-              <a:rPr lang="en-US" dirty="0" smtClean="0"/>
-              <a:t>XAML </a:t>
-            </a:r>
-            <a:r>
-              <a:rPr lang="ru-RU" dirty="0" smtClean="0"/>
-              <a:t>документа в виде дерева. Выбор элемента в дереве выбирает его в визаульном дизайнере и окне свойств.</a:t>
+              <a:t>Окно показывает элементы текущей формы в виде дерева. Выбор элемента в дереве выбирает его в визуальном дизайнере и окне свойств.</a:t>
             </a:r>
             <a:endParaRPr lang="en-US" dirty="0"/>
           </a:p>
@@ -3966,6 +3943,419 @@
       </p:grpSpPr>
       <p:sp>
         <p:nvSpPr>
+          <p:cNvPr id="2" name="Title 1"/>
+          <p:cNvSpPr>
+            <a:spLocks noGrp="1"/>
+          </p:cNvSpPr>
+          <p:nvPr>
+            <p:ph type="title"/>
+          </p:nvPr>
+        </p:nvSpPr>
+        <p:spPr/>
+        <p:txBody>
+          <a:bodyPr/>
+          <a:lstStyle/>
+          <a:p>
+            <a:r>
+              <a:rPr lang="ru-RU" dirty="0" smtClean="0"/>
+              <a:t>Имена событий</a:t>
+            </a:r>
+            <a:endParaRPr lang="ru-RU" dirty="0"/>
+          </a:p>
+        </p:txBody>
+      </p:sp>
+      <p:sp>
+        <p:nvSpPr>
+          <p:cNvPr id="3" name="Content Placeholder 2"/>
+          <p:cNvSpPr>
+            <a:spLocks noGrp="1"/>
+          </p:cNvSpPr>
+          <p:nvPr>
+            <p:ph idx="1"/>
+          </p:nvPr>
+        </p:nvSpPr>
+        <p:spPr/>
+        <p:txBody>
+          <a:bodyPr>
+            <a:normAutofit fontScale="70000" lnSpcReduction="20000"/>
+          </a:bodyPr>
+          <a:lstStyle/>
+          <a:p>
+            <a:r>
+              <a:rPr lang="ru-RU" dirty="0"/>
+              <a:t>О</a:t>
+            </a:r>
+            <a:r>
+              <a:rPr lang="ru-RU" dirty="0" smtClean="0"/>
+              <a:t>кончание -</a:t>
+            </a:r>
+            <a:r>
+              <a:rPr lang="en-US" dirty="0" err="1" smtClean="0"/>
+              <a:t>ed</a:t>
+            </a:r>
+            <a:r>
+              <a:rPr lang="en-US" dirty="0" smtClean="0"/>
+              <a:t> </a:t>
+            </a:r>
+            <a:r>
+              <a:rPr lang="ru-RU" dirty="0" smtClean="0"/>
+              <a:t>(</a:t>
+            </a:r>
+            <a:r>
+              <a:rPr lang="en-US" dirty="0" err="1" smtClean="0"/>
+              <a:t>FormClosed</a:t>
+            </a:r>
+            <a:r>
+              <a:rPr lang="en-US" dirty="0" smtClean="0"/>
+              <a:t>, </a:t>
+            </a:r>
+            <a:r>
+              <a:rPr lang="en-US" dirty="0" err="1" smtClean="0"/>
+              <a:t>DefaultItemChanged</a:t>
+            </a:r>
+            <a:r>
+              <a:rPr lang="en-US" dirty="0" smtClean="0"/>
+              <a:t>, </a:t>
+            </a:r>
+            <a:r>
+              <a:rPr lang="en-US" dirty="0" err="1" smtClean="0"/>
+              <a:t>ItemRemoved</a:t>
+            </a:r>
+            <a:r>
+              <a:rPr lang="en-US" dirty="0" smtClean="0"/>
+              <a:t> </a:t>
+            </a:r>
+            <a:r>
+              <a:rPr lang="ru-RU" dirty="0"/>
+              <a:t>и т.п</a:t>
+            </a:r>
+            <a:r>
+              <a:rPr lang="ru-RU" dirty="0" smtClean="0"/>
+              <a:t>.):</a:t>
+            </a:r>
+            <a:r>
+              <a:rPr lang="en-US" dirty="0" smtClean="0"/>
+              <a:t> </a:t>
+            </a:r>
+            <a:r>
+              <a:rPr lang="ru-RU" dirty="0" smtClean="0"/>
+              <a:t>событие генерируется после указанного действия.</a:t>
+            </a:r>
+            <a:endParaRPr lang="en-US" dirty="0" smtClean="0"/>
+          </a:p>
+          <a:p>
+            <a:r>
+              <a:rPr lang="ru-RU" dirty="0" smtClean="0"/>
+              <a:t>Окончание –</a:t>
+            </a:r>
+            <a:r>
+              <a:rPr lang="en-US" dirty="0" err="1" smtClean="0"/>
+              <a:t>ing</a:t>
+            </a:r>
+            <a:r>
+              <a:rPr lang="ru-RU" dirty="0" smtClean="0"/>
+              <a:t> (</a:t>
+            </a:r>
+            <a:r>
+              <a:rPr lang="en-US" dirty="0" err="1" smtClean="0"/>
+              <a:t>FormClosing</a:t>
+            </a:r>
+            <a:r>
+              <a:rPr lang="en-US" dirty="0" smtClean="0"/>
+              <a:t>,</a:t>
+            </a:r>
+            <a:r>
+              <a:rPr lang="ru-RU" dirty="0" smtClean="0"/>
+              <a:t> </a:t>
+            </a:r>
+            <a:r>
+              <a:rPr lang="en-US" dirty="0" smtClean="0"/>
+              <a:t>Validating, Opening </a:t>
+            </a:r>
+            <a:r>
+              <a:rPr lang="ru-RU" dirty="0" smtClean="0"/>
+              <a:t>и т.п.): событие генерируется в момент указанного действия. Иногда дается возможность отмены.</a:t>
+            </a:r>
+          </a:p>
+          <a:p>
+            <a:r>
+              <a:rPr lang="en-US" dirty="0" err="1" smtClean="0"/>
+              <a:t>BeforeSmth</a:t>
+            </a:r>
+            <a:r>
+              <a:rPr lang="en-US" dirty="0" smtClean="0"/>
+              <a:t> </a:t>
+            </a:r>
+            <a:r>
+              <a:rPr lang="ru-RU" dirty="0" smtClean="0"/>
+              <a:t>(</a:t>
+            </a:r>
+            <a:r>
+              <a:rPr lang="en-US" dirty="0" err="1" smtClean="0"/>
+              <a:t>BeforeCollapse</a:t>
+            </a:r>
+            <a:r>
+              <a:rPr lang="en-US" dirty="0"/>
+              <a:t>, </a:t>
+            </a:r>
+            <a:r>
+              <a:rPr lang="en-US" dirty="0" err="1"/>
+              <a:t>Before</a:t>
+            </a:r>
+            <a:r>
+              <a:rPr lang="en-US" dirty="0" err="1" smtClean="0"/>
+              <a:t>Expand</a:t>
+            </a:r>
+            <a:r>
+              <a:rPr lang="en-US" dirty="0"/>
+              <a:t>, </a:t>
+            </a:r>
+            <a:r>
+              <a:rPr lang="en-US" dirty="0" err="1"/>
+              <a:t>Before</a:t>
+            </a:r>
+            <a:r>
+              <a:rPr lang="en-US" dirty="0" err="1" smtClean="0"/>
+              <a:t>LabelEdit</a:t>
+            </a:r>
+            <a:r>
+              <a:rPr lang="en-US" dirty="0" smtClean="0"/>
+              <a:t> </a:t>
+            </a:r>
+            <a:r>
+              <a:rPr lang="ru-RU" dirty="0" smtClean="0"/>
+              <a:t>и </a:t>
+            </a:r>
+            <a:r>
+              <a:rPr lang="ru-RU" dirty="0"/>
+              <a:t>т.п</a:t>
+            </a:r>
+            <a:r>
+              <a:rPr lang="ru-RU" dirty="0" smtClean="0"/>
+              <a:t>.): событие генерируется до указанного действия.</a:t>
+            </a:r>
+            <a:endParaRPr lang="en-US" dirty="0" smtClean="0"/>
+          </a:p>
+          <a:p>
+            <a:r>
+              <a:rPr lang="en-US" dirty="0" err="1" smtClean="0"/>
+              <a:t>AfterSmth</a:t>
+            </a:r>
+            <a:r>
+              <a:rPr lang="en-US" dirty="0" smtClean="0"/>
+              <a:t> </a:t>
+            </a:r>
+            <a:r>
+              <a:rPr lang="ru-RU" dirty="0" smtClean="0"/>
+              <a:t>(</a:t>
+            </a:r>
+            <a:r>
+              <a:rPr lang="en-US" dirty="0" err="1" smtClean="0"/>
+              <a:t>AfterCollapse</a:t>
+            </a:r>
+            <a:r>
+              <a:rPr lang="en-US" dirty="0" smtClean="0"/>
+              <a:t>, </a:t>
+            </a:r>
+            <a:r>
+              <a:rPr lang="en-US" dirty="0" err="1" smtClean="0"/>
+              <a:t>AfterExpand</a:t>
+            </a:r>
+            <a:r>
+              <a:rPr lang="en-US" dirty="0" smtClean="0"/>
+              <a:t>, </a:t>
+            </a:r>
+            <a:r>
+              <a:rPr lang="en-US" dirty="0" err="1" smtClean="0"/>
+              <a:t>AfterLabelEdit</a:t>
+            </a:r>
+            <a:r>
+              <a:rPr lang="en-US" dirty="0" smtClean="0"/>
+              <a:t> </a:t>
+            </a:r>
+            <a:r>
+              <a:rPr lang="ru-RU" dirty="0" smtClean="0"/>
+              <a:t>и </a:t>
+            </a:r>
+            <a:r>
+              <a:rPr lang="ru-RU" dirty="0"/>
+              <a:t>т.п</a:t>
+            </a:r>
+            <a:r>
+              <a:rPr lang="ru-RU" dirty="0" smtClean="0"/>
+              <a:t>.):</a:t>
+            </a:r>
+            <a:r>
+              <a:rPr lang="en-US" dirty="0" smtClean="0"/>
+              <a:t> </a:t>
+            </a:r>
+            <a:r>
+              <a:rPr lang="ru-RU" dirty="0"/>
+              <a:t>событие генерируется после указанного действия</a:t>
+            </a:r>
+            <a:r>
+              <a:rPr lang="ru-RU" dirty="0" smtClean="0"/>
+              <a:t>.</a:t>
+            </a:r>
+          </a:p>
+          <a:p>
+            <a:r>
+              <a:rPr lang="en-US" dirty="0" smtClean="0"/>
+              <a:t>Begin (</a:t>
+            </a:r>
+            <a:r>
+              <a:rPr lang="en-US" dirty="0" err="1" smtClean="0"/>
+              <a:t>BeginDrag</a:t>
+            </a:r>
+            <a:r>
+              <a:rPr lang="en-US" dirty="0" smtClean="0"/>
+              <a:t>, </a:t>
+            </a:r>
+            <a:r>
+              <a:rPr lang="en-US" dirty="0" err="1" smtClean="0"/>
+              <a:t>CellBeginEdit</a:t>
+            </a:r>
+            <a:r>
+              <a:rPr lang="en-US" dirty="0" smtClean="0"/>
+              <a:t>, </a:t>
+            </a:r>
+            <a:r>
+              <a:rPr lang="en-US" dirty="0" err="1" smtClean="0"/>
+              <a:t>ResizeBegin</a:t>
+            </a:r>
+            <a:r>
+              <a:rPr lang="en-US" dirty="0"/>
+              <a:t> </a:t>
+            </a:r>
+            <a:r>
+              <a:rPr lang="ru-RU" dirty="0" smtClean="0"/>
+              <a:t>и т.п.</a:t>
+            </a:r>
+            <a:r>
+              <a:rPr lang="en-US" dirty="0" smtClean="0"/>
+              <a:t>)</a:t>
+            </a:r>
+          </a:p>
+          <a:p>
+            <a:r>
+              <a:rPr lang="en-US" dirty="0" smtClean="0"/>
+              <a:t>End</a:t>
+            </a:r>
+            <a:r>
+              <a:rPr lang="ru-RU" dirty="0" smtClean="0"/>
+              <a:t> (</a:t>
+            </a:r>
+            <a:r>
+              <a:rPr lang="en-US" dirty="0" err="1" smtClean="0"/>
+              <a:t>EndDrag</a:t>
+            </a:r>
+            <a:r>
+              <a:rPr lang="en-US" dirty="0" smtClean="0"/>
+              <a:t>, </a:t>
+            </a:r>
+            <a:r>
+              <a:rPr lang="en-US" dirty="0" err="1" smtClean="0"/>
+              <a:t>CellEndEdit</a:t>
+            </a:r>
+            <a:r>
+              <a:rPr lang="en-US" dirty="0"/>
+              <a:t>, </a:t>
+            </a:r>
+            <a:r>
+              <a:rPr lang="en-US" dirty="0" err="1" smtClean="0"/>
+              <a:t>ResizeEnd</a:t>
+            </a:r>
+            <a:r>
+              <a:rPr lang="en-US" dirty="0" smtClean="0"/>
+              <a:t> </a:t>
+            </a:r>
+            <a:r>
+              <a:rPr lang="ru-RU" dirty="0"/>
+              <a:t>и т.п</a:t>
+            </a:r>
+            <a:r>
+              <a:rPr lang="ru-RU" dirty="0" smtClean="0"/>
+              <a:t>.)</a:t>
+            </a:r>
+            <a:endParaRPr lang="en-US" dirty="0" smtClean="0"/>
+          </a:p>
+          <a:p>
+            <a:r>
+              <a:rPr lang="en-US" dirty="0" err="1" smtClean="0"/>
+              <a:t>MouseXXX</a:t>
+            </a:r>
+            <a:r>
+              <a:rPr lang="ru-RU" dirty="0"/>
+              <a:t>:</a:t>
+            </a:r>
+            <a:r>
+              <a:rPr lang="en-US" dirty="0" smtClean="0"/>
+              <a:t> </a:t>
+            </a:r>
+            <a:r>
+              <a:rPr lang="ru-RU" dirty="0" smtClean="0"/>
+              <a:t>события связанные с мышью</a:t>
+            </a:r>
+          </a:p>
+          <a:p>
+            <a:r>
+              <a:rPr lang="en-US" dirty="0" err="1" smtClean="0"/>
+              <a:t>KeyXXX</a:t>
+            </a:r>
+            <a:r>
+              <a:rPr lang="en-US" dirty="0" smtClean="0"/>
+              <a:t>:</a:t>
+            </a:r>
+            <a:r>
+              <a:rPr lang="ru-RU" dirty="0"/>
+              <a:t> события связанные с </a:t>
+            </a:r>
+            <a:r>
+              <a:rPr lang="ru-RU" dirty="0" smtClean="0"/>
+              <a:t>клавиатурой</a:t>
+            </a:r>
+          </a:p>
+          <a:p>
+            <a:r>
+              <a:rPr lang="ru-RU" dirty="0" smtClean="0"/>
+              <a:t>Другие</a:t>
+            </a:r>
+            <a:endParaRPr lang="ru-RU" dirty="0"/>
+          </a:p>
+        </p:txBody>
+      </p:sp>
+    </p:spTree>
+    <p:extLst>
+      <p:ext uri="{BB962C8B-B14F-4D97-AF65-F5344CB8AC3E}">
+        <p14:creationId xmlns:p14="http://schemas.microsoft.com/office/powerpoint/2010/main" val="3606278535"/>
+      </p:ext>
+    </p:extLst>
+  </p:cSld>
+  <p:clrMapOvr>
+    <a:masterClrMapping/>
+  </p:clrMapOvr>
+</p:sld>
+</file>
+
+<file path=ppt/slides/slide7.xml><?xml version="1.0" encoding="utf-8"?>
+<p:sld xmlns:a="http://schemas.openxmlformats.org/drawingml/2006/main" xmlns:r="http://schemas.openxmlformats.org/officeDocument/2006/relationships" xmlns:p="http://schemas.openxmlformats.org/presentationml/2006/main">
+  <p:cSld>
+    <p:spTree>
+      <p:nvGrpSpPr>
+        <p:cNvPr id="1" name=""/>
+        <p:cNvGrpSpPr/>
+        <p:nvPr/>
+      </p:nvGrpSpPr>
+      <p:grpSpPr>
+        <a:xfrm>
+          <a:off x="0" y="0"/>
+          <a:ext cx="0" cy="0"/>
+          <a:chOff x="0" y="0"/>
+          <a:chExt cx="0" cy="0"/>
+        </a:xfrm>
+      </p:grpSpPr>
+      <p:sp>
+        <p:nvSpPr>
           <p:cNvPr id="4" name="Title 3"/>
           <p:cNvSpPr>
             <a:spLocks noGrp="1"/>
@@ -3999,7 +4389,9 @@
         </p:nvSpPr>
         <p:spPr/>
         <p:txBody>
-          <a:bodyPr/>
+          <a:bodyPr>
+            <a:normAutofit fontScale="92500" lnSpcReduction="20000"/>
+          </a:bodyPr>
           <a:lstStyle/>
           <a:p>
             <a:r>
@@ -4040,6 +4432,14 @@
               <a:rPr lang="ru-RU" dirty="0" smtClean="0"/>
               <a:t>текст с форматированием</a:t>
             </a:r>
+            <a:endParaRPr lang="en-US" dirty="0" smtClean="0"/>
+          </a:p>
+          <a:p>
+            <a:r>
+              <a:rPr lang="en-US" dirty="0" err="1"/>
+              <a:t>ComboBox</a:t>
+            </a:r>
+            <a:endParaRPr lang="ru-RU" dirty="0" smtClean="0"/>
           </a:p>
           <a:p>
             <a:r>
@@ -4051,7 +4451,21 @@
           <a:p>
             <a:r>
               <a:rPr lang="en-US" dirty="0" err="1" smtClean="0"/>
+              <a:t>DomainUpDown</a:t>
+            </a:r>
+            <a:endParaRPr lang="en-US" dirty="0" smtClean="0"/>
+          </a:p>
+          <a:p>
+            <a:r>
+              <a:rPr lang="en-US" dirty="0" err="1" smtClean="0"/>
               <a:t>DateTimePicker</a:t>
+            </a:r>
+            <a:endParaRPr lang="ru-RU" dirty="0" smtClean="0"/>
+          </a:p>
+          <a:p>
+            <a:r>
+              <a:rPr lang="en-US" dirty="0" err="1" smtClean="0"/>
+              <a:t>MonthCalendar</a:t>
             </a:r>
             <a:endParaRPr lang="en-US" dirty="0" smtClean="0"/>
           </a:p>

--- a/Presentation/lesson-12-winforms.pptx
+++ b/Presentation/lesson-12-winforms.pptx
@@ -5,7 +5,7 @@
     <p:sldMasterId id="2147483648" r:id="rId1"/>
   </p:sldMasterIdLst>
   <p:notesMasterIdLst>
-    <p:notesMasterId r:id="rId9"/>
+    <p:notesMasterId r:id="rId14"/>
   </p:notesMasterIdLst>
   <p:sldIdLst>
     <p:sldId id="256" r:id="rId2"/>
@@ -15,6 +15,11 @@
     <p:sldId id="280" r:id="rId6"/>
     <p:sldId id="283" r:id="rId7"/>
     <p:sldId id="282" r:id="rId8"/>
+    <p:sldId id="286" r:id="rId9"/>
+    <p:sldId id="287" r:id="rId10"/>
+    <p:sldId id="288" r:id="rId11"/>
+    <p:sldId id="284" r:id="rId12"/>
+    <p:sldId id="285" r:id="rId13"/>
   </p:sldIdLst>
   <p:sldSz cx="9144000" cy="6858000" type="screen4x3"/>
   <p:notesSz cx="6858000" cy="9144000"/>
@@ -198,7 +203,7 @@
           <a:p>
             <a:fld id="{B24A7054-7FFB-49F4-A126-5DF6E687FF53}" type="datetimeFigureOut">
               <a:rPr lang="ru-RU" smtClean="0"/>
-              <a:t>20.10.2015</a:t>
+              <a:t>04.11.2015</a:t>
             </a:fld>
             <a:endParaRPr lang="ru-RU"/>
           </a:p>
@@ -1261,7 +1266,7 @@
           <a:p>
             <a:fld id="{8E6E6A2A-E9D3-4A0D-B04A-ABDD367A1E08}" type="datetimeFigureOut">
               <a:rPr lang="ru-RU" smtClean="0"/>
-              <a:t>20.10.2015</a:t>
+              <a:t>04.11.2015</a:t>
             </a:fld>
             <a:endParaRPr lang="ru-RU"/>
           </a:p>
@@ -2709,7 +2714,7 @@
           <a:p>
             <a:fld id="{AC3D3127-B7C4-45E3-9797-C527EC9FDD78}" type="datetimeFigureOut">
               <a:rPr lang="ru-RU" smtClean="0"/>
-              <a:t>20.10.2015</a:t>
+              <a:t>04.11.2015</a:t>
             </a:fld>
             <a:endParaRPr lang="ru-RU"/>
           </a:p>
@@ -3279,6 +3284,321 @@
 </p:sld>
 </file>
 
+<file path=ppt/slides/slide10.xml><?xml version="1.0" encoding="utf-8"?>
+<p:sld xmlns:a="http://schemas.openxmlformats.org/drawingml/2006/main" xmlns:r="http://schemas.openxmlformats.org/officeDocument/2006/relationships" xmlns:p="http://schemas.openxmlformats.org/presentationml/2006/main">
+  <p:cSld>
+    <p:spTree>
+      <p:nvGrpSpPr>
+        <p:cNvPr id="1" name=""/>
+        <p:cNvGrpSpPr/>
+        <p:nvPr/>
+      </p:nvGrpSpPr>
+      <p:grpSpPr>
+        <a:xfrm>
+          <a:off x="0" y="0"/>
+          <a:ext cx="0" cy="0"/>
+          <a:chOff x="0" y="0"/>
+          <a:chExt cx="0" cy="0"/>
+        </a:xfrm>
+      </p:grpSpPr>
+      <p:sp>
+        <p:nvSpPr>
+          <p:cNvPr id="2" name="Title 1"/>
+          <p:cNvSpPr>
+            <a:spLocks noGrp="1"/>
+          </p:cNvSpPr>
+          <p:nvPr>
+            <p:ph type="title"/>
+          </p:nvPr>
+        </p:nvSpPr>
+        <p:spPr/>
+        <p:txBody>
+          <a:bodyPr/>
+          <a:lstStyle/>
+          <a:p>
+            <a:r>
+              <a:rPr lang="ru-RU" dirty="0" smtClean="0"/>
+              <a:t>Элементы </a:t>
+            </a:r>
+            <a:r>
+              <a:rPr lang="en-US" dirty="0" smtClean="0"/>
+              <a:t>UI</a:t>
+            </a:r>
+            <a:endParaRPr lang="ru-RU" dirty="0"/>
+          </a:p>
+        </p:txBody>
+      </p:sp>
+      <p:sp>
+        <p:nvSpPr>
+          <p:cNvPr id="3" name="Content Placeholder 2"/>
+          <p:cNvSpPr>
+            <a:spLocks noGrp="1"/>
+          </p:cNvSpPr>
+          <p:nvPr>
+            <p:ph idx="1"/>
+          </p:nvPr>
+        </p:nvSpPr>
+        <p:spPr/>
+        <p:txBody>
+          <a:bodyPr/>
+          <a:lstStyle/>
+          <a:p>
+            <a:r>
+              <a:rPr lang="en-US" dirty="0" err="1" smtClean="0"/>
+              <a:t>MenuStrip</a:t>
+            </a:r>
+            <a:r>
+              <a:rPr lang="en-US" dirty="0" smtClean="0"/>
+              <a:t>:</a:t>
+            </a:r>
+            <a:r>
+              <a:rPr lang="ru-RU" dirty="0" smtClean="0"/>
+              <a:t> главное меню</a:t>
+            </a:r>
+            <a:endParaRPr lang="en-US" dirty="0" smtClean="0"/>
+          </a:p>
+          <a:p>
+            <a:r>
+              <a:rPr lang="en-US" dirty="0" err="1" smtClean="0"/>
+              <a:t>ContextMenuStrip</a:t>
+            </a:r>
+            <a:r>
+              <a:rPr lang="ru-RU" dirty="0" smtClean="0"/>
+              <a:t>: контекстное меню</a:t>
+            </a:r>
+            <a:endParaRPr lang="en-US" dirty="0" smtClean="0"/>
+          </a:p>
+          <a:p>
+            <a:r>
+              <a:rPr lang="en-US" dirty="0" err="1" smtClean="0"/>
+              <a:t>StatusStrip</a:t>
+            </a:r>
+            <a:r>
+              <a:rPr lang="ru-RU" dirty="0" smtClean="0"/>
+              <a:t>: строка статуса</a:t>
+            </a:r>
+            <a:endParaRPr lang="ru-RU" dirty="0"/>
+          </a:p>
+        </p:txBody>
+      </p:sp>
+    </p:spTree>
+    <p:extLst>
+      <p:ext uri="{BB962C8B-B14F-4D97-AF65-F5344CB8AC3E}">
+        <p14:creationId xmlns:p14="http://schemas.microsoft.com/office/powerpoint/2010/main" val="3917359600"/>
+      </p:ext>
+    </p:extLst>
+  </p:cSld>
+  <p:clrMapOvr>
+    <a:masterClrMapping/>
+  </p:clrMapOvr>
+</p:sld>
+</file>
+
+<file path=ppt/slides/slide11.xml><?xml version="1.0" encoding="utf-8"?>
+<p:sld xmlns:a="http://schemas.openxmlformats.org/drawingml/2006/main" xmlns:r="http://schemas.openxmlformats.org/officeDocument/2006/relationships" xmlns:p="http://schemas.openxmlformats.org/presentationml/2006/main">
+  <p:cSld>
+    <p:spTree>
+      <p:nvGrpSpPr>
+        <p:cNvPr id="1" name=""/>
+        <p:cNvGrpSpPr/>
+        <p:nvPr/>
+      </p:nvGrpSpPr>
+      <p:grpSpPr>
+        <a:xfrm>
+          <a:off x="0" y="0"/>
+          <a:ext cx="0" cy="0"/>
+          <a:chOff x="0" y="0"/>
+          <a:chExt cx="0" cy="0"/>
+        </a:xfrm>
+      </p:grpSpPr>
+      <p:sp>
+        <p:nvSpPr>
+          <p:cNvPr id="2" name="Title 1"/>
+          <p:cNvSpPr>
+            <a:spLocks noGrp="1"/>
+          </p:cNvSpPr>
+          <p:nvPr>
+            <p:ph type="title"/>
+          </p:nvPr>
+        </p:nvSpPr>
+        <p:spPr/>
+        <p:txBody>
+          <a:bodyPr/>
+          <a:lstStyle/>
+          <a:p>
+            <a:r>
+              <a:rPr lang="ru-RU" dirty="0" smtClean="0"/>
+              <a:t>Стандартные диалоги</a:t>
+            </a:r>
+            <a:endParaRPr lang="ru-RU" dirty="0"/>
+          </a:p>
+        </p:txBody>
+      </p:sp>
+      <p:sp>
+        <p:nvSpPr>
+          <p:cNvPr id="3" name="Content Placeholder 2"/>
+          <p:cNvSpPr>
+            <a:spLocks noGrp="1"/>
+          </p:cNvSpPr>
+          <p:nvPr>
+            <p:ph idx="1"/>
+          </p:nvPr>
+        </p:nvSpPr>
+        <p:spPr/>
+        <p:txBody>
+          <a:bodyPr/>
+          <a:lstStyle/>
+          <a:p>
+            <a:r>
+              <a:rPr lang="ru-RU" dirty="0" smtClean="0"/>
+              <a:t>Файлы/папки:</a:t>
+            </a:r>
+            <a:endParaRPr lang="en-US" dirty="0" smtClean="0"/>
+          </a:p>
+          <a:p>
+            <a:pPr lvl="1"/>
+            <a:r>
+              <a:rPr lang="en-US" dirty="0" err="1" smtClean="0"/>
+              <a:t>OpenFileDialog</a:t>
+            </a:r>
+            <a:endParaRPr lang="en-US" dirty="0" smtClean="0"/>
+          </a:p>
+          <a:p>
+            <a:pPr lvl="1"/>
+            <a:r>
+              <a:rPr lang="en-US" dirty="0" err="1" smtClean="0"/>
+              <a:t>SaveFileDialog</a:t>
+            </a:r>
+            <a:endParaRPr lang="en-US" dirty="0" smtClean="0"/>
+          </a:p>
+          <a:p>
+            <a:pPr lvl="1"/>
+            <a:r>
+              <a:rPr lang="en-US" dirty="0" err="1" smtClean="0"/>
+              <a:t>FolderBrowserDialog</a:t>
+            </a:r>
+            <a:endParaRPr lang="ru-RU" dirty="0" smtClean="0"/>
+          </a:p>
+          <a:p>
+            <a:r>
+              <a:rPr lang="ru-RU" dirty="0" smtClean="0"/>
+              <a:t>Печать:</a:t>
+            </a:r>
+          </a:p>
+          <a:p>
+            <a:pPr lvl="1"/>
+            <a:r>
+              <a:rPr lang="en-US" dirty="0" err="1" smtClean="0"/>
+              <a:t>PrintDialog</a:t>
+            </a:r>
+            <a:endParaRPr lang="en-US" dirty="0" smtClean="0"/>
+          </a:p>
+          <a:p>
+            <a:pPr lvl="1"/>
+            <a:r>
+              <a:rPr lang="en-US" dirty="0" err="1" smtClean="0"/>
+              <a:t>PageSetupDialog</a:t>
+            </a:r>
+            <a:endParaRPr lang="ru-RU" dirty="0"/>
+          </a:p>
+        </p:txBody>
+      </p:sp>
+    </p:spTree>
+    <p:extLst>
+      <p:ext uri="{BB962C8B-B14F-4D97-AF65-F5344CB8AC3E}">
+        <p14:creationId xmlns:p14="http://schemas.microsoft.com/office/powerpoint/2010/main" val="177429524"/>
+      </p:ext>
+    </p:extLst>
+  </p:cSld>
+  <p:clrMapOvr>
+    <a:masterClrMapping/>
+  </p:clrMapOvr>
+</p:sld>
+</file>
+
+<file path=ppt/slides/slide12.xml><?xml version="1.0" encoding="utf-8"?>
+<p:sld xmlns:a="http://schemas.openxmlformats.org/drawingml/2006/main" xmlns:r="http://schemas.openxmlformats.org/officeDocument/2006/relationships" xmlns:p="http://schemas.openxmlformats.org/presentationml/2006/main">
+  <p:cSld>
+    <p:spTree>
+      <p:nvGrpSpPr>
+        <p:cNvPr id="1" name=""/>
+        <p:cNvGrpSpPr/>
+        <p:nvPr/>
+      </p:nvGrpSpPr>
+      <p:grpSpPr>
+        <a:xfrm>
+          <a:off x="0" y="0"/>
+          <a:ext cx="0" cy="0"/>
+          <a:chOff x="0" y="0"/>
+          <a:chExt cx="0" cy="0"/>
+        </a:xfrm>
+      </p:grpSpPr>
+      <p:sp>
+        <p:nvSpPr>
+          <p:cNvPr id="2" name="Title 1"/>
+          <p:cNvSpPr>
+            <a:spLocks noGrp="1"/>
+          </p:cNvSpPr>
+          <p:nvPr>
+            <p:ph type="title"/>
+          </p:nvPr>
+        </p:nvSpPr>
+        <p:spPr/>
+        <p:txBody>
+          <a:bodyPr/>
+          <a:lstStyle/>
+          <a:p>
+            <a:r>
+              <a:rPr lang="ru-RU" dirty="0" smtClean="0"/>
+              <a:t>Паралельное выполнение</a:t>
+            </a:r>
+            <a:endParaRPr lang="ru-RU" dirty="0"/>
+          </a:p>
+        </p:txBody>
+      </p:sp>
+      <p:sp>
+        <p:nvSpPr>
+          <p:cNvPr id="3" name="Content Placeholder 2"/>
+          <p:cNvSpPr>
+            <a:spLocks noGrp="1"/>
+          </p:cNvSpPr>
+          <p:nvPr>
+            <p:ph idx="1"/>
+          </p:nvPr>
+        </p:nvSpPr>
+        <p:spPr/>
+        <p:txBody>
+          <a:bodyPr/>
+          <a:lstStyle/>
+          <a:p>
+            <a:r>
+              <a:rPr lang="en-US" dirty="0" err="1" smtClean="0"/>
+              <a:t>BackgroundWorker</a:t>
+            </a:r>
+            <a:endParaRPr lang="en-US" dirty="0" smtClean="0"/>
+          </a:p>
+          <a:p>
+            <a:r>
+              <a:rPr lang="en-US" dirty="0" smtClean="0"/>
+              <a:t>Timer</a:t>
+            </a:r>
+            <a:endParaRPr lang="ru-RU" dirty="0"/>
+          </a:p>
+        </p:txBody>
+      </p:sp>
+    </p:spTree>
+    <p:extLst>
+      <p:ext uri="{BB962C8B-B14F-4D97-AF65-F5344CB8AC3E}">
+        <p14:creationId xmlns:p14="http://schemas.microsoft.com/office/powerpoint/2010/main" val="498033561"/>
+      </p:ext>
+    </p:extLst>
+  </p:cSld>
+  <p:clrMapOvr>
+    <a:masterClrMapping/>
+  </p:clrMapOvr>
+</p:sld>
+</file>
+
 <file path=ppt/slides/slide2.xml><?xml version="1.0" encoding="utf-8"?>
 <p:sld xmlns:a="http://schemas.openxmlformats.org/drawingml/2006/main" xmlns:r="http://schemas.openxmlformats.org/officeDocument/2006/relationships" xmlns:p="http://schemas.openxmlformats.org/presentationml/2006/main">
   <p:cSld>
@@ -4478,6 +4798,209 @@
     <p:extLst>
       <p:ext uri="{BB962C8B-B14F-4D97-AF65-F5344CB8AC3E}">
         <p14:creationId xmlns:p14="http://schemas.microsoft.com/office/powerpoint/2010/main" val="2778302017"/>
+      </p:ext>
+    </p:extLst>
+  </p:cSld>
+  <p:clrMapOvr>
+    <a:masterClrMapping/>
+  </p:clrMapOvr>
+</p:sld>
+</file>
+
+<file path=ppt/slides/slide8.xml><?xml version="1.0" encoding="utf-8"?>
+<p:sld xmlns:a="http://schemas.openxmlformats.org/drawingml/2006/main" xmlns:r="http://schemas.openxmlformats.org/officeDocument/2006/relationships" xmlns:p="http://schemas.openxmlformats.org/presentationml/2006/main">
+  <p:cSld>
+    <p:spTree>
+      <p:nvGrpSpPr>
+        <p:cNvPr id="1" name=""/>
+        <p:cNvGrpSpPr/>
+        <p:nvPr/>
+      </p:nvGrpSpPr>
+      <p:grpSpPr>
+        <a:xfrm>
+          <a:off x="0" y="0"/>
+          <a:ext cx="0" cy="0"/>
+          <a:chOff x="0" y="0"/>
+          <a:chExt cx="0" cy="0"/>
+        </a:xfrm>
+      </p:grpSpPr>
+      <p:sp>
+        <p:nvSpPr>
+          <p:cNvPr id="2" name="Title 1"/>
+          <p:cNvSpPr>
+            <a:spLocks noGrp="1"/>
+          </p:cNvSpPr>
+          <p:nvPr>
+            <p:ph type="title"/>
+          </p:nvPr>
+        </p:nvSpPr>
+        <p:spPr/>
+        <p:txBody>
+          <a:bodyPr/>
+          <a:lstStyle/>
+          <a:p>
+            <a:r>
+              <a:rPr lang="ru-RU" dirty="0" smtClean="0"/>
+              <a:t>Контейнеры</a:t>
+            </a:r>
+            <a:endParaRPr lang="ru-RU" dirty="0"/>
+          </a:p>
+        </p:txBody>
+      </p:sp>
+      <p:sp>
+        <p:nvSpPr>
+          <p:cNvPr id="3" name="Content Placeholder 2"/>
+          <p:cNvSpPr>
+            <a:spLocks noGrp="1"/>
+          </p:cNvSpPr>
+          <p:nvPr>
+            <p:ph idx="1"/>
+          </p:nvPr>
+        </p:nvSpPr>
+        <p:spPr/>
+        <p:txBody>
+          <a:bodyPr>
+            <a:normAutofit lnSpcReduction="10000"/>
+          </a:bodyPr>
+          <a:lstStyle/>
+          <a:p>
+            <a:r>
+              <a:rPr lang="en-US" dirty="0" smtClean="0"/>
+              <a:t>Panel</a:t>
+            </a:r>
+          </a:p>
+          <a:p>
+            <a:r>
+              <a:rPr lang="en-US" dirty="0" err="1" smtClean="0"/>
+              <a:t>GroupBox</a:t>
+            </a:r>
+            <a:endParaRPr lang="en-US" dirty="0" smtClean="0"/>
+          </a:p>
+          <a:p>
+            <a:endParaRPr lang="en-US" dirty="0"/>
+          </a:p>
+          <a:p>
+            <a:r>
+              <a:rPr lang="en-US" dirty="0" err="1" smtClean="0"/>
+              <a:t>SplitContainer</a:t>
+            </a:r>
+            <a:endParaRPr lang="en-US" dirty="0" smtClean="0"/>
+          </a:p>
+          <a:p>
+            <a:r>
+              <a:rPr lang="en-US" dirty="0" err="1" smtClean="0"/>
+              <a:t>TabControl</a:t>
+            </a:r>
+            <a:endParaRPr lang="en-US" dirty="0" smtClean="0"/>
+          </a:p>
+          <a:p>
+            <a:endParaRPr lang="en-US" dirty="0"/>
+          </a:p>
+          <a:p>
+            <a:r>
+              <a:rPr lang="en-US" dirty="0" err="1" smtClean="0"/>
+              <a:t>FlowLayoutPanel</a:t>
+            </a:r>
+            <a:endParaRPr lang="en-US" dirty="0" smtClean="0"/>
+          </a:p>
+          <a:p>
+            <a:r>
+              <a:rPr lang="en-US" dirty="0" err="1" smtClean="0"/>
+              <a:t>TableLayoutPanel</a:t>
+            </a:r>
+            <a:endParaRPr lang="ru-RU" dirty="0"/>
+          </a:p>
+        </p:txBody>
+      </p:sp>
+    </p:spTree>
+    <p:extLst>
+      <p:ext uri="{BB962C8B-B14F-4D97-AF65-F5344CB8AC3E}">
+        <p14:creationId xmlns:p14="http://schemas.microsoft.com/office/powerpoint/2010/main" val="3685836777"/>
+      </p:ext>
+    </p:extLst>
+  </p:cSld>
+  <p:clrMapOvr>
+    <a:masterClrMapping/>
+  </p:clrMapOvr>
+</p:sld>
+</file>
+
+<file path=ppt/slides/slide9.xml><?xml version="1.0" encoding="utf-8"?>
+<p:sld xmlns:a="http://schemas.openxmlformats.org/drawingml/2006/main" xmlns:r="http://schemas.openxmlformats.org/officeDocument/2006/relationships" xmlns:p="http://schemas.openxmlformats.org/presentationml/2006/main">
+  <p:cSld>
+    <p:spTree>
+      <p:nvGrpSpPr>
+        <p:cNvPr id="1" name=""/>
+        <p:cNvGrpSpPr/>
+        <p:nvPr/>
+      </p:nvGrpSpPr>
+      <p:grpSpPr>
+        <a:xfrm>
+          <a:off x="0" y="0"/>
+          <a:ext cx="0" cy="0"/>
+          <a:chOff x="0" y="0"/>
+          <a:chExt cx="0" cy="0"/>
+        </a:xfrm>
+      </p:grpSpPr>
+      <p:sp>
+        <p:nvSpPr>
+          <p:cNvPr id="2" name="Title 1"/>
+          <p:cNvSpPr>
+            <a:spLocks noGrp="1"/>
+          </p:cNvSpPr>
+          <p:nvPr>
+            <p:ph type="title"/>
+          </p:nvPr>
+        </p:nvSpPr>
+        <p:spPr/>
+        <p:txBody>
+          <a:bodyPr/>
+          <a:lstStyle/>
+          <a:p>
+            <a:r>
+              <a:rPr lang="ru-RU" dirty="0" smtClean="0"/>
+              <a:t>Статический текст</a:t>
+            </a:r>
+            <a:endParaRPr lang="ru-RU" dirty="0"/>
+          </a:p>
+        </p:txBody>
+      </p:sp>
+      <p:sp>
+        <p:nvSpPr>
+          <p:cNvPr id="3" name="Content Placeholder 2"/>
+          <p:cNvSpPr>
+            <a:spLocks noGrp="1"/>
+          </p:cNvSpPr>
+          <p:nvPr>
+            <p:ph idx="1"/>
+          </p:nvPr>
+        </p:nvSpPr>
+        <p:spPr/>
+        <p:txBody>
+          <a:bodyPr/>
+          <a:lstStyle/>
+          <a:p>
+            <a:r>
+              <a:rPr lang="en-US" dirty="0" smtClean="0"/>
+              <a:t>Label</a:t>
+            </a:r>
+          </a:p>
+          <a:p>
+            <a:r>
+              <a:rPr lang="en-US" dirty="0" err="1" smtClean="0"/>
+              <a:t>LinkLabel</a:t>
+            </a:r>
+            <a:endParaRPr lang="en-US" dirty="0" smtClean="0"/>
+          </a:p>
+          <a:p>
+            <a:endParaRPr lang="ru-RU" dirty="0"/>
+          </a:p>
+        </p:txBody>
+      </p:sp>
+    </p:spTree>
+    <p:extLst>
+      <p:ext uri="{BB962C8B-B14F-4D97-AF65-F5344CB8AC3E}">
+        <p14:creationId xmlns:p14="http://schemas.microsoft.com/office/powerpoint/2010/main" val="2359087904"/>
       </p:ext>
     </p:extLst>
   </p:cSld>

--- a/Presentation/lesson-12-winforms.pptx
+++ b/Presentation/lesson-12-winforms.pptx
@@ -5,7 +5,7 @@
     <p:sldMasterId id="2147483648" r:id="rId1"/>
   </p:sldMasterIdLst>
   <p:notesMasterIdLst>
-    <p:notesMasterId r:id="rId14"/>
+    <p:notesMasterId r:id="rId15"/>
   </p:notesMasterIdLst>
   <p:sldIdLst>
     <p:sldId id="256" r:id="rId2"/>
@@ -14,12 +14,13 @@
     <p:sldId id="281" r:id="rId5"/>
     <p:sldId id="280" r:id="rId6"/>
     <p:sldId id="283" r:id="rId7"/>
-    <p:sldId id="282" r:id="rId8"/>
-    <p:sldId id="286" r:id="rId9"/>
-    <p:sldId id="287" r:id="rId10"/>
-    <p:sldId id="288" r:id="rId11"/>
-    <p:sldId id="284" r:id="rId12"/>
-    <p:sldId id="285" r:id="rId13"/>
+    <p:sldId id="289" r:id="rId8"/>
+    <p:sldId id="282" r:id="rId9"/>
+    <p:sldId id="286" r:id="rId10"/>
+    <p:sldId id="287" r:id="rId11"/>
+    <p:sldId id="288" r:id="rId12"/>
+    <p:sldId id="284" r:id="rId13"/>
+    <p:sldId id="285" r:id="rId14"/>
   </p:sldIdLst>
   <p:sldSz cx="9144000" cy="6858000" type="screen4x3"/>
   <p:notesSz cx="6858000" cy="9144000"/>
@@ -203,7 +204,7 @@
           <a:p>
             <a:fld id="{B24A7054-7FFB-49F4-A126-5DF6E687FF53}" type="datetimeFigureOut">
               <a:rPr lang="ru-RU" smtClean="0"/>
-              <a:t>04.11.2015</a:t>
+              <a:t>09.11.2015</a:t>
             </a:fld>
             <a:endParaRPr lang="ru-RU"/>
           </a:p>
@@ -1266,7 +1267,7 @@
           <a:p>
             <a:fld id="{8E6E6A2A-E9D3-4A0D-B04A-ABDD367A1E08}" type="datetimeFigureOut">
               <a:rPr lang="ru-RU" smtClean="0"/>
-              <a:t>04.11.2015</a:t>
+              <a:t>09.11.2015</a:t>
             </a:fld>
             <a:endParaRPr lang="ru-RU"/>
           </a:p>
@@ -2714,7 +2715,7 @@
           <a:p>
             <a:fld id="{AC3D3127-B7C4-45E3-9797-C527EC9FDD78}" type="datetimeFigureOut">
               <a:rPr lang="ru-RU" smtClean="0"/>
-              <a:t>04.11.2015</a:t>
+              <a:t>09.11.2015</a:t>
             </a:fld>
             <a:endParaRPr lang="ru-RU"/>
           </a:p>
@@ -3318,11 +3319,7 @@
           <a:p>
             <a:r>
               <a:rPr lang="ru-RU" dirty="0" smtClean="0"/>
-              <a:t>Элементы </a:t>
-            </a:r>
-            <a:r>
-              <a:rPr lang="en-US" dirty="0" smtClean="0"/>
-              <a:t>UI</a:t>
+              <a:t>Статический текст</a:t>
             </a:r>
             <a:endParaRPr lang="ru-RU" dirty="0"/>
           </a:p>
@@ -3344,39 +3341,18 @@
           <a:lstStyle/>
           <a:p>
             <a:r>
-              <a:rPr lang="en-US" dirty="0" err="1" smtClean="0"/>
-              <a:t>MenuStrip</a:t>
-            </a:r>
-            <a:r>
               <a:rPr lang="en-US" dirty="0" smtClean="0"/>
-              <a:t>:</a:t>
-            </a:r>
-            <a:r>
-              <a:rPr lang="ru-RU" dirty="0" smtClean="0"/>
-              <a:t> главное меню</a:t>
+              <a:t>Label</a:t>
+            </a:r>
+          </a:p>
+          <a:p>
+            <a:r>
+              <a:rPr lang="en-US" dirty="0" err="1" smtClean="0"/>
+              <a:t>LinkLabel</a:t>
             </a:r>
             <a:endParaRPr lang="en-US" dirty="0" smtClean="0"/>
           </a:p>
           <a:p>
-            <a:r>
-              <a:rPr lang="en-US" dirty="0" err="1" smtClean="0"/>
-              <a:t>ContextMenuStrip</a:t>
-            </a:r>
-            <a:r>
-              <a:rPr lang="ru-RU" dirty="0" smtClean="0"/>
-              <a:t>: контекстное меню</a:t>
-            </a:r>
-            <a:endParaRPr lang="en-US" dirty="0" smtClean="0"/>
-          </a:p>
-          <a:p>
-            <a:r>
-              <a:rPr lang="en-US" dirty="0" err="1" smtClean="0"/>
-              <a:t>StatusStrip</a:t>
-            </a:r>
-            <a:r>
-              <a:rPr lang="ru-RU" dirty="0" smtClean="0"/>
-              <a:t>: строка статуса</a:t>
-            </a:r>
             <a:endParaRPr lang="ru-RU" dirty="0"/>
           </a:p>
         </p:txBody>
@@ -3384,7 +3360,7 @@
     </p:spTree>
     <p:extLst>
       <p:ext uri="{BB962C8B-B14F-4D97-AF65-F5344CB8AC3E}">
-        <p14:creationId xmlns:p14="http://schemas.microsoft.com/office/powerpoint/2010/main" val="3917359600"/>
+        <p14:creationId xmlns:p14="http://schemas.microsoft.com/office/powerpoint/2010/main" val="2359087904"/>
       </p:ext>
     </p:extLst>
   </p:cSld>
@@ -3428,6 +3404,116 @@
           <a:p>
             <a:r>
               <a:rPr lang="ru-RU" dirty="0" smtClean="0"/>
+              <a:t>Элементы </a:t>
+            </a:r>
+            <a:r>
+              <a:rPr lang="en-US" dirty="0" smtClean="0"/>
+              <a:t>UI</a:t>
+            </a:r>
+            <a:endParaRPr lang="ru-RU" dirty="0"/>
+          </a:p>
+        </p:txBody>
+      </p:sp>
+      <p:sp>
+        <p:nvSpPr>
+          <p:cNvPr id="3" name="Content Placeholder 2"/>
+          <p:cNvSpPr>
+            <a:spLocks noGrp="1"/>
+          </p:cNvSpPr>
+          <p:nvPr>
+            <p:ph idx="1"/>
+          </p:nvPr>
+        </p:nvSpPr>
+        <p:spPr/>
+        <p:txBody>
+          <a:bodyPr/>
+          <a:lstStyle/>
+          <a:p>
+            <a:r>
+              <a:rPr lang="en-US" dirty="0" err="1" smtClean="0"/>
+              <a:t>MenuStrip</a:t>
+            </a:r>
+            <a:r>
+              <a:rPr lang="en-US" dirty="0" smtClean="0"/>
+              <a:t>:</a:t>
+            </a:r>
+            <a:r>
+              <a:rPr lang="ru-RU" dirty="0" smtClean="0"/>
+              <a:t> главное меню</a:t>
+            </a:r>
+            <a:endParaRPr lang="en-US" dirty="0" smtClean="0"/>
+          </a:p>
+          <a:p>
+            <a:r>
+              <a:rPr lang="en-US" dirty="0" err="1" smtClean="0"/>
+              <a:t>ContextMenuStrip</a:t>
+            </a:r>
+            <a:r>
+              <a:rPr lang="ru-RU" dirty="0" smtClean="0"/>
+              <a:t>: контекстное меню</a:t>
+            </a:r>
+            <a:endParaRPr lang="en-US" dirty="0" smtClean="0"/>
+          </a:p>
+          <a:p>
+            <a:r>
+              <a:rPr lang="en-US" dirty="0" err="1" smtClean="0"/>
+              <a:t>StatusStrip</a:t>
+            </a:r>
+            <a:r>
+              <a:rPr lang="ru-RU" dirty="0" smtClean="0"/>
+              <a:t>: строка статуса</a:t>
+            </a:r>
+            <a:endParaRPr lang="ru-RU" dirty="0"/>
+          </a:p>
+        </p:txBody>
+      </p:sp>
+    </p:spTree>
+    <p:extLst>
+      <p:ext uri="{BB962C8B-B14F-4D97-AF65-F5344CB8AC3E}">
+        <p14:creationId xmlns:p14="http://schemas.microsoft.com/office/powerpoint/2010/main" val="3917359600"/>
+      </p:ext>
+    </p:extLst>
+  </p:cSld>
+  <p:clrMapOvr>
+    <a:masterClrMapping/>
+  </p:clrMapOvr>
+</p:sld>
+</file>
+
+<file path=ppt/slides/slide12.xml><?xml version="1.0" encoding="utf-8"?>
+<p:sld xmlns:a="http://schemas.openxmlformats.org/drawingml/2006/main" xmlns:r="http://schemas.openxmlformats.org/officeDocument/2006/relationships" xmlns:p="http://schemas.openxmlformats.org/presentationml/2006/main">
+  <p:cSld>
+    <p:spTree>
+      <p:nvGrpSpPr>
+        <p:cNvPr id="1" name=""/>
+        <p:cNvGrpSpPr/>
+        <p:nvPr/>
+      </p:nvGrpSpPr>
+      <p:grpSpPr>
+        <a:xfrm>
+          <a:off x="0" y="0"/>
+          <a:ext cx="0" cy="0"/>
+          <a:chOff x="0" y="0"/>
+          <a:chExt cx="0" cy="0"/>
+        </a:xfrm>
+      </p:grpSpPr>
+      <p:sp>
+        <p:nvSpPr>
+          <p:cNvPr id="2" name="Title 1"/>
+          <p:cNvSpPr>
+            <a:spLocks noGrp="1"/>
+          </p:cNvSpPr>
+          <p:nvPr>
+            <p:ph type="title"/>
+          </p:nvPr>
+        </p:nvSpPr>
+        <p:spPr/>
+        <p:txBody>
+          <a:bodyPr/>
+          <a:lstStyle/>
+          <a:p>
+            <a:r>
+              <a:rPr lang="ru-RU" dirty="0" smtClean="0"/>
               <a:t>Стандартные диалоги</a:t>
             </a:r>
             <a:endParaRPr lang="ru-RU" dirty="0"/>
@@ -3516,7 +3602,7 @@
 </p:sld>
 </file>
 
-<file path=ppt/slides/slide12.xml><?xml version="1.0" encoding="utf-8"?>
+<file path=ppt/slides/slide13.xml><?xml version="1.0" encoding="utf-8"?>
 <p:sld xmlns:a="http://schemas.openxmlformats.org/drawingml/2006/main" xmlns:r="http://schemas.openxmlformats.org/officeDocument/2006/relationships" xmlns:p="http://schemas.openxmlformats.org/presentationml/2006/main">
   <p:cSld>
     <p:spTree>
@@ -4676,7 +4762,7 @@
       </p:grpSpPr>
       <p:sp>
         <p:nvSpPr>
-          <p:cNvPr id="4" name="Title 3"/>
+          <p:cNvPr id="2" name="Title 1"/>
           <p:cNvSpPr>
             <a:spLocks noGrp="1"/>
           </p:cNvSpPr>
@@ -4691,7 +4777,7 @@
           <a:p>
             <a:r>
               <a:rPr lang="ru-RU" dirty="0" smtClean="0"/>
-              <a:t>Ввод данных</a:t>
+              <a:t>Префиксы имен</a:t>
             </a:r>
             <a:endParaRPr lang="ru-RU" dirty="0"/>
           </a:p>
@@ -4699,7 +4785,7 @@
       </p:sp>
       <p:sp>
         <p:nvSpPr>
-          <p:cNvPr id="5" name="Content Placeholder 4"/>
+          <p:cNvPr id="3" name="Content Placeholder 2"/>
           <p:cNvSpPr>
             <a:spLocks noGrp="1"/>
           </p:cNvSpPr>
@@ -4709,87 +4795,178 @@
         </p:nvSpPr>
         <p:spPr/>
         <p:txBody>
-          <a:bodyPr>
-            <a:normAutofit fontScale="92500" lnSpcReduction="20000"/>
+          <a:bodyPr numCol="2">
+            <a:normAutofit/>
           </a:bodyPr>
           <a:lstStyle/>
           <a:p>
             <a:r>
               <a:rPr lang="en-US" dirty="0" err="1" smtClean="0"/>
+              <a:t>btn</a:t>
+            </a:r>
+            <a:r>
+              <a:rPr lang="en-US" dirty="0" smtClean="0"/>
+              <a:t> – Button</a:t>
+            </a:r>
+          </a:p>
+          <a:p>
+            <a:r>
+              <a:rPr lang="en-US" dirty="0" err="1" smtClean="0"/>
+              <a:t>cb</a:t>
+            </a:r>
+            <a:r>
+              <a:rPr lang="en-US" dirty="0" smtClean="0"/>
+              <a:t> – </a:t>
+            </a:r>
+            <a:r>
+              <a:rPr lang="en-US" dirty="0" err="1" smtClean="0"/>
+              <a:t>CheckBox</a:t>
+            </a:r>
+            <a:endParaRPr lang="en-US" dirty="0" smtClean="0"/>
+          </a:p>
+          <a:p>
+            <a:r>
+              <a:rPr lang="en-US" dirty="0" err="1" smtClean="0"/>
+              <a:t>dgv</a:t>
+            </a:r>
+            <a:r>
+              <a:rPr lang="en-US" dirty="0" smtClean="0"/>
+              <a:t> – </a:t>
+            </a:r>
+            <a:r>
+              <a:rPr lang="en-US" dirty="0" err="1" smtClean="0"/>
+              <a:t>DataGridView</a:t>
+            </a:r>
+            <a:endParaRPr lang="en-US" dirty="0" smtClean="0"/>
+          </a:p>
+          <a:p>
+            <a:r>
+              <a:rPr lang="en-US" dirty="0" err="1" smtClean="0"/>
+              <a:t>gbox</a:t>
+            </a:r>
+            <a:r>
+              <a:rPr lang="en-US" dirty="0" smtClean="0"/>
+              <a:t> - </a:t>
+            </a:r>
+            <a:r>
+              <a:rPr lang="en-US" dirty="0" err="1" smtClean="0"/>
+              <a:t>GroupBox</a:t>
+            </a:r>
+            <a:endParaRPr lang="en-US" dirty="0" smtClean="0"/>
+          </a:p>
+          <a:p>
+            <a:r>
+              <a:rPr lang="en-US" dirty="0" err="1" smtClean="0"/>
+              <a:t>lbl</a:t>
+            </a:r>
+            <a:r>
+              <a:rPr lang="en-US" dirty="0" smtClean="0"/>
+              <a:t> – Label</a:t>
+            </a:r>
+          </a:p>
+          <a:p>
+            <a:r>
+              <a:rPr lang="en-US" dirty="0" err="1" smtClean="0"/>
+              <a:t>lnk</a:t>
+            </a:r>
+            <a:r>
+              <a:rPr lang="en-US" dirty="0" smtClean="0"/>
+              <a:t> – </a:t>
+            </a:r>
+            <a:r>
+              <a:rPr lang="en-US" dirty="0" err="1" smtClean="0"/>
+              <a:t>LinkLabel</a:t>
+            </a:r>
+            <a:endParaRPr lang="en-US" dirty="0" smtClean="0"/>
+          </a:p>
+          <a:p>
+            <a:r>
+              <a:rPr lang="en-US" dirty="0" smtClean="0"/>
+              <a:t>lv – </a:t>
+            </a:r>
+            <a:r>
+              <a:rPr lang="en-US" dirty="0" err="1" smtClean="0"/>
+              <a:t>ListView</a:t>
+            </a:r>
+            <a:endParaRPr lang="en-US" dirty="0" smtClean="0"/>
+          </a:p>
+          <a:p>
+            <a:r>
+              <a:rPr lang="en-US" dirty="0" err="1" smtClean="0"/>
+              <a:t>pb</a:t>
+            </a:r>
+            <a:r>
+              <a:rPr lang="en-US" dirty="0" smtClean="0"/>
+              <a:t> – </a:t>
+            </a:r>
+            <a:r>
+              <a:rPr lang="en-US" dirty="0" err="1" smtClean="0"/>
+              <a:t>PictureBox</a:t>
+            </a:r>
+            <a:endParaRPr lang="en-US" dirty="0" smtClean="0"/>
+          </a:p>
+          <a:p>
+            <a:r>
+              <a:rPr lang="en-US" dirty="0" err="1" smtClean="0"/>
+              <a:t>prgs</a:t>
+            </a:r>
+            <a:r>
+              <a:rPr lang="en-US" dirty="0" smtClean="0"/>
+              <a:t> - </a:t>
+            </a:r>
+            <a:r>
+              <a:rPr lang="en-US" dirty="0" err="1" smtClean="0"/>
+              <a:t>ProgressBar</a:t>
+            </a:r>
+            <a:endParaRPr lang="en-US" dirty="0" smtClean="0"/>
+          </a:p>
+          <a:p>
+            <a:r>
+              <a:rPr lang="en-US" dirty="0" err="1" smtClean="0"/>
+              <a:t>rb</a:t>
+            </a:r>
+            <a:r>
+              <a:rPr lang="en-US" dirty="0" smtClean="0"/>
+              <a:t> - </a:t>
+            </a:r>
+            <a:r>
+              <a:rPr lang="en-US" dirty="0" err="1" smtClean="0"/>
+              <a:t>RadioButton</a:t>
+            </a:r>
+            <a:endParaRPr lang="en-US" dirty="0" smtClean="0"/>
+          </a:p>
+          <a:p>
+            <a:r>
+              <a:rPr lang="en-US" dirty="0" err="1" smtClean="0"/>
+              <a:t>tb</a:t>
+            </a:r>
+            <a:r>
+              <a:rPr lang="en-US" dirty="0" smtClean="0"/>
+              <a:t> </a:t>
+            </a:r>
+            <a:r>
+              <a:rPr lang="ru-RU" dirty="0" smtClean="0"/>
+              <a:t>– </a:t>
+            </a:r>
+            <a:r>
+              <a:rPr lang="en-US" dirty="0" err="1" smtClean="0"/>
               <a:t>TextBox</a:t>
             </a:r>
+            <a:endParaRPr lang="en-US" dirty="0" smtClean="0"/>
+          </a:p>
+          <a:p>
+            <a:r>
+              <a:rPr lang="en-US" dirty="0" err="1" smtClean="0"/>
+              <a:t>tv</a:t>
+            </a:r>
             <a:r>
               <a:rPr lang="en-US" dirty="0" smtClean="0"/>
-              <a:t>: </a:t>
-            </a:r>
-            <a:r>
-              <a:rPr lang="ru-RU" dirty="0" smtClean="0"/>
-              <a:t>однострочный текст, пароль, многострочный текст</a:t>
-            </a:r>
-            <a:endParaRPr lang="en-US" dirty="0" smtClean="0"/>
-          </a:p>
-          <a:p>
-            <a:r>
-              <a:rPr lang="en-US" dirty="0" err="1"/>
-              <a:t>MaskedTextBox</a:t>
-            </a:r>
-            <a:endParaRPr lang="ru-RU" dirty="0" smtClean="0"/>
-          </a:p>
-          <a:p>
-            <a:r>
-              <a:rPr lang="en-US" dirty="0" err="1" smtClean="0"/>
-              <a:t>RichTextBox</a:t>
-            </a:r>
-            <a:r>
-              <a:rPr lang="ru-RU" dirty="0" smtClean="0"/>
-              <a:t>: </a:t>
-            </a:r>
-            <a:r>
-              <a:rPr lang="ru-RU" dirty="0"/>
-              <a:t>многострочный </a:t>
-            </a:r>
-            <a:r>
-              <a:rPr lang="ru-RU" dirty="0" smtClean="0"/>
-              <a:t>текст с форматированием</a:t>
-            </a:r>
-            <a:endParaRPr lang="en-US" dirty="0" smtClean="0"/>
-          </a:p>
-          <a:p>
-            <a:r>
-              <a:rPr lang="en-US" dirty="0" err="1"/>
-              <a:t>ComboBox</a:t>
-            </a:r>
-            <a:endParaRPr lang="ru-RU" dirty="0" smtClean="0"/>
-          </a:p>
-          <a:p>
-            <a:r>
-              <a:rPr lang="en-US" dirty="0" err="1" smtClean="0"/>
-              <a:t>NumericUpDown</a:t>
-            </a:r>
-            <a:endParaRPr lang="en-US" dirty="0" smtClean="0"/>
-          </a:p>
-          <a:p>
-            <a:r>
-              <a:rPr lang="en-US" dirty="0" err="1" smtClean="0"/>
-              <a:t>DomainUpDown</a:t>
-            </a:r>
-            <a:endParaRPr lang="en-US" dirty="0" smtClean="0"/>
-          </a:p>
-          <a:p>
-            <a:r>
-              <a:rPr lang="en-US" dirty="0" err="1" smtClean="0"/>
-              <a:t>DateTimePicker</a:t>
-            </a:r>
-            <a:endParaRPr lang="ru-RU" dirty="0" smtClean="0"/>
-          </a:p>
-          <a:p>
-            <a:r>
-              <a:rPr lang="en-US" dirty="0" err="1" smtClean="0"/>
-              <a:t>MonthCalendar</a:t>
-            </a:r>
-            <a:endParaRPr lang="en-US" dirty="0" smtClean="0"/>
-          </a:p>
-          <a:p>
+              <a:t> - </a:t>
+            </a:r>
+            <a:r>
+              <a:rPr lang="en-US" dirty="0" err="1" smtClean="0"/>
+              <a:t>TreeView</a:t>
+            </a:r>
             <a:endParaRPr lang="ru-RU" dirty="0"/>
           </a:p>
         </p:txBody>
@@ -4797,7 +4974,7 @@
     </p:spTree>
     <p:extLst>
       <p:ext uri="{BB962C8B-B14F-4D97-AF65-F5344CB8AC3E}">
-        <p14:creationId xmlns:p14="http://schemas.microsoft.com/office/powerpoint/2010/main" val="2778302017"/>
+        <p14:creationId xmlns:p14="http://schemas.microsoft.com/office/powerpoint/2010/main" val="3616111561"/>
       </p:ext>
     </p:extLst>
   </p:cSld>
@@ -4826,7 +5003,7 @@
       </p:grpSpPr>
       <p:sp>
         <p:nvSpPr>
-          <p:cNvPr id="2" name="Title 1"/>
+          <p:cNvPr id="4" name="Title 3"/>
           <p:cNvSpPr>
             <a:spLocks noGrp="1"/>
           </p:cNvSpPr>
@@ -4841,7 +5018,7 @@
           <a:p>
             <a:r>
               <a:rPr lang="ru-RU" dirty="0" smtClean="0"/>
-              <a:t>Контейнеры</a:t>
+              <a:t>Ввод данных</a:t>
             </a:r>
             <a:endParaRPr lang="ru-RU" dirty="0"/>
           </a:p>
@@ -4849,7 +5026,7 @@
       </p:sp>
       <p:sp>
         <p:nvSpPr>
-          <p:cNvPr id="3" name="Content Placeholder 2"/>
+          <p:cNvPr id="5" name="Content Placeholder 4"/>
           <p:cNvSpPr>
             <a:spLocks noGrp="1"/>
           </p:cNvSpPr>
@@ -4860,54 +5037,86 @@
         <p:spPr/>
         <p:txBody>
           <a:bodyPr>
-            <a:normAutofit lnSpcReduction="10000"/>
+            <a:normAutofit fontScale="92500" lnSpcReduction="20000"/>
           </a:bodyPr>
           <a:lstStyle/>
           <a:p>
             <a:r>
+              <a:rPr lang="en-US" dirty="0" err="1" smtClean="0"/>
+              <a:t>TextBox</a:t>
+            </a:r>
+            <a:r>
               <a:rPr lang="en-US" dirty="0" smtClean="0"/>
-              <a:t>Panel</a:t>
-            </a:r>
-          </a:p>
-          <a:p>
-            <a:r>
-              <a:rPr lang="en-US" dirty="0" err="1" smtClean="0"/>
-              <a:t>GroupBox</a:t>
+              <a:t>: </a:t>
+            </a:r>
+            <a:r>
+              <a:rPr lang="ru-RU" dirty="0" smtClean="0"/>
+              <a:t>однострочный текст, пароль, многострочный текст</a:t>
             </a:r>
             <a:endParaRPr lang="en-US" dirty="0" smtClean="0"/>
           </a:p>
           <a:p>
-            <a:endParaRPr lang="en-US" dirty="0"/>
-          </a:p>
-          <a:p>
-            <a:r>
-              <a:rPr lang="en-US" dirty="0" err="1" smtClean="0"/>
-              <a:t>SplitContainer</a:t>
+            <a:r>
+              <a:rPr lang="en-US" dirty="0" err="1"/>
+              <a:t>MaskedTextBox</a:t>
+            </a:r>
+            <a:endParaRPr lang="ru-RU" dirty="0" smtClean="0"/>
+          </a:p>
+          <a:p>
+            <a:r>
+              <a:rPr lang="en-US" dirty="0" err="1" smtClean="0"/>
+              <a:t>RichTextBox</a:t>
+            </a:r>
+            <a:r>
+              <a:rPr lang="ru-RU" dirty="0" smtClean="0"/>
+              <a:t>: </a:t>
+            </a:r>
+            <a:r>
+              <a:rPr lang="ru-RU" dirty="0"/>
+              <a:t>многострочный </a:t>
+            </a:r>
+            <a:r>
+              <a:rPr lang="ru-RU" dirty="0" smtClean="0"/>
+              <a:t>текст с форматированием</a:t>
             </a:r>
             <a:endParaRPr lang="en-US" dirty="0" smtClean="0"/>
           </a:p>
           <a:p>
             <a:r>
-              <a:rPr lang="en-US" dirty="0" err="1" smtClean="0"/>
-              <a:t>TabControl</a:t>
+              <a:rPr lang="en-US" dirty="0" err="1"/>
+              <a:t>ComboBox</a:t>
+            </a:r>
+            <a:endParaRPr lang="ru-RU" dirty="0" smtClean="0"/>
+          </a:p>
+          <a:p>
+            <a:r>
+              <a:rPr lang="en-US" dirty="0" err="1" smtClean="0"/>
+              <a:t>NumericUpDown</a:t>
             </a:r>
             <a:endParaRPr lang="en-US" dirty="0" smtClean="0"/>
           </a:p>
           <a:p>
-            <a:endParaRPr lang="en-US" dirty="0"/>
-          </a:p>
-          <a:p>
-            <a:r>
-              <a:rPr lang="en-US" dirty="0" err="1" smtClean="0"/>
-              <a:t>FlowLayoutPanel</a:t>
+            <a:r>
+              <a:rPr lang="en-US" dirty="0" err="1" smtClean="0"/>
+              <a:t>DomainUpDown</a:t>
             </a:r>
             <a:endParaRPr lang="en-US" dirty="0" smtClean="0"/>
           </a:p>
           <a:p>
             <a:r>
               <a:rPr lang="en-US" dirty="0" err="1" smtClean="0"/>
-              <a:t>TableLayoutPanel</a:t>
-            </a:r>
+              <a:t>DateTimePicker</a:t>
+            </a:r>
+            <a:endParaRPr lang="ru-RU" dirty="0" smtClean="0"/>
+          </a:p>
+          <a:p>
+            <a:r>
+              <a:rPr lang="en-US" dirty="0" err="1" smtClean="0"/>
+              <a:t>MonthCalendar</a:t>
+            </a:r>
+            <a:endParaRPr lang="en-US" dirty="0" smtClean="0"/>
+          </a:p>
+          <a:p>
             <a:endParaRPr lang="ru-RU" dirty="0"/>
           </a:p>
         </p:txBody>
@@ -4915,7 +5124,7 @@
     </p:spTree>
     <p:extLst>
       <p:ext uri="{BB962C8B-B14F-4D97-AF65-F5344CB8AC3E}">
-        <p14:creationId xmlns:p14="http://schemas.microsoft.com/office/powerpoint/2010/main" val="3685836777"/>
+        <p14:creationId xmlns:p14="http://schemas.microsoft.com/office/powerpoint/2010/main" val="2778302017"/>
       </p:ext>
     </p:extLst>
   </p:cSld>
@@ -4959,7 +5168,7 @@
           <a:p>
             <a:r>
               <a:rPr lang="ru-RU" dirty="0" smtClean="0"/>
-              <a:t>Статический текст</a:t>
+              <a:t>Контейнеры</a:t>
             </a:r>
             <a:endParaRPr lang="ru-RU" dirty="0"/>
           </a:p>
@@ -4977,22 +5186,55 @@
         </p:nvSpPr>
         <p:spPr/>
         <p:txBody>
-          <a:bodyPr/>
+          <a:bodyPr>
+            <a:normAutofit lnSpcReduction="10000"/>
+          </a:bodyPr>
           <a:lstStyle/>
           <a:p>
             <a:r>
               <a:rPr lang="en-US" dirty="0" smtClean="0"/>
-              <a:t>Label</a:t>
-            </a:r>
-          </a:p>
-          <a:p>
-            <a:r>
-              <a:rPr lang="en-US" dirty="0" err="1" smtClean="0"/>
-              <a:t>LinkLabel</a:t>
+              <a:t>Panel</a:t>
+            </a:r>
+          </a:p>
+          <a:p>
+            <a:r>
+              <a:rPr lang="en-US" dirty="0" err="1" smtClean="0"/>
+              <a:t>GroupBox</a:t>
             </a:r>
             <a:endParaRPr lang="en-US" dirty="0" smtClean="0"/>
           </a:p>
           <a:p>
+            <a:endParaRPr lang="en-US" dirty="0"/>
+          </a:p>
+          <a:p>
+            <a:r>
+              <a:rPr lang="en-US" dirty="0" err="1" smtClean="0"/>
+              <a:t>SplitContainer</a:t>
+            </a:r>
+            <a:endParaRPr lang="en-US" dirty="0" smtClean="0"/>
+          </a:p>
+          <a:p>
+            <a:r>
+              <a:rPr lang="en-US" dirty="0" err="1" smtClean="0"/>
+              <a:t>TabControl</a:t>
+            </a:r>
+            <a:endParaRPr lang="en-US" dirty="0" smtClean="0"/>
+          </a:p>
+          <a:p>
+            <a:endParaRPr lang="en-US" dirty="0"/>
+          </a:p>
+          <a:p>
+            <a:r>
+              <a:rPr lang="en-US" dirty="0" err="1" smtClean="0"/>
+              <a:t>FlowLayoutPanel</a:t>
+            </a:r>
+            <a:endParaRPr lang="en-US" dirty="0" smtClean="0"/>
+          </a:p>
+          <a:p>
+            <a:r>
+              <a:rPr lang="en-US" dirty="0" err="1" smtClean="0"/>
+              <a:t>TableLayoutPanel</a:t>
+            </a:r>
             <a:endParaRPr lang="ru-RU" dirty="0"/>
           </a:p>
         </p:txBody>
@@ -5000,7 +5242,7 @@
     </p:spTree>
     <p:extLst>
       <p:ext uri="{BB962C8B-B14F-4D97-AF65-F5344CB8AC3E}">
-        <p14:creationId xmlns:p14="http://schemas.microsoft.com/office/powerpoint/2010/main" val="2359087904"/>
+        <p14:creationId xmlns:p14="http://schemas.microsoft.com/office/powerpoint/2010/main" val="3685836777"/>
       </p:ext>
     </p:extLst>
   </p:cSld>

--- a/Presentation/lesson-12-winforms.pptx
+++ b/Presentation/lesson-12-winforms.pptx
@@ -5,7 +5,7 @@
     <p:sldMasterId id="2147483648" r:id="rId1"/>
   </p:sldMasterIdLst>
   <p:notesMasterIdLst>
-    <p:notesMasterId r:id="rId15"/>
+    <p:notesMasterId r:id="rId17"/>
   </p:notesMasterIdLst>
   <p:sldIdLst>
     <p:sldId id="256" r:id="rId2"/>
@@ -14,13 +14,15 @@
     <p:sldId id="281" r:id="rId5"/>
     <p:sldId id="280" r:id="rId6"/>
     <p:sldId id="283" r:id="rId7"/>
-    <p:sldId id="289" r:id="rId8"/>
-    <p:sldId id="282" r:id="rId9"/>
-    <p:sldId id="286" r:id="rId10"/>
-    <p:sldId id="287" r:id="rId11"/>
-    <p:sldId id="288" r:id="rId12"/>
-    <p:sldId id="284" r:id="rId13"/>
-    <p:sldId id="285" r:id="rId14"/>
+    <p:sldId id="290" r:id="rId8"/>
+    <p:sldId id="291" r:id="rId9"/>
+    <p:sldId id="289" r:id="rId10"/>
+    <p:sldId id="282" r:id="rId11"/>
+    <p:sldId id="286" r:id="rId12"/>
+    <p:sldId id="287" r:id="rId13"/>
+    <p:sldId id="288" r:id="rId14"/>
+    <p:sldId id="284" r:id="rId15"/>
+    <p:sldId id="285" r:id="rId16"/>
   </p:sldIdLst>
   <p:sldSz cx="9144000" cy="6858000" type="screen4x3"/>
   <p:notesSz cx="6858000" cy="9144000"/>
@@ -204,7 +206,7 @@
           <a:p>
             <a:fld id="{B24A7054-7FFB-49F4-A126-5DF6E687FF53}" type="datetimeFigureOut">
               <a:rPr lang="ru-RU" smtClean="0"/>
-              <a:t>09.11.2015</a:t>
+              <a:t>21.11.2015</a:t>
             </a:fld>
             <a:endParaRPr lang="ru-RU"/>
           </a:p>
@@ -1267,7 +1269,7 @@
           <a:p>
             <a:fld id="{8E6E6A2A-E9D3-4A0D-B04A-ABDD367A1E08}" type="datetimeFigureOut">
               <a:rPr lang="ru-RU" smtClean="0"/>
-              <a:t>09.11.2015</a:t>
+              <a:t>21.11.2015</a:t>
             </a:fld>
             <a:endParaRPr lang="ru-RU"/>
           </a:p>
@@ -2715,7 +2717,7 @@
           <a:p>
             <a:fld id="{AC3D3127-B7C4-45E3-9797-C527EC9FDD78}" type="datetimeFigureOut">
               <a:rPr lang="ru-RU" smtClean="0"/>
-              <a:t>09.11.2015</a:t>
+              <a:t>21.11.2015</a:t>
             </a:fld>
             <a:endParaRPr lang="ru-RU"/>
           </a:p>
@@ -3304,7 +3306,7 @@
       </p:grpSpPr>
       <p:sp>
         <p:nvSpPr>
-          <p:cNvPr id="2" name="Title 1"/>
+          <p:cNvPr id="4" name="Title 3"/>
           <p:cNvSpPr>
             <a:spLocks noGrp="1"/>
           </p:cNvSpPr>
@@ -3319,7 +3321,7 @@
           <a:p>
             <a:r>
               <a:rPr lang="ru-RU" dirty="0" smtClean="0"/>
-              <a:t>Статический текст</a:t>
+              <a:t>Ввод данных</a:t>
             </a:r>
             <a:endParaRPr lang="ru-RU" dirty="0"/>
           </a:p>
@@ -3327,7 +3329,7 @@
       </p:sp>
       <p:sp>
         <p:nvSpPr>
-          <p:cNvPr id="3" name="Content Placeholder 2"/>
+          <p:cNvPr id="5" name="Content Placeholder 4"/>
           <p:cNvSpPr>
             <a:spLocks noGrp="1"/>
           </p:cNvSpPr>
@@ -3337,18 +3339,83 @@
         </p:nvSpPr>
         <p:spPr/>
         <p:txBody>
-          <a:bodyPr/>
+          <a:bodyPr>
+            <a:normAutofit fontScale="92500" lnSpcReduction="20000"/>
+          </a:bodyPr>
           <a:lstStyle/>
           <a:p>
             <a:r>
+              <a:rPr lang="en-US" dirty="0" err="1" smtClean="0"/>
+              <a:t>TextBox</a:t>
+            </a:r>
+            <a:r>
               <a:rPr lang="en-US" dirty="0" smtClean="0"/>
-              <a:t>Label</a:t>
-            </a:r>
-          </a:p>
-          <a:p>
-            <a:r>
-              <a:rPr lang="en-US" dirty="0" err="1" smtClean="0"/>
-              <a:t>LinkLabel</a:t>
+              <a:t>: </a:t>
+            </a:r>
+            <a:r>
+              <a:rPr lang="ru-RU" dirty="0" smtClean="0"/>
+              <a:t>однострочный текст, пароль, многострочный текст</a:t>
+            </a:r>
+            <a:endParaRPr lang="en-US" dirty="0" smtClean="0"/>
+          </a:p>
+          <a:p>
+            <a:r>
+              <a:rPr lang="en-US" dirty="0" err="1"/>
+              <a:t>MaskedTextBox</a:t>
+            </a:r>
+            <a:endParaRPr lang="ru-RU" dirty="0" smtClean="0"/>
+          </a:p>
+          <a:p>
+            <a:r>
+              <a:rPr lang="en-US" dirty="0" err="1" smtClean="0"/>
+              <a:t>RichTextBox</a:t>
+            </a:r>
+            <a:r>
+              <a:rPr lang="ru-RU" dirty="0" smtClean="0"/>
+              <a:t>: </a:t>
+            </a:r>
+            <a:r>
+              <a:rPr lang="ru-RU" dirty="0"/>
+              <a:t>многострочный </a:t>
+            </a:r>
+            <a:r>
+              <a:rPr lang="ru-RU" dirty="0" smtClean="0"/>
+              <a:t>текст с форматированием</a:t>
+            </a:r>
+            <a:endParaRPr lang="en-US" dirty="0" smtClean="0"/>
+          </a:p>
+          <a:p>
+            <a:r>
+              <a:rPr lang="en-US" dirty="0" err="1"/>
+              <a:t>ComboBox</a:t>
+            </a:r>
+            <a:endParaRPr lang="ru-RU" dirty="0" smtClean="0"/>
+          </a:p>
+          <a:p>
+            <a:r>
+              <a:rPr lang="en-US" dirty="0" err="1" smtClean="0"/>
+              <a:t>NumericUpDown</a:t>
+            </a:r>
+            <a:endParaRPr lang="en-US" dirty="0" smtClean="0"/>
+          </a:p>
+          <a:p>
+            <a:r>
+              <a:rPr lang="en-US" dirty="0" err="1" smtClean="0"/>
+              <a:t>DomainUpDown</a:t>
+            </a:r>
+            <a:endParaRPr lang="en-US" dirty="0" smtClean="0"/>
+          </a:p>
+          <a:p>
+            <a:r>
+              <a:rPr lang="en-US" dirty="0" err="1" smtClean="0"/>
+              <a:t>DateTimePicker</a:t>
+            </a:r>
+            <a:endParaRPr lang="ru-RU" dirty="0" smtClean="0"/>
+          </a:p>
+          <a:p>
+            <a:r>
+              <a:rPr lang="en-US" dirty="0" err="1" smtClean="0"/>
+              <a:t>MonthCalendar</a:t>
             </a:r>
             <a:endParaRPr lang="en-US" dirty="0" smtClean="0"/>
           </a:p>
@@ -3360,7 +3427,7 @@
     </p:spTree>
     <p:extLst>
       <p:ext uri="{BB962C8B-B14F-4D97-AF65-F5344CB8AC3E}">
-        <p14:creationId xmlns:p14="http://schemas.microsoft.com/office/powerpoint/2010/main" val="2359087904"/>
+        <p14:creationId xmlns:p14="http://schemas.microsoft.com/office/powerpoint/2010/main" val="2778302017"/>
       </p:ext>
     </p:extLst>
   </p:cSld>
@@ -3404,64 +3471,72 @@
           <a:p>
             <a:r>
               <a:rPr lang="ru-RU" dirty="0" smtClean="0"/>
-              <a:t>Элементы </a:t>
-            </a:r>
+              <a:t>Контейнеры</a:t>
+            </a:r>
+            <a:endParaRPr lang="ru-RU" dirty="0"/>
+          </a:p>
+        </p:txBody>
+      </p:sp>
+      <p:sp>
+        <p:nvSpPr>
+          <p:cNvPr id="3" name="Content Placeholder 2"/>
+          <p:cNvSpPr>
+            <a:spLocks noGrp="1"/>
+          </p:cNvSpPr>
+          <p:nvPr>
+            <p:ph idx="1"/>
+          </p:nvPr>
+        </p:nvSpPr>
+        <p:spPr/>
+        <p:txBody>
+          <a:bodyPr>
+            <a:normAutofit lnSpcReduction="10000"/>
+          </a:bodyPr>
+          <a:lstStyle/>
+          <a:p>
             <a:r>
               <a:rPr lang="en-US" dirty="0" smtClean="0"/>
-              <a:t>UI</a:t>
-            </a:r>
-            <a:endParaRPr lang="ru-RU" dirty="0"/>
-          </a:p>
-        </p:txBody>
-      </p:sp>
-      <p:sp>
-        <p:nvSpPr>
-          <p:cNvPr id="3" name="Content Placeholder 2"/>
-          <p:cNvSpPr>
-            <a:spLocks noGrp="1"/>
-          </p:cNvSpPr>
-          <p:nvPr>
-            <p:ph idx="1"/>
-          </p:nvPr>
-        </p:nvSpPr>
-        <p:spPr/>
-        <p:txBody>
-          <a:bodyPr/>
-          <a:lstStyle/>
-          <a:p>
-            <a:r>
-              <a:rPr lang="en-US" dirty="0" err="1" smtClean="0"/>
-              <a:t>MenuStrip</a:t>
-            </a:r>
-            <a:r>
-              <a:rPr lang="en-US" dirty="0" smtClean="0"/>
-              <a:t>:</a:t>
-            </a:r>
-            <a:r>
-              <a:rPr lang="ru-RU" dirty="0" smtClean="0"/>
-              <a:t> главное меню</a:t>
+              <a:t>Panel</a:t>
+            </a:r>
+          </a:p>
+          <a:p>
+            <a:r>
+              <a:rPr lang="en-US" dirty="0" err="1" smtClean="0"/>
+              <a:t>GroupBox</a:t>
             </a:r>
             <a:endParaRPr lang="en-US" dirty="0" smtClean="0"/>
           </a:p>
           <a:p>
-            <a:r>
-              <a:rPr lang="en-US" dirty="0" err="1" smtClean="0"/>
-              <a:t>ContextMenuStrip</a:t>
-            </a:r>
-            <a:r>
-              <a:rPr lang="ru-RU" dirty="0" smtClean="0"/>
-              <a:t>: контекстное меню</a:t>
+            <a:endParaRPr lang="en-US" dirty="0"/>
+          </a:p>
+          <a:p>
+            <a:r>
+              <a:rPr lang="en-US" dirty="0" err="1" smtClean="0"/>
+              <a:t>SplitContainer</a:t>
             </a:r>
             <a:endParaRPr lang="en-US" dirty="0" smtClean="0"/>
           </a:p>
           <a:p>
             <a:r>
               <a:rPr lang="en-US" dirty="0" err="1" smtClean="0"/>
-              <a:t>StatusStrip</a:t>
-            </a:r>
-            <a:r>
-              <a:rPr lang="ru-RU" dirty="0" smtClean="0"/>
-              <a:t>: строка статуса</a:t>
+              <a:t>TabControl</a:t>
+            </a:r>
+            <a:endParaRPr lang="en-US" dirty="0" smtClean="0"/>
+          </a:p>
+          <a:p>
+            <a:endParaRPr lang="en-US" dirty="0"/>
+          </a:p>
+          <a:p>
+            <a:r>
+              <a:rPr lang="en-US" dirty="0" err="1" smtClean="0"/>
+              <a:t>FlowLayoutPanel</a:t>
+            </a:r>
+            <a:endParaRPr lang="en-US" dirty="0" smtClean="0"/>
+          </a:p>
+          <a:p>
+            <a:r>
+              <a:rPr lang="en-US" dirty="0" err="1" smtClean="0"/>
+              <a:t>TableLayoutPanel</a:t>
             </a:r>
             <a:endParaRPr lang="ru-RU" dirty="0"/>
           </a:p>
@@ -3470,7 +3545,7 @@
     </p:spTree>
     <p:extLst>
       <p:ext uri="{BB962C8B-B14F-4D97-AF65-F5344CB8AC3E}">
-        <p14:creationId xmlns:p14="http://schemas.microsoft.com/office/powerpoint/2010/main" val="3917359600"/>
+        <p14:creationId xmlns:p14="http://schemas.microsoft.com/office/powerpoint/2010/main" val="3685836777"/>
       </p:ext>
     </p:extLst>
   </p:cSld>
@@ -3514,6 +3589,201 @@
           <a:p>
             <a:r>
               <a:rPr lang="ru-RU" dirty="0" smtClean="0"/>
+              <a:t>Статический текст</a:t>
+            </a:r>
+            <a:endParaRPr lang="ru-RU" dirty="0"/>
+          </a:p>
+        </p:txBody>
+      </p:sp>
+      <p:sp>
+        <p:nvSpPr>
+          <p:cNvPr id="3" name="Content Placeholder 2"/>
+          <p:cNvSpPr>
+            <a:spLocks noGrp="1"/>
+          </p:cNvSpPr>
+          <p:nvPr>
+            <p:ph idx="1"/>
+          </p:nvPr>
+        </p:nvSpPr>
+        <p:spPr/>
+        <p:txBody>
+          <a:bodyPr/>
+          <a:lstStyle/>
+          <a:p>
+            <a:r>
+              <a:rPr lang="en-US" dirty="0" smtClean="0"/>
+              <a:t>Label</a:t>
+            </a:r>
+          </a:p>
+          <a:p>
+            <a:r>
+              <a:rPr lang="en-US" dirty="0" err="1" smtClean="0"/>
+              <a:t>LinkLabel</a:t>
+            </a:r>
+            <a:endParaRPr lang="en-US" dirty="0" smtClean="0"/>
+          </a:p>
+          <a:p>
+            <a:endParaRPr lang="ru-RU" dirty="0"/>
+          </a:p>
+        </p:txBody>
+      </p:sp>
+    </p:spTree>
+    <p:extLst>
+      <p:ext uri="{BB962C8B-B14F-4D97-AF65-F5344CB8AC3E}">
+        <p14:creationId xmlns:p14="http://schemas.microsoft.com/office/powerpoint/2010/main" val="2359087904"/>
+      </p:ext>
+    </p:extLst>
+  </p:cSld>
+  <p:clrMapOvr>
+    <a:masterClrMapping/>
+  </p:clrMapOvr>
+</p:sld>
+</file>
+
+<file path=ppt/slides/slide13.xml><?xml version="1.0" encoding="utf-8"?>
+<p:sld xmlns:a="http://schemas.openxmlformats.org/drawingml/2006/main" xmlns:r="http://schemas.openxmlformats.org/officeDocument/2006/relationships" xmlns:p="http://schemas.openxmlformats.org/presentationml/2006/main">
+  <p:cSld>
+    <p:spTree>
+      <p:nvGrpSpPr>
+        <p:cNvPr id="1" name=""/>
+        <p:cNvGrpSpPr/>
+        <p:nvPr/>
+      </p:nvGrpSpPr>
+      <p:grpSpPr>
+        <a:xfrm>
+          <a:off x="0" y="0"/>
+          <a:ext cx="0" cy="0"/>
+          <a:chOff x="0" y="0"/>
+          <a:chExt cx="0" cy="0"/>
+        </a:xfrm>
+      </p:grpSpPr>
+      <p:sp>
+        <p:nvSpPr>
+          <p:cNvPr id="2" name="Title 1"/>
+          <p:cNvSpPr>
+            <a:spLocks noGrp="1"/>
+          </p:cNvSpPr>
+          <p:nvPr>
+            <p:ph type="title"/>
+          </p:nvPr>
+        </p:nvSpPr>
+        <p:spPr/>
+        <p:txBody>
+          <a:bodyPr/>
+          <a:lstStyle/>
+          <a:p>
+            <a:r>
+              <a:rPr lang="ru-RU" dirty="0" smtClean="0"/>
+              <a:t>Элементы </a:t>
+            </a:r>
+            <a:r>
+              <a:rPr lang="en-US" dirty="0" smtClean="0"/>
+              <a:t>UI</a:t>
+            </a:r>
+            <a:endParaRPr lang="ru-RU" dirty="0"/>
+          </a:p>
+        </p:txBody>
+      </p:sp>
+      <p:sp>
+        <p:nvSpPr>
+          <p:cNvPr id="3" name="Content Placeholder 2"/>
+          <p:cNvSpPr>
+            <a:spLocks noGrp="1"/>
+          </p:cNvSpPr>
+          <p:nvPr>
+            <p:ph idx="1"/>
+          </p:nvPr>
+        </p:nvSpPr>
+        <p:spPr/>
+        <p:txBody>
+          <a:bodyPr/>
+          <a:lstStyle/>
+          <a:p>
+            <a:r>
+              <a:rPr lang="en-US" dirty="0" err="1" smtClean="0"/>
+              <a:t>MenuStrip</a:t>
+            </a:r>
+            <a:r>
+              <a:rPr lang="en-US" dirty="0" smtClean="0"/>
+              <a:t>:</a:t>
+            </a:r>
+            <a:r>
+              <a:rPr lang="ru-RU" dirty="0" smtClean="0"/>
+              <a:t> главное меню</a:t>
+            </a:r>
+            <a:endParaRPr lang="en-US" dirty="0" smtClean="0"/>
+          </a:p>
+          <a:p>
+            <a:r>
+              <a:rPr lang="en-US" dirty="0" err="1" smtClean="0"/>
+              <a:t>ContextMenuStrip</a:t>
+            </a:r>
+            <a:r>
+              <a:rPr lang="ru-RU" dirty="0" smtClean="0"/>
+              <a:t>: контекстное меню</a:t>
+            </a:r>
+            <a:endParaRPr lang="en-US" dirty="0" smtClean="0"/>
+          </a:p>
+          <a:p>
+            <a:r>
+              <a:rPr lang="en-US" dirty="0" err="1" smtClean="0"/>
+              <a:t>StatusStrip</a:t>
+            </a:r>
+            <a:r>
+              <a:rPr lang="ru-RU" dirty="0" smtClean="0"/>
+              <a:t>: строка статуса</a:t>
+            </a:r>
+            <a:endParaRPr lang="ru-RU" dirty="0"/>
+          </a:p>
+        </p:txBody>
+      </p:sp>
+    </p:spTree>
+    <p:extLst>
+      <p:ext uri="{BB962C8B-B14F-4D97-AF65-F5344CB8AC3E}">
+        <p14:creationId xmlns:p14="http://schemas.microsoft.com/office/powerpoint/2010/main" val="3917359600"/>
+      </p:ext>
+    </p:extLst>
+  </p:cSld>
+  <p:clrMapOvr>
+    <a:masterClrMapping/>
+  </p:clrMapOvr>
+</p:sld>
+</file>
+
+<file path=ppt/slides/slide14.xml><?xml version="1.0" encoding="utf-8"?>
+<p:sld xmlns:a="http://schemas.openxmlformats.org/drawingml/2006/main" xmlns:r="http://schemas.openxmlformats.org/officeDocument/2006/relationships" xmlns:p="http://schemas.openxmlformats.org/presentationml/2006/main">
+  <p:cSld>
+    <p:spTree>
+      <p:nvGrpSpPr>
+        <p:cNvPr id="1" name=""/>
+        <p:cNvGrpSpPr/>
+        <p:nvPr/>
+      </p:nvGrpSpPr>
+      <p:grpSpPr>
+        <a:xfrm>
+          <a:off x="0" y="0"/>
+          <a:ext cx="0" cy="0"/>
+          <a:chOff x="0" y="0"/>
+          <a:chExt cx="0" cy="0"/>
+        </a:xfrm>
+      </p:grpSpPr>
+      <p:sp>
+        <p:nvSpPr>
+          <p:cNvPr id="2" name="Title 1"/>
+          <p:cNvSpPr>
+            <a:spLocks noGrp="1"/>
+          </p:cNvSpPr>
+          <p:nvPr>
+            <p:ph type="title"/>
+          </p:nvPr>
+        </p:nvSpPr>
+        <p:spPr/>
+        <p:txBody>
+          <a:bodyPr/>
+          <a:lstStyle/>
+          <a:p>
+            <a:r>
+              <a:rPr lang="ru-RU" dirty="0" smtClean="0"/>
               <a:t>Стандартные диалоги</a:t>
             </a:r>
             <a:endParaRPr lang="ru-RU" dirty="0"/>
@@ -3602,7 +3872,7 @@
 </p:sld>
 </file>
 
-<file path=ppt/slides/slide13.xml><?xml version="1.0" encoding="utf-8"?>
+<file path=ppt/slides/slide15.xml><?xml version="1.0" encoding="utf-8"?>
 <p:sld xmlns:a="http://schemas.openxmlformats.org/drawingml/2006/main" xmlns:r="http://schemas.openxmlformats.org/officeDocument/2006/relationships" xmlns:p="http://schemas.openxmlformats.org/presentationml/2006/main">
   <p:cSld>
     <p:spTree>
@@ -4777,7 +5047,11 @@
           <a:p>
             <a:r>
               <a:rPr lang="ru-RU" dirty="0" smtClean="0"/>
-              <a:t>Префиксы имен</a:t>
+              <a:t>Метод </a:t>
+            </a:r>
+            <a:r>
+              <a:rPr lang="en-US" dirty="0" err="1"/>
+              <a:t>InitializeComponent</a:t>
             </a:r>
             <a:endParaRPr lang="ru-RU" dirty="0"/>
           </a:p>
@@ -4795,177 +5069,57 @@
         </p:nvSpPr>
         <p:spPr/>
         <p:txBody>
-          <a:bodyPr numCol="2">
-            <a:normAutofit/>
-          </a:bodyPr>
+          <a:bodyPr/>
           <a:lstStyle/>
           <a:p>
-            <a:r>
-              <a:rPr lang="en-US" dirty="0" err="1" smtClean="0"/>
-              <a:t>btn</a:t>
+            <a:pPr marL="0" indent="0">
+              <a:buNone/>
+            </a:pPr>
+            <a:r>
+              <a:rPr lang="ru-RU" dirty="0" smtClean="0"/>
+              <a:t>Метод </a:t>
+            </a:r>
+            <a:r>
+              <a:rPr lang="en-US" dirty="0" err="1" smtClean="0"/>
+              <a:t>InitializeComponent</a:t>
+            </a:r>
+            <a:r>
+              <a:rPr lang="ru-RU" dirty="0" smtClean="0"/>
+              <a:t> используется дизайнером </a:t>
             </a:r>
             <a:r>
               <a:rPr lang="en-US" dirty="0" smtClean="0"/>
-              <a:t> – Button</a:t>
-            </a:r>
-          </a:p>
-          <a:p>
-            <a:r>
-              <a:rPr lang="en-US" dirty="0" err="1" smtClean="0"/>
-              <a:t>cb</a:t>
-            </a:r>
-            <a:r>
-              <a:rPr lang="en-US" dirty="0" smtClean="0"/>
-              <a:t> – </a:t>
-            </a:r>
-            <a:r>
-              <a:rPr lang="en-US" dirty="0" err="1" smtClean="0"/>
-              <a:t>CheckBox</a:t>
-            </a:r>
-            <a:endParaRPr lang="en-US" dirty="0" smtClean="0"/>
-          </a:p>
-          <a:p>
-            <a:r>
-              <a:rPr lang="en-US" dirty="0" err="1" smtClean="0"/>
-              <a:t>dgv</a:t>
-            </a:r>
-            <a:r>
-              <a:rPr lang="en-US" dirty="0" smtClean="0"/>
-              <a:t> – </a:t>
-            </a:r>
-            <a:r>
-              <a:rPr lang="en-US" dirty="0" err="1" smtClean="0"/>
-              <a:t>DataGridView</a:t>
-            </a:r>
-            <a:endParaRPr lang="en-US" dirty="0" smtClean="0"/>
-          </a:p>
-          <a:p>
-            <a:r>
-              <a:rPr lang="en-US" dirty="0" err="1" smtClean="0"/>
-              <a:t>gbox</a:t>
-            </a:r>
-            <a:r>
-              <a:rPr lang="en-US" dirty="0" smtClean="0"/>
-              <a:t> - </a:t>
-            </a:r>
-            <a:r>
-              <a:rPr lang="en-US" dirty="0" err="1" smtClean="0"/>
-              <a:t>GroupBox</a:t>
-            </a:r>
-            <a:endParaRPr lang="en-US" dirty="0" smtClean="0"/>
-          </a:p>
-          <a:p>
-            <a:r>
-              <a:rPr lang="en-US" dirty="0" err="1" smtClean="0"/>
-              <a:t>lbl</a:t>
-            </a:r>
-            <a:r>
-              <a:rPr lang="en-US" dirty="0" smtClean="0"/>
-              <a:t> – Label</a:t>
-            </a:r>
-          </a:p>
-          <a:p>
-            <a:r>
-              <a:rPr lang="en-US" dirty="0" err="1" smtClean="0"/>
-              <a:t>lnk</a:t>
-            </a:r>
-            <a:r>
-              <a:rPr lang="en-US" dirty="0" smtClean="0"/>
-              <a:t> – </a:t>
-            </a:r>
-            <a:r>
-              <a:rPr lang="en-US" dirty="0" err="1" smtClean="0"/>
-              <a:t>LinkLabel</a:t>
-            </a:r>
-            <a:endParaRPr lang="en-US" dirty="0" smtClean="0"/>
-          </a:p>
-          <a:p>
-            <a:r>
-              <a:rPr lang="en-US" dirty="0" smtClean="0"/>
-              <a:t>lv – </a:t>
-            </a:r>
-            <a:r>
-              <a:rPr lang="en-US" dirty="0" err="1" smtClean="0"/>
-              <a:t>ListView</a:t>
-            </a:r>
-            <a:endParaRPr lang="en-US" dirty="0" smtClean="0"/>
-          </a:p>
-          <a:p>
-            <a:r>
-              <a:rPr lang="en-US" dirty="0" err="1" smtClean="0"/>
-              <a:t>pb</a:t>
-            </a:r>
-            <a:r>
-              <a:rPr lang="en-US" dirty="0" smtClean="0"/>
-              <a:t> – </a:t>
-            </a:r>
-            <a:r>
-              <a:rPr lang="en-US" dirty="0" err="1" smtClean="0"/>
-              <a:t>PictureBox</a:t>
-            </a:r>
-            <a:endParaRPr lang="en-US" dirty="0" smtClean="0"/>
-          </a:p>
-          <a:p>
-            <a:r>
-              <a:rPr lang="en-US" dirty="0" err="1" smtClean="0"/>
-              <a:t>prgs</a:t>
-            </a:r>
-            <a:r>
-              <a:rPr lang="en-US" dirty="0" smtClean="0"/>
-              <a:t> - </a:t>
-            </a:r>
-            <a:r>
-              <a:rPr lang="en-US" dirty="0" err="1" smtClean="0"/>
-              <a:t>ProgressBar</a:t>
-            </a:r>
-            <a:endParaRPr lang="en-US" dirty="0" smtClean="0"/>
-          </a:p>
-          <a:p>
-            <a:r>
-              <a:rPr lang="en-US" dirty="0" err="1" smtClean="0"/>
-              <a:t>rb</a:t>
-            </a:r>
-            <a:r>
-              <a:rPr lang="en-US" dirty="0" smtClean="0"/>
-              <a:t> - </a:t>
-            </a:r>
-            <a:r>
-              <a:rPr lang="en-US" dirty="0" err="1" smtClean="0"/>
-              <a:t>RadioButton</a:t>
-            </a:r>
-            <a:endParaRPr lang="en-US" dirty="0" smtClean="0"/>
-          </a:p>
-          <a:p>
-            <a:r>
-              <a:rPr lang="en-US" dirty="0" err="1" smtClean="0"/>
-              <a:t>tb</a:t>
-            </a:r>
-            <a:r>
-              <a:rPr lang="en-US" dirty="0" smtClean="0"/>
-              <a:t> </a:t>
-            </a:r>
+              <a:t>Visual Studio.</a:t>
+            </a:r>
+          </a:p>
+          <a:p>
             <a:r>
               <a:rPr lang="ru-RU" dirty="0" smtClean="0"/>
-              <a:t>– </a:t>
-            </a:r>
-            <a:r>
-              <a:rPr lang="en-US" dirty="0" err="1" smtClean="0"/>
-              <a:t>TextBox</a:t>
-            </a:r>
-            <a:endParaRPr lang="en-US" dirty="0" smtClean="0"/>
-          </a:p>
-          <a:p>
-            <a:r>
-              <a:rPr lang="en-US" dirty="0" err="1" smtClean="0"/>
-              <a:t>tv</a:t>
-            </a:r>
-            <a:r>
-              <a:rPr lang="en-US" dirty="0" smtClean="0"/>
-              <a:t> - </a:t>
-            </a:r>
-            <a:r>
-              <a:rPr lang="en-US" dirty="0" err="1" smtClean="0"/>
-              <a:t>TreeView</a:t>
+              <a:t>Не меняйте этот метод</a:t>
+            </a:r>
+          </a:p>
+          <a:p>
+            <a:r>
+              <a:rPr lang="ru-RU" dirty="0" smtClean="0"/>
+              <a:t>Не удаляйте вызов </a:t>
+            </a:r>
+            <a:r>
+              <a:rPr lang="en-US" dirty="0" err="1" smtClean="0"/>
+              <a:t>InitializeComponent</a:t>
+            </a:r>
+            <a:r>
+              <a:rPr lang="ru-RU" dirty="0" smtClean="0"/>
+              <a:t> из конструктора формы</a:t>
+            </a:r>
+          </a:p>
+          <a:p>
+            <a:r>
+              <a:rPr lang="ru-RU" dirty="0" smtClean="0"/>
+              <a:t>Пишите свой код инициализации после </a:t>
+            </a:r>
+            <a:r>
+              <a:rPr lang="en-US" dirty="0" err="1"/>
+              <a:t>InitializeComponent</a:t>
             </a:r>
             <a:endParaRPr lang="ru-RU" dirty="0"/>
           </a:p>
@@ -4974,7 +5128,7 @@
     </p:spTree>
     <p:extLst>
       <p:ext uri="{BB962C8B-B14F-4D97-AF65-F5344CB8AC3E}">
-        <p14:creationId xmlns:p14="http://schemas.microsoft.com/office/powerpoint/2010/main" val="3616111561"/>
+        <p14:creationId xmlns:p14="http://schemas.microsoft.com/office/powerpoint/2010/main" val="4026839946"/>
       </p:ext>
     </p:extLst>
   </p:cSld>
@@ -5003,7 +5157,7 @@
       </p:grpSpPr>
       <p:sp>
         <p:nvSpPr>
-          <p:cNvPr id="4" name="Title 3"/>
+          <p:cNvPr id="2" name="Title 1"/>
           <p:cNvSpPr>
             <a:spLocks noGrp="1"/>
           </p:cNvSpPr>
@@ -5018,7 +5172,15 @@
           <a:p>
             <a:r>
               <a:rPr lang="ru-RU" dirty="0" smtClean="0"/>
-              <a:t>Ввод данных</a:t>
+              <a:t>Окно «</a:t>
+            </a:r>
+            <a:r>
+              <a:rPr lang="en-US" dirty="0" smtClean="0"/>
+              <a:t>Properties</a:t>
+            </a:r>
+            <a:r>
+              <a:rPr lang="ru-RU" dirty="0" smtClean="0"/>
+              <a:t>»</a:t>
             </a:r>
             <a:endParaRPr lang="ru-RU" dirty="0"/>
           </a:p>
@@ -5026,7 +5188,7 @@
       </p:sp>
       <p:sp>
         <p:nvSpPr>
-          <p:cNvPr id="5" name="Content Placeholder 4"/>
+          <p:cNvPr id="3" name="Content Placeholder 2"/>
           <p:cNvSpPr>
             <a:spLocks noGrp="1"/>
           </p:cNvSpPr>
@@ -5036,87 +5198,30 @@
         </p:nvSpPr>
         <p:spPr/>
         <p:txBody>
-          <a:bodyPr>
-            <a:normAutofit fontScale="92500" lnSpcReduction="20000"/>
-          </a:bodyPr>
+          <a:bodyPr/>
           <a:lstStyle/>
           <a:p>
             <a:r>
-              <a:rPr lang="en-US" dirty="0" err="1" smtClean="0"/>
-              <a:t>TextBox</a:t>
+              <a:rPr lang="ru-RU" dirty="0" smtClean="0"/>
+              <a:t>(</a:t>
             </a:r>
             <a:r>
               <a:rPr lang="en-US" dirty="0" smtClean="0"/>
-              <a:t>: </a:t>
-            </a:r>
-            <a:r>
-              <a:rPr lang="ru-RU" dirty="0" smtClean="0"/>
-              <a:t>однострочный текст, пароль, многострочный текст</a:t>
+              <a:t>Name)</a:t>
+            </a:r>
+          </a:p>
+          <a:p>
+            <a:r>
+              <a:rPr lang="en-US" dirty="0" err="1" smtClean="0"/>
+              <a:t>GenerateMember</a:t>
             </a:r>
             <a:endParaRPr lang="en-US" dirty="0" smtClean="0"/>
           </a:p>
           <a:p>
             <a:r>
-              <a:rPr lang="en-US" dirty="0" err="1"/>
-              <a:t>MaskedTextBox</a:t>
-            </a:r>
-            <a:endParaRPr lang="ru-RU" dirty="0" smtClean="0"/>
-          </a:p>
-          <a:p>
-            <a:r>
-              <a:rPr lang="en-US" dirty="0" err="1" smtClean="0"/>
-              <a:t>RichTextBox</a:t>
-            </a:r>
-            <a:r>
-              <a:rPr lang="ru-RU" dirty="0" smtClean="0"/>
-              <a:t>: </a:t>
-            </a:r>
-            <a:r>
-              <a:rPr lang="ru-RU" dirty="0"/>
-              <a:t>многострочный </a:t>
-            </a:r>
-            <a:r>
-              <a:rPr lang="ru-RU" dirty="0" smtClean="0"/>
-              <a:t>текст с форматированием</a:t>
-            </a:r>
-            <a:endParaRPr lang="en-US" dirty="0" smtClean="0"/>
-          </a:p>
-          <a:p>
-            <a:r>
-              <a:rPr lang="en-US" dirty="0" err="1"/>
-              <a:t>ComboBox</a:t>
-            </a:r>
-            <a:endParaRPr lang="ru-RU" dirty="0" smtClean="0"/>
-          </a:p>
-          <a:p>
-            <a:r>
-              <a:rPr lang="en-US" dirty="0" err="1" smtClean="0"/>
-              <a:t>NumericUpDown</a:t>
-            </a:r>
-            <a:endParaRPr lang="en-US" dirty="0" smtClean="0"/>
-          </a:p>
-          <a:p>
-            <a:r>
-              <a:rPr lang="en-US" dirty="0" err="1" smtClean="0"/>
-              <a:t>DomainUpDown</a:t>
-            </a:r>
-            <a:endParaRPr lang="en-US" dirty="0" smtClean="0"/>
-          </a:p>
-          <a:p>
-            <a:r>
-              <a:rPr lang="en-US" dirty="0" err="1" smtClean="0"/>
-              <a:t>DateTimePicker</a:t>
-            </a:r>
-            <a:endParaRPr lang="ru-RU" dirty="0" smtClean="0"/>
-          </a:p>
-          <a:p>
-            <a:r>
-              <a:rPr lang="en-US" dirty="0" err="1" smtClean="0"/>
-              <a:t>MonthCalendar</a:t>
-            </a:r>
-            <a:endParaRPr lang="en-US" dirty="0" smtClean="0"/>
-          </a:p>
-          <a:p>
+              <a:rPr lang="en-US" dirty="0" smtClean="0"/>
+              <a:t>Modifiers</a:t>
+            </a:r>
             <a:endParaRPr lang="ru-RU" dirty="0"/>
           </a:p>
         </p:txBody>
@@ -5124,7 +5229,7 @@
     </p:spTree>
     <p:extLst>
       <p:ext uri="{BB962C8B-B14F-4D97-AF65-F5344CB8AC3E}">
-        <p14:creationId xmlns:p14="http://schemas.microsoft.com/office/powerpoint/2010/main" val="2778302017"/>
+        <p14:creationId xmlns:p14="http://schemas.microsoft.com/office/powerpoint/2010/main" val="3812283606"/>
       </p:ext>
     </p:extLst>
   </p:cSld>
@@ -5168,7 +5273,7 @@
           <a:p>
             <a:r>
               <a:rPr lang="ru-RU" dirty="0" smtClean="0"/>
-              <a:t>Контейнеры</a:t>
+              <a:t>Префиксы имен</a:t>
             </a:r>
             <a:endParaRPr lang="ru-RU" dirty="0"/>
           </a:p>
@@ -5186,17 +5291,59 @@
         </p:nvSpPr>
         <p:spPr/>
         <p:txBody>
-          <a:bodyPr>
-            <a:normAutofit lnSpcReduction="10000"/>
+          <a:bodyPr numCol="2">
+            <a:normAutofit/>
           </a:bodyPr>
           <a:lstStyle/>
           <a:p>
             <a:r>
+              <a:rPr lang="en-US" dirty="0" err="1" smtClean="0"/>
+              <a:t>btn</a:t>
+            </a:r>
+            <a:r>
               <a:rPr lang="en-US" dirty="0" smtClean="0"/>
-              <a:t>Panel</a:t>
-            </a:r>
-          </a:p>
-          <a:p>
+              <a:t> – Button</a:t>
+            </a:r>
+          </a:p>
+          <a:p>
+            <a:r>
+              <a:rPr lang="en-US" dirty="0" err="1" smtClean="0"/>
+              <a:t>cb</a:t>
+            </a:r>
+            <a:r>
+              <a:rPr lang="en-US" dirty="0" smtClean="0"/>
+              <a:t> – </a:t>
+            </a:r>
+            <a:r>
+              <a:rPr lang="en-US" dirty="0" err="1" smtClean="0"/>
+              <a:t>CheckBox</a:t>
+            </a:r>
+            <a:endParaRPr lang="en-US" dirty="0" smtClean="0"/>
+          </a:p>
+          <a:p>
+            <a:r>
+              <a:rPr lang="en-US" dirty="0" err="1" smtClean="0"/>
+              <a:t>dgv</a:t>
+            </a:r>
+            <a:r>
+              <a:rPr lang="en-US" dirty="0" smtClean="0"/>
+              <a:t> – </a:t>
+            </a:r>
+            <a:r>
+              <a:rPr lang="en-US" dirty="0" err="1" smtClean="0"/>
+              <a:t>DataGridView</a:t>
+            </a:r>
+            <a:endParaRPr lang="en-US" dirty="0" smtClean="0"/>
+          </a:p>
+          <a:p>
+            <a:r>
+              <a:rPr lang="en-US" dirty="0" err="1" smtClean="0"/>
+              <a:t>gbox</a:t>
+            </a:r>
+            <a:r>
+              <a:rPr lang="en-US" dirty="0" smtClean="0"/>
+              <a:t> - </a:t>
+            </a:r>
             <a:r>
               <a:rPr lang="en-US" dirty="0" err="1" smtClean="0"/>
               <a:t>GroupBox</a:t>
@@ -5204,36 +5351,117 @@
             <a:endParaRPr lang="en-US" dirty="0" smtClean="0"/>
           </a:p>
           <a:p>
-            <a:endParaRPr lang="en-US" dirty="0"/>
-          </a:p>
-          <a:p>
-            <a:r>
-              <a:rPr lang="en-US" dirty="0" err="1" smtClean="0"/>
-              <a:t>SplitContainer</a:t>
+            <a:r>
+              <a:rPr lang="en-US" dirty="0" err="1" smtClean="0"/>
+              <a:t>lbl</a:t>
+            </a:r>
+            <a:r>
+              <a:rPr lang="en-US" dirty="0" smtClean="0"/>
+              <a:t> – Label</a:t>
+            </a:r>
+          </a:p>
+          <a:p>
+            <a:r>
+              <a:rPr lang="en-US" dirty="0" err="1" smtClean="0"/>
+              <a:t>lnk</a:t>
+            </a:r>
+            <a:r>
+              <a:rPr lang="en-US" dirty="0" smtClean="0"/>
+              <a:t> – </a:t>
+            </a:r>
+            <a:r>
+              <a:rPr lang="en-US" dirty="0" err="1" smtClean="0"/>
+              <a:t>LinkLabel</a:t>
             </a:r>
             <a:endParaRPr lang="en-US" dirty="0" smtClean="0"/>
           </a:p>
           <a:p>
             <a:r>
-              <a:rPr lang="en-US" dirty="0" err="1" smtClean="0"/>
-              <a:t>TabControl</a:t>
+              <a:rPr lang="en-US" dirty="0" smtClean="0"/>
+              <a:t>lv – </a:t>
+            </a:r>
+            <a:r>
+              <a:rPr lang="en-US" dirty="0" err="1" smtClean="0"/>
+              <a:t>ListView</a:t>
             </a:r>
             <a:endParaRPr lang="en-US" dirty="0" smtClean="0"/>
           </a:p>
           <a:p>
-            <a:endParaRPr lang="en-US" dirty="0"/>
-          </a:p>
-          <a:p>
-            <a:r>
-              <a:rPr lang="en-US" dirty="0" err="1" smtClean="0"/>
-              <a:t>FlowLayoutPanel</a:t>
+            <a:r>
+              <a:rPr lang="en-US" dirty="0" err="1" smtClean="0"/>
+              <a:t>pb</a:t>
+            </a:r>
+            <a:r>
+              <a:rPr lang="en-US" dirty="0" smtClean="0"/>
+              <a:t> – </a:t>
+            </a:r>
+            <a:r>
+              <a:rPr lang="en-US" dirty="0" err="1" smtClean="0"/>
+              <a:t>PictureBox</a:t>
             </a:r>
             <a:endParaRPr lang="en-US" dirty="0" smtClean="0"/>
           </a:p>
           <a:p>
             <a:r>
               <a:rPr lang="en-US" dirty="0" err="1" smtClean="0"/>
-              <a:t>TableLayoutPanel</a:t>
+              <a:t>prgs</a:t>
+            </a:r>
+            <a:r>
+              <a:rPr lang="en-US" dirty="0" smtClean="0"/>
+              <a:t> - </a:t>
+            </a:r>
+            <a:r>
+              <a:rPr lang="en-US" dirty="0" err="1" smtClean="0"/>
+              <a:t>ProgressBar</a:t>
+            </a:r>
+            <a:endParaRPr lang="en-US" dirty="0" smtClean="0"/>
+          </a:p>
+          <a:p>
+            <a:r>
+              <a:rPr lang="en-US" dirty="0" err="1" smtClean="0"/>
+              <a:t>rb</a:t>
+            </a:r>
+            <a:r>
+              <a:rPr lang="en-US" dirty="0" smtClean="0"/>
+              <a:t> - </a:t>
+            </a:r>
+            <a:r>
+              <a:rPr lang="en-US" dirty="0" err="1" smtClean="0"/>
+              <a:t>RadioButton</a:t>
+            </a:r>
+            <a:endParaRPr lang="en-US" dirty="0" smtClean="0"/>
+          </a:p>
+          <a:p>
+            <a:r>
+              <a:rPr lang="en-US" dirty="0" err="1" smtClean="0"/>
+              <a:t>tb</a:t>
+            </a:r>
+            <a:r>
+              <a:rPr lang="en-US" dirty="0" smtClean="0"/>
+              <a:t> </a:t>
+            </a:r>
+            <a:r>
+              <a:rPr lang="ru-RU" dirty="0" smtClean="0"/>
+              <a:t>– </a:t>
+            </a:r>
+            <a:r>
+              <a:rPr lang="en-US" dirty="0" err="1" smtClean="0"/>
+              <a:t>TextBox</a:t>
+            </a:r>
+            <a:endParaRPr lang="en-US" dirty="0" smtClean="0"/>
+          </a:p>
+          <a:p>
+            <a:r>
+              <a:rPr lang="en-US" dirty="0" err="1" smtClean="0"/>
+              <a:t>tv</a:t>
+            </a:r>
+            <a:r>
+              <a:rPr lang="en-US" dirty="0" smtClean="0"/>
+              <a:t> - </a:t>
+            </a:r>
+            <a:r>
+              <a:rPr lang="en-US" dirty="0" err="1" smtClean="0"/>
+              <a:t>TreeView</a:t>
             </a:r>
             <a:endParaRPr lang="ru-RU" dirty="0"/>
           </a:p>
@@ -5242,7 +5470,7 @@
     </p:spTree>
     <p:extLst>
       <p:ext uri="{BB962C8B-B14F-4D97-AF65-F5344CB8AC3E}">
-        <p14:creationId xmlns:p14="http://schemas.microsoft.com/office/powerpoint/2010/main" val="3685836777"/>
+        <p14:creationId xmlns:p14="http://schemas.microsoft.com/office/powerpoint/2010/main" val="3616111561"/>
       </p:ext>
     </p:extLst>
   </p:cSld>

--- a/Presentation/lesson-12-winforms.pptx
+++ b/Presentation/lesson-12-winforms.pptx
@@ -5,24 +5,25 @@
     <p:sldMasterId id="2147483648" r:id="rId1"/>
   </p:sldMasterIdLst>
   <p:notesMasterIdLst>
-    <p:notesMasterId r:id="rId17"/>
+    <p:notesMasterId r:id="rId18"/>
   </p:notesMasterIdLst>
   <p:sldIdLst>
     <p:sldId id="256" r:id="rId2"/>
     <p:sldId id="264" r:id="rId3"/>
     <p:sldId id="277" r:id="rId4"/>
     <p:sldId id="281" r:id="rId5"/>
-    <p:sldId id="280" r:id="rId6"/>
-    <p:sldId id="283" r:id="rId7"/>
-    <p:sldId id="290" r:id="rId8"/>
-    <p:sldId id="291" r:id="rId9"/>
-    <p:sldId id="289" r:id="rId10"/>
-    <p:sldId id="282" r:id="rId11"/>
-    <p:sldId id="286" r:id="rId12"/>
-    <p:sldId id="287" r:id="rId13"/>
-    <p:sldId id="288" r:id="rId14"/>
-    <p:sldId id="284" r:id="rId15"/>
-    <p:sldId id="285" r:id="rId16"/>
+    <p:sldId id="292" r:id="rId6"/>
+    <p:sldId id="280" r:id="rId7"/>
+    <p:sldId id="283" r:id="rId8"/>
+    <p:sldId id="290" r:id="rId9"/>
+    <p:sldId id="291" r:id="rId10"/>
+    <p:sldId id="289" r:id="rId11"/>
+    <p:sldId id="282" r:id="rId12"/>
+    <p:sldId id="286" r:id="rId13"/>
+    <p:sldId id="287" r:id="rId14"/>
+    <p:sldId id="288" r:id="rId15"/>
+    <p:sldId id="284" r:id="rId16"/>
+    <p:sldId id="285" r:id="rId17"/>
   </p:sldIdLst>
   <p:sldSz cx="9144000" cy="6858000" type="screen4x3"/>
   <p:notesSz cx="6858000" cy="9144000"/>
@@ -206,7 +207,7 @@
           <a:p>
             <a:fld id="{B24A7054-7FFB-49F4-A126-5DF6E687FF53}" type="datetimeFigureOut">
               <a:rPr lang="ru-RU" smtClean="0"/>
-              <a:t>21.11.2015</a:t>
+              <a:t>02.12.2015</a:t>
             </a:fld>
             <a:endParaRPr lang="ru-RU"/>
           </a:p>
@@ -1269,7 +1270,7 @@
           <a:p>
             <a:fld id="{8E6E6A2A-E9D3-4A0D-B04A-ABDD367A1E08}" type="datetimeFigureOut">
               <a:rPr lang="ru-RU" smtClean="0"/>
-              <a:t>21.11.2015</a:t>
+              <a:t>02.12.2015</a:t>
             </a:fld>
             <a:endParaRPr lang="ru-RU"/>
           </a:p>
@@ -2717,7 +2718,7 @@
           <a:p>
             <a:fld id="{AC3D3127-B7C4-45E3-9797-C527EC9FDD78}" type="datetimeFigureOut">
               <a:rPr lang="ru-RU" smtClean="0"/>
-              <a:t>21.11.2015</a:t>
+              <a:t>02.12.2015</a:t>
             </a:fld>
             <a:endParaRPr lang="ru-RU"/>
           </a:p>
@@ -3306,7 +3307,7 @@
       </p:grpSpPr>
       <p:sp>
         <p:nvSpPr>
-          <p:cNvPr id="4" name="Title 3"/>
+          <p:cNvPr id="2" name="Title 1"/>
           <p:cNvSpPr>
             <a:spLocks noGrp="1"/>
           </p:cNvSpPr>
@@ -3321,7 +3322,7 @@
           <a:p>
             <a:r>
               <a:rPr lang="ru-RU" dirty="0" smtClean="0"/>
-              <a:t>Ввод данных</a:t>
+              <a:t>Префиксы имен</a:t>
             </a:r>
             <a:endParaRPr lang="ru-RU" dirty="0"/>
           </a:p>
@@ -3329,7 +3330,7 @@
       </p:sp>
       <p:sp>
         <p:nvSpPr>
-          <p:cNvPr id="5" name="Content Placeholder 4"/>
+          <p:cNvPr id="3" name="Content Placeholder 2"/>
           <p:cNvSpPr>
             <a:spLocks noGrp="1"/>
           </p:cNvSpPr>
@@ -3339,87 +3340,178 @@
         </p:nvSpPr>
         <p:spPr/>
         <p:txBody>
-          <a:bodyPr>
-            <a:normAutofit fontScale="92500" lnSpcReduction="20000"/>
+          <a:bodyPr numCol="2">
+            <a:normAutofit/>
           </a:bodyPr>
           <a:lstStyle/>
           <a:p>
             <a:r>
               <a:rPr lang="en-US" dirty="0" err="1" smtClean="0"/>
+              <a:t>btn</a:t>
+            </a:r>
+            <a:r>
+              <a:rPr lang="en-US" dirty="0" smtClean="0"/>
+              <a:t> – Button</a:t>
+            </a:r>
+          </a:p>
+          <a:p>
+            <a:r>
+              <a:rPr lang="en-US" dirty="0" err="1" smtClean="0"/>
+              <a:t>cb</a:t>
+            </a:r>
+            <a:r>
+              <a:rPr lang="en-US" dirty="0" smtClean="0"/>
+              <a:t> – </a:t>
+            </a:r>
+            <a:r>
+              <a:rPr lang="en-US" dirty="0" err="1" smtClean="0"/>
+              <a:t>CheckBox</a:t>
+            </a:r>
+            <a:endParaRPr lang="en-US" dirty="0" smtClean="0"/>
+          </a:p>
+          <a:p>
+            <a:r>
+              <a:rPr lang="en-US" dirty="0" err="1" smtClean="0"/>
+              <a:t>dgv</a:t>
+            </a:r>
+            <a:r>
+              <a:rPr lang="en-US" dirty="0" smtClean="0"/>
+              <a:t> – </a:t>
+            </a:r>
+            <a:r>
+              <a:rPr lang="en-US" dirty="0" err="1" smtClean="0"/>
+              <a:t>DataGridView</a:t>
+            </a:r>
+            <a:endParaRPr lang="en-US" dirty="0" smtClean="0"/>
+          </a:p>
+          <a:p>
+            <a:r>
+              <a:rPr lang="en-US" dirty="0" err="1" smtClean="0"/>
+              <a:t>gbox</a:t>
+            </a:r>
+            <a:r>
+              <a:rPr lang="en-US" dirty="0" smtClean="0"/>
+              <a:t> - </a:t>
+            </a:r>
+            <a:r>
+              <a:rPr lang="en-US" dirty="0" err="1" smtClean="0"/>
+              <a:t>GroupBox</a:t>
+            </a:r>
+            <a:endParaRPr lang="en-US" dirty="0" smtClean="0"/>
+          </a:p>
+          <a:p>
+            <a:r>
+              <a:rPr lang="en-US" dirty="0" err="1" smtClean="0"/>
+              <a:t>lbl</a:t>
+            </a:r>
+            <a:r>
+              <a:rPr lang="en-US" dirty="0" smtClean="0"/>
+              <a:t> – Label</a:t>
+            </a:r>
+          </a:p>
+          <a:p>
+            <a:r>
+              <a:rPr lang="en-US" dirty="0" err="1" smtClean="0"/>
+              <a:t>lnk</a:t>
+            </a:r>
+            <a:r>
+              <a:rPr lang="en-US" dirty="0" smtClean="0"/>
+              <a:t> – </a:t>
+            </a:r>
+            <a:r>
+              <a:rPr lang="en-US" dirty="0" err="1" smtClean="0"/>
+              <a:t>LinkLabel</a:t>
+            </a:r>
+            <a:endParaRPr lang="en-US" dirty="0" smtClean="0"/>
+          </a:p>
+          <a:p>
+            <a:r>
+              <a:rPr lang="en-US" dirty="0" smtClean="0"/>
+              <a:t>lv – </a:t>
+            </a:r>
+            <a:r>
+              <a:rPr lang="en-US" dirty="0" err="1" smtClean="0"/>
+              <a:t>ListView</a:t>
+            </a:r>
+            <a:endParaRPr lang="en-US" dirty="0" smtClean="0"/>
+          </a:p>
+          <a:p>
+            <a:r>
+              <a:rPr lang="en-US" dirty="0" err="1" smtClean="0"/>
+              <a:t>pb</a:t>
+            </a:r>
+            <a:r>
+              <a:rPr lang="en-US" dirty="0" smtClean="0"/>
+              <a:t> – </a:t>
+            </a:r>
+            <a:r>
+              <a:rPr lang="en-US" dirty="0" err="1" smtClean="0"/>
+              <a:t>PictureBox</a:t>
+            </a:r>
+            <a:endParaRPr lang="en-US" dirty="0" smtClean="0"/>
+          </a:p>
+          <a:p>
+            <a:r>
+              <a:rPr lang="en-US" dirty="0" err="1" smtClean="0"/>
+              <a:t>prgs</a:t>
+            </a:r>
+            <a:r>
+              <a:rPr lang="en-US" dirty="0" smtClean="0"/>
+              <a:t> - </a:t>
+            </a:r>
+            <a:r>
+              <a:rPr lang="en-US" dirty="0" err="1" smtClean="0"/>
+              <a:t>ProgressBar</a:t>
+            </a:r>
+            <a:endParaRPr lang="en-US" dirty="0" smtClean="0"/>
+          </a:p>
+          <a:p>
+            <a:r>
+              <a:rPr lang="en-US" dirty="0" err="1" smtClean="0"/>
+              <a:t>rb</a:t>
+            </a:r>
+            <a:r>
+              <a:rPr lang="en-US" dirty="0" smtClean="0"/>
+              <a:t> - </a:t>
+            </a:r>
+            <a:r>
+              <a:rPr lang="en-US" dirty="0" err="1" smtClean="0"/>
+              <a:t>RadioButton</a:t>
+            </a:r>
+            <a:endParaRPr lang="en-US" dirty="0" smtClean="0"/>
+          </a:p>
+          <a:p>
+            <a:r>
+              <a:rPr lang="en-US" dirty="0" err="1" smtClean="0"/>
+              <a:t>tb</a:t>
+            </a:r>
+            <a:r>
+              <a:rPr lang="en-US" dirty="0" smtClean="0"/>
+              <a:t> </a:t>
+            </a:r>
+            <a:r>
+              <a:rPr lang="ru-RU" dirty="0" smtClean="0"/>
+              <a:t>– </a:t>
+            </a:r>
+            <a:r>
+              <a:rPr lang="en-US" dirty="0" err="1" smtClean="0"/>
               <a:t>TextBox</a:t>
             </a:r>
+            <a:endParaRPr lang="en-US" dirty="0" smtClean="0"/>
+          </a:p>
+          <a:p>
+            <a:r>
+              <a:rPr lang="en-US" dirty="0" err="1" smtClean="0"/>
+              <a:t>tv</a:t>
+            </a:r>
             <a:r>
               <a:rPr lang="en-US" dirty="0" smtClean="0"/>
-              <a:t>: </a:t>
-            </a:r>
-            <a:r>
-              <a:rPr lang="ru-RU" dirty="0" smtClean="0"/>
-              <a:t>однострочный текст, пароль, многострочный текст</a:t>
-            </a:r>
-            <a:endParaRPr lang="en-US" dirty="0" smtClean="0"/>
-          </a:p>
-          <a:p>
-            <a:r>
-              <a:rPr lang="en-US" dirty="0" err="1"/>
-              <a:t>MaskedTextBox</a:t>
-            </a:r>
-            <a:endParaRPr lang="ru-RU" dirty="0" smtClean="0"/>
-          </a:p>
-          <a:p>
+              <a:t> - </a:t>
+            </a:r>
             <a:r>
               <a:rPr lang="en-US" dirty="0" err="1" smtClean="0"/>
-              <a:t>RichTextBox</a:t>
-            </a:r>
-            <a:r>
-              <a:rPr lang="ru-RU" dirty="0" smtClean="0"/>
-              <a:t>: </a:t>
-            </a:r>
-            <a:r>
-              <a:rPr lang="ru-RU" dirty="0"/>
-              <a:t>многострочный </a:t>
-            </a:r>
-            <a:r>
-              <a:rPr lang="ru-RU" dirty="0" smtClean="0"/>
-              <a:t>текст с форматированием</a:t>
-            </a:r>
-            <a:endParaRPr lang="en-US" dirty="0" smtClean="0"/>
-          </a:p>
-          <a:p>
-            <a:r>
-              <a:rPr lang="en-US" dirty="0" err="1"/>
-              <a:t>ComboBox</a:t>
-            </a:r>
-            <a:endParaRPr lang="ru-RU" dirty="0" smtClean="0"/>
-          </a:p>
-          <a:p>
-            <a:r>
-              <a:rPr lang="en-US" dirty="0" err="1" smtClean="0"/>
-              <a:t>NumericUpDown</a:t>
-            </a:r>
-            <a:endParaRPr lang="en-US" dirty="0" smtClean="0"/>
-          </a:p>
-          <a:p>
-            <a:r>
-              <a:rPr lang="en-US" dirty="0" err="1" smtClean="0"/>
-              <a:t>DomainUpDown</a:t>
-            </a:r>
-            <a:endParaRPr lang="en-US" dirty="0" smtClean="0"/>
-          </a:p>
-          <a:p>
-            <a:r>
-              <a:rPr lang="en-US" dirty="0" err="1" smtClean="0"/>
-              <a:t>DateTimePicker</a:t>
-            </a:r>
-            <a:endParaRPr lang="ru-RU" dirty="0" smtClean="0"/>
-          </a:p>
-          <a:p>
-            <a:r>
-              <a:rPr lang="en-US" dirty="0" err="1" smtClean="0"/>
-              <a:t>MonthCalendar</a:t>
-            </a:r>
-            <a:endParaRPr lang="en-US" dirty="0" smtClean="0"/>
-          </a:p>
-          <a:p>
+              <a:t>TreeView</a:t>
+            </a:r>
             <a:endParaRPr lang="ru-RU" dirty="0"/>
           </a:p>
         </p:txBody>
@@ -3427,7 +3519,7 @@
     </p:spTree>
     <p:extLst>
       <p:ext uri="{BB962C8B-B14F-4D97-AF65-F5344CB8AC3E}">
-        <p14:creationId xmlns:p14="http://schemas.microsoft.com/office/powerpoint/2010/main" val="2778302017"/>
+        <p14:creationId xmlns:p14="http://schemas.microsoft.com/office/powerpoint/2010/main" val="3616111561"/>
       </p:ext>
     </p:extLst>
   </p:cSld>
@@ -3456,7 +3548,7 @@
       </p:grpSpPr>
       <p:sp>
         <p:nvSpPr>
-          <p:cNvPr id="2" name="Title 1"/>
+          <p:cNvPr id="4" name="Title 3"/>
           <p:cNvSpPr>
             <a:spLocks noGrp="1"/>
           </p:cNvSpPr>
@@ -3471,7 +3563,7 @@
           <a:p>
             <a:r>
               <a:rPr lang="ru-RU" dirty="0" smtClean="0"/>
-              <a:t>Контейнеры</a:t>
+              <a:t>Ввод данных</a:t>
             </a:r>
             <a:endParaRPr lang="ru-RU" dirty="0"/>
           </a:p>
@@ -3479,7 +3571,7 @@
       </p:sp>
       <p:sp>
         <p:nvSpPr>
-          <p:cNvPr id="3" name="Content Placeholder 2"/>
+          <p:cNvPr id="5" name="Content Placeholder 4"/>
           <p:cNvSpPr>
             <a:spLocks noGrp="1"/>
           </p:cNvSpPr>
@@ -3490,54 +3582,86 @@
         <p:spPr/>
         <p:txBody>
           <a:bodyPr>
-            <a:normAutofit lnSpcReduction="10000"/>
+            <a:normAutofit fontScale="92500" lnSpcReduction="20000"/>
           </a:bodyPr>
           <a:lstStyle/>
           <a:p>
             <a:r>
+              <a:rPr lang="en-US" dirty="0" err="1" smtClean="0"/>
+              <a:t>TextBox</a:t>
+            </a:r>
+            <a:r>
               <a:rPr lang="en-US" dirty="0" smtClean="0"/>
-              <a:t>Panel</a:t>
-            </a:r>
+              <a:t>: </a:t>
+            </a:r>
+            <a:r>
+              <a:rPr lang="ru-RU" dirty="0" smtClean="0"/>
+              <a:t>однострочный текст, пароль, многострочный текст</a:t>
+            </a:r>
+            <a:endParaRPr lang="en-US" dirty="0" smtClean="0"/>
+          </a:p>
+          <a:p>
+            <a:r>
+              <a:rPr lang="en-US" dirty="0" err="1"/>
+              <a:t>MaskedTextBox</a:t>
+            </a:r>
+            <a:endParaRPr lang="ru-RU" dirty="0" smtClean="0"/>
           </a:p>
           <a:p>
             <a:r>
               <a:rPr lang="en-US" dirty="0" err="1" smtClean="0"/>
-              <a:t>GroupBox</a:t>
+              <a:t>RichTextBox</a:t>
+            </a:r>
+            <a:r>
+              <a:rPr lang="ru-RU" dirty="0" smtClean="0"/>
+              <a:t>: </a:t>
+            </a:r>
+            <a:r>
+              <a:rPr lang="ru-RU" dirty="0"/>
+              <a:t>многострочный </a:t>
+            </a:r>
+            <a:r>
+              <a:rPr lang="ru-RU" dirty="0" smtClean="0"/>
+              <a:t>текст с форматированием</a:t>
             </a:r>
             <a:endParaRPr lang="en-US" dirty="0" smtClean="0"/>
           </a:p>
           <a:p>
-            <a:endParaRPr lang="en-US" dirty="0"/>
+            <a:r>
+              <a:rPr lang="en-US" dirty="0" err="1"/>
+              <a:t>ComboBox</a:t>
+            </a:r>
+            <a:endParaRPr lang="ru-RU" dirty="0" smtClean="0"/>
           </a:p>
           <a:p>
             <a:r>
               <a:rPr lang="en-US" dirty="0" err="1" smtClean="0"/>
-              <a:t>SplitContainer</a:t>
+              <a:t>NumericUpDown</a:t>
             </a:r>
             <a:endParaRPr lang="en-US" dirty="0" smtClean="0"/>
           </a:p>
           <a:p>
             <a:r>
               <a:rPr lang="en-US" dirty="0" err="1" smtClean="0"/>
-              <a:t>TabControl</a:t>
+              <a:t>DomainUpDown</a:t>
             </a:r>
             <a:endParaRPr lang="en-US" dirty="0" smtClean="0"/>
           </a:p>
           <a:p>
-            <a:endParaRPr lang="en-US" dirty="0"/>
-          </a:p>
-          <a:p>
             <a:r>
               <a:rPr lang="en-US" dirty="0" err="1" smtClean="0"/>
-              <a:t>FlowLayoutPanel</a:t>
+              <a:t>DateTimePicker</a:t>
+            </a:r>
+            <a:endParaRPr lang="ru-RU" dirty="0" smtClean="0"/>
+          </a:p>
+          <a:p>
+            <a:r>
+              <a:rPr lang="en-US" dirty="0" err="1" smtClean="0"/>
+              <a:t>MonthCalendar</a:t>
             </a:r>
             <a:endParaRPr lang="en-US" dirty="0" smtClean="0"/>
           </a:p>
           <a:p>
-            <a:r>
-              <a:rPr lang="en-US" dirty="0" err="1" smtClean="0"/>
-              <a:t>TableLayoutPanel</a:t>
-            </a:r>
             <a:endParaRPr lang="ru-RU" dirty="0"/>
           </a:p>
         </p:txBody>
@@ -3545,7 +3669,7 @@
     </p:spTree>
     <p:extLst>
       <p:ext uri="{BB962C8B-B14F-4D97-AF65-F5344CB8AC3E}">
-        <p14:creationId xmlns:p14="http://schemas.microsoft.com/office/powerpoint/2010/main" val="3685836777"/>
+        <p14:creationId xmlns:p14="http://schemas.microsoft.com/office/powerpoint/2010/main" val="2778302017"/>
       </p:ext>
     </p:extLst>
   </p:cSld>
@@ -3589,7 +3713,7 @@
           <a:p>
             <a:r>
               <a:rPr lang="ru-RU" dirty="0" smtClean="0"/>
-              <a:t>Статический текст</a:t>
+              <a:t>Контейнеры</a:t>
             </a:r>
             <a:endParaRPr lang="ru-RU" dirty="0"/>
           </a:p>
@@ -3607,22 +3731,55 @@
         </p:nvSpPr>
         <p:spPr/>
         <p:txBody>
-          <a:bodyPr/>
+          <a:bodyPr>
+            <a:normAutofit lnSpcReduction="10000"/>
+          </a:bodyPr>
           <a:lstStyle/>
           <a:p>
             <a:r>
               <a:rPr lang="en-US" dirty="0" smtClean="0"/>
-              <a:t>Label</a:t>
+              <a:t>Panel</a:t>
             </a:r>
           </a:p>
           <a:p>
             <a:r>
               <a:rPr lang="en-US" dirty="0" err="1" smtClean="0"/>
-              <a:t>LinkLabel</a:t>
+              <a:t>GroupBox</a:t>
             </a:r>
             <a:endParaRPr lang="en-US" dirty="0" smtClean="0"/>
           </a:p>
           <a:p>
+            <a:endParaRPr lang="en-US" dirty="0"/>
+          </a:p>
+          <a:p>
+            <a:r>
+              <a:rPr lang="en-US" dirty="0" err="1" smtClean="0"/>
+              <a:t>SplitContainer</a:t>
+            </a:r>
+            <a:endParaRPr lang="en-US" dirty="0" smtClean="0"/>
+          </a:p>
+          <a:p>
+            <a:r>
+              <a:rPr lang="en-US" dirty="0" err="1" smtClean="0"/>
+              <a:t>TabControl</a:t>
+            </a:r>
+            <a:endParaRPr lang="en-US" dirty="0" smtClean="0"/>
+          </a:p>
+          <a:p>
+            <a:endParaRPr lang="en-US" dirty="0"/>
+          </a:p>
+          <a:p>
+            <a:r>
+              <a:rPr lang="en-US" dirty="0" err="1" smtClean="0"/>
+              <a:t>FlowLayoutPanel</a:t>
+            </a:r>
+            <a:endParaRPr lang="en-US" dirty="0" smtClean="0"/>
+          </a:p>
+          <a:p>
+            <a:r>
+              <a:rPr lang="en-US" dirty="0" err="1" smtClean="0"/>
+              <a:t>TableLayoutPanel</a:t>
+            </a:r>
             <a:endParaRPr lang="ru-RU" dirty="0"/>
           </a:p>
         </p:txBody>
@@ -3630,7 +3787,7 @@
     </p:spTree>
     <p:extLst>
       <p:ext uri="{BB962C8B-B14F-4D97-AF65-F5344CB8AC3E}">
-        <p14:creationId xmlns:p14="http://schemas.microsoft.com/office/powerpoint/2010/main" val="2359087904"/>
+        <p14:creationId xmlns:p14="http://schemas.microsoft.com/office/powerpoint/2010/main" val="3685836777"/>
       </p:ext>
     </p:extLst>
   </p:cSld>
@@ -3674,11 +3831,7 @@
           <a:p>
             <a:r>
               <a:rPr lang="ru-RU" dirty="0" smtClean="0"/>
-              <a:t>Элементы </a:t>
-            </a:r>
-            <a:r>
-              <a:rPr lang="en-US" dirty="0" smtClean="0"/>
-              <a:t>UI</a:t>
+              <a:t>Статический текст</a:t>
             </a:r>
             <a:endParaRPr lang="ru-RU" dirty="0"/>
           </a:p>
@@ -3700,39 +3853,18 @@
           <a:lstStyle/>
           <a:p>
             <a:r>
+              <a:rPr lang="en-US" dirty="0" smtClean="0"/>
+              <a:t>Label</a:t>
+            </a:r>
+          </a:p>
+          <a:p>
+            <a:r>
               <a:rPr lang="en-US" dirty="0" err="1" smtClean="0"/>
-              <a:t>MenuStrip</a:t>
-            </a:r>
-            <a:r>
-              <a:rPr lang="en-US" dirty="0" smtClean="0"/>
-              <a:t>:</a:t>
-            </a:r>
-            <a:r>
-              <a:rPr lang="ru-RU" dirty="0" smtClean="0"/>
-              <a:t> главное меню</a:t>
+              <a:t>LinkLabel</a:t>
             </a:r>
             <a:endParaRPr lang="en-US" dirty="0" smtClean="0"/>
           </a:p>
           <a:p>
-            <a:r>
-              <a:rPr lang="en-US" dirty="0" err="1" smtClean="0"/>
-              <a:t>ContextMenuStrip</a:t>
-            </a:r>
-            <a:r>
-              <a:rPr lang="ru-RU" dirty="0" smtClean="0"/>
-              <a:t>: контекстное меню</a:t>
-            </a:r>
-            <a:endParaRPr lang="en-US" dirty="0" smtClean="0"/>
-          </a:p>
-          <a:p>
-            <a:r>
-              <a:rPr lang="en-US" dirty="0" err="1" smtClean="0"/>
-              <a:t>StatusStrip</a:t>
-            </a:r>
-            <a:r>
-              <a:rPr lang="ru-RU" dirty="0" smtClean="0"/>
-              <a:t>: строка статуса</a:t>
-            </a:r>
             <a:endParaRPr lang="ru-RU" dirty="0"/>
           </a:p>
         </p:txBody>
@@ -3740,7 +3872,7 @@
     </p:spTree>
     <p:extLst>
       <p:ext uri="{BB962C8B-B14F-4D97-AF65-F5344CB8AC3E}">
-        <p14:creationId xmlns:p14="http://schemas.microsoft.com/office/powerpoint/2010/main" val="3917359600"/>
+        <p14:creationId xmlns:p14="http://schemas.microsoft.com/office/powerpoint/2010/main" val="2359087904"/>
       </p:ext>
     </p:extLst>
   </p:cSld>
@@ -3784,6 +3916,116 @@
           <a:p>
             <a:r>
               <a:rPr lang="ru-RU" dirty="0" smtClean="0"/>
+              <a:t>Элементы </a:t>
+            </a:r>
+            <a:r>
+              <a:rPr lang="en-US" dirty="0" smtClean="0"/>
+              <a:t>UI</a:t>
+            </a:r>
+            <a:endParaRPr lang="ru-RU" dirty="0"/>
+          </a:p>
+        </p:txBody>
+      </p:sp>
+      <p:sp>
+        <p:nvSpPr>
+          <p:cNvPr id="3" name="Content Placeholder 2"/>
+          <p:cNvSpPr>
+            <a:spLocks noGrp="1"/>
+          </p:cNvSpPr>
+          <p:nvPr>
+            <p:ph idx="1"/>
+          </p:nvPr>
+        </p:nvSpPr>
+        <p:spPr/>
+        <p:txBody>
+          <a:bodyPr/>
+          <a:lstStyle/>
+          <a:p>
+            <a:r>
+              <a:rPr lang="en-US" dirty="0" err="1" smtClean="0"/>
+              <a:t>MenuStrip</a:t>
+            </a:r>
+            <a:r>
+              <a:rPr lang="en-US" dirty="0" smtClean="0"/>
+              <a:t>:</a:t>
+            </a:r>
+            <a:r>
+              <a:rPr lang="ru-RU" dirty="0" smtClean="0"/>
+              <a:t> главное меню</a:t>
+            </a:r>
+            <a:endParaRPr lang="en-US" dirty="0" smtClean="0"/>
+          </a:p>
+          <a:p>
+            <a:r>
+              <a:rPr lang="en-US" dirty="0" err="1" smtClean="0"/>
+              <a:t>ContextMenuStrip</a:t>
+            </a:r>
+            <a:r>
+              <a:rPr lang="ru-RU" dirty="0" smtClean="0"/>
+              <a:t>: контекстное меню</a:t>
+            </a:r>
+            <a:endParaRPr lang="en-US" dirty="0" smtClean="0"/>
+          </a:p>
+          <a:p>
+            <a:r>
+              <a:rPr lang="en-US" dirty="0" err="1" smtClean="0"/>
+              <a:t>StatusStrip</a:t>
+            </a:r>
+            <a:r>
+              <a:rPr lang="ru-RU" dirty="0" smtClean="0"/>
+              <a:t>: строка статуса</a:t>
+            </a:r>
+            <a:endParaRPr lang="ru-RU" dirty="0"/>
+          </a:p>
+        </p:txBody>
+      </p:sp>
+    </p:spTree>
+    <p:extLst>
+      <p:ext uri="{BB962C8B-B14F-4D97-AF65-F5344CB8AC3E}">
+        <p14:creationId xmlns:p14="http://schemas.microsoft.com/office/powerpoint/2010/main" val="3917359600"/>
+      </p:ext>
+    </p:extLst>
+  </p:cSld>
+  <p:clrMapOvr>
+    <a:masterClrMapping/>
+  </p:clrMapOvr>
+</p:sld>
+</file>
+
+<file path=ppt/slides/slide15.xml><?xml version="1.0" encoding="utf-8"?>
+<p:sld xmlns:a="http://schemas.openxmlformats.org/drawingml/2006/main" xmlns:r="http://schemas.openxmlformats.org/officeDocument/2006/relationships" xmlns:p="http://schemas.openxmlformats.org/presentationml/2006/main">
+  <p:cSld>
+    <p:spTree>
+      <p:nvGrpSpPr>
+        <p:cNvPr id="1" name=""/>
+        <p:cNvGrpSpPr/>
+        <p:nvPr/>
+      </p:nvGrpSpPr>
+      <p:grpSpPr>
+        <a:xfrm>
+          <a:off x="0" y="0"/>
+          <a:ext cx="0" cy="0"/>
+          <a:chOff x="0" y="0"/>
+          <a:chExt cx="0" cy="0"/>
+        </a:xfrm>
+      </p:grpSpPr>
+      <p:sp>
+        <p:nvSpPr>
+          <p:cNvPr id="2" name="Title 1"/>
+          <p:cNvSpPr>
+            <a:spLocks noGrp="1"/>
+          </p:cNvSpPr>
+          <p:nvPr>
+            <p:ph type="title"/>
+          </p:nvPr>
+        </p:nvSpPr>
+        <p:spPr/>
+        <p:txBody>
+          <a:bodyPr/>
+          <a:lstStyle/>
+          <a:p>
+            <a:r>
+              <a:rPr lang="ru-RU" dirty="0" smtClean="0"/>
               <a:t>Стандартные диалоги</a:t>
             </a:r>
             <a:endParaRPr lang="ru-RU" dirty="0"/>
@@ -3872,7 +4114,7 @@
 </p:sld>
 </file>
 
-<file path=ppt/slides/slide15.xml><?xml version="1.0" encoding="utf-8"?>
+<file path=ppt/slides/slide16.xml><?xml version="1.0" encoding="utf-8"?>
 <p:sld xmlns:a="http://schemas.openxmlformats.org/drawingml/2006/main" xmlns:r="http://schemas.openxmlformats.org/officeDocument/2006/relationships" xmlns:p="http://schemas.openxmlformats.org/presentationml/2006/main">
   <p:cSld>
     <p:spTree>
@@ -4426,6 +4668,591 @@
 </file>
 
 <file path=ppt/slides/slide5.xml><?xml version="1.0" encoding="utf-8"?>
+<p:sld xmlns:a="http://schemas.openxmlformats.org/drawingml/2006/main" xmlns:r="http://schemas.openxmlformats.org/officeDocument/2006/relationships" xmlns:p="http://schemas.openxmlformats.org/presentationml/2006/main">
+  <p:cSld>
+    <p:spTree>
+      <p:nvGrpSpPr>
+        <p:cNvPr id="1" name=""/>
+        <p:cNvGrpSpPr/>
+        <p:nvPr/>
+      </p:nvGrpSpPr>
+      <p:grpSpPr>
+        <a:xfrm>
+          <a:off x="0" y="0"/>
+          <a:ext cx="0" cy="0"/>
+          <a:chOff x="0" y="0"/>
+          <a:chExt cx="0" cy="0"/>
+        </a:xfrm>
+      </p:grpSpPr>
+      <p:sp>
+        <p:nvSpPr>
+          <p:cNvPr id="4" name="Заголовок 3"/>
+          <p:cNvSpPr>
+            <a:spLocks noGrp="1"/>
+          </p:cNvSpPr>
+          <p:nvPr>
+            <p:ph type="title"/>
+          </p:nvPr>
+        </p:nvSpPr>
+        <p:spPr/>
+        <p:txBody>
+          <a:bodyPr>
+            <a:normAutofit/>
+          </a:bodyPr>
+          <a:lstStyle/>
+          <a:p>
+            <a:r>
+              <a:rPr lang="ru-RU" dirty="0" smtClean="0"/>
+              <a:t>Система координат</a:t>
+            </a:r>
+            <a:endParaRPr lang="ru-RU" dirty="0"/>
+          </a:p>
+        </p:txBody>
+      </p:sp>
+      <p:sp>
+        <p:nvSpPr>
+          <p:cNvPr id="18" name="Прямоугольник 17"/>
+          <p:cNvSpPr/>
+          <p:nvPr/>
+        </p:nvSpPr>
+        <p:spPr>
+          <a:xfrm>
+            <a:off x="1619672" y="1916832"/>
+            <a:ext cx="5328592" cy="3456384"/>
+          </a:xfrm>
+          <a:prstGeom prst="rect">
+            <a:avLst/>
+          </a:prstGeom>
+          <a:solidFill>
+            <a:schemeClr val="tx1">
+              <a:lumMod val="85000"/>
+            </a:schemeClr>
+          </a:solidFill>
+        </p:spPr>
+        <p:style>
+          <a:lnRef idx="2">
+            <a:schemeClr val="accent1">
+              <a:shade val="50000"/>
+            </a:schemeClr>
+          </a:lnRef>
+          <a:fillRef idx="1">
+            <a:schemeClr val="accent1"/>
+          </a:fillRef>
+          <a:effectRef idx="0">
+            <a:schemeClr val="accent1"/>
+          </a:effectRef>
+          <a:fontRef idx="minor">
+            <a:schemeClr val="lt1"/>
+          </a:fontRef>
+        </p:style>
+        <p:txBody>
+          <a:bodyPr rtlCol="0" anchor="ctr"/>
+          <a:lstStyle/>
+          <a:p>
+            <a:pPr algn="ctr"/>
+            <a:endParaRPr lang="ru-RU"/>
+          </a:p>
+        </p:txBody>
+      </p:sp>
+      <p:pic>
+        <p:nvPicPr>
+          <p:cNvPr id="1026" name="Picture 2"/>
+          <p:cNvPicPr>
+            <a:picLocks noChangeAspect="1" noChangeArrowheads="1"/>
+          </p:cNvPicPr>
+          <p:nvPr/>
+        </p:nvPicPr>
+        <p:blipFill>
+          <a:blip r:embed="rId2">
+            <a:extLst>
+              <a:ext uri="{28A0092B-C50C-407E-A947-70E740481C1C}">
+                <a14:useLocalDpi xmlns:a14="http://schemas.microsoft.com/office/drawing/2010/main" val="0"/>
+              </a:ext>
+            </a:extLst>
+          </a:blip>
+          <a:srcRect/>
+          <a:stretch>
+            <a:fillRect/>
+          </a:stretch>
+        </p:blipFill>
+        <p:spPr bwMode="auto">
+          <a:xfrm>
+            <a:off x="2185045" y="2265239"/>
+            <a:ext cx="3333750" cy="1895475"/>
+          </a:xfrm>
+          <a:prstGeom prst="rect">
+            <a:avLst/>
+          </a:prstGeom>
+          <a:noFill/>
+          <a:ln>
+            <a:noFill/>
+          </a:ln>
+          <a:effectLst/>
+          <a:extLst>
+            <a:ext uri="{909E8E84-426E-40DD-AFC4-6F175D3DCCD1}">
+              <a14:hiddenFill xmlns:a14="http://schemas.microsoft.com/office/drawing/2010/main">
+                <a:solidFill>
+                  <a:schemeClr val="accent1"/>
+                </a:solidFill>
+              </a14:hiddenFill>
+            </a:ext>
+            <a:ext uri="{91240B29-F687-4F45-9708-019B960494DF}">
+              <a14:hiddenLine xmlns:a14="http://schemas.microsoft.com/office/drawing/2010/main" w="9525">
+                <a:solidFill>
+                  <a:schemeClr val="tx1"/>
+                </a:solidFill>
+                <a:miter lim="800000"/>
+                <a:headEnd/>
+                <a:tailEnd/>
+              </a14:hiddenLine>
+            </a:ext>
+            <a:ext uri="{AF507438-7753-43E0-B8FC-AC1667EBCBE1}">
+              <a14:hiddenEffects xmlns:a14="http://schemas.microsoft.com/office/drawing/2010/main">
+                <a:effectLst>
+                  <a:outerShdw dist="35921" dir="2700000" algn="ctr" rotWithShape="0">
+                    <a:schemeClr val="bg2"/>
+                  </a:outerShdw>
+                </a:effectLst>
+              </a14:hiddenEffects>
+            </a:ext>
+          </a:extLst>
+        </p:spPr>
+      </p:pic>
+      <p:sp>
+        <p:nvSpPr>
+          <p:cNvPr id="8" name="Прямоугольник 7"/>
+          <p:cNvSpPr/>
+          <p:nvPr/>
+        </p:nvSpPr>
+        <p:spPr>
+          <a:xfrm>
+            <a:off x="2288952" y="2545854"/>
+            <a:ext cx="3168000" cy="1531218"/>
+          </a:xfrm>
+          <a:prstGeom prst="rect">
+            <a:avLst/>
+          </a:prstGeom>
+          <a:solidFill>
+            <a:schemeClr val="accent5">
+              <a:lumMod val="50000"/>
+            </a:schemeClr>
+          </a:solidFill>
+        </p:spPr>
+        <p:style>
+          <a:lnRef idx="2">
+            <a:schemeClr val="accent1">
+              <a:shade val="50000"/>
+            </a:schemeClr>
+          </a:lnRef>
+          <a:fillRef idx="1">
+            <a:schemeClr val="accent1"/>
+          </a:fillRef>
+          <a:effectRef idx="0">
+            <a:schemeClr val="accent1"/>
+          </a:effectRef>
+          <a:fontRef idx="minor">
+            <a:schemeClr val="lt1"/>
+          </a:fontRef>
+        </p:style>
+        <p:txBody>
+          <a:bodyPr rtlCol="0" anchor="ctr"/>
+          <a:lstStyle/>
+          <a:p>
+            <a:pPr algn="ctr"/>
+            <a:endParaRPr lang="ru-RU"/>
+          </a:p>
+        </p:txBody>
+      </p:sp>
+      <p:cxnSp>
+        <p:nvCxnSpPr>
+          <p:cNvPr id="12" name="Прямая со стрелкой 11"/>
+          <p:cNvCxnSpPr/>
+          <p:nvPr/>
+        </p:nvCxnSpPr>
+        <p:spPr>
+          <a:xfrm>
+            <a:off x="2288952" y="2545854"/>
+            <a:ext cx="3795216" cy="0"/>
+          </a:xfrm>
+          <a:prstGeom prst="straightConnector1">
+            <a:avLst/>
+          </a:prstGeom>
+          <a:ln>
+            <a:solidFill>
+              <a:srgbClr val="FF0000"/>
+            </a:solidFill>
+            <a:tailEnd type="arrow"/>
+          </a:ln>
+        </p:spPr>
+        <p:style>
+          <a:lnRef idx="1">
+            <a:schemeClr val="accent1"/>
+          </a:lnRef>
+          <a:fillRef idx="0">
+            <a:schemeClr val="accent1"/>
+          </a:fillRef>
+          <a:effectRef idx="0">
+            <a:schemeClr val="accent1"/>
+          </a:effectRef>
+          <a:fontRef idx="minor">
+            <a:schemeClr val="tx1"/>
+          </a:fontRef>
+        </p:style>
+      </p:cxnSp>
+      <p:cxnSp>
+        <p:nvCxnSpPr>
+          <p:cNvPr id="14" name="Прямая со стрелкой 13"/>
+          <p:cNvCxnSpPr/>
+          <p:nvPr/>
+        </p:nvCxnSpPr>
+        <p:spPr>
+          <a:xfrm>
+            <a:off x="2293144" y="2548012"/>
+            <a:ext cx="0" cy="2177132"/>
+          </a:xfrm>
+          <a:prstGeom prst="straightConnector1">
+            <a:avLst/>
+          </a:prstGeom>
+          <a:ln>
+            <a:solidFill>
+              <a:srgbClr val="FF0000"/>
+            </a:solidFill>
+            <a:tailEnd type="arrow"/>
+          </a:ln>
+        </p:spPr>
+        <p:style>
+          <a:lnRef idx="1">
+            <a:schemeClr val="accent1"/>
+          </a:lnRef>
+          <a:fillRef idx="0">
+            <a:schemeClr val="accent1"/>
+          </a:fillRef>
+          <a:effectRef idx="0">
+            <a:schemeClr val="accent1"/>
+          </a:effectRef>
+          <a:fontRef idx="minor">
+            <a:schemeClr val="tx1"/>
+          </a:fontRef>
+        </p:style>
+      </p:cxnSp>
+      <p:cxnSp>
+        <p:nvCxnSpPr>
+          <p:cNvPr id="20" name="Прямая со стрелкой 19"/>
+          <p:cNvCxnSpPr/>
+          <p:nvPr/>
+        </p:nvCxnSpPr>
+        <p:spPr>
+          <a:xfrm>
+            <a:off x="1612305" y="1907307"/>
+            <a:ext cx="6272063" cy="0"/>
+          </a:xfrm>
+          <a:prstGeom prst="straightConnector1">
+            <a:avLst/>
+          </a:prstGeom>
+          <a:ln>
+            <a:solidFill>
+              <a:srgbClr val="FF0000"/>
+            </a:solidFill>
+            <a:tailEnd type="arrow"/>
+          </a:ln>
+        </p:spPr>
+        <p:style>
+          <a:lnRef idx="1">
+            <a:schemeClr val="accent1"/>
+          </a:lnRef>
+          <a:fillRef idx="0">
+            <a:schemeClr val="accent1"/>
+          </a:fillRef>
+          <a:effectRef idx="0">
+            <a:schemeClr val="accent1"/>
+          </a:effectRef>
+          <a:fontRef idx="minor">
+            <a:schemeClr val="tx1"/>
+          </a:fontRef>
+        </p:style>
+      </p:cxnSp>
+      <p:cxnSp>
+        <p:nvCxnSpPr>
+          <p:cNvPr id="21" name="Прямая со стрелкой 20"/>
+          <p:cNvCxnSpPr/>
+          <p:nvPr/>
+        </p:nvCxnSpPr>
+        <p:spPr>
+          <a:xfrm>
+            <a:off x="1616497" y="1918990"/>
+            <a:ext cx="0" cy="3958282"/>
+          </a:xfrm>
+          <a:prstGeom prst="straightConnector1">
+            <a:avLst/>
+          </a:prstGeom>
+          <a:ln>
+            <a:solidFill>
+              <a:srgbClr val="FF0000"/>
+            </a:solidFill>
+            <a:tailEnd type="arrow"/>
+          </a:ln>
+        </p:spPr>
+        <p:style>
+          <a:lnRef idx="1">
+            <a:schemeClr val="accent1"/>
+          </a:lnRef>
+          <a:fillRef idx="0">
+            <a:schemeClr val="accent1"/>
+          </a:fillRef>
+          <a:effectRef idx="0">
+            <a:schemeClr val="accent1"/>
+          </a:effectRef>
+          <a:fontRef idx="minor">
+            <a:schemeClr val="tx1"/>
+          </a:fontRef>
+        </p:style>
+      </p:cxnSp>
+    </p:spTree>
+    <p:extLst>
+      <p:ext uri="{BB962C8B-B14F-4D97-AF65-F5344CB8AC3E}">
+        <p14:creationId xmlns:p14="http://schemas.microsoft.com/office/powerpoint/2010/main" val="1005109163"/>
+      </p:ext>
+    </p:extLst>
+  </p:cSld>
+  <p:clrMapOvr>
+    <a:masterClrMapping/>
+  </p:clrMapOvr>
+  <p:timing>
+    <p:tnLst>
+      <p:par>
+        <p:cTn id="1" dur="indefinite" restart="never" nodeType="tmRoot">
+          <p:childTnLst>
+            <p:seq concurrent="1" nextAc="seek">
+              <p:cTn id="2" dur="indefinite" nodeType="mainSeq">
+                <p:childTnLst>
+                  <p:par>
+                    <p:cTn id="3" fill="hold">
+                      <p:stCondLst>
+                        <p:cond delay="indefinite"/>
+                      </p:stCondLst>
+                      <p:childTnLst>
+                        <p:par>
+                          <p:cTn id="4" fill="hold">
+                            <p:stCondLst>
+                              <p:cond delay="0"/>
+                            </p:stCondLst>
+                            <p:childTnLst>
+                              <p:par>
+                                <p:cTn id="5" presetID="1" presetClass="entr" presetSubtype="0" fill="hold" nodeType="clickEffect">
+                                  <p:stCondLst>
+                                    <p:cond delay="0"/>
+                                  </p:stCondLst>
+                                  <p:childTnLst>
+                                    <p:set>
+                                      <p:cBhvr>
+                                        <p:cTn id="6" dur="1" fill="hold">
+                                          <p:stCondLst>
+                                            <p:cond delay="0"/>
+                                          </p:stCondLst>
+                                        </p:cTn>
+                                        <p:tgtEl>
+                                          <p:spTgt spid="14"/>
+                                        </p:tgtEl>
+                                        <p:attrNameLst>
+                                          <p:attrName>style.visibility</p:attrName>
+                                        </p:attrNameLst>
+                                      </p:cBhvr>
+                                      <p:to>
+                                        <p:strVal val="visible"/>
+                                      </p:to>
+                                    </p:set>
+                                  </p:childTnLst>
+                                </p:cTn>
+                              </p:par>
+                              <p:par>
+                                <p:cTn id="7" presetID="1" presetClass="entr" presetSubtype="0" fill="hold" nodeType="withEffect">
+                                  <p:stCondLst>
+                                    <p:cond delay="0"/>
+                                  </p:stCondLst>
+                                  <p:childTnLst>
+                                    <p:set>
+                                      <p:cBhvr>
+                                        <p:cTn id="8" dur="1" fill="hold">
+                                          <p:stCondLst>
+                                            <p:cond delay="0"/>
+                                          </p:stCondLst>
+                                        </p:cTn>
+                                        <p:tgtEl>
+                                          <p:spTgt spid="12"/>
+                                        </p:tgtEl>
+                                        <p:attrNameLst>
+                                          <p:attrName>style.visibility</p:attrName>
+                                        </p:attrNameLst>
+                                      </p:cBhvr>
+                                      <p:to>
+                                        <p:strVal val="visible"/>
+                                      </p:to>
+                                    </p:set>
+                                  </p:childTnLst>
+                                </p:cTn>
+                              </p:par>
+                              <p:par>
+                                <p:cTn id="9" presetID="1" presetClass="entr" presetSubtype="0" fill="hold" grpId="0" nodeType="withEffect">
+                                  <p:stCondLst>
+                                    <p:cond delay="0"/>
+                                  </p:stCondLst>
+                                  <p:childTnLst>
+                                    <p:set>
+                                      <p:cBhvr>
+                                        <p:cTn id="10" dur="1" fill="hold">
+                                          <p:stCondLst>
+                                            <p:cond delay="0"/>
+                                          </p:stCondLst>
+                                        </p:cTn>
+                                        <p:tgtEl>
+                                          <p:spTgt spid="8"/>
+                                        </p:tgtEl>
+                                        <p:attrNameLst>
+                                          <p:attrName>style.visibility</p:attrName>
+                                        </p:attrNameLst>
+                                      </p:cBhvr>
+                                      <p:to>
+                                        <p:strVal val="visible"/>
+                                      </p:to>
+                                    </p:set>
+                                  </p:childTnLst>
+                                </p:cTn>
+                              </p:par>
+                            </p:childTnLst>
+                          </p:cTn>
+                        </p:par>
+                      </p:childTnLst>
+                    </p:cTn>
+                  </p:par>
+                  <p:par>
+                    <p:cTn id="11" fill="hold">
+                      <p:stCondLst>
+                        <p:cond delay="indefinite"/>
+                      </p:stCondLst>
+                      <p:childTnLst>
+                        <p:par>
+                          <p:cTn id="12" fill="hold">
+                            <p:stCondLst>
+                              <p:cond delay="0"/>
+                            </p:stCondLst>
+                            <p:childTnLst>
+                              <p:par>
+                                <p:cTn id="13" presetID="1" presetClass="entr" presetSubtype="0" fill="hold" grpId="0" nodeType="clickEffect">
+                                  <p:stCondLst>
+                                    <p:cond delay="0"/>
+                                  </p:stCondLst>
+                                  <p:childTnLst>
+                                    <p:set>
+                                      <p:cBhvr>
+                                        <p:cTn id="14" dur="1" fill="hold">
+                                          <p:stCondLst>
+                                            <p:cond delay="0"/>
+                                          </p:stCondLst>
+                                        </p:cTn>
+                                        <p:tgtEl>
+                                          <p:spTgt spid="18"/>
+                                        </p:tgtEl>
+                                        <p:attrNameLst>
+                                          <p:attrName>style.visibility</p:attrName>
+                                        </p:attrNameLst>
+                                      </p:cBhvr>
+                                      <p:to>
+                                        <p:strVal val="visible"/>
+                                      </p:to>
+                                    </p:set>
+                                  </p:childTnLst>
+                                </p:cTn>
+                              </p:par>
+                              <p:par>
+                                <p:cTn id="15" presetID="1" presetClass="entr" presetSubtype="0" fill="hold" nodeType="withEffect">
+                                  <p:stCondLst>
+                                    <p:cond delay="0"/>
+                                  </p:stCondLst>
+                                  <p:childTnLst>
+                                    <p:set>
+                                      <p:cBhvr>
+                                        <p:cTn id="16" dur="1" fill="hold">
+                                          <p:stCondLst>
+                                            <p:cond delay="0"/>
+                                          </p:stCondLst>
+                                        </p:cTn>
+                                        <p:tgtEl>
+                                          <p:spTgt spid="21"/>
+                                        </p:tgtEl>
+                                        <p:attrNameLst>
+                                          <p:attrName>style.visibility</p:attrName>
+                                        </p:attrNameLst>
+                                      </p:cBhvr>
+                                      <p:to>
+                                        <p:strVal val="visible"/>
+                                      </p:to>
+                                    </p:set>
+                                  </p:childTnLst>
+                                </p:cTn>
+                              </p:par>
+                              <p:par>
+                                <p:cTn id="17" presetID="1" presetClass="entr" presetSubtype="0" fill="hold" nodeType="withEffect">
+                                  <p:stCondLst>
+                                    <p:cond delay="0"/>
+                                  </p:stCondLst>
+                                  <p:childTnLst>
+                                    <p:set>
+                                      <p:cBhvr>
+                                        <p:cTn id="18" dur="1" fill="hold">
+                                          <p:stCondLst>
+                                            <p:cond delay="0"/>
+                                          </p:stCondLst>
+                                        </p:cTn>
+                                        <p:tgtEl>
+                                          <p:spTgt spid="20"/>
+                                        </p:tgtEl>
+                                        <p:attrNameLst>
+                                          <p:attrName>style.visibility</p:attrName>
+                                        </p:attrNameLst>
+                                      </p:cBhvr>
+                                      <p:to>
+                                        <p:strVal val="visible"/>
+                                      </p:to>
+                                    </p:set>
+                                  </p:childTnLst>
+                                </p:cTn>
+                              </p:par>
+                            </p:childTnLst>
+                          </p:cTn>
+                        </p:par>
+                      </p:childTnLst>
+                    </p:cTn>
+                  </p:par>
+                </p:childTnLst>
+              </p:cTn>
+              <p:prevCondLst>
+                <p:cond evt="onPrev" delay="0">
+                  <p:tgtEl>
+                    <p:sldTgt/>
+                  </p:tgtEl>
+                </p:cond>
+              </p:prevCondLst>
+              <p:nextCondLst>
+                <p:cond evt="onNext" delay="0">
+                  <p:tgtEl>
+                    <p:sldTgt/>
+                  </p:tgtEl>
+                </p:cond>
+              </p:nextCondLst>
+            </p:seq>
+          </p:childTnLst>
+        </p:cTn>
+      </p:par>
+    </p:tnLst>
+    <p:bldLst>
+      <p:bldP spid="18" grpId="0" animBg="1"/>
+      <p:bldP spid="8" grpId="0" animBg="1"/>
+    </p:bldLst>
+  </p:timing>
+</p:sld>
+</file>
+
+<file path=ppt/slides/slide6.xml><?xml version="1.0" encoding="utf-8"?>
 <p:sld xmlns:a="http://schemas.openxmlformats.org/drawingml/2006/main" xmlns:r="http://schemas.openxmlformats.org/officeDocument/2006/relationships" xmlns:p="http://schemas.openxmlformats.org/presentationml/2006/main">
   <p:cSld>
     <p:spTree>
@@ -4600,419 +5427,6 @@
 </p:sld>
 </file>
 
-<file path=ppt/slides/slide6.xml><?xml version="1.0" encoding="utf-8"?>
-<p:sld xmlns:a="http://schemas.openxmlformats.org/drawingml/2006/main" xmlns:r="http://schemas.openxmlformats.org/officeDocument/2006/relationships" xmlns:p="http://schemas.openxmlformats.org/presentationml/2006/main">
-  <p:cSld>
-    <p:spTree>
-      <p:nvGrpSpPr>
-        <p:cNvPr id="1" name=""/>
-        <p:cNvGrpSpPr/>
-        <p:nvPr/>
-      </p:nvGrpSpPr>
-      <p:grpSpPr>
-        <a:xfrm>
-          <a:off x="0" y="0"/>
-          <a:ext cx="0" cy="0"/>
-          <a:chOff x="0" y="0"/>
-          <a:chExt cx="0" cy="0"/>
-        </a:xfrm>
-      </p:grpSpPr>
-      <p:sp>
-        <p:nvSpPr>
-          <p:cNvPr id="2" name="Title 1"/>
-          <p:cNvSpPr>
-            <a:spLocks noGrp="1"/>
-          </p:cNvSpPr>
-          <p:nvPr>
-            <p:ph type="title"/>
-          </p:nvPr>
-        </p:nvSpPr>
-        <p:spPr/>
-        <p:txBody>
-          <a:bodyPr/>
-          <a:lstStyle/>
-          <a:p>
-            <a:r>
-              <a:rPr lang="ru-RU" dirty="0" smtClean="0"/>
-              <a:t>Имена событий</a:t>
-            </a:r>
-            <a:endParaRPr lang="ru-RU" dirty="0"/>
-          </a:p>
-        </p:txBody>
-      </p:sp>
-      <p:sp>
-        <p:nvSpPr>
-          <p:cNvPr id="3" name="Content Placeholder 2"/>
-          <p:cNvSpPr>
-            <a:spLocks noGrp="1"/>
-          </p:cNvSpPr>
-          <p:nvPr>
-            <p:ph idx="1"/>
-          </p:nvPr>
-        </p:nvSpPr>
-        <p:spPr/>
-        <p:txBody>
-          <a:bodyPr>
-            <a:normAutofit fontScale="70000" lnSpcReduction="20000"/>
-          </a:bodyPr>
-          <a:lstStyle/>
-          <a:p>
-            <a:r>
-              <a:rPr lang="ru-RU" dirty="0"/>
-              <a:t>О</a:t>
-            </a:r>
-            <a:r>
-              <a:rPr lang="ru-RU" dirty="0" smtClean="0"/>
-              <a:t>кончание -</a:t>
-            </a:r>
-            <a:r>
-              <a:rPr lang="en-US" dirty="0" err="1" smtClean="0"/>
-              <a:t>ed</a:t>
-            </a:r>
-            <a:r>
-              <a:rPr lang="en-US" dirty="0" smtClean="0"/>
-              <a:t> </a:t>
-            </a:r>
-            <a:r>
-              <a:rPr lang="ru-RU" dirty="0" smtClean="0"/>
-              <a:t>(</a:t>
-            </a:r>
-            <a:r>
-              <a:rPr lang="en-US" dirty="0" err="1" smtClean="0"/>
-              <a:t>FormClosed</a:t>
-            </a:r>
-            <a:r>
-              <a:rPr lang="en-US" dirty="0" smtClean="0"/>
-              <a:t>, </a:t>
-            </a:r>
-            <a:r>
-              <a:rPr lang="en-US" dirty="0" err="1" smtClean="0"/>
-              <a:t>DefaultItemChanged</a:t>
-            </a:r>
-            <a:r>
-              <a:rPr lang="en-US" dirty="0" smtClean="0"/>
-              <a:t>, </a:t>
-            </a:r>
-            <a:r>
-              <a:rPr lang="en-US" dirty="0" err="1" smtClean="0"/>
-              <a:t>ItemRemoved</a:t>
-            </a:r>
-            <a:r>
-              <a:rPr lang="en-US" dirty="0" smtClean="0"/>
-              <a:t> </a:t>
-            </a:r>
-            <a:r>
-              <a:rPr lang="ru-RU" dirty="0"/>
-              <a:t>и т.п</a:t>
-            </a:r>
-            <a:r>
-              <a:rPr lang="ru-RU" dirty="0" smtClean="0"/>
-              <a:t>.):</a:t>
-            </a:r>
-            <a:r>
-              <a:rPr lang="en-US" dirty="0" smtClean="0"/>
-              <a:t> </a:t>
-            </a:r>
-            <a:r>
-              <a:rPr lang="ru-RU" dirty="0" smtClean="0"/>
-              <a:t>событие генерируется после указанного действия.</a:t>
-            </a:r>
-            <a:endParaRPr lang="en-US" dirty="0" smtClean="0"/>
-          </a:p>
-          <a:p>
-            <a:r>
-              <a:rPr lang="ru-RU" dirty="0" smtClean="0"/>
-              <a:t>Окончание –</a:t>
-            </a:r>
-            <a:r>
-              <a:rPr lang="en-US" dirty="0" err="1" smtClean="0"/>
-              <a:t>ing</a:t>
-            </a:r>
-            <a:r>
-              <a:rPr lang="ru-RU" dirty="0" smtClean="0"/>
-              <a:t> (</a:t>
-            </a:r>
-            <a:r>
-              <a:rPr lang="en-US" dirty="0" err="1" smtClean="0"/>
-              <a:t>FormClosing</a:t>
-            </a:r>
-            <a:r>
-              <a:rPr lang="en-US" dirty="0" smtClean="0"/>
-              <a:t>,</a:t>
-            </a:r>
-            <a:r>
-              <a:rPr lang="ru-RU" dirty="0" smtClean="0"/>
-              <a:t> </a:t>
-            </a:r>
-            <a:r>
-              <a:rPr lang="en-US" dirty="0" smtClean="0"/>
-              <a:t>Validating, Opening </a:t>
-            </a:r>
-            <a:r>
-              <a:rPr lang="ru-RU" dirty="0" smtClean="0"/>
-              <a:t>и т.п.): событие генерируется в момент указанного действия. Иногда дается возможность отмены.</a:t>
-            </a:r>
-          </a:p>
-          <a:p>
-            <a:r>
-              <a:rPr lang="en-US" dirty="0" err="1" smtClean="0"/>
-              <a:t>BeforeSmth</a:t>
-            </a:r>
-            <a:r>
-              <a:rPr lang="en-US" dirty="0" smtClean="0"/>
-              <a:t> </a:t>
-            </a:r>
-            <a:r>
-              <a:rPr lang="ru-RU" dirty="0" smtClean="0"/>
-              <a:t>(</a:t>
-            </a:r>
-            <a:r>
-              <a:rPr lang="en-US" dirty="0" err="1" smtClean="0"/>
-              <a:t>BeforeCollapse</a:t>
-            </a:r>
-            <a:r>
-              <a:rPr lang="en-US" dirty="0"/>
-              <a:t>, </a:t>
-            </a:r>
-            <a:r>
-              <a:rPr lang="en-US" dirty="0" err="1"/>
-              <a:t>Before</a:t>
-            </a:r>
-            <a:r>
-              <a:rPr lang="en-US" dirty="0" err="1" smtClean="0"/>
-              <a:t>Expand</a:t>
-            </a:r>
-            <a:r>
-              <a:rPr lang="en-US" dirty="0"/>
-              <a:t>, </a:t>
-            </a:r>
-            <a:r>
-              <a:rPr lang="en-US" dirty="0" err="1"/>
-              <a:t>Before</a:t>
-            </a:r>
-            <a:r>
-              <a:rPr lang="en-US" dirty="0" err="1" smtClean="0"/>
-              <a:t>LabelEdit</a:t>
-            </a:r>
-            <a:r>
-              <a:rPr lang="en-US" dirty="0" smtClean="0"/>
-              <a:t> </a:t>
-            </a:r>
-            <a:r>
-              <a:rPr lang="ru-RU" dirty="0" smtClean="0"/>
-              <a:t>и </a:t>
-            </a:r>
-            <a:r>
-              <a:rPr lang="ru-RU" dirty="0"/>
-              <a:t>т.п</a:t>
-            </a:r>
-            <a:r>
-              <a:rPr lang="ru-RU" dirty="0" smtClean="0"/>
-              <a:t>.): событие генерируется до указанного действия.</a:t>
-            </a:r>
-            <a:endParaRPr lang="en-US" dirty="0" smtClean="0"/>
-          </a:p>
-          <a:p>
-            <a:r>
-              <a:rPr lang="en-US" dirty="0" err="1" smtClean="0"/>
-              <a:t>AfterSmth</a:t>
-            </a:r>
-            <a:r>
-              <a:rPr lang="en-US" dirty="0" smtClean="0"/>
-              <a:t> </a:t>
-            </a:r>
-            <a:r>
-              <a:rPr lang="ru-RU" dirty="0" smtClean="0"/>
-              <a:t>(</a:t>
-            </a:r>
-            <a:r>
-              <a:rPr lang="en-US" dirty="0" err="1" smtClean="0"/>
-              <a:t>AfterCollapse</a:t>
-            </a:r>
-            <a:r>
-              <a:rPr lang="en-US" dirty="0" smtClean="0"/>
-              <a:t>, </a:t>
-            </a:r>
-            <a:r>
-              <a:rPr lang="en-US" dirty="0" err="1" smtClean="0"/>
-              <a:t>AfterExpand</a:t>
-            </a:r>
-            <a:r>
-              <a:rPr lang="en-US" dirty="0" smtClean="0"/>
-              <a:t>, </a:t>
-            </a:r>
-            <a:r>
-              <a:rPr lang="en-US" dirty="0" err="1" smtClean="0"/>
-              <a:t>AfterLabelEdit</a:t>
-            </a:r>
-            <a:r>
-              <a:rPr lang="en-US" dirty="0" smtClean="0"/>
-              <a:t> </a:t>
-            </a:r>
-            <a:r>
-              <a:rPr lang="ru-RU" dirty="0" smtClean="0"/>
-              <a:t>и </a:t>
-            </a:r>
-            <a:r>
-              <a:rPr lang="ru-RU" dirty="0"/>
-              <a:t>т.п</a:t>
-            </a:r>
-            <a:r>
-              <a:rPr lang="ru-RU" dirty="0" smtClean="0"/>
-              <a:t>.):</a:t>
-            </a:r>
-            <a:r>
-              <a:rPr lang="en-US" dirty="0" smtClean="0"/>
-              <a:t> </a:t>
-            </a:r>
-            <a:r>
-              <a:rPr lang="ru-RU" dirty="0"/>
-              <a:t>событие генерируется после указанного действия</a:t>
-            </a:r>
-            <a:r>
-              <a:rPr lang="ru-RU" dirty="0" smtClean="0"/>
-              <a:t>.</a:t>
-            </a:r>
-          </a:p>
-          <a:p>
-            <a:r>
-              <a:rPr lang="en-US" dirty="0" smtClean="0"/>
-              <a:t>Begin (</a:t>
-            </a:r>
-            <a:r>
-              <a:rPr lang="en-US" dirty="0" err="1" smtClean="0"/>
-              <a:t>BeginDrag</a:t>
-            </a:r>
-            <a:r>
-              <a:rPr lang="en-US" dirty="0" smtClean="0"/>
-              <a:t>, </a:t>
-            </a:r>
-            <a:r>
-              <a:rPr lang="en-US" dirty="0" err="1" smtClean="0"/>
-              <a:t>CellBeginEdit</a:t>
-            </a:r>
-            <a:r>
-              <a:rPr lang="en-US" dirty="0" smtClean="0"/>
-              <a:t>, </a:t>
-            </a:r>
-            <a:r>
-              <a:rPr lang="en-US" dirty="0" err="1" smtClean="0"/>
-              <a:t>ResizeBegin</a:t>
-            </a:r>
-            <a:r>
-              <a:rPr lang="en-US" dirty="0"/>
-              <a:t> </a:t>
-            </a:r>
-            <a:r>
-              <a:rPr lang="ru-RU" dirty="0" smtClean="0"/>
-              <a:t>и т.п.</a:t>
-            </a:r>
-            <a:r>
-              <a:rPr lang="en-US" dirty="0" smtClean="0"/>
-              <a:t>)</a:t>
-            </a:r>
-          </a:p>
-          <a:p>
-            <a:r>
-              <a:rPr lang="en-US" dirty="0" smtClean="0"/>
-              <a:t>End</a:t>
-            </a:r>
-            <a:r>
-              <a:rPr lang="ru-RU" dirty="0" smtClean="0"/>
-              <a:t> (</a:t>
-            </a:r>
-            <a:r>
-              <a:rPr lang="en-US" dirty="0" err="1" smtClean="0"/>
-              <a:t>EndDrag</a:t>
-            </a:r>
-            <a:r>
-              <a:rPr lang="en-US" dirty="0" smtClean="0"/>
-              <a:t>, </a:t>
-            </a:r>
-            <a:r>
-              <a:rPr lang="en-US" dirty="0" err="1" smtClean="0"/>
-              <a:t>CellEndEdit</a:t>
-            </a:r>
-            <a:r>
-              <a:rPr lang="en-US" dirty="0"/>
-              <a:t>, </a:t>
-            </a:r>
-            <a:r>
-              <a:rPr lang="en-US" dirty="0" err="1" smtClean="0"/>
-              <a:t>ResizeEnd</a:t>
-            </a:r>
-            <a:r>
-              <a:rPr lang="en-US" dirty="0" smtClean="0"/>
-              <a:t> </a:t>
-            </a:r>
-            <a:r>
-              <a:rPr lang="ru-RU" dirty="0"/>
-              <a:t>и т.п</a:t>
-            </a:r>
-            <a:r>
-              <a:rPr lang="ru-RU" dirty="0" smtClean="0"/>
-              <a:t>.)</a:t>
-            </a:r>
-            <a:endParaRPr lang="en-US" dirty="0" smtClean="0"/>
-          </a:p>
-          <a:p>
-            <a:r>
-              <a:rPr lang="en-US" dirty="0" err="1" smtClean="0"/>
-              <a:t>MouseXXX</a:t>
-            </a:r>
-            <a:r>
-              <a:rPr lang="ru-RU" dirty="0"/>
-              <a:t>:</a:t>
-            </a:r>
-            <a:r>
-              <a:rPr lang="en-US" dirty="0" smtClean="0"/>
-              <a:t> </a:t>
-            </a:r>
-            <a:r>
-              <a:rPr lang="ru-RU" dirty="0" smtClean="0"/>
-              <a:t>события связанные с мышью</a:t>
-            </a:r>
-          </a:p>
-          <a:p>
-            <a:r>
-              <a:rPr lang="en-US" dirty="0" err="1" smtClean="0"/>
-              <a:t>KeyXXX</a:t>
-            </a:r>
-            <a:r>
-              <a:rPr lang="en-US" dirty="0" smtClean="0"/>
-              <a:t>:</a:t>
-            </a:r>
-            <a:r>
-              <a:rPr lang="ru-RU" dirty="0"/>
-              <a:t> события связанные с </a:t>
-            </a:r>
-            <a:r>
-              <a:rPr lang="ru-RU" dirty="0" smtClean="0"/>
-              <a:t>клавиатурой</a:t>
-            </a:r>
-          </a:p>
-          <a:p>
-            <a:r>
-              <a:rPr lang="ru-RU" dirty="0" smtClean="0"/>
-              <a:t>Другие</a:t>
-            </a:r>
-            <a:endParaRPr lang="ru-RU" dirty="0"/>
-          </a:p>
-        </p:txBody>
-      </p:sp>
-    </p:spTree>
-    <p:extLst>
-      <p:ext uri="{BB962C8B-B14F-4D97-AF65-F5344CB8AC3E}">
-        <p14:creationId xmlns:p14="http://schemas.microsoft.com/office/powerpoint/2010/main" val="3606278535"/>
-      </p:ext>
-    </p:extLst>
-  </p:cSld>
-  <p:clrMapOvr>
-    <a:masterClrMapping/>
-  </p:clrMapOvr>
-</p:sld>
-</file>
-
 <file path=ppt/slides/slide7.xml><?xml version="1.0" encoding="utf-8"?>
 <p:sld xmlns:a="http://schemas.openxmlformats.org/drawingml/2006/main" xmlns:r="http://schemas.openxmlformats.org/officeDocument/2006/relationships" xmlns:p="http://schemas.openxmlformats.org/presentationml/2006/main">
   <p:cSld>
@@ -5047,79 +5461,367 @@
           <a:p>
             <a:r>
               <a:rPr lang="ru-RU" dirty="0" smtClean="0"/>
-              <a:t>Метод </a:t>
+              <a:t>Имена событий</a:t>
+            </a:r>
+            <a:endParaRPr lang="ru-RU" dirty="0"/>
+          </a:p>
+        </p:txBody>
+      </p:sp>
+      <p:sp>
+        <p:nvSpPr>
+          <p:cNvPr id="3" name="Content Placeholder 2"/>
+          <p:cNvSpPr>
+            <a:spLocks noGrp="1"/>
+          </p:cNvSpPr>
+          <p:nvPr>
+            <p:ph idx="1"/>
+          </p:nvPr>
+        </p:nvSpPr>
+        <p:spPr/>
+        <p:txBody>
+          <a:bodyPr>
+            <a:normAutofit fontScale="70000" lnSpcReduction="20000"/>
+          </a:bodyPr>
+          <a:lstStyle/>
+          <a:p>
+            <a:r>
+              <a:rPr lang="ru-RU" dirty="0"/>
+              <a:t>О</a:t>
+            </a:r>
+            <a:r>
+              <a:rPr lang="ru-RU" dirty="0" smtClean="0"/>
+              <a:t>кончание -</a:t>
+            </a:r>
+            <a:r>
+              <a:rPr lang="en-US" dirty="0" err="1" smtClean="0"/>
+              <a:t>ed</a:t>
+            </a:r>
+            <a:r>
+              <a:rPr lang="en-US" dirty="0" smtClean="0"/>
+              <a:t> </a:t>
+            </a:r>
+            <a:r>
+              <a:rPr lang="ru-RU" dirty="0" smtClean="0"/>
+              <a:t>(</a:t>
+            </a:r>
+            <a:r>
+              <a:rPr lang="en-US" dirty="0" err="1" smtClean="0"/>
+              <a:t>FormClosed</a:t>
+            </a:r>
+            <a:r>
+              <a:rPr lang="en-US" dirty="0" smtClean="0"/>
+              <a:t>, </a:t>
+            </a:r>
+            <a:r>
+              <a:rPr lang="en-US" dirty="0" err="1" smtClean="0"/>
+              <a:t>DefaultItemChanged</a:t>
+            </a:r>
+            <a:r>
+              <a:rPr lang="en-US" dirty="0" smtClean="0"/>
+              <a:t>, </a:t>
+            </a:r>
+            <a:r>
+              <a:rPr lang="en-US" dirty="0" err="1" smtClean="0"/>
+              <a:t>ItemRemoved</a:t>
+            </a:r>
+            <a:r>
+              <a:rPr lang="en-US" dirty="0" smtClean="0"/>
+              <a:t> </a:t>
+            </a:r>
+            <a:r>
+              <a:rPr lang="ru-RU" dirty="0"/>
+              <a:t>и т.п</a:t>
+            </a:r>
+            <a:r>
+              <a:rPr lang="ru-RU" dirty="0" smtClean="0"/>
+              <a:t>.):</a:t>
+            </a:r>
+            <a:r>
+              <a:rPr lang="en-US" dirty="0" smtClean="0"/>
+              <a:t> </a:t>
+            </a:r>
+            <a:r>
+              <a:rPr lang="ru-RU" dirty="0" smtClean="0"/>
+              <a:t>событие генерируется после указанного действия.</a:t>
+            </a:r>
+            <a:endParaRPr lang="en-US" dirty="0" smtClean="0"/>
+          </a:p>
+          <a:p>
+            <a:r>
+              <a:rPr lang="ru-RU" dirty="0" smtClean="0"/>
+              <a:t>Окончание –</a:t>
+            </a:r>
+            <a:r>
+              <a:rPr lang="en-US" dirty="0" err="1" smtClean="0"/>
+              <a:t>ing</a:t>
+            </a:r>
+            <a:r>
+              <a:rPr lang="ru-RU" dirty="0" smtClean="0"/>
+              <a:t> (</a:t>
+            </a:r>
+            <a:r>
+              <a:rPr lang="en-US" dirty="0" err="1" smtClean="0"/>
+              <a:t>FormClosing</a:t>
+            </a:r>
+            <a:r>
+              <a:rPr lang="en-US" dirty="0" smtClean="0"/>
+              <a:t>,</a:t>
+            </a:r>
+            <a:r>
+              <a:rPr lang="ru-RU" dirty="0" smtClean="0"/>
+              <a:t> </a:t>
+            </a:r>
+            <a:r>
+              <a:rPr lang="en-US" dirty="0" smtClean="0"/>
+              <a:t>Validating, Opening </a:t>
+            </a:r>
+            <a:r>
+              <a:rPr lang="ru-RU" dirty="0" smtClean="0"/>
+              <a:t>и т.п.): событие генерируется в момент указанного действия. Иногда дается возможность отмены.</a:t>
+            </a:r>
+          </a:p>
+          <a:p>
+            <a:r>
+              <a:rPr lang="en-US" dirty="0" err="1" smtClean="0"/>
+              <a:t>BeforeSmth</a:t>
+            </a:r>
+            <a:r>
+              <a:rPr lang="en-US" dirty="0" smtClean="0"/>
+              <a:t> </a:t>
+            </a:r>
+            <a:r>
+              <a:rPr lang="ru-RU" dirty="0" smtClean="0"/>
+              <a:t>(</a:t>
+            </a:r>
+            <a:r>
+              <a:rPr lang="en-US" dirty="0" err="1" smtClean="0"/>
+              <a:t>BeforeCollapse</a:t>
+            </a:r>
+            <a:r>
+              <a:rPr lang="en-US" dirty="0"/>
+              <a:t>, </a:t>
             </a:r>
             <a:r>
               <a:rPr lang="en-US" dirty="0" err="1"/>
-              <a:t>InitializeComponent</a:t>
-            </a:r>
-            <a:endParaRPr lang="ru-RU" dirty="0"/>
-          </a:p>
-        </p:txBody>
-      </p:sp>
-      <p:sp>
-        <p:nvSpPr>
-          <p:cNvPr id="3" name="Content Placeholder 2"/>
-          <p:cNvSpPr>
-            <a:spLocks noGrp="1"/>
-          </p:cNvSpPr>
-          <p:nvPr>
-            <p:ph idx="1"/>
-          </p:nvPr>
-        </p:nvSpPr>
-        <p:spPr/>
-        <p:txBody>
-          <a:bodyPr/>
-          <a:lstStyle/>
-          <a:p>
-            <a:pPr marL="0" indent="0">
-              <a:buNone/>
-            </a:pPr>
+              <a:t>Before</a:t>
+            </a:r>
+            <a:r>
+              <a:rPr lang="en-US" dirty="0" err="1" smtClean="0"/>
+              <a:t>Expand</a:t>
+            </a:r>
+            <a:r>
+              <a:rPr lang="en-US" dirty="0"/>
+              <a:t>, </a:t>
+            </a:r>
+            <a:r>
+              <a:rPr lang="en-US" dirty="0" err="1"/>
+              <a:t>Before</a:t>
+            </a:r>
+            <a:r>
+              <a:rPr lang="en-US" dirty="0" err="1" smtClean="0"/>
+              <a:t>LabelEdit</a:t>
+            </a:r>
+            <a:r>
+              <a:rPr lang="en-US" dirty="0" smtClean="0"/>
+              <a:t> </a:t>
+            </a:r>
             <a:r>
               <a:rPr lang="ru-RU" dirty="0" smtClean="0"/>
-              <a:t>Метод </a:t>
-            </a:r>
+              <a:t>и </a:t>
+            </a:r>
+            <a:r>
+              <a:rPr lang="ru-RU" dirty="0"/>
+              <a:t>т.п</a:t>
+            </a:r>
+            <a:r>
+              <a:rPr lang="ru-RU" dirty="0" smtClean="0"/>
+              <a:t>.): событие генерируется до указанного действия.</a:t>
+            </a:r>
+            <a:endParaRPr lang="en-US" dirty="0" smtClean="0"/>
+          </a:p>
+          <a:p>
             <a:r>
               <a:rPr lang="en-US" dirty="0" err="1" smtClean="0"/>
-              <a:t>InitializeComponent</a:t>
+              <a:t>AfterSmth</a:t>
+            </a:r>
+            <a:r>
+              <a:rPr lang="en-US" dirty="0" smtClean="0"/>
+              <a:t> </a:t>
             </a:r>
             <a:r>
               <a:rPr lang="ru-RU" dirty="0" smtClean="0"/>
-              <a:t> используется дизайнером </a:t>
+              <a:t>(</a:t>
+            </a:r>
+            <a:r>
+              <a:rPr lang="en-US" dirty="0" err="1" smtClean="0"/>
+              <a:t>AfterCollapse</a:t>
             </a:r>
             <a:r>
               <a:rPr lang="en-US" dirty="0" smtClean="0"/>
-              <a:t>Visual Studio.</a:t>
-            </a:r>
-          </a:p>
-          <a:p>
+              <a:t>, </a:t>
+            </a:r>
+            <a:r>
+              <a:rPr lang="en-US" dirty="0" err="1" smtClean="0"/>
+              <a:t>AfterExpand</a:t>
+            </a:r>
+            <a:r>
+              <a:rPr lang="en-US" dirty="0" smtClean="0"/>
+              <a:t>, </a:t>
+            </a:r>
+            <a:r>
+              <a:rPr lang="en-US" dirty="0" err="1" smtClean="0"/>
+              <a:t>AfterLabelEdit</a:t>
+            </a:r>
+            <a:r>
+              <a:rPr lang="en-US" dirty="0" smtClean="0"/>
+              <a:t> </a:t>
+            </a:r>
             <a:r>
               <a:rPr lang="ru-RU" dirty="0" smtClean="0"/>
-              <a:t>Не меняйте этот метод</a:t>
-            </a:r>
-          </a:p>
-          <a:p>
+              <a:t>и </a:t>
+            </a:r>
+            <a:r>
+              <a:rPr lang="ru-RU" dirty="0"/>
+              <a:t>т.п</a:t>
+            </a:r>
             <a:r>
               <a:rPr lang="ru-RU" dirty="0" smtClean="0"/>
-              <a:t>Не удаляйте вызов </a:t>
+              <a:t>.):</a:t>
+            </a:r>
+            <a:r>
+              <a:rPr lang="en-US" dirty="0" smtClean="0"/>
+              <a:t> </a:t>
+            </a:r>
+            <a:r>
+              <a:rPr lang="ru-RU" dirty="0"/>
+              <a:t>событие генерируется после указанного действия</a:t>
+            </a:r>
+            <a:r>
+              <a:rPr lang="ru-RU" dirty="0" smtClean="0"/>
+              <a:t>.</a:t>
+            </a:r>
+          </a:p>
+          <a:p>
+            <a:r>
+              <a:rPr lang="en-US" dirty="0" smtClean="0"/>
+              <a:t>Begin (</a:t>
             </a:r>
             <a:r>
               <a:rPr lang="en-US" dirty="0" err="1" smtClean="0"/>
-              <a:t>InitializeComponent</a:t>
+              <a:t>BeginDrag</a:t>
+            </a:r>
+            <a:r>
+              <a:rPr lang="en-US" dirty="0" smtClean="0"/>
+              <a:t>, </a:t>
+            </a:r>
+            <a:r>
+              <a:rPr lang="en-US" dirty="0" err="1" smtClean="0"/>
+              <a:t>CellBeginEdit</a:t>
+            </a:r>
+            <a:r>
+              <a:rPr lang="en-US" dirty="0" smtClean="0"/>
+              <a:t>, </a:t>
+            </a:r>
+            <a:r>
+              <a:rPr lang="en-US" dirty="0" err="1" smtClean="0"/>
+              <a:t>ResizeBegin</a:t>
+            </a:r>
+            <a:r>
+              <a:rPr lang="en-US" dirty="0"/>
+              <a:t> </a:t>
             </a:r>
             <a:r>
               <a:rPr lang="ru-RU" dirty="0" smtClean="0"/>
-              <a:t> из конструктора формы</a:t>
-            </a:r>
-          </a:p>
-          <a:p>
+              <a:t>и т.п.</a:t>
+            </a:r>
+            <a:r>
+              <a:rPr lang="en-US" dirty="0" smtClean="0"/>
+              <a:t>)</a:t>
+            </a:r>
+          </a:p>
+          <a:p>
+            <a:r>
+              <a:rPr lang="en-US" dirty="0" smtClean="0"/>
+              <a:t>End</a:t>
+            </a:r>
             <a:r>
               <a:rPr lang="ru-RU" dirty="0" smtClean="0"/>
-              <a:t>Пишите свой код инициализации после </a:t>
-            </a:r>
-            <a:r>
-              <a:rPr lang="en-US" dirty="0" err="1"/>
-              <a:t>InitializeComponent</a:t>
+              <a:t> (</a:t>
+            </a:r>
+            <a:r>
+              <a:rPr lang="en-US" dirty="0" err="1" smtClean="0"/>
+              <a:t>EndDrag</a:t>
+            </a:r>
+            <a:r>
+              <a:rPr lang="en-US" dirty="0" smtClean="0"/>
+              <a:t>, </a:t>
+            </a:r>
+            <a:r>
+              <a:rPr lang="en-US" dirty="0" err="1" smtClean="0"/>
+              <a:t>CellEndEdit</a:t>
+            </a:r>
+            <a:r>
+              <a:rPr lang="en-US" dirty="0"/>
+              <a:t>, </a:t>
+            </a:r>
+            <a:r>
+              <a:rPr lang="en-US" dirty="0" err="1" smtClean="0"/>
+              <a:t>ResizeEnd</a:t>
+            </a:r>
+            <a:r>
+              <a:rPr lang="en-US" dirty="0" smtClean="0"/>
+              <a:t> </a:t>
+            </a:r>
+            <a:r>
+              <a:rPr lang="ru-RU" dirty="0"/>
+              <a:t>и т.п</a:t>
+            </a:r>
+            <a:r>
+              <a:rPr lang="ru-RU" dirty="0" smtClean="0"/>
+              <a:t>.)</a:t>
+            </a:r>
+            <a:endParaRPr lang="en-US" dirty="0" smtClean="0"/>
+          </a:p>
+          <a:p>
+            <a:r>
+              <a:rPr lang="en-US" dirty="0" err="1" smtClean="0"/>
+              <a:t>MouseXXX</a:t>
+            </a:r>
+            <a:r>
+              <a:rPr lang="ru-RU" dirty="0"/>
+              <a:t>:</a:t>
+            </a:r>
+            <a:r>
+              <a:rPr lang="en-US" dirty="0" smtClean="0"/>
+              <a:t> </a:t>
+            </a:r>
+            <a:r>
+              <a:rPr lang="ru-RU" dirty="0" smtClean="0"/>
+              <a:t>события связанные с мышью</a:t>
+            </a:r>
+          </a:p>
+          <a:p>
+            <a:r>
+              <a:rPr lang="en-US" dirty="0" err="1" smtClean="0"/>
+              <a:t>KeyXXX</a:t>
+            </a:r>
+            <a:r>
+              <a:rPr lang="en-US" dirty="0" smtClean="0"/>
+              <a:t>:</a:t>
+            </a:r>
+            <a:r>
+              <a:rPr lang="ru-RU" dirty="0"/>
+              <a:t> события связанные с </a:t>
+            </a:r>
+            <a:r>
+              <a:rPr lang="ru-RU" dirty="0" smtClean="0"/>
+              <a:t>клавиатурой</a:t>
+            </a:r>
+          </a:p>
+          <a:p>
+            <a:r>
+              <a:rPr lang="ru-RU" dirty="0" smtClean="0"/>
+              <a:t>Другие</a:t>
             </a:r>
             <a:endParaRPr lang="ru-RU" dirty="0"/>
           </a:p>
@@ -5128,7 +5830,7 @@
     </p:spTree>
     <p:extLst>
       <p:ext uri="{BB962C8B-B14F-4D97-AF65-F5344CB8AC3E}">
-        <p14:creationId xmlns:p14="http://schemas.microsoft.com/office/powerpoint/2010/main" val="4026839946"/>
+        <p14:creationId xmlns:p14="http://schemas.microsoft.com/office/powerpoint/2010/main" val="3606278535"/>
       </p:ext>
     </p:extLst>
   </p:cSld>
@@ -5172,15 +5874,11 @@
           <a:p>
             <a:r>
               <a:rPr lang="ru-RU" dirty="0" smtClean="0"/>
-              <a:t>Окно «</a:t>
-            </a:r>
-            <a:r>
-              <a:rPr lang="en-US" dirty="0" smtClean="0"/>
-              <a:t>Properties</a:t>
-            </a:r>
-            <a:r>
-              <a:rPr lang="ru-RU" dirty="0" smtClean="0"/>
-              <a:t>»</a:t>
+              <a:t>Метод </a:t>
+            </a:r>
+            <a:r>
+              <a:rPr lang="en-US" dirty="0" err="1"/>
+              <a:t>InitializeComponent</a:t>
             </a:r>
             <a:endParaRPr lang="ru-RU" dirty="0"/>
           </a:p>
@@ -5201,26 +5899,54 @@
           <a:bodyPr/>
           <a:lstStyle/>
           <a:p>
+            <a:pPr marL="0" indent="0">
+              <a:buNone/>
+            </a:pPr>
             <a:r>
               <a:rPr lang="ru-RU" dirty="0" smtClean="0"/>
-              <a:t>(</a:t>
+              <a:t>Метод </a:t>
+            </a:r>
+            <a:r>
+              <a:rPr lang="en-US" dirty="0" err="1" smtClean="0"/>
+              <a:t>InitializeComponent</a:t>
+            </a:r>
+            <a:r>
+              <a:rPr lang="ru-RU" dirty="0" smtClean="0"/>
+              <a:t> используется дизайнером </a:t>
             </a:r>
             <a:r>
               <a:rPr lang="en-US" dirty="0" smtClean="0"/>
-              <a:t>Name)</a:t>
-            </a:r>
-          </a:p>
-          <a:p>
+              <a:t>Visual Studio.</a:t>
+            </a:r>
+          </a:p>
+          <a:p>
+            <a:r>
+              <a:rPr lang="ru-RU" dirty="0" smtClean="0"/>
+              <a:t>Не меняйте этот метод</a:t>
+            </a:r>
+          </a:p>
+          <a:p>
+            <a:r>
+              <a:rPr lang="ru-RU" dirty="0" smtClean="0"/>
+              <a:t>Не удаляйте вызов </a:t>
+            </a:r>
             <a:r>
               <a:rPr lang="en-US" dirty="0" err="1" smtClean="0"/>
-              <a:t>GenerateMember</a:t>
-            </a:r>
-            <a:endParaRPr lang="en-US" dirty="0" smtClean="0"/>
-          </a:p>
-          <a:p>
-            <a:r>
-              <a:rPr lang="en-US" dirty="0" smtClean="0"/>
-              <a:t>Modifiers</a:t>
+              <a:t>InitializeComponent</a:t>
+            </a:r>
+            <a:r>
+              <a:rPr lang="ru-RU" dirty="0" smtClean="0"/>
+              <a:t> из конструктора формы</a:t>
+            </a:r>
+          </a:p>
+          <a:p>
+            <a:r>
+              <a:rPr lang="ru-RU" dirty="0" smtClean="0"/>
+              <a:t>Пишите свой код инициализации после </a:t>
+            </a:r>
+            <a:r>
+              <a:rPr lang="en-US" dirty="0" err="1"/>
+              <a:t>InitializeComponent</a:t>
             </a:r>
             <a:endParaRPr lang="ru-RU" dirty="0"/>
           </a:p>
@@ -5229,7 +5955,7 @@
     </p:spTree>
     <p:extLst>
       <p:ext uri="{BB962C8B-B14F-4D97-AF65-F5344CB8AC3E}">
-        <p14:creationId xmlns:p14="http://schemas.microsoft.com/office/powerpoint/2010/main" val="3812283606"/>
+        <p14:creationId xmlns:p14="http://schemas.microsoft.com/office/powerpoint/2010/main" val="4026839946"/>
       </p:ext>
     </p:extLst>
   </p:cSld>
@@ -5273,7 +5999,15 @@
           <a:p>
             <a:r>
               <a:rPr lang="ru-RU" dirty="0" smtClean="0"/>
-              <a:t>Префиксы имен</a:t>
+              <a:t>Окно «</a:t>
+            </a:r>
+            <a:r>
+              <a:rPr lang="en-US" dirty="0" smtClean="0"/>
+              <a:t>Properties</a:t>
+            </a:r>
+            <a:r>
+              <a:rPr lang="ru-RU" dirty="0" smtClean="0"/>
+              <a:t>»</a:t>
             </a:r>
             <a:endParaRPr lang="ru-RU" dirty="0"/>
           </a:p>
@@ -5291,177 +6025,29 @@
         </p:nvSpPr>
         <p:spPr/>
         <p:txBody>
-          <a:bodyPr numCol="2">
-            <a:normAutofit/>
-          </a:bodyPr>
+          <a:bodyPr/>
           <a:lstStyle/>
           <a:p>
             <a:r>
+              <a:rPr lang="ru-RU" dirty="0" smtClean="0"/>
+              <a:t>(</a:t>
+            </a:r>
+            <a:r>
+              <a:rPr lang="en-US" dirty="0" smtClean="0"/>
+              <a:t>Name)</a:t>
+            </a:r>
+          </a:p>
+          <a:p>
+            <a:r>
               <a:rPr lang="en-US" dirty="0" err="1" smtClean="0"/>
-              <a:t>btn</a:t>
-            </a:r>
+              <a:t>GenerateMember</a:t>
+            </a:r>
+            <a:endParaRPr lang="en-US" dirty="0" smtClean="0"/>
+          </a:p>
+          <a:p>
             <a:r>
               <a:rPr lang="en-US" dirty="0" smtClean="0"/>
-              <a:t> – Button</a:t>
-            </a:r>
-          </a:p>
-          <a:p>
-            <a:r>
-              <a:rPr lang="en-US" dirty="0" err="1" smtClean="0"/>
-              <a:t>cb</a:t>
-            </a:r>
-            <a:r>
-              <a:rPr lang="en-US" dirty="0" smtClean="0"/>
-              <a:t> – </a:t>
-            </a:r>
-            <a:r>
-              <a:rPr lang="en-US" dirty="0" err="1" smtClean="0"/>
-              <a:t>CheckBox</a:t>
-            </a:r>
-            <a:endParaRPr lang="en-US" dirty="0" smtClean="0"/>
-          </a:p>
-          <a:p>
-            <a:r>
-              <a:rPr lang="en-US" dirty="0" err="1" smtClean="0"/>
-              <a:t>dgv</a:t>
-            </a:r>
-            <a:r>
-              <a:rPr lang="en-US" dirty="0" smtClean="0"/>
-              <a:t> – </a:t>
-            </a:r>
-            <a:r>
-              <a:rPr lang="en-US" dirty="0" err="1" smtClean="0"/>
-              <a:t>DataGridView</a:t>
-            </a:r>
-            <a:endParaRPr lang="en-US" dirty="0" smtClean="0"/>
-          </a:p>
-          <a:p>
-            <a:r>
-              <a:rPr lang="en-US" dirty="0" err="1" smtClean="0"/>
-              <a:t>gbox</a:t>
-            </a:r>
-            <a:r>
-              <a:rPr lang="en-US" dirty="0" smtClean="0"/>
-              <a:t> - </a:t>
-            </a:r>
-            <a:r>
-              <a:rPr lang="en-US" dirty="0" err="1" smtClean="0"/>
-              <a:t>GroupBox</a:t>
-            </a:r>
-            <a:endParaRPr lang="en-US" dirty="0" smtClean="0"/>
-          </a:p>
-          <a:p>
-            <a:r>
-              <a:rPr lang="en-US" dirty="0" err="1" smtClean="0"/>
-              <a:t>lbl</a:t>
-            </a:r>
-            <a:r>
-              <a:rPr lang="en-US" dirty="0" smtClean="0"/>
-              <a:t> – Label</a:t>
-            </a:r>
-          </a:p>
-          <a:p>
-            <a:r>
-              <a:rPr lang="en-US" dirty="0" err="1" smtClean="0"/>
-              <a:t>lnk</a:t>
-            </a:r>
-            <a:r>
-              <a:rPr lang="en-US" dirty="0" smtClean="0"/>
-              <a:t> – </a:t>
-            </a:r>
-            <a:r>
-              <a:rPr lang="en-US" dirty="0" err="1" smtClean="0"/>
-              <a:t>LinkLabel</a:t>
-            </a:r>
-            <a:endParaRPr lang="en-US" dirty="0" smtClean="0"/>
-          </a:p>
-          <a:p>
-            <a:r>
-              <a:rPr lang="en-US" dirty="0" smtClean="0"/>
-              <a:t>lv – </a:t>
-            </a:r>
-            <a:r>
-              <a:rPr lang="en-US" dirty="0" err="1" smtClean="0"/>
-              <a:t>ListView</a:t>
-            </a:r>
-            <a:endParaRPr lang="en-US" dirty="0" smtClean="0"/>
-          </a:p>
-          <a:p>
-            <a:r>
-              <a:rPr lang="en-US" dirty="0" err="1" smtClean="0"/>
-              <a:t>pb</a:t>
-            </a:r>
-            <a:r>
-              <a:rPr lang="en-US" dirty="0" smtClean="0"/>
-              <a:t> – </a:t>
-            </a:r>
-            <a:r>
-              <a:rPr lang="en-US" dirty="0" err="1" smtClean="0"/>
-              <a:t>PictureBox</a:t>
-            </a:r>
-            <a:endParaRPr lang="en-US" dirty="0" smtClean="0"/>
-          </a:p>
-          <a:p>
-            <a:r>
-              <a:rPr lang="en-US" dirty="0" err="1" smtClean="0"/>
-              <a:t>prgs</a:t>
-            </a:r>
-            <a:r>
-              <a:rPr lang="en-US" dirty="0" smtClean="0"/>
-              <a:t> - </a:t>
-            </a:r>
-            <a:r>
-              <a:rPr lang="en-US" dirty="0" err="1" smtClean="0"/>
-              <a:t>ProgressBar</a:t>
-            </a:r>
-            <a:endParaRPr lang="en-US" dirty="0" smtClean="0"/>
-          </a:p>
-          <a:p>
-            <a:r>
-              <a:rPr lang="en-US" dirty="0" err="1" smtClean="0"/>
-              <a:t>rb</a:t>
-            </a:r>
-            <a:r>
-              <a:rPr lang="en-US" dirty="0" smtClean="0"/>
-              <a:t> - </a:t>
-            </a:r>
-            <a:r>
-              <a:rPr lang="en-US" dirty="0" err="1" smtClean="0"/>
-              <a:t>RadioButton</a:t>
-            </a:r>
-            <a:endParaRPr lang="en-US" dirty="0" smtClean="0"/>
-          </a:p>
-          <a:p>
-            <a:r>
-              <a:rPr lang="en-US" dirty="0" err="1" smtClean="0"/>
-              <a:t>tb</a:t>
-            </a:r>
-            <a:r>
-              <a:rPr lang="en-US" dirty="0" smtClean="0"/>
-              <a:t> </a:t>
-            </a:r>
-            <a:r>
-              <a:rPr lang="ru-RU" dirty="0" smtClean="0"/>
-              <a:t>– </a:t>
-            </a:r>
-            <a:r>
-              <a:rPr lang="en-US" dirty="0" err="1" smtClean="0"/>
-              <a:t>TextBox</a:t>
-            </a:r>
-            <a:endParaRPr lang="en-US" dirty="0" smtClean="0"/>
-          </a:p>
-          <a:p>
-            <a:r>
-              <a:rPr lang="en-US" dirty="0" err="1" smtClean="0"/>
-              <a:t>tv</a:t>
-            </a:r>
-            <a:r>
-              <a:rPr lang="en-US" dirty="0" smtClean="0"/>
-              <a:t> - </a:t>
-            </a:r>
-            <a:r>
-              <a:rPr lang="en-US" dirty="0" err="1" smtClean="0"/>
-              <a:t>TreeView</a:t>
+              <a:t>Modifiers</a:t>
             </a:r>
             <a:endParaRPr lang="ru-RU" dirty="0"/>
           </a:p>
@@ -5470,7 +6056,7 @@
     </p:spTree>
     <p:extLst>
       <p:ext uri="{BB962C8B-B14F-4D97-AF65-F5344CB8AC3E}">
-        <p14:creationId xmlns:p14="http://schemas.microsoft.com/office/powerpoint/2010/main" val="3616111561"/>
+        <p14:creationId xmlns:p14="http://schemas.microsoft.com/office/powerpoint/2010/main" val="3812283606"/>
       </p:ext>
     </p:extLst>
   </p:cSld>

--- a/Presentation/lesson-12-winforms.pptx
+++ b/Presentation/lesson-12-winforms.pptx
@@ -207,7 +207,7 @@
           <a:p>
             <a:fld id="{B24A7054-7FFB-49F4-A126-5DF6E687FF53}" type="datetimeFigureOut">
               <a:rPr lang="ru-RU" smtClean="0"/>
-              <a:t>02.12.2015</a:t>
+              <a:t>20.12.2015</a:t>
             </a:fld>
             <a:endParaRPr lang="ru-RU"/>
           </a:p>
@@ -1270,7 +1270,7 @@
           <a:p>
             <a:fld id="{8E6E6A2A-E9D3-4A0D-B04A-ABDD367A1E08}" type="datetimeFigureOut">
               <a:rPr lang="ru-RU" smtClean="0"/>
-              <a:t>02.12.2015</a:t>
+              <a:t>20.12.2015</a:t>
             </a:fld>
             <a:endParaRPr lang="ru-RU"/>
           </a:p>
@@ -2718,7 +2718,7 @@
           <a:p>
             <a:fld id="{AC3D3127-B7C4-45E3-9797-C527EC9FDD78}" type="datetimeFigureOut">
               <a:rPr lang="ru-RU" smtClean="0"/>
-              <a:t>02.12.2015</a:t>
+              <a:t>20.12.2015</a:t>
             </a:fld>
             <a:endParaRPr lang="ru-RU"/>
           </a:p>
@@ -4198,7 +4198,7 @@
 </file>
 
 <file path=ppt/slides/slide2.xml><?xml version="1.0" encoding="utf-8"?>
-<p:sld xmlns:a="http://schemas.openxmlformats.org/drawingml/2006/main" xmlns:r="http://schemas.openxmlformats.org/officeDocument/2006/relationships" xmlns:p="http://schemas.openxmlformats.org/presentationml/2006/main">
+<p:sld xmlns:a="http://schemas.openxmlformats.org/drawingml/2006/main" xmlns:r="http://schemas.openxmlformats.org/officeDocument/2006/relationships" xmlns:p="http://schemas.openxmlformats.org/presentationml/2006/main" show="0">
   <p:cSld>
     <p:spTree>
       <p:nvGrpSpPr>
@@ -4256,67 +4256,9 @@
               <a:buNone/>
             </a:pPr>
             <a:r>
-              <a:rPr lang="ru-RU" dirty="0"/>
-              <a:t>WPF: Windows Presentation Foundation в .NET 4.5 с примерами на C# 5.0 для </a:t>
-            </a:r>
-            <a:r>
-              <a:rPr lang="ru-RU" dirty="0" smtClean="0"/>
-              <a:t>профессионалов</a:t>
-            </a:r>
-          </a:p>
-          <a:p>
-            <a:pPr marL="0" indent="0">
-              <a:buNone/>
-            </a:pPr>
-            <a:r>
-              <a:rPr lang="ru-RU" dirty="0"/>
-              <a:t>Мэтью </a:t>
-            </a:r>
-            <a:r>
-              <a:rPr lang="ru-RU" dirty="0" smtClean="0"/>
-              <a:t>Мак-Дональд</a:t>
-            </a:r>
-          </a:p>
-          <a:p>
-            <a:pPr marL="0" indent="0">
-              <a:buNone/>
-            </a:pPr>
-            <a:r>
-              <a:rPr lang="en-US" dirty="0">
-                <a:hlinkClick r:id="rId2"/>
-              </a:rPr>
-              <a:t>http://</a:t>
-            </a:r>
-            <a:r>
-              <a:rPr lang="en-US" dirty="0" smtClean="0">
-                <a:hlinkClick r:id="rId2"/>
-              </a:rPr>
-              <a:t>oz.by/books/more10172890.html</a:t>
-            </a:r>
-            <a:endParaRPr lang="ru-RU" dirty="0" smtClean="0"/>
-          </a:p>
-          <a:p>
-            <a:pPr marL="0" indent="0">
-              <a:buNone/>
-            </a:pPr>
-            <a:r>
-              <a:rPr lang="en-US" dirty="0">
-                <a:hlinkClick r:id="rId3"/>
-              </a:rPr>
-              <a:t>http://</a:t>
-            </a:r>
-            <a:r>
-              <a:rPr lang="en-US" dirty="0" smtClean="0">
-                <a:hlinkClick r:id="rId3"/>
-              </a:rPr>
-              <a:t>www.apress.com/9781430243656</a:t>
-            </a:r>
-            <a:endParaRPr lang="ru-RU" dirty="0" smtClean="0"/>
-          </a:p>
-          <a:p>
-            <a:pPr marL="0" indent="0">
-              <a:buNone/>
-            </a:pPr>
+              <a:rPr lang="en-US" dirty="0" smtClean="0"/>
+              <a:t>TODO</a:t>
+            </a:r>
             <a:endParaRPr lang="en-US" dirty="0"/>
           </a:p>
         </p:txBody>
@@ -4331,6 +4273,14 @@
   <p:clrMapOvr>
     <a:masterClrMapping/>
   </p:clrMapOvr>
+  <mc:AlternateContent xmlns:mc="http://schemas.openxmlformats.org/markup-compatibility/2006">
+    <mc:Choice xmlns:p14="http://schemas.microsoft.com/office/powerpoint/2010/main" Requires="p14">
+      <p:transition spd="slow" p14:dur="2000"/>
+    </mc:Choice>
+    <mc:Fallback>
+      <p:transition spd="slow"/>
+    </mc:Fallback>
+  </mc:AlternateContent>
   <p:timing>
     <p:tnLst>
       <p:par>

--- a/Presentation/lesson-12-winforms.pptx
+++ b/Presentation/lesson-12-winforms.pptx
@@ -5,7 +5,7 @@
     <p:sldMasterId id="2147483648" r:id="rId1"/>
   </p:sldMasterIdLst>
   <p:notesMasterIdLst>
-    <p:notesMasterId r:id="rId18"/>
+    <p:notesMasterId r:id="rId20"/>
   </p:notesMasterIdLst>
   <p:sldIdLst>
     <p:sldId id="256" r:id="rId2"/>
@@ -24,6 +24,8 @@
     <p:sldId id="288" r:id="rId15"/>
     <p:sldId id="284" r:id="rId16"/>
     <p:sldId id="285" r:id="rId17"/>
+    <p:sldId id="293" r:id="rId18"/>
+    <p:sldId id="294" r:id="rId19"/>
   </p:sldIdLst>
   <p:sldSz cx="9144000" cy="6858000" type="screen4x3"/>
   <p:notesSz cx="6858000" cy="9144000"/>
@@ -207,7 +209,7 @@
           <a:p>
             <a:fld id="{B24A7054-7FFB-49F4-A126-5DF6E687FF53}" type="datetimeFigureOut">
               <a:rPr lang="ru-RU" smtClean="0"/>
-              <a:t>20.12.2015</a:t>
+              <a:t>10.05.2016</a:t>
             </a:fld>
             <a:endParaRPr lang="ru-RU"/>
           </a:p>
@@ -1270,7 +1272,7 @@
           <a:p>
             <a:fld id="{8E6E6A2A-E9D3-4A0D-B04A-ABDD367A1E08}" type="datetimeFigureOut">
               <a:rPr lang="ru-RU" smtClean="0"/>
-              <a:t>20.12.2015</a:t>
+              <a:t>10.05.2016</a:t>
             </a:fld>
             <a:endParaRPr lang="ru-RU"/>
           </a:p>
@@ -2718,7 +2720,7 @@
           <a:p>
             <a:fld id="{AC3D3127-B7C4-45E3-9797-C527EC9FDD78}" type="datetimeFigureOut">
               <a:rPr lang="ru-RU" smtClean="0"/>
-              <a:t>20.12.2015</a:t>
+              <a:t>10.05.2016</a:t>
             </a:fld>
             <a:endParaRPr lang="ru-RU"/>
           </a:p>
@@ -4197,6 +4199,191 @@
 </p:sld>
 </file>
 
+<file path=ppt/slides/slide17.xml><?xml version="1.0" encoding="utf-8"?>
+<p:sld xmlns:a="http://schemas.openxmlformats.org/drawingml/2006/main" xmlns:r="http://schemas.openxmlformats.org/officeDocument/2006/relationships" xmlns:p="http://schemas.openxmlformats.org/presentationml/2006/main">
+  <p:cSld>
+    <p:spTree>
+      <p:nvGrpSpPr>
+        <p:cNvPr id="1" name=""/>
+        <p:cNvGrpSpPr/>
+        <p:nvPr/>
+      </p:nvGrpSpPr>
+      <p:grpSpPr>
+        <a:xfrm>
+          <a:off x="0" y="0"/>
+          <a:ext cx="0" cy="0"/>
+          <a:chOff x="0" y="0"/>
+          <a:chExt cx="0" cy="0"/>
+        </a:xfrm>
+      </p:grpSpPr>
+      <p:sp>
+        <p:nvSpPr>
+          <p:cNvPr id="4" name="Title 3"/>
+          <p:cNvSpPr>
+            <a:spLocks noGrp="1"/>
+          </p:cNvSpPr>
+          <p:nvPr>
+            <p:ph type="title"/>
+          </p:nvPr>
+        </p:nvSpPr>
+        <p:spPr/>
+        <p:txBody>
+          <a:bodyPr/>
+          <a:lstStyle/>
+          <a:p>
+            <a:r>
+              <a:rPr lang="ru-RU" dirty="0" smtClean="0"/>
+              <a:t>Полезные библиотеки</a:t>
+            </a:r>
+            <a:endParaRPr lang="ru-RU" dirty="0"/>
+          </a:p>
+        </p:txBody>
+      </p:sp>
+      <p:sp>
+        <p:nvSpPr>
+          <p:cNvPr id="5" name="Text Placeholder 4"/>
+          <p:cNvSpPr>
+            <a:spLocks noGrp="1"/>
+          </p:cNvSpPr>
+          <p:nvPr>
+            <p:ph type="body" idx="1"/>
+          </p:nvPr>
+        </p:nvSpPr>
+        <p:spPr/>
+        <p:txBody>
+          <a:bodyPr/>
+          <a:lstStyle/>
+          <a:p>
+            <a:endParaRPr lang="ru-RU" dirty="0"/>
+          </a:p>
+        </p:txBody>
+      </p:sp>
+    </p:spTree>
+    <p:extLst>
+      <p:ext uri="{BB962C8B-B14F-4D97-AF65-F5344CB8AC3E}">
+        <p14:creationId xmlns:p14="http://schemas.microsoft.com/office/powerpoint/2010/main" val="2756578197"/>
+      </p:ext>
+    </p:extLst>
+  </p:cSld>
+  <p:clrMapOvr>
+    <a:masterClrMapping/>
+  </p:clrMapOvr>
+</p:sld>
+</file>
+
+<file path=ppt/slides/slide18.xml><?xml version="1.0" encoding="utf-8"?>
+<p:sld xmlns:a="http://schemas.openxmlformats.org/drawingml/2006/main" xmlns:r="http://schemas.openxmlformats.org/officeDocument/2006/relationships" xmlns:p="http://schemas.openxmlformats.org/presentationml/2006/main">
+  <p:cSld>
+    <p:spTree>
+      <p:nvGrpSpPr>
+        <p:cNvPr id="1" name=""/>
+        <p:cNvGrpSpPr/>
+        <p:nvPr/>
+      </p:nvGrpSpPr>
+      <p:grpSpPr>
+        <a:xfrm>
+          <a:off x="0" y="0"/>
+          <a:ext cx="0" cy="0"/>
+          <a:chOff x="0" y="0"/>
+          <a:chExt cx="0" cy="0"/>
+        </a:xfrm>
+      </p:grpSpPr>
+      <p:sp>
+        <p:nvSpPr>
+          <p:cNvPr id="2" name="Title 1"/>
+          <p:cNvSpPr>
+            <a:spLocks noGrp="1"/>
+          </p:cNvSpPr>
+          <p:nvPr>
+            <p:ph type="title"/>
+          </p:nvPr>
+        </p:nvSpPr>
+        <p:spPr/>
+        <p:txBody>
+          <a:bodyPr/>
+          <a:lstStyle/>
+          <a:p>
+            <a:r>
+              <a:rPr lang="ru-RU" dirty="0" smtClean="0"/>
+              <a:t>Элементы управления</a:t>
+            </a:r>
+            <a:endParaRPr lang="ru-RU" dirty="0"/>
+          </a:p>
+        </p:txBody>
+      </p:sp>
+      <p:sp>
+        <p:nvSpPr>
+          <p:cNvPr id="3" name="Content Placeholder 2"/>
+          <p:cNvSpPr>
+            <a:spLocks noGrp="1"/>
+          </p:cNvSpPr>
+          <p:nvPr>
+            <p:ph idx="1"/>
+          </p:nvPr>
+        </p:nvSpPr>
+        <p:spPr/>
+        <p:txBody>
+          <a:bodyPr/>
+          <a:lstStyle/>
+          <a:p>
+            <a:r>
+              <a:rPr lang="en-US" dirty="0" err="1" smtClean="0">
+                <a:solidFill>
+                  <a:srgbClr val="FFFF00"/>
+                </a:solidFill>
+              </a:rPr>
+              <a:t>FastColoredTextBox</a:t>
+            </a:r>
+            <a:r>
+              <a:rPr lang="ru-RU" dirty="0" smtClean="0"/>
+              <a:t>: </a:t>
+            </a:r>
+            <a:r>
+              <a:rPr lang="en-US" dirty="0" smtClean="0"/>
+              <a:t>textbox </a:t>
+            </a:r>
+            <a:r>
+              <a:rPr lang="ru-RU" dirty="0" smtClean="0"/>
+              <a:t>с подсветкой синтаксиса</a:t>
+            </a:r>
+            <a:br>
+              <a:rPr lang="ru-RU" dirty="0" smtClean="0"/>
+            </a:br>
+            <a:r>
+              <a:rPr lang="en-US" dirty="0">
+                <a:hlinkClick r:id="rId2"/>
+              </a:rPr>
+              <a:t>https://</a:t>
+            </a:r>
+            <a:r>
+              <a:rPr lang="en-US" dirty="0" smtClean="0">
+                <a:hlinkClick r:id="rId2"/>
+              </a:rPr>
+              <a:t>www.nuget.org/packages/FCTB/</a:t>
+            </a:r>
+            <a:endParaRPr lang="ru-RU" smtClean="0"/>
+          </a:p>
+          <a:p>
+            <a:endParaRPr lang="ru-RU" dirty="0" smtClean="0"/>
+          </a:p>
+          <a:p>
+            <a:endParaRPr lang="ru-RU" dirty="0"/>
+          </a:p>
+        </p:txBody>
+      </p:sp>
+    </p:spTree>
+    <p:extLst>
+      <p:ext uri="{BB962C8B-B14F-4D97-AF65-F5344CB8AC3E}">
+        <p14:creationId xmlns:p14="http://schemas.microsoft.com/office/powerpoint/2010/main" val="2217456043"/>
+      </p:ext>
+    </p:extLst>
+  </p:cSld>
+  <p:clrMapOvr>
+    <a:masterClrMapping/>
+  </p:clrMapOvr>
+</p:sld>
+</file>
+
 <file path=ppt/slides/slide2.xml><?xml version="1.0" encoding="utf-8"?>
 <p:sld xmlns:a="http://schemas.openxmlformats.org/drawingml/2006/main" xmlns:r="http://schemas.openxmlformats.org/officeDocument/2006/relationships" xmlns:p="http://schemas.openxmlformats.org/presentationml/2006/main" show="0">
   <p:cSld>
@@ -4273,11 +4460,11 @@
   <p:clrMapOvr>
     <a:masterClrMapping/>
   </p:clrMapOvr>
-  <mc:AlternateContent xmlns:mc="http://schemas.openxmlformats.org/markup-compatibility/2006">
-    <mc:Choice xmlns:p14="http://schemas.microsoft.com/office/powerpoint/2010/main" Requires="p14">
+  <mc:AlternateContent xmlns:mc="http://schemas.openxmlformats.org/markup-compatibility/2006" xmlns:p14="http://schemas.microsoft.com/office/powerpoint/2010/main">
+    <mc:Choice Requires="p14">
       <p:transition spd="slow" p14:dur="2000"/>
     </mc:Choice>
-    <mc:Fallback>
+    <mc:Fallback xmlns="">
       <p:transition spd="slow"/>
     </mc:Fallback>
   </mc:AlternateContent>

--- a/Presentation/lesson-12-winforms.pptx
+++ b/Presentation/lesson-12-winforms.pptx
@@ -5,7 +5,7 @@
     <p:sldMasterId id="2147483648" r:id="rId1"/>
   </p:sldMasterIdLst>
   <p:notesMasterIdLst>
-    <p:notesMasterId r:id="rId20"/>
+    <p:notesMasterId r:id="rId23"/>
   </p:notesMasterIdLst>
   <p:sldIdLst>
     <p:sldId id="256" r:id="rId2"/>
@@ -18,14 +18,17 @@
     <p:sldId id="290" r:id="rId9"/>
     <p:sldId id="291" r:id="rId10"/>
     <p:sldId id="289" r:id="rId11"/>
-    <p:sldId id="282" r:id="rId12"/>
-    <p:sldId id="286" r:id="rId13"/>
-    <p:sldId id="287" r:id="rId14"/>
-    <p:sldId id="288" r:id="rId15"/>
-    <p:sldId id="284" r:id="rId16"/>
-    <p:sldId id="285" r:id="rId17"/>
-    <p:sldId id="293" r:id="rId18"/>
-    <p:sldId id="294" r:id="rId19"/>
+    <p:sldId id="295" r:id="rId12"/>
+    <p:sldId id="282" r:id="rId13"/>
+    <p:sldId id="286" r:id="rId14"/>
+    <p:sldId id="287" r:id="rId15"/>
+    <p:sldId id="288" r:id="rId16"/>
+    <p:sldId id="284" r:id="rId17"/>
+    <p:sldId id="285" r:id="rId18"/>
+    <p:sldId id="293" r:id="rId19"/>
+    <p:sldId id="294" r:id="rId20"/>
+    <p:sldId id="296" r:id="rId21"/>
+    <p:sldId id="297" r:id="rId22"/>
   </p:sldIdLst>
   <p:sldSz cx="9144000" cy="6858000" type="screen4x3"/>
   <p:notesSz cx="6858000" cy="9144000"/>
@@ -124,6 +127,22 @@
       </a:defRPr>
     </a:lvl9pPr>
   </p:defaultTextStyle>
+  <p:extLst>
+    <p:ext uri="{EFAFB233-063F-42B5-8137-9DF3F51BA10A}">
+      <p15:sldGuideLst xmlns:p15="http://schemas.microsoft.com/office/powerpoint/2012/main">
+        <p15:guide id="1" orient="horz" pos="2160">
+          <p15:clr>
+            <a:srgbClr val="A4A3A4"/>
+          </p15:clr>
+        </p15:guide>
+        <p15:guide id="2" pos="2880">
+          <p15:clr>
+            <a:srgbClr val="A4A3A4"/>
+          </p15:clr>
+        </p15:guide>
+      </p15:sldGuideLst>
+    </p:ext>
+  </p:extLst>
 </p:presentation>
 </file>
 
@@ -209,7 +228,7 @@
           <a:p>
             <a:fld id="{B24A7054-7FFB-49F4-A126-5DF6E687FF53}" type="datetimeFigureOut">
               <a:rPr lang="ru-RU" smtClean="0"/>
-              <a:t>10.05.2016</a:t>
+              <a:t>07.06.2017</a:t>
             </a:fld>
             <a:endParaRPr lang="ru-RU"/>
           </a:p>
@@ -1272,7 +1291,7 @@
           <a:p>
             <a:fld id="{8E6E6A2A-E9D3-4A0D-B04A-ABDD367A1E08}" type="datetimeFigureOut">
               <a:rPr lang="ru-RU" smtClean="0"/>
-              <a:t>10.05.2016</a:t>
+              <a:t>07.06.2017</a:t>
             </a:fld>
             <a:endParaRPr lang="ru-RU"/>
           </a:p>
@@ -2720,7 +2739,7 @@
           <a:p>
             <a:fld id="{AC3D3127-B7C4-45E3-9797-C527EC9FDD78}" type="datetimeFigureOut">
               <a:rPr lang="ru-RU" smtClean="0"/>
-              <a:t>10.05.2016</a:t>
+              <a:t>07.06.2017</a:t>
             </a:fld>
             <a:endParaRPr lang="ru-RU"/>
           </a:p>
@@ -3528,6 +3547,13 @@
   <p:clrMapOvr>
     <a:masterClrMapping/>
   </p:clrMapOvr>
+  <p:timing>
+    <p:tnLst>
+      <p:par>
+        <p:cTn id="1" dur="indefinite" restart="never" nodeType="tmRoot"/>
+      </p:par>
+    </p:tnLst>
+  </p:timing>
 </p:sld>
 </file>
 
@@ -3550,12 +3576,37 @@
       </p:grpSpPr>
       <p:sp>
         <p:nvSpPr>
-          <p:cNvPr id="4" name="Title 3"/>
+          <p:cNvPr id="2" name="Title 1"/>
           <p:cNvSpPr>
             <a:spLocks noGrp="1"/>
           </p:cNvSpPr>
           <p:nvPr>
             <p:ph type="title"/>
+          </p:nvPr>
+        </p:nvSpPr>
+        <p:spPr/>
+        <p:txBody>
+          <a:bodyPr>
+            <a:normAutofit fontScale="90000"/>
+          </a:bodyPr>
+          <a:lstStyle/>
+          <a:p>
+            <a:r>
+              <a:rPr lang="ru-RU" dirty="0" smtClean="0"/>
+              <a:t>Форма: Последовательность событий при создании</a:t>
+            </a:r>
+            <a:endParaRPr lang="en-US" dirty="0"/>
+          </a:p>
+        </p:txBody>
+      </p:sp>
+      <p:sp>
+        <p:nvSpPr>
+          <p:cNvPr id="3" name="Content Placeholder 2"/>
+          <p:cNvSpPr>
+            <a:spLocks noGrp="1"/>
+          </p:cNvSpPr>
+          <p:nvPr>
+            <p:ph idx="1"/>
           </p:nvPr>
         </p:nvSpPr>
         <p:spPr/>
@@ -3563,121 +3614,111 @@
           <a:bodyPr/>
           <a:lstStyle/>
           <a:p>
+            <a:pPr marL="514350" indent="-514350">
+              <a:buFont typeface="+mj-lt"/>
+              <a:buAutoNum type="arabicPeriod"/>
+            </a:pPr>
             <a:r>
               <a:rPr lang="ru-RU" dirty="0" smtClean="0"/>
-              <a:t>Ввод данных</a:t>
-            </a:r>
-            <a:endParaRPr lang="ru-RU" dirty="0"/>
-          </a:p>
-        </p:txBody>
-      </p:sp>
-      <p:sp>
-        <p:nvSpPr>
-          <p:cNvPr id="5" name="Content Placeholder 4"/>
-          <p:cNvSpPr>
-            <a:spLocks noGrp="1"/>
-          </p:cNvSpPr>
-          <p:nvPr>
-            <p:ph idx="1"/>
-          </p:nvPr>
-        </p:nvSpPr>
-        <p:spPr/>
-        <p:txBody>
-          <a:bodyPr>
-            <a:normAutofit fontScale="92500" lnSpcReduction="20000"/>
-          </a:bodyPr>
-          <a:lstStyle/>
-          <a:p>
-            <a:r>
-              <a:rPr lang="en-US" dirty="0" err="1" smtClean="0"/>
-              <a:t>TextBox</a:t>
+              <a:t>Конструктор</a:t>
+            </a:r>
+            <a:endParaRPr lang="en-US" dirty="0"/>
+          </a:p>
+          <a:p>
+            <a:pPr marL="514350" indent="-514350">
+              <a:buFont typeface="+mj-lt"/>
+              <a:buAutoNum type="arabicPeriod"/>
+            </a:pPr>
+            <a:r>
+              <a:rPr lang="ru-RU" dirty="0" smtClean="0"/>
+              <a:t>Событие</a:t>
             </a:r>
             <a:r>
               <a:rPr lang="en-US" dirty="0" smtClean="0"/>
-              <a:t>: </a:t>
-            </a:r>
+              <a:t> </a:t>
+            </a:r>
+            <a:r>
+              <a:rPr lang="en-US" dirty="0" err="1"/>
+              <a:t>HandleCreated</a:t>
+            </a:r>
+            <a:endParaRPr lang="en-US" dirty="0"/>
+          </a:p>
+          <a:p>
+            <a:pPr marL="514350" indent="-514350">
+              <a:buFont typeface="+mj-lt"/>
+              <a:buAutoNum type="arabicPeriod"/>
+            </a:pPr>
             <a:r>
               <a:rPr lang="ru-RU" dirty="0" smtClean="0"/>
-              <a:t>однострочный текст, пароль, многострочный текст</a:t>
-            </a:r>
-            <a:endParaRPr lang="en-US" dirty="0" smtClean="0"/>
-          </a:p>
-          <a:p>
-            <a:r>
-              <a:rPr lang="en-US" dirty="0" err="1"/>
-              <a:t>MaskedTextBox</a:t>
-            </a:r>
-            <a:endParaRPr lang="ru-RU" dirty="0" smtClean="0"/>
-          </a:p>
-          <a:p>
-            <a:r>
-              <a:rPr lang="en-US" dirty="0" err="1" smtClean="0"/>
-              <a:t>RichTextBox</a:t>
-            </a:r>
+              <a:t>Событие</a:t>
+            </a:r>
+            <a:r>
+              <a:rPr lang="en-US" dirty="0" smtClean="0"/>
+              <a:t> </a:t>
+            </a:r>
+            <a:r>
+              <a:rPr lang="en-US" dirty="0"/>
+              <a:t>Load</a:t>
+            </a:r>
+          </a:p>
+          <a:p>
+            <a:pPr marL="514350" indent="-514350">
+              <a:buFont typeface="+mj-lt"/>
+              <a:buAutoNum type="arabicPeriod"/>
+            </a:pPr>
             <a:r>
               <a:rPr lang="ru-RU" dirty="0" smtClean="0"/>
-              <a:t>: </a:t>
-            </a:r>
-            <a:r>
-              <a:rPr lang="ru-RU" dirty="0"/>
-              <a:t>многострочный </a:t>
-            </a:r>
-            <a:r>
-              <a:rPr lang="ru-RU" dirty="0" smtClean="0"/>
-              <a:t>текст с форматированием</a:t>
-            </a:r>
-            <a:endParaRPr lang="en-US" dirty="0" smtClean="0"/>
-          </a:p>
-          <a:p>
-            <a:r>
-              <a:rPr lang="en-US" dirty="0" err="1"/>
-              <a:t>ComboBox</a:t>
-            </a:r>
-            <a:endParaRPr lang="ru-RU" dirty="0" smtClean="0"/>
-          </a:p>
-          <a:p>
-            <a:r>
-              <a:rPr lang="en-US" dirty="0" err="1" smtClean="0"/>
-              <a:t>NumericUpDown</a:t>
-            </a:r>
-            <a:endParaRPr lang="en-US" dirty="0" smtClean="0"/>
-          </a:p>
-          <a:p>
-            <a:r>
-              <a:rPr lang="en-US" dirty="0" err="1" smtClean="0"/>
-              <a:t>DomainUpDown</a:t>
-            </a:r>
-            <a:endParaRPr lang="en-US" dirty="0" smtClean="0"/>
-          </a:p>
-          <a:p>
-            <a:r>
-              <a:rPr lang="en-US" dirty="0" err="1" smtClean="0"/>
-              <a:t>DateTimePicker</a:t>
-            </a:r>
-            <a:endParaRPr lang="ru-RU" dirty="0" smtClean="0"/>
-          </a:p>
-          <a:p>
-            <a:r>
-              <a:rPr lang="en-US" dirty="0" err="1" smtClean="0"/>
-              <a:t>MonthCalendar</a:t>
-            </a:r>
-            <a:endParaRPr lang="en-US" dirty="0" smtClean="0"/>
-          </a:p>
-          <a:p>
-            <a:endParaRPr lang="ru-RU" dirty="0"/>
+              <a:t>Событие</a:t>
+            </a:r>
+            <a:r>
+              <a:rPr lang="en-US" dirty="0" smtClean="0"/>
+              <a:t> </a:t>
+            </a:r>
+            <a:r>
+              <a:rPr lang="en-US" dirty="0"/>
+              <a:t>Activated</a:t>
+            </a:r>
+          </a:p>
+          <a:p>
+            <a:pPr marL="514350" indent="-514350">
+              <a:buFont typeface="+mj-lt"/>
+              <a:buAutoNum type="arabicPeriod"/>
+            </a:pPr>
+            <a:r>
+              <a:rPr lang="ru-RU" smtClean="0"/>
+              <a:t>Событие</a:t>
+            </a:r>
+            <a:r>
+              <a:rPr lang="en-US" dirty="0" smtClean="0"/>
+              <a:t> </a:t>
+            </a:r>
+            <a:r>
+              <a:rPr lang="en-US" dirty="0"/>
+              <a:t>Shown</a:t>
+            </a:r>
+          </a:p>
+          <a:p>
+            <a:endParaRPr lang="en-US" dirty="0"/>
           </a:p>
         </p:txBody>
       </p:sp>
     </p:spTree>
     <p:extLst>
       <p:ext uri="{BB962C8B-B14F-4D97-AF65-F5344CB8AC3E}">
-        <p14:creationId xmlns:p14="http://schemas.microsoft.com/office/powerpoint/2010/main" val="2778302017"/>
+        <p14:creationId xmlns:p14="http://schemas.microsoft.com/office/powerpoint/2010/main" val="2553913673"/>
       </p:ext>
     </p:extLst>
   </p:cSld>
   <p:clrMapOvr>
     <a:masterClrMapping/>
   </p:clrMapOvr>
+  <p:timing>
+    <p:tnLst>
+      <p:par>
+        <p:cTn id="1" dur="indefinite" restart="never" nodeType="tmRoot"/>
+      </p:par>
+    </p:tnLst>
+  </p:timing>
 </p:sld>
 </file>
 
@@ -3700,7 +3741,7 @@
       </p:grpSpPr>
       <p:sp>
         <p:nvSpPr>
-          <p:cNvPr id="2" name="Title 1"/>
+          <p:cNvPr id="4" name="Title 3"/>
           <p:cNvSpPr>
             <a:spLocks noGrp="1"/>
           </p:cNvSpPr>
@@ -3715,7 +3756,7 @@
           <a:p>
             <a:r>
               <a:rPr lang="ru-RU" dirty="0" smtClean="0"/>
-              <a:t>Контейнеры</a:t>
+              <a:t>Ввод данных</a:t>
             </a:r>
             <a:endParaRPr lang="ru-RU" dirty="0"/>
           </a:p>
@@ -3723,7 +3764,7 @@
       </p:sp>
       <p:sp>
         <p:nvSpPr>
-          <p:cNvPr id="3" name="Content Placeholder 2"/>
+          <p:cNvPr id="5" name="Content Placeholder 4"/>
           <p:cNvSpPr>
             <a:spLocks noGrp="1"/>
           </p:cNvSpPr>
@@ -3734,54 +3775,86 @@
         <p:spPr/>
         <p:txBody>
           <a:bodyPr>
-            <a:normAutofit lnSpcReduction="10000"/>
+            <a:normAutofit fontScale="92500" lnSpcReduction="20000"/>
           </a:bodyPr>
           <a:lstStyle/>
           <a:p>
             <a:r>
+              <a:rPr lang="en-US" dirty="0" err="1" smtClean="0"/>
+              <a:t>TextBox</a:t>
+            </a:r>
+            <a:r>
               <a:rPr lang="en-US" dirty="0" smtClean="0"/>
-              <a:t>Panel</a:t>
-            </a:r>
+              <a:t>: </a:t>
+            </a:r>
+            <a:r>
+              <a:rPr lang="ru-RU" dirty="0" smtClean="0"/>
+              <a:t>однострочный текст, пароль, многострочный текст</a:t>
+            </a:r>
+            <a:endParaRPr lang="en-US" dirty="0" smtClean="0"/>
+          </a:p>
+          <a:p>
+            <a:r>
+              <a:rPr lang="en-US" dirty="0" err="1"/>
+              <a:t>MaskedTextBox</a:t>
+            </a:r>
+            <a:endParaRPr lang="ru-RU" dirty="0" smtClean="0"/>
           </a:p>
           <a:p>
             <a:r>
               <a:rPr lang="en-US" dirty="0" err="1" smtClean="0"/>
-              <a:t>GroupBox</a:t>
+              <a:t>RichTextBox</a:t>
+            </a:r>
+            <a:r>
+              <a:rPr lang="ru-RU" dirty="0" smtClean="0"/>
+              <a:t>: </a:t>
+            </a:r>
+            <a:r>
+              <a:rPr lang="ru-RU" dirty="0"/>
+              <a:t>многострочный </a:t>
+            </a:r>
+            <a:r>
+              <a:rPr lang="ru-RU" dirty="0" smtClean="0"/>
+              <a:t>текст с форматированием</a:t>
             </a:r>
             <a:endParaRPr lang="en-US" dirty="0" smtClean="0"/>
           </a:p>
           <a:p>
-            <a:endParaRPr lang="en-US" dirty="0"/>
+            <a:r>
+              <a:rPr lang="en-US" dirty="0" err="1"/>
+              <a:t>ComboBox</a:t>
+            </a:r>
+            <a:endParaRPr lang="ru-RU" dirty="0" smtClean="0"/>
           </a:p>
           <a:p>
             <a:r>
               <a:rPr lang="en-US" dirty="0" err="1" smtClean="0"/>
-              <a:t>SplitContainer</a:t>
+              <a:t>NumericUpDown</a:t>
             </a:r>
             <a:endParaRPr lang="en-US" dirty="0" smtClean="0"/>
           </a:p>
           <a:p>
             <a:r>
               <a:rPr lang="en-US" dirty="0" err="1" smtClean="0"/>
-              <a:t>TabControl</a:t>
+              <a:t>DomainUpDown</a:t>
             </a:r>
             <a:endParaRPr lang="en-US" dirty="0" smtClean="0"/>
           </a:p>
           <a:p>
-            <a:endParaRPr lang="en-US" dirty="0"/>
-          </a:p>
-          <a:p>
             <a:r>
               <a:rPr lang="en-US" dirty="0" err="1" smtClean="0"/>
-              <a:t>FlowLayoutPanel</a:t>
+              <a:t>DateTimePicker</a:t>
+            </a:r>
+            <a:endParaRPr lang="ru-RU" dirty="0" smtClean="0"/>
+          </a:p>
+          <a:p>
+            <a:r>
+              <a:rPr lang="en-US" dirty="0" err="1" smtClean="0"/>
+              <a:t>MonthCalendar</a:t>
             </a:r>
             <a:endParaRPr lang="en-US" dirty="0" smtClean="0"/>
           </a:p>
           <a:p>
-            <a:r>
-              <a:rPr lang="en-US" dirty="0" err="1" smtClean="0"/>
-              <a:t>TableLayoutPanel</a:t>
-            </a:r>
             <a:endParaRPr lang="ru-RU" dirty="0"/>
           </a:p>
         </p:txBody>
@@ -3789,13 +3862,20 @@
     </p:spTree>
     <p:extLst>
       <p:ext uri="{BB962C8B-B14F-4D97-AF65-F5344CB8AC3E}">
-        <p14:creationId xmlns:p14="http://schemas.microsoft.com/office/powerpoint/2010/main" val="3685836777"/>
+        <p14:creationId xmlns:p14="http://schemas.microsoft.com/office/powerpoint/2010/main" val="2778302017"/>
       </p:ext>
     </p:extLst>
   </p:cSld>
   <p:clrMapOvr>
     <a:masterClrMapping/>
   </p:clrMapOvr>
+  <p:timing>
+    <p:tnLst>
+      <p:par>
+        <p:cTn id="1" dur="indefinite" restart="never" nodeType="tmRoot"/>
+      </p:par>
+    </p:tnLst>
+  </p:timing>
 </p:sld>
 </file>
 
@@ -3833,7 +3913,7 @@
           <a:p>
             <a:r>
               <a:rPr lang="ru-RU" dirty="0" smtClean="0"/>
-              <a:t>Статический текст</a:t>
+              <a:t>Контейнеры</a:t>
             </a:r>
             <a:endParaRPr lang="ru-RU" dirty="0"/>
           </a:p>
@@ -3851,22 +3931,55 @@
         </p:nvSpPr>
         <p:spPr/>
         <p:txBody>
-          <a:bodyPr/>
+          <a:bodyPr>
+            <a:normAutofit lnSpcReduction="10000"/>
+          </a:bodyPr>
           <a:lstStyle/>
           <a:p>
             <a:r>
               <a:rPr lang="en-US" dirty="0" smtClean="0"/>
-              <a:t>Label</a:t>
+              <a:t>Panel</a:t>
             </a:r>
           </a:p>
           <a:p>
             <a:r>
               <a:rPr lang="en-US" dirty="0" err="1" smtClean="0"/>
-              <a:t>LinkLabel</a:t>
+              <a:t>GroupBox</a:t>
             </a:r>
             <a:endParaRPr lang="en-US" dirty="0" smtClean="0"/>
           </a:p>
           <a:p>
+            <a:endParaRPr lang="en-US" dirty="0"/>
+          </a:p>
+          <a:p>
+            <a:r>
+              <a:rPr lang="en-US" dirty="0" err="1" smtClean="0"/>
+              <a:t>SplitContainer</a:t>
+            </a:r>
+            <a:endParaRPr lang="en-US" dirty="0" smtClean="0"/>
+          </a:p>
+          <a:p>
+            <a:r>
+              <a:rPr lang="en-US" dirty="0" err="1" smtClean="0"/>
+              <a:t>TabControl</a:t>
+            </a:r>
+            <a:endParaRPr lang="en-US" dirty="0" smtClean="0"/>
+          </a:p>
+          <a:p>
+            <a:endParaRPr lang="en-US" dirty="0"/>
+          </a:p>
+          <a:p>
+            <a:r>
+              <a:rPr lang="en-US" dirty="0" err="1" smtClean="0"/>
+              <a:t>FlowLayoutPanel</a:t>
+            </a:r>
+            <a:endParaRPr lang="en-US" dirty="0" smtClean="0"/>
+          </a:p>
+          <a:p>
+            <a:r>
+              <a:rPr lang="en-US" dirty="0" err="1" smtClean="0"/>
+              <a:t>TableLayoutPanel</a:t>
+            </a:r>
             <a:endParaRPr lang="ru-RU" dirty="0"/>
           </a:p>
         </p:txBody>
@@ -3874,13 +3987,20 @@
     </p:spTree>
     <p:extLst>
       <p:ext uri="{BB962C8B-B14F-4D97-AF65-F5344CB8AC3E}">
-        <p14:creationId xmlns:p14="http://schemas.microsoft.com/office/powerpoint/2010/main" val="2359087904"/>
+        <p14:creationId xmlns:p14="http://schemas.microsoft.com/office/powerpoint/2010/main" val="3685836777"/>
       </p:ext>
     </p:extLst>
   </p:cSld>
   <p:clrMapOvr>
     <a:masterClrMapping/>
   </p:clrMapOvr>
+  <p:timing>
+    <p:tnLst>
+      <p:par>
+        <p:cTn id="1" dur="indefinite" restart="never" nodeType="tmRoot"/>
+      </p:par>
+    </p:tnLst>
+  </p:timing>
 </p:sld>
 </file>
 
@@ -3918,11 +4038,7 @@
           <a:p>
             <a:r>
               <a:rPr lang="ru-RU" dirty="0" smtClean="0"/>
-              <a:t>Элементы </a:t>
-            </a:r>
-            <a:r>
-              <a:rPr lang="en-US" dirty="0" smtClean="0"/>
-              <a:t>UI</a:t>
+              <a:t>Статический текст</a:t>
             </a:r>
             <a:endParaRPr lang="ru-RU" dirty="0"/>
           </a:p>
@@ -3944,39 +4060,18 @@
           <a:lstStyle/>
           <a:p>
             <a:r>
+              <a:rPr lang="en-US" dirty="0" smtClean="0"/>
+              <a:t>Label</a:t>
+            </a:r>
+          </a:p>
+          <a:p>
+            <a:r>
               <a:rPr lang="en-US" dirty="0" err="1" smtClean="0"/>
-              <a:t>MenuStrip</a:t>
-            </a:r>
-            <a:r>
-              <a:rPr lang="en-US" dirty="0" smtClean="0"/>
-              <a:t>:</a:t>
-            </a:r>
-            <a:r>
-              <a:rPr lang="ru-RU" dirty="0" smtClean="0"/>
-              <a:t> главное меню</a:t>
+              <a:t>LinkLabel</a:t>
             </a:r>
             <a:endParaRPr lang="en-US" dirty="0" smtClean="0"/>
           </a:p>
           <a:p>
-            <a:r>
-              <a:rPr lang="en-US" dirty="0" err="1" smtClean="0"/>
-              <a:t>ContextMenuStrip</a:t>
-            </a:r>
-            <a:r>
-              <a:rPr lang="ru-RU" dirty="0" smtClean="0"/>
-              <a:t>: контекстное меню</a:t>
-            </a:r>
-            <a:endParaRPr lang="en-US" dirty="0" smtClean="0"/>
-          </a:p>
-          <a:p>
-            <a:r>
-              <a:rPr lang="en-US" dirty="0" err="1" smtClean="0"/>
-              <a:t>StatusStrip</a:t>
-            </a:r>
-            <a:r>
-              <a:rPr lang="ru-RU" dirty="0" smtClean="0"/>
-              <a:t>: строка статуса</a:t>
-            </a:r>
             <a:endParaRPr lang="ru-RU" dirty="0"/>
           </a:p>
         </p:txBody>
@@ -3984,13 +4079,20 @@
     </p:spTree>
     <p:extLst>
       <p:ext uri="{BB962C8B-B14F-4D97-AF65-F5344CB8AC3E}">
-        <p14:creationId xmlns:p14="http://schemas.microsoft.com/office/powerpoint/2010/main" val="3917359600"/>
+        <p14:creationId xmlns:p14="http://schemas.microsoft.com/office/powerpoint/2010/main" val="2359087904"/>
       </p:ext>
     </p:extLst>
   </p:cSld>
   <p:clrMapOvr>
     <a:masterClrMapping/>
   </p:clrMapOvr>
+  <p:timing>
+    <p:tnLst>
+      <p:par>
+        <p:cTn id="1" dur="indefinite" restart="never" nodeType="tmRoot"/>
+      </p:par>
+    </p:tnLst>
+  </p:timing>
 </p:sld>
 </file>
 
@@ -4028,7 +4130,11 @@
           <a:p>
             <a:r>
               <a:rPr lang="ru-RU" dirty="0" smtClean="0"/>
-              <a:t>Стандартные диалоги</a:t>
+              <a:t>Элементы </a:t>
+            </a:r>
+            <a:r>
+              <a:rPr lang="en-US" dirty="0" smtClean="0"/>
+              <a:t>UI</a:t>
             </a:r>
             <a:endParaRPr lang="ru-RU" dirty="0"/>
           </a:p>
@@ -4050,54 +4156,38 @@
           <a:lstStyle/>
           <a:p>
             <a:r>
+              <a:rPr lang="en-US" dirty="0" err="1" smtClean="0"/>
+              <a:t>MenuStrip</a:t>
+            </a:r>
+            <a:r>
+              <a:rPr lang="en-US" dirty="0" smtClean="0"/>
+              <a:t>:</a:t>
+            </a:r>
+            <a:r>
               <a:rPr lang="ru-RU" dirty="0" smtClean="0"/>
-              <a:t>Файлы/папки:</a:t>
+              <a:t> главное меню</a:t>
             </a:r>
             <a:endParaRPr lang="en-US" dirty="0" smtClean="0"/>
           </a:p>
           <a:p>
-            <a:pPr lvl="1"/>
             <a:r>
               <a:rPr lang="en-US" dirty="0" err="1" smtClean="0"/>
-              <a:t>OpenFileDialog</a:t>
+              <a:t>ContextMenuStrip</a:t>
+            </a:r>
+            <a:r>
+              <a:rPr lang="ru-RU" dirty="0" smtClean="0"/>
+              <a:t>: контекстное меню</a:t>
             </a:r>
             <a:endParaRPr lang="en-US" dirty="0" smtClean="0"/>
           </a:p>
           <a:p>
-            <a:pPr lvl="1"/>
             <a:r>
               <a:rPr lang="en-US" dirty="0" err="1" smtClean="0"/>
-              <a:t>SaveFileDialog</a:t>
-            </a:r>
-            <a:endParaRPr lang="en-US" dirty="0" smtClean="0"/>
-          </a:p>
-          <a:p>
-            <a:pPr lvl="1"/>
-            <a:r>
-              <a:rPr lang="en-US" dirty="0" err="1" smtClean="0"/>
-              <a:t>FolderBrowserDialog</a:t>
-            </a:r>
-            <a:endParaRPr lang="ru-RU" dirty="0" smtClean="0"/>
-          </a:p>
-          <a:p>
+              <a:t>StatusStrip</a:t>
+            </a:r>
             <a:r>
               <a:rPr lang="ru-RU" dirty="0" smtClean="0"/>
-              <a:t>Печать:</a:t>
-            </a:r>
-          </a:p>
-          <a:p>
-            <a:pPr lvl="1"/>
-            <a:r>
-              <a:rPr lang="en-US" dirty="0" err="1" smtClean="0"/>
-              <a:t>PrintDialog</a:t>
-            </a:r>
-            <a:endParaRPr lang="en-US" dirty="0" smtClean="0"/>
-          </a:p>
-          <a:p>
-            <a:pPr lvl="1"/>
-            <a:r>
-              <a:rPr lang="en-US" dirty="0" err="1" smtClean="0"/>
-              <a:t>PageSetupDialog</a:t>
+              <a:t>: строка статуса</a:t>
             </a:r>
             <a:endParaRPr lang="ru-RU" dirty="0"/>
           </a:p>
@@ -4106,13 +4196,20 @@
     </p:spTree>
     <p:extLst>
       <p:ext uri="{BB962C8B-B14F-4D97-AF65-F5344CB8AC3E}">
-        <p14:creationId xmlns:p14="http://schemas.microsoft.com/office/powerpoint/2010/main" val="177429524"/>
+        <p14:creationId xmlns:p14="http://schemas.microsoft.com/office/powerpoint/2010/main" val="3917359600"/>
       </p:ext>
     </p:extLst>
   </p:cSld>
   <p:clrMapOvr>
     <a:masterClrMapping/>
   </p:clrMapOvr>
+  <p:timing>
+    <p:tnLst>
+      <p:par>
+        <p:cTn id="1" dur="indefinite" restart="never" nodeType="tmRoot"/>
+      </p:par>
+    </p:tnLst>
+  </p:timing>
 </p:sld>
 </file>
 
@@ -4150,7 +4247,7 @@
           <a:p>
             <a:r>
               <a:rPr lang="ru-RU" dirty="0" smtClean="0"/>
-              <a:t>Паралельное выполнение</a:t>
+              <a:t>Стандартные диалоги</a:t>
             </a:r>
             <a:endParaRPr lang="ru-RU" dirty="0"/>
           </a:p>
@@ -4172,15 +4269,54 @@
           <a:lstStyle/>
           <a:p>
             <a:r>
+              <a:rPr lang="ru-RU" dirty="0" smtClean="0"/>
+              <a:t>Файлы/папки:</a:t>
+            </a:r>
+            <a:endParaRPr lang="en-US" dirty="0" smtClean="0"/>
+          </a:p>
+          <a:p>
+            <a:pPr lvl="1"/>
+            <a:r>
               <a:rPr lang="en-US" dirty="0" err="1" smtClean="0"/>
-              <a:t>BackgroundWorker</a:t>
+              <a:t>OpenFileDialog</a:t>
             </a:r>
             <a:endParaRPr lang="en-US" dirty="0" smtClean="0"/>
           </a:p>
           <a:p>
-            <a:r>
-              <a:rPr lang="en-US" dirty="0" smtClean="0"/>
-              <a:t>Timer</a:t>
+            <a:pPr lvl="1"/>
+            <a:r>
+              <a:rPr lang="en-US" dirty="0" err="1" smtClean="0"/>
+              <a:t>SaveFileDialog</a:t>
+            </a:r>
+            <a:endParaRPr lang="en-US" dirty="0" smtClean="0"/>
+          </a:p>
+          <a:p>
+            <a:pPr lvl="1"/>
+            <a:r>
+              <a:rPr lang="en-US" dirty="0" err="1" smtClean="0"/>
+              <a:t>FolderBrowserDialog</a:t>
+            </a:r>
+            <a:endParaRPr lang="ru-RU" dirty="0" smtClean="0"/>
+          </a:p>
+          <a:p>
+            <a:r>
+              <a:rPr lang="ru-RU" dirty="0" smtClean="0"/>
+              <a:t>Печать:</a:t>
+            </a:r>
+          </a:p>
+          <a:p>
+            <a:pPr lvl="1"/>
+            <a:r>
+              <a:rPr lang="en-US" dirty="0" err="1" smtClean="0"/>
+              <a:t>PrintDialog</a:t>
+            </a:r>
+            <a:endParaRPr lang="en-US" dirty="0" smtClean="0"/>
+          </a:p>
+          <a:p>
+            <a:pPr lvl="1"/>
+            <a:r>
+              <a:rPr lang="en-US" dirty="0" err="1" smtClean="0"/>
+              <a:t>PageSetupDialog</a:t>
             </a:r>
             <a:endParaRPr lang="ru-RU" dirty="0"/>
           </a:p>
@@ -4189,13 +4325,20 @@
     </p:spTree>
     <p:extLst>
       <p:ext uri="{BB962C8B-B14F-4D97-AF65-F5344CB8AC3E}">
-        <p14:creationId xmlns:p14="http://schemas.microsoft.com/office/powerpoint/2010/main" val="498033561"/>
+        <p14:creationId xmlns:p14="http://schemas.microsoft.com/office/powerpoint/2010/main" val="177429524"/>
       </p:ext>
     </p:extLst>
   </p:cSld>
   <p:clrMapOvr>
     <a:masterClrMapping/>
   </p:clrMapOvr>
+  <p:timing>
+    <p:tnLst>
+      <p:par>
+        <p:cTn id="1" dur="indefinite" restart="never" nodeType="tmRoot"/>
+      </p:par>
+    </p:tnLst>
+  </p:timing>
 </p:sld>
 </file>
 
@@ -4218,7 +4361,7 @@
       </p:grpSpPr>
       <p:sp>
         <p:nvSpPr>
-          <p:cNvPr id="4" name="Title 3"/>
+          <p:cNvPr id="2" name="Title 1"/>
           <p:cNvSpPr>
             <a:spLocks noGrp="1"/>
           </p:cNvSpPr>
@@ -4233,7 +4376,7 @@
           <a:p>
             <a:r>
               <a:rPr lang="ru-RU" dirty="0" smtClean="0"/>
-              <a:t>Полезные библиотеки</a:t>
+              <a:t>Паралельное выполнение</a:t>
             </a:r>
             <a:endParaRPr lang="ru-RU" dirty="0"/>
           </a:p>
@@ -4241,12 +4384,12 @@
       </p:sp>
       <p:sp>
         <p:nvSpPr>
-          <p:cNvPr id="5" name="Text Placeholder 4"/>
-          <p:cNvSpPr>
-            <a:spLocks noGrp="1"/>
-          </p:cNvSpPr>
-          <p:nvPr>
-            <p:ph type="body" idx="1"/>
+          <p:cNvPr id="3" name="Content Placeholder 2"/>
+          <p:cNvSpPr>
+            <a:spLocks noGrp="1"/>
+          </p:cNvSpPr>
+          <p:nvPr>
+            <p:ph idx="1"/>
           </p:nvPr>
         </p:nvSpPr>
         <p:spPr/>
@@ -4254,6 +4397,17 @@
           <a:bodyPr/>
           <a:lstStyle/>
           <a:p>
+            <a:r>
+              <a:rPr lang="en-US" dirty="0" err="1" smtClean="0"/>
+              <a:t>BackgroundWorker</a:t>
+            </a:r>
+            <a:endParaRPr lang="en-US" dirty="0" smtClean="0"/>
+          </a:p>
+          <a:p>
+            <a:r>
+              <a:rPr lang="en-US" dirty="0" smtClean="0"/>
+              <a:t>Timer</a:t>
+            </a:r>
             <a:endParaRPr lang="ru-RU" dirty="0"/>
           </a:p>
         </p:txBody>
@@ -4261,13 +4415,20 @@
     </p:spTree>
     <p:extLst>
       <p:ext uri="{BB962C8B-B14F-4D97-AF65-F5344CB8AC3E}">
-        <p14:creationId xmlns:p14="http://schemas.microsoft.com/office/powerpoint/2010/main" val="2756578197"/>
+        <p14:creationId xmlns:p14="http://schemas.microsoft.com/office/powerpoint/2010/main" val="498033561"/>
       </p:ext>
     </p:extLst>
   </p:cSld>
   <p:clrMapOvr>
     <a:masterClrMapping/>
   </p:clrMapOvr>
+  <p:timing>
+    <p:tnLst>
+      <p:par>
+        <p:cTn id="1" dur="indefinite" restart="never" nodeType="tmRoot"/>
+      </p:par>
+    </p:tnLst>
+  </p:timing>
 </p:sld>
 </file>
 
@@ -4290,6 +4451,85 @@
       </p:grpSpPr>
       <p:sp>
         <p:nvSpPr>
+          <p:cNvPr id="4" name="Title 3"/>
+          <p:cNvSpPr>
+            <a:spLocks noGrp="1"/>
+          </p:cNvSpPr>
+          <p:nvPr>
+            <p:ph type="title"/>
+          </p:nvPr>
+        </p:nvSpPr>
+        <p:spPr/>
+        <p:txBody>
+          <a:bodyPr/>
+          <a:lstStyle/>
+          <a:p>
+            <a:r>
+              <a:rPr lang="ru-RU" dirty="0" smtClean="0"/>
+              <a:t>Полезные библиотеки</a:t>
+            </a:r>
+            <a:endParaRPr lang="ru-RU" dirty="0"/>
+          </a:p>
+        </p:txBody>
+      </p:sp>
+      <p:sp>
+        <p:nvSpPr>
+          <p:cNvPr id="5" name="Text Placeholder 4"/>
+          <p:cNvSpPr>
+            <a:spLocks noGrp="1"/>
+          </p:cNvSpPr>
+          <p:nvPr>
+            <p:ph type="body" idx="1"/>
+          </p:nvPr>
+        </p:nvSpPr>
+        <p:spPr/>
+        <p:txBody>
+          <a:bodyPr/>
+          <a:lstStyle/>
+          <a:p>
+            <a:endParaRPr lang="ru-RU" dirty="0"/>
+          </a:p>
+        </p:txBody>
+      </p:sp>
+    </p:spTree>
+    <p:extLst>
+      <p:ext uri="{BB962C8B-B14F-4D97-AF65-F5344CB8AC3E}">
+        <p14:creationId xmlns:p14="http://schemas.microsoft.com/office/powerpoint/2010/main" val="2756578197"/>
+      </p:ext>
+    </p:extLst>
+  </p:cSld>
+  <p:clrMapOvr>
+    <a:masterClrMapping/>
+  </p:clrMapOvr>
+  <p:timing>
+    <p:tnLst>
+      <p:par>
+        <p:cTn id="1" dur="indefinite" restart="never" nodeType="tmRoot"/>
+      </p:par>
+    </p:tnLst>
+  </p:timing>
+</p:sld>
+</file>
+
+<file path=ppt/slides/slide19.xml><?xml version="1.0" encoding="utf-8"?>
+<p:sld xmlns:a="http://schemas.openxmlformats.org/drawingml/2006/main" xmlns:r="http://schemas.openxmlformats.org/officeDocument/2006/relationships" xmlns:p="http://schemas.openxmlformats.org/presentationml/2006/main">
+  <p:cSld>
+    <p:spTree>
+      <p:nvGrpSpPr>
+        <p:cNvPr id="1" name=""/>
+        <p:cNvGrpSpPr/>
+        <p:nvPr/>
+      </p:nvGrpSpPr>
+      <p:grpSpPr>
+        <a:xfrm>
+          <a:off x="0" y="0"/>
+          <a:ext cx="0" cy="0"/>
+          <a:chOff x="0" y="0"/>
+          <a:chExt cx="0" cy="0"/>
+        </a:xfrm>
+      </p:grpSpPr>
+      <p:sp>
+        <p:nvSpPr>
           <p:cNvPr id="2" name="Title 1"/>
           <p:cNvSpPr>
             <a:spLocks noGrp="1"/>
@@ -4381,6 +4621,13 @@
   <p:clrMapOvr>
     <a:masterClrMapping/>
   </p:clrMapOvr>
+  <p:timing>
+    <p:tnLst>
+      <p:par>
+        <p:cTn id="1" dur="indefinite" restart="never" nodeType="tmRoot"/>
+      </p:par>
+    </p:tnLst>
+  </p:timing>
 </p:sld>
 </file>
 
@@ -4475,6 +4722,165 @@
       </p:par>
     </p:tnLst>
   </p:timing>
+</p:sld>
+</file>
+
+<file path=ppt/slides/slide20.xml><?xml version="1.0" encoding="utf-8"?>
+<p:sld xmlns:a="http://schemas.openxmlformats.org/drawingml/2006/main" xmlns:r="http://schemas.openxmlformats.org/officeDocument/2006/relationships" xmlns:p="http://schemas.openxmlformats.org/presentationml/2006/main">
+  <p:cSld>
+    <p:spTree>
+      <p:nvGrpSpPr>
+        <p:cNvPr id="1" name=""/>
+        <p:cNvGrpSpPr/>
+        <p:nvPr/>
+      </p:nvGrpSpPr>
+      <p:grpSpPr>
+        <a:xfrm>
+          <a:off x="0" y="0"/>
+          <a:ext cx="0" cy="0"/>
+          <a:chOff x="0" y="0"/>
+          <a:chExt cx="0" cy="0"/>
+        </a:xfrm>
+      </p:grpSpPr>
+      <p:sp>
+        <p:nvSpPr>
+          <p:cNvPr id="2" name="Title 1"/>
+          <p:cNvSpPr>
+            <a:spLocks noGrp="1"/>
+          </p:cNvSpPr>
+          <p:nvPr>
+            <p:ph type="title"/>
+          </p:nvPr>
+        </p:nvSpPr>
+        <p:spPr/>
+        <p:txBody>
+          <a:bodyPr/>
+          <a:lstStyle/>
+          <a:p>
+            <a:r>
+              <a:rPr lang="ru-RU" dirty="0" smtClean="0"/>
+              <a:t>Полезные инструменты</a:t>
+            </a:r>
+            <a:endParaRPr lang="en-US" dirty="0"/>
+          </a:p>
+        </p:txBody>
+      </p:sp>
+      <p:sp>
+        <p:nvSpPr>
+          <p:cNvPr id="3" name="Text Placeholder 2"/>
+          <p:cNvSpPr>
+            <a:spLocks noGrp="1"/>
+          </p:cNvSpPr>
+          <p:nvPr>
+            <p:ph type="body" idx="1"/>
+          </p:nvPr>
+        </p:nvSpPr>
+        <p:spPr/>
+        <p:txBody>
+          <a:bodyPr/>
+          <a:lstStyle/>
+          <a:p>
+            <a:endParaRPr lang="en-US"/>
+          </a:p>
+        </p:txBody>
+      </p:sp>
+    </p:spTree>
+    <p:extLst>
+      <p:ext uri="{BB962C8B-B14F-4D97-AF65-F5344CB8AC3E}">
+        <p14:creationId xmlns:p14="http://schemas.microsoft.com/office/powerpoint/2010/main" val="1445281296"/>
+      </p:ext>
+    </p:extLst>
+  </p:cSld>
+  <p:clrMapOvr>
+    <a:masterClrMapping/>
+  </p:clrMapOvr>
+</p:sld>
+</file>
+
+<file path=ppt/slides/slide21.xml><?xml version="1.0" encoding="utf-8"?>
+<p:sld xmlns:a="http://schemas.openxmlformats.org/drawingml/2006/main" xmlns:r="http://schemas.openxmlformats.org/officeDocument/2006/relationships" xmlns:p="http://schemas.openxmlformats.org/presentationml/2006/main">
+  <p:cSld>
+    <p:spTree>
+      <p:nvGrpSpPr>
+        <p:cNvPr id="1" name=""/>
+        <p:cNvGrpSpPr/>
+        <p:nvPr/>
+      </p:nvGrpSpPr>
+      <p:grpSpPr>
+        <a:xfrm>
+          <a:off x="0" y="0"/>
+          <a:ext cx="0" cy="0"/>
+          <a:chOff x="0" y="0"/>
+          <a:chExt cx="0" cy="0"/>
+        </a:xfrm>
+      </p:grpSpPr>
+      <p:sp>
+        <p:nvSpPr>
+          <p:cNvPr id="2" name="Title 1"/>
+          <p:cNvSpPr>
+            <a:spLocks noGrp="1"/>
+          </p:cNvSpPr>
+          <p:nvPr>
+            <p:ph type="title"/>
+          </p:nvPr>
+        </p:nvSpPr>
+        <p:spPr/>
+        <p:txBody>
+          <a:bodyPr/>
+          <a:lstStyle/>
+          <a:p>
+            <a:r>
+              <a:rPr lang="en-US" dirty="0" smtClean="0"/>
+              <a:t>Inspect</a:t>
+            </a:r>
+            <a:endParaRPr lang="en-US" dirty="0"/>
+          </a:p>
+        </p:txBody>
+      </p:sp>
+      <p:sp>
+        <p:nvSpPr>
+          <p:cNvPr id="3" name="Content Placeholder 2"/>
+          <p:cNvSpPr>
+            <a:spLocks noGrp="1"/>
+          </p:cNvSpPr>
+          <p:nvPr>
+            <p:ph idx="1"/>
+          </p:nvPr>
+        </p:nvSpPr>
+        <p:spPr/>
+        <p:txBody>
+          <a:bodyPr/>
+          <a:lstStyle/>
+          <a:p>
+            <a:r>
+              <a:rPr lang="ru-RU" dirty="0" smtClean="0"/>
+              <a:t>Входит в </a:t>
+            </a:r>
+            <a:r>
+              <a:rPr lang="en-US" dirty="0" smtClean="0"/>
+              <a:t>Windows SDK</a:t>
+            </a:r>
+            <a:endParaRPr lang="ru-RU" dirty="0" smtClean="0"/>
+          </a:p>
+          <a:p>
+            <a:r>
+              <a:rPr lang="en-US"/>
+              <a:t>https://msdn.microsoft.com/en-us/library/dd318521(v=vs.85).aspx</a:t>
+            </a:r>
+            <a:endParaRPr lang="en-US" dirty="0"/>
+          </a:p>
+        </p:txBody>
+      </p:sp>
+    </p:spTree>
+    <p:extLst>
+      <p:ext uri="{BB962C8B-B14F-4D97-AF65-F5344CB8AC3E}">
+        <p14:creationId xmlns:p14="http://schemas.microsoft.com/office/powerpoint/2010/main" val="2529660029"/>
+      </p:ext>
+    </p:extLst>
+  </p:cSld>
+  <p:clrMapOvr>
+    <a:masterClrMapping/>
+  </p:clrMapOvr>
 </p:sld>
 </file>
 
@@ -4801,6 +5207,13 @@
   <p:clrMapOvr>
     <a:masterClrMapping/>
   </p:clrMapOvr>
+  <p:timing>
+    <p:tnLst>
+      <p:par>
+        <p:cTn id="1" dur="indefinite" restart="never" nodeType="tmRoot"/>
+      </p:par>
+    </p:tnLst>
+  </p:timing>
 </p:sld>
 </file>
 
@@ -5974,6 +6387,13 @@
   <p:clrMapOvr>
     <a:masterClrMapping/>
   </p:clrMapOvr>
+  <p:timing>
+    <p:tnLst>
+      <p:par>
+        <p:cTn id="1" dur="indefinite" restart="never" nodeType="tmRoot"/>
+      </p:par>
+    </p:tnLst>
+  </p:timing>
 </p:sld>
 </file>
 
@@ -6099,6 +6519,13 @@
   <p:clrMapOvr>
     <a:masterClrMapping/>
   </p:clrMapOvr>
+  <p:timing>
+    <p:tnLst>
+      <p:par>
+        <p:cTn id="1" dur="indefinite" restart="never" nodeType="tmRoot"/>
+      </p:par>
+    </p:tnLst>
+  </p:timing>
 </p:sld>
 </file>
 
@@ -6200,6 +6627,13 @@
   <p:clrMapOvr>
     <a:masterClrMapping/>
   </p:clrMapOvr>
+  <p:timing>
+    <p:tnLst>
+      <p:par>
+        <p:cTn id="1" dur="indefinite" restart="never" nodeType="tmRoot"/>
+      </p:par>
+    </p:tnLst>
+  </p:timing>
 </p:sld>
 </file>
 

--- a/Presentation/lesson-12-winforms.pptx
+++ b/Presentation/lesson-12-winforms.pptx
@@ -5,7 +5,7 @@
     <p:sldMasterId id="2147483648" r:id="rId1"/>
   </p:sldMasterIdLst>
   <p:notesMasterIdLst>
-    <p:notesMasterId r:id="rId23"/>
+    <p:notesMasterId r:id="rId24"/>
   </p:notesMasterIdLst>
   <p:sldIdLst>
     <p:sldId id="256" r:id="rId2"/>
@@ -13,22 +13,23 @@
     <p:sldId id="277" r:id="rId4"/>
     <p:sldId id="281" r:id="rId5"/>
     <p:sldId id="292" r:id="rId6"/>
-    <p:sldId id="280" r:id="rId7"/>
-    <p:sldId id="283" r:id="rId8"/>
-    <p:sldId id="290" r:id="rId9"/>
-    <p:sldId id="291" r:id="rId10"/>
-    <p:sldId id="289" r:id="rId11"/>
-    <p:sldId id="295" r:id="rId12"/>
-    <p:sldId id="282" r:id="rId13"/>
-    <p:sldId id="286" r:id="rId14"/>
-    <p:sldId id="287" r:id="rId15"/>
-    <p:sldId id="288" r:id="rId16"/>
-    <p:sldId id="284" r:id="rId17"/>
-    <p:sldId id="285" r:id="rId18"/>
-    <p:sldId id="293" r:id="rId19"/>
-    <p:sldId id="294" r:id="rId20"/>
-    <p:sldId id="296" r:id="rId21"/>
-    <p:sldId id="297" r:id="rId22"/>
+    <p:sldId id="298" r:id="rId7"/>
+    <p:sldId id="280" r:id="rId8"/>
+    <p:sldId id="283" r:id="rId9"/>
+    <p:sldId id="290" r:id="rId10"/>
+    <p:sldId id="291" r:id="rId11"/>
+    <p:sldId id="289" r:id="rId12"/>
+    <p:sldId id="295" r:id="rId13"/>
+    <p:sldId id="282" r:id="rId14"/>
+    <p:sldId id="286" r:id="rId15"/>
+    <p:sldId id="287" r:id="rId16"/>
+    <p:sldId id="288" r:id="rId17"/>
+    <p:sldId id="284" r:id="rId18"/>
+    <p:sldId id="285" r:id="rId19"/>
+    <p:sldId id="293" r:id="rId20"/>
+    <p:sldId id="294" r:id="rId21"/>
+    <p:sldId id="296" r:id="rId22"/>
+    <p:sldId id="297" r:id="rId23"/>
   </p:sldIdLst>
   <p:sldSz cx="9144000" cy="6858000" type="screen4x3"/>
   <p:notesSz cx="6858000" cy="9144000"/>
@@ -228,7 +229,7 @@
           <a:p>
             <a:fld id="{B24A7054-7FFB-49F4-A126-5DF6E687FF53}" type="datetimeFigureOut">
               <a:rPr lang="ru-RU" smtClean="0"/>
-              <a:t>07.06.2017</a:t>
+              <a:t>05.07.2017</a:t>
             </a:fld>
             <a:endParaRPr lang="ru-RU"/>
           </a:p>
@@ -1291,7 +1292,7 @@
           <a:p>
             <a:fld id="{8E6E6A2A-E9D3-4A0D-B04A-ABDD367A1E08}" type="datetimeFigureOut">
               <a:rPr lang="ru-RU" smtClean="0"/>
-              <a:t>07.06.2017</a:t>
+              <a:t>05.07.2017</a:t>
             </a:fld>
             <a:endParaRPr lang="ru-RU"/>
           </a:p>
@@ -2739,7 +2740,7 @@
           <a:p>
             <a:fld id="{AC3D3127-B7C4-45E3-9797-C527EC9FDD78}" type="datetimeFigureOut">
               <a:rPr lang="ru-RU" smtClean="0"/>
-              <a:t>07.06.2017</a:t>
+              <a:t>05.07.2017</a:t>
             </a:fld>
             <a:endParaRPr lang="ru-RU"/>
           </a:p>
@@ -3343,7 +3344,15 @@
           <a:p>
             <a:r>
               <a:rPr lang="ru-RU" dirty="0" smtClean="0"/>
-              <a:t>Префиксы имен</a:t>
+              <a:t>Окно «</a:t>
+            </a:r>
+            <a:r>
+              <a:rPr lang="en-US" dirty="0" smtClean="0"/>
+              <a:t>Properties</a:t>
+            </a:r>
+            <a:r>
+              <a:rPr lang="ru-RU" dirty="0" smtClean="0"/>
+              <a:t>»</a:t>
             </a:r>
             <a:endParaRPr lang="ru-RU" dirty="0"/>
           </a:p>
@@ -3361,177 +3370,29 @@
         </p:nvSpPr>
         <p:spPr/>
         <p:txBody>
-          <a:bodyPr numCol="2">
-            <a:normAutofit/>
-          </a:bodyPr>
+          <a:bodyPr/>
           <a:lstStyle/>
           <a:p>
             <a:r>
+              <a:rPr lang="ru-RU" dirty="0" smtClean="0"/>
+              <a:t>(</a:t>
+            </a:r>
+            <a:r>
+              <a:rPr lang="en-US" dirty="0" smtClean="0"/>
+              <a:t>Name)</a:t>
+            </a:r>
+          </a:p>
+          <a:p>
+            <a:r>
               <a:rPr lang="en-US" dirty="0" err="1" smtClean="0"/>
-              <a:t>btn</a:t>
-            </a:r>
+              <a:t>GenerateMember</a:t>
+            </a:r>
+            <a:endParaRPr lang="en-US" dirty="0" smtClean="0"/>
+          </a:p>
+          <a:p>
             <a:r>
               <a:rPr lang="en-US" dirty="0" smtClean="0"/>
-              <a:t> – Button</a:t>
-            </a:r>
-          </a:p>
-          <a:p>
-            <a:r>
-              <a:rPr lang="en-US" dirty="0" err="1" smtClean="0"/>
-              <a:t>cb</a:t>
-            </a:r>
-            <a:r>
-              <a:rPr lang="en-US" dirty="0" smtClean="0"/>
-              <a:t> – </a:t>
-            </a:r>
-            <a:r>
-              <a:rPr lang="en-US" dirty="0" err="1" smtClean="0"/>
-              <a:t>CheckBox</a:t>
-            </a:r>
-            <a:endParaRPr lang="en-US" dirty="0" smtClean="0"/>
-          </a:p>
-          <a:p>
-            <a:r>
-              <a:rPr lang="en-US" dirty="0" err="1" smtClean="0"/>
-              <a:t>dgv</a:t>
-            </a:r>
-            <a:r>
-              <a:rPr lang="en-US" dirty="0" smtClean="0"/>
-              <a:t> – </a:t>
-            </a:r>
-            <a:r>
-              <a:rPr lang="en-US" dirty="0" err="1" smtClean="0"/>
-              <a:t>DataGridView</a:t>
-            </a:r>
-            <a:endParaRPr lang="en-US" dirty="0" smtClean="0"/>
-          </a:p>
-          <a:p>
-            <a:r>
-              <a:rPr lang="en-US" dirty="0" err="1" smtClean="0"/>
-              <a:t>gbox</a:t>
-            </a:r>
-            <a:r>
-              <a:rPr lang="en-US" dirty="0" smtClean="0"/>
-              <a:t> - </a:t>
-            </a:r>
-            <a:r>
-              <a:rPr lang="en-US" dirty="0" err="1" smtClean="0"/>
-              <a:t>GroupBox</a:t>
-            </a:r>
-            <a:endParaRPr lang="en-US" dirty="0" smtClean="0"/>
-          </a:p>
-          <a:p>
-            <a:r>
-              <a:rPr lang="en-US" dirty="0" err="1" smtClean="0"/>
-              <a:t>lbl</a:t>
-            </a:r>
-            <a:r>
-              <a:rPr lang="en-US" dirty="0" smtClean="0"/>
-              <a:t> – Label</a:t>
-            </a:r>
-          </a:p>
-          <a:p>
-            <a:r>
-              <a:rPr lang="en-US" dirty="0" err="1" smtClean="0"/>
-              <a:t>lnk</a:t>
-            </a:r>
-            <a:r>
-              <a:rPr lang="en-US" dirty="0" smtClean="0"/>
-              <a:t> – </a:t>
-            </a:r>
-            <a:r>
-              <a:rPr lang="en-US" dirty="0" err="1" smtClean="0"/>
-              <a:t>LinkLabel</a:t>
-            </a:r>
-            <a:endParaRPr lang="en-US" dirty="0" smtClean="0"/>
-          </a:p>
-          <a:p>
-            <a:r>
-              <a:rPr lang="en-US" dirty="0" smtClean="0"/>
-              <a:t>lv – </a:t>
-            </a:r>
-            <a:r>
-              <a:rPr lang="en-US" dirty="0" err="1" smtClean="0"/>
-              <a:t>ListView</a:t>
-            </a:r>
-            <a:endParaRPr lang="en-US" dirty="0" smtClean="0"/>
-          </a:p>
-          <a:p>
-            <a:r>
-              <a:rPr lang="en-US" dirty="0" err="1" smtClean="0"/>
-              <a:t>pb</a:t>
-            </a:r>
-            <a:r>
-              <a:rPr lang="en-US" dirty="0" smtClean="0"/>
-              <a:t> – </a:t>
-            </a:r>
-            <a:r>
-              <a:rPr lang="en-US" dirty="0" err="1" smtClean="0"/>
-              <a:t>PictureBox</a:t>
-            </a:r>
-            <a:endParaRPr lang="en-US" dirty="0" smtClean="0"/>
-          </a:p>
-          <a:p>
-            <a:r>
-              <a:rPr lang="en-US" dirty="0" err="1" smtClean="0"/>
-              <a:t>prgs</a:t>
-            </a:r>
-            <a:r>
-              <a:rPr lang="en-US" dirty="0" smtClean="0"/>
-              <a:t> - </a:t>
-            </a:r>
-            <a:r>
-              <a:rPr lang="en-US" dirty="0" err="1" smtClean="0"/>
-              <a:t>ProgressBar</a:t>
-            </a:r>
-            <a:endParaRPr lang="en-US" dirty="0" smtClean="0"/>
-          </a:p>
-          <a:p>
-            <a:r>
-              <a:rPr lang="en-US" dirty="0" err="1" smtClean="0"/>
-              <a:t>rb</a:t>
-            </a:r>
-            <a:r>
-              <a:rPr lang="en-US" dirty="0" smtClean="0"/>
-              <a:t> - </a:t>
-            </a:r>
-            <a:r>
-              <a:rPr lang="en-US" dirty="0" err="1" smtClean="0"/>
-              <a:t>RadioButton</a:t>
-            </a:r>
-            <a:endParaRPr lang="en-US" dirty="0" smtClean="0"/>
-          </a:p>
-          <a:p>
-            <a:r>
-              <a:rPr lang="en-US" dirty="0" err="1" smtClean="0"/>
-              <a:t>tb</a:t>
-            </a:r>
-            <a:r>
-              <a:rPr lang="en-US" dirty="0" smtClean="0"/>
-              <a:t> </a:t>
-            </a:r>
-            <a:r>
-              <a:rPr lang="ru-RU" dirty="0" smtClean="0"/>
-              <a:t>– </a:t>
-            </a:r>
-            <a:r>
-              <a:rPr lang="en-US" dirty="0" err="1" smtClean="0"/>
-              <a:t>TextBox</a:t>
-            </a:r>
-            <a:endParaRPr lang="en-US" dirty="0" smtClean="0"/>
-          </a:p>
-          <a:p>
-            <a:r>
-              <a:rPr lang="en-US" dirty="0" err="1" smtClean="0"/>
-              <a:t>tv</a:t>
-            </a:r>
-            <a:r>
-              <a:rPr lang="en-US" dirty="0" smtClean="0"/>
-              <a:t> - </a:t>
-            </a:r>
-            <a:r>
-              <a:rPr lang="en-US" dirty="0" err="1" smtClean="0"/>
-              <a:t>TreeView</a:t>
+              <a:t>Modifiers</a:t>
             </a:r>
             <a:endParaRPr lang="ru-RU" dirty="0"/>
           </a:p>
@@ -3540,7 +3401,7 @@
     </p:spTree>
     <p:extLst>
       <p:ext uri="{BB962C8B-B14F-4D97-AF65-F5344CB8AC3E}">
-        <p14:creationId xmlns:p14="http://schemas.microsoft.com/office/powerpoint/2010/main" val="3616111561"/>
+        <p14:creationId xmlns:p14="http://schemas.microsoft.com/office/powerpoint/2010/main" val="3812283606"/>
       </p:ext>
     </p:extLst>
   </p:cSld>
@@ -3586,126 +3447,209 @@
         </p:nvSpPr>
         <p:spPr/>
         <p:txBody>
-          <a:bodyPr>
-            <a:normAutofit fontScale="90000"/>
+          <a:bodyPr/>
+          <a:lstStyle/>
+          <a:p>
+            <a:r>
+              <a:rPr lang="ru-RU" dirty="0" smtClean="0"/>
+              <a:t>Префиксы имен</a:t>
+            </a:r>
+            <a:endParaRPr lang="ru-RU" dirty="0"/>
+          </a:p>
+        </p:txBody>
+      </p:sp>
+      <p:sp>
+        <p:nvSpPr>
+          <p:cNvPr id="3" name="Content Placeholder 2"/>
+          <p:cNvSpPr>
+            <a:spLocks noGrp="1"/>
+          </p:cNvSpPr>
+          <p:nvPr>
+            <p:ph idx="1"/>
+          </p:nvPr>
+        </p:nvSpPr>
+        <p:spPr/>
+        <p:txBody>
+          <a:bodyPr numCol="2">
+            <a:normAutofit/>
           </a:bodyPr>
           <a:lstStyle/>
           <a:p>
             <a:r>
-              <a:rPr lang="ru-RU" dirty="0" smtClean="0"/>
-              <a:t>Форма: Последовательность событий при создании</a:t>
-            </a:r>
-            <a:endParaRPr lang="en-US" dirty="0"/>
-          </a:p>
-        </p:txBody>
-      </p:sp>
-      <p:sp>
-        <p:nvSpPr>
-          <p:cNvPr id="3" name="Content Placeholder 2"/>
-          <p:cNvSpPr>
-            <a:spLocks noGrp="1"/>
-          </p:cNvSpPr>
-          <p:nvPr>
-            <p:ph idx="1"/>
-          </p:nvPr>
-        </p:nvSpPr>
-        <p:spPr/>
-        <p:txBody>
-          <a:bodyPr/>
-          <a:lstStyle/>
-          <a:p>
-            <a:pPr marL="514350" indent="-514350">
-              <a:buFont typeface="+mj-lt"/>
-              <a:buAutoNum type="arabicPeriod"/>
-            </a:pPr>
-            <a:r>
-              <a:rPr lang="ru-RU" dirty="0" smtClean="0"/>
-              <a:t>Конструктор</a:t>
-            </a:r>
-            <a:endParaRPr lang="en-US" dirty="0"/>
-          </a:p>
-          <a:p>
-            <a:pPr marL="514350" indent="-514350">
-              <a:buFont typeface="+mj-lt"/>
-              <a:buAutoNum type="arabicPeriod"/>
-            </a:pPr>
-            <a:r>
-              <a:rPr lang="ru-RU" dirty="0" smtClean="0"/>
-              <a:t>Событие</a:t>
+              <a:rPr lang="en-US" dirty="0" err="1" smtClean="0"/>
+              <a:t>btn</a:t>
+            </a:r>
+            <a:r>
+              <a:rPr lang="en-US" dirty="0" smtClean="0"/>
+              <a:t> – Button</a:t>
+            </a:r>
+          </a:p>
+          <a:p>
+            <a:r>
+              <a:rPr lang="en-US" dirty="0" err="1" smtClean="0"/>
+              <a:t>cb</a:t>
+            </a:r>
+            <a:r>
+              <a:rPr lang="en-US" dirty="0" smtClean="0"/>
+              <a:t> – </a:t>
+            </a:r>
+            <a:r>
+              <a:rPr lang="en-US" dirty="0" err="1" smtClean="0"/>
+              <a:t>CheckBox</a:t>
+            </a:r>
+            <a:endParaRPr lang="en-US" dirty="0" smtClean="0"/>
+          </a:p>
+          <a:p>
+            <a:r>
+              <a:rPr lang="en-US" dirty="0" err="1" smtClean="0"/>
+              <a:t>dgv</a:t>
+            </a:r>
+            <a:r>
+              <a:rPr lang="en-US" dirty="0" smtClean="0"/>
+              <a:t> – </a:t>
+            </a:r>
+            <a:r>
+              <a:rPr lang="en-US" dirty="0" err="1" smtClean="0"/>
+              <a:t>DataGridView</a:t>
+            </a:r>
+            <a:endParaRPr lang="en-US" dirty="0" smtClean="0"/>
+          </a:p>
+          <a:p>
+            <a:r>
+              <a:rPr lang="en-US" dirty="0" err="1" smtClean="0"/>
+              <a:t>gbox</a:t>
+            </a:r>
+            <a:r>
+              <a:rPr lang="en-US" dirty="0" smtClean="0"/>
+              <a:t> - </a:t>
+            </a:r>
+            <a:r>
+              <a:rPr lang="en-US" dirty="0" err="1" smtClean="0"/>
+              <a:t>GroupBox</a:t>
+            </a:r>
+            <a:endParaRPr lang="en-US" dirty="0" smtClean="0"/>
+          </a:p>
+          <a:p>
+            <a:r>
+              <a:rPr lang="en-US" dirty="0" err="1" smtClean="0"/>
+              <a:t>lbl</a:t>
+            </a:r>
+            <a:r>
+              <a:rPr lang="en-US" dirty="0" smtClean="0"/>
+              <a:t> – Label</a:t>
+            </a:r>
+          </a:p>
+          <a:p>
+            <a:r>
+              <a:rPr lang="en-US" dirty="0" err="1" smtClean="0"/>
+              <a:t>lnk</a:t>
+            </a:r>
+            <a:r>
+              <a:rPr lang="en-US" dirty="0" smtClean="0"/>
+              <a:t> – </a:t>
+            </a:r>
+            <a:r>
+              <a:rPr lang="en-US" dirty="0" err="1" smtClean="0"/>
+              <a:t>LinkLabel</a:t>
+            </a:r>
+            <a:endParaRPr lang="en-US" dirty="0" smtClean="0"/>
+          </a:p>
+          <a:p>
+            <a:r>
+              <a:rPr lang="en-US" dirty="0" smtClean="0"/>
+              <a:t>lv – </a:t>
+            </a:r>
+            <a:r>
+              <a:rPr lang="en-US" dirty="0" err="1" smtClean="0"/>
+              <a:t>ListView</a:t>
+            </a:r>
+            <a:endParaRPr lang="en-US" dirty="0" smtClean="0"/>
+          </a:p>
+          <a:p>
+            <a:r>
+              <a:rPr lang="en-US" dirty="0" err="1" smtClean="0"/>
+              <a:t>pb</a:t>
+            </a:r>
+            <a:r>
+              <a:rPr lang="en-US" dirty="0" smtClean="0"/>
+              <a:t> – </a:t>
+            </a:r>
+            <a:r>
+              <a:rPr lang="en-US" dirty="0" err="1" smtClean="0"/>
+              <a:t>PictureBox</a:t>
+            </a:r>
+            <a:endParaRPr lang="en-US" dirty="0" smtClean="0"/>
+          </a:p>
+          <a:p>
+            <a:r>
+              <a:rPr lang="en-US" dirty="0" err="1" smtClean="0"/>
+              <a:t>prgs</a:t>
+            </a:r>
+            <a:r>
+              <a:rPr lang="en-US" dirty="0" smtClean="0"/>
+              <a:t> - </a:t>
+            </a:r>
+            <a:r>
+              <a:rPr lang="en-US" dirty="0" err="1" smtClean="0"/>
+              <a:t>ProgressBar</a:t>
+            </a:r>
+            <a:endParaRPr lang="en-US" dirty="0" smtClean="0"/>
+          </a:p>
+          <a:p>
+            <a:r>
+              <a:rPr lang="en-US" dirty="0" err="1" smtClean="0"/>
+              <a:t>rb</a:t>
+            </a:r>
+            <a:r>
+              <a:rPr lang="en-US" dirty="0" smtClean="0"/>
+              <a:t> - </a:t>
+            </a:r>
+            <a:r>
+              <a:rPr lang="en-US" dirty="0" err="1" smtClean="0"/>
+              <a:t>RadioButton</a:t>
+            </a:r>
+            <a:endParaRPr lang="en-US" dirty="0" smtClean="0"/>
+          </a:p>
+          <a:p>
+            <a:r>
+              <a:rPr lang="en-US" dirty="0" err="1" smtClean="0"/>
+              <a:t>tb</a:t>
             </a:r>
             <a:r>
               <a:rPr lang="en-US" dirty="0" smtClean="0"/>
               <a:t> </a:t>
             </a:r>
             <a:r>
-              <a:rPr lang="en-US" dirty="0" err="1"/>
-              <a:t>HandleCreated</a:t>
-            </a:r>
-            <a:endParaRPr lang="en-US" dirty="0"/>
-          </a:p>
-          <a:p>
-            <a:pPr marL="514350" indent="-514350">
-              <a:buFont typeface="+mj-lt"/>
-              <a:buAutoNum type="arabicPeriod"/>
-            </a:pPr>
-            <a:r>
-              <a:rPr lang="ru-RU" dirty="0" smtClean="0"/>
-              <a:t>Событие</a:t>
+              <a:rPr lang="ru-RU" dirty="0" smtClean="0"/>
+              <a:t>– </a:t>
+            </a:r>
+            <a:r>
+              <a:rPr lang="en-US" dirty="0" err="1" smtClean="0"/>
+              <a:t>TextBox</a:t>
+            </a:r>
+            <a:endParaRPr lang="en-US" dirty="0" smtClean="0"/>
+          </a:p>
+          <a:p>
+            <a:r>
+              <a:rPr lang="en-US" dirty="0" err="1" smtClean="0"/>
+              <a:t>tv</a:t>
             </a:r>
             <a:r>
               <a:rPr lang="en-US" dirty="0" smtClean="0"/>
-              <a:t> </a:t>
-            </a:r>
-            <a:r>
-              <a:rPr lang="en-US" dirty="0"/>
-              <a:t>Load</a:t>
-            </a:r>
-          </a:p>
-          <a:p>
-            <a:pPr marL="514350" indent="-514350">
-              <a:buFont typeface="+mj-lt"/>
-              <a:buAutoNum type="arabicPeriod"/>
-            </a:pPr>
-            <a:r>
-              <a:rPr lang="ru-RU" dirty="0" smtClean="0"/>
-              <a:t>Событие</a:t>
-            </a:r>
-            <a:r>
-              <a:rPr lang="en-US" dirty="0" smtClean="0"/>
-              <a:t> </a:t>
-            </a:r>
-            <a:r>
-              <a:rPr lang="en-US" dirty="0"/>
-              <a:t>Activated</a:t>
-            </a:r>
-          </a:p>
-          <a:p>
-            <a:pPr marL="514350" indent="-514350">
-              <a:buFont typeface="+mj-lt"/>
-              <a:buAutoNum type="arabicPeriod"/>
-            </a:pPr>
-            <a:r>
-              <a:rPr lang="ru-RU" smtClean="0"/>
-              <a:t>Событие</a:t>
-            </a:r>
-            <a:r>
-              <a:rPr lang="en-US" dirty="0" smtClean="0"/>
-              <a:t> </a:t>
-            </a:r>
-            <a:r>
-              <a:rPr lang="en-US" dirty="0"/>
-              <a:t>Shown</a:t>
-            </a:r>
-          </a:p>
-          <a:p>
-            <a:endParaRPr lang="en-US" dirty="0"/>
+              <a:t> - </a:t>
+            </a:r>
+            <a:r>
+              <a:rPr lang="en-US" dirty="0" err="1" smtClean="0"/>
+              <a:t>TreeView</a:t>
+            </a:r>
+            <a:endParaRPr lang="ru-RU" dirty="0"/>
           </a:p>
         </p:txBody>
       </p:sp>
     </p:spTree>
     <p:extLst>
       <p:ext uri="{BB962C8B-B14F-4D97-AF65-F5344CB8AC3E}">
-        <p14:creationId xmlns:p14="http://schemas.microsoft.com/office/powerpoint/2010/main" val="2553913673"/>
+        <p14:creationId xmlns:p14="http://schemas.microsoft.com/office/powerpoint/2010/main" val="3616111561"/>
       </p:ext>
     </p:extLst>
   </p:cSld>
@@ -3741,12 +3685,37 @@
       </p:grpSpPr>
       <p:sp>
         <p:nvSpPr>
-          <p:cNvPr id="4" name="Title 3"/>
+          <p:cNvPr id="2" name="Title 1"/>
           <p:cNvSpPr>
             <a:spLocks noGrp="1"/>
           </p:cNvSpPr>
           <p:nvPr>
             <p:ph type="title"/>
+          </p:nvPr>
+        </p:nvSpPr>
+        <p:spPr/>
+        <p:txBody>
+          <a:bodyPr>
+            <a:normAutofit fontScale="90000"/>
+          </a:bodyPr>
+          <a:lstStyle/>
+          <a:p>
+            <a:r>
+              <a:rPr lang="ru-RU" dirty="0" smtClean="0"/>
+              <a:t>Форма: Последовательность событий при создании</a:t>
+            </a:r>
+            <a:endParaRPr lang="en-US" dirty="0"/>
+          </a:p>
+        </p:txBody>
+      </p:sp>
+      <p:sp>
+        <p:nvSpPr>
+          <p:cNvPr id="3" name="Content Placeholder 2"/>
+          <p:cNvSpPr>
+            <a:spLocks noGrp="1"/>
+          </p:cNvSpPr>
+          <p:nvPr>
+            <p:ph idx="1"/>
           </p:nvPr>
         </p:nvSpPr>
         <p:spPr/>
@@ -3754,115 +3723,98 @@
           <a:bodyPr/>
           <a:lstStyle/>
           <a:p>
-            <a:r>
-              <a:rPr lang="ru-RU" dirty="0" smtClean="0"/>
-              <a:t>Ввод данных</a:t>
-            </a:r>
-            <a:endParaRPr lang="ru-RU" dirty="0"/>
-          </a:p>
-        </p:txBody>
-      </p:sp>
-      <p:sp>
-        <p:nvSpPr>
-          <p:cNvPr id="5" name="Content Placeholder 4"/>
-          <p:cNvSpPr>
-            <a:spLocks noGrp="1"/>
-          </p:cNvSpPr>
-          <p:nvPr>
-            <p:ph idx="1"/>
-          </p:nvPr>
-        </p:nvSpPr>
-        <p:spPr/>
-        <p:txBody>
-          <a:bodyPr>
-            <a:normAutofit fontScale="92500" lnSpcReduction="20000"/>
-          </a:bodyPr>
-          <a:lstStyle/>
-          <a:p>
-            <a:r>
-              <a:rPr lang="en-US" dirty="0" err="1" smtClean="0"/>
-              <a:t>TextBox</a:t>
+            <a:pPr marL="514350" indent="-514350">
+              <a:buFont typeface="+mj-lt"/>
+              <a:buAutoNum type="arabicPeriod"/>
+            </a:pPr>
+            <a:r>
+              <a:rPr lang="ru-RU" dirty="0" smtClean="0"/>
+              <a:t>Конструктор</a:t>
+            </a:r>
+            <a:endParaRPr lang="en-US" dirty="0"/>
+          </a:p>
+          <a:p>
+            <a:pPr marL="514350" indent="-514350">
+              <a:buFont typeface="+mj-lt"/>
+              <a:buAutoNum type="arabicPeriod"/>
+            </a:pPr>
+            <a:r>
+              <a:rPr lang="ru-RU" dirty="0" smtClean="0"/>
+              <a:t>Событие</a:t>
             </a:r>
             <a:r>
               <a:rPr lang="en-US" dirty="0" smtClean="0"/>
-              <a:t>: </a:t>
-            </a:r>
-            <a:r>
-              <a:rPr lang="ru-RU" dirty="0" smtClean="0"/>
-              <a:t>однострочный текст, пароль, многострочный текст</a:t>
-            </a:r>
-            <a:endParaRPr lang="en-US" dirty="0" smtClean="0"/>
-          </a:p>
-          <a:p>
+              <a:t> </a:t>
+            </a:r>
             <a:r>
               <a:rPr lang="en-US" dirty="0" err="1"/>
-              <a:t>MaskedTextBox</a:t>
-            </a:r>
-            <a:endParaRPr lang="ru-RU" dirty="0" smtClean="0"/>
-          </a:p>
-          <a:p>
-            <a:r>
-              <a:rPr lang="en-US" dirty="0" err="1" smtClean="0"/>
-              <a:t>RichTextBox</a:t>
-            </a:r>
-            <a:r>
-              <a:rPr lang="ru-RU" dirty="0" smtClean="0"/>
-              <a:t>: </a:t>
-            </a:r>
-            <a:r>
-              <a:rPr lang="ru-RU" dirty="0"/>
-              <a:t>многострочный </a:t>
-            </a:r>
-            <a:r>
-              <a:rPr lang="ru-RU" dirty="0" smtClean="0"/>
-              <a:t>текст с форматированием</a:t>
-            </a:r>
-            <a:endParaRPr lang="en-US" dirty="0" smtClean="0"/>
-          </a:p>
-          <a:p>
-            <a:r>
-              <a:rPr lang="en-US" dirty="0" err="1"/>
-              <a:t>ComboBox</a:t>
-            </a:r>
-            <a:endParaRPr lang="ru-RU" dirty="0" smtClean="0"/>
-          </a:p>
-          <a:p>
-            <a:r>
-              <a:rPr lang="en-US" dirty="0" err="1" smtClean="0"/>
-              <a:t>NumericUpDown</a:t>
-            </a:r>
-            <a:endParaRPr lang="en-US" dirty="0" smtClean="0"/>
-          </a:p>
-          <a:p>
-            <a:r>
-              <a:rPr lang="en-US" dirty="0" err="1" smtClean="0"/>
-              <a:t>DomainUpDown</a:t>
-            </a:r>
-            <a:endParaRPr lang="en-US" dirty="0" smtClean="0"/>
-          </a:p>
-          <a:p>
-            <a:r>
-              <a:rPr lang="en-US" dirty="0" err="1" smtClean="0"/>
-              <a:t>DateTimePicker</a:t>
-            </a:r>
-            <a:endParaRPr lang="ru-RU" dirty="0" smtClean="0"/>
-          </a:p>
-          <a:p>
-            <a:r>
-              <a:rPr lang="en-US" dirty="0" err="1" smtClean="0"/>
-              <a:t>MonthCalendar</a:t>
-            </a:r>
-            <a:endParaRPr lang="en-US" dirty="0" smtClean="0"/>
-          </a:p>
-          <a:p>
-            <a:endParaRPr lang="ru-RU" dirty="0"/>
+              <a:t>HandleCreated</a:t>
+            </a:r>
+            <a:endParaRPr lang="en-US" dirty="0"/>
+          </a:p>
+          <a:p>
+            <a:pPr marL="514350" indent="-514350">
+              <a:buFont typeface="+mj-lt"/>
+              <a:buAutoNum type="arabicPeriod"/>
+            </a:pPr>
+            <a:r>
+              <a:rPr lang="ru-RU" dirty="0" smtClean="0"/>
+              <a:t>Событие</a:t>
+            </a:r>
+            <a:r>
+              <a:rPr lang="en-US" dirty="0" smtClean="0"/>
+              <a:t> </a:t>
+            </a:r>
+            <a:r>
+              <a:rPr lang="en-US" dirty="0"/>
+              <a:t>Load</a:t>
+            </a:r>
+          </a:p>
+          <a:p>
+            <a:pPr marL="514350" indent="-514350">
+              <a:buFont typeface="+mj-lt"/>
+              <a:buAutoNum type="arabicPeriod"/>
+            </a:pPr>
+            <a:r>
+              <a:rPr lang="ru-RU" dirty="0" smtClean="0"/>
+              <a:t>Событие</a:t>
+            </a:r>
+            <a:r>
+              <a:rPr lang="en-US" dirty="0" smtClean="0"/>
+              <a:t> </a:t>
+            </a:r>
+            <a:r>
+              <a:rPr lang="en-US" dirty="0"/>
+              <a:t>Activated</a:t>
+            </a:r>
+          </a:p>
+          <a:p>
+            <a:pPr marL="514350" indent="-514350">
+              <a:buFont typeface="+mj-lt"/>
+              <a:buAutoNum type="arabicPeriod"/>
+            </a:pPr>
+            <a:r>
+              <a:rPr lang="ru-RU" smtClean="0"/>
+              <a:t>Событие</a:t>
+            </a:r>
+            <a:r>
+              <a:rPr lang="en-US" dirty="0" smtClean="0"/>
+              <a:t> </a:t>
+            </a:r>
+            <a:r>
+              <a:rPr lang="en-US" dirty="0"/>
+              <a:t>Shown</a:t>
+            </a:r>
+          </a:p>
+          <a:p>
+            <a:endParaRPr lang="en-US" dirty="0"/>
           </a:p>
         </p:txBody>
       </p:sp>
     </p:spTree>
     <p:extLst>
       <p:ext uri="{BB962C8B-B14F-4D97-AF65-F5344CB8AC3E}">
-        <p14:creationId xmlns:p14="http://schemas.microsoft.com/office/powerpoint/2010/main" val="2778302017"/>
+        <p14:creationId xmlns:p14="http://schemas.microsoft.com/office/powerpoint/2010/main" val="2553913673"/>
       </p:ext>
     </p:extLst>
   </p:cSld>
@@ -3898,7 +3850,7 @@
       </p:grpSpPr>
       <p:sp>
         <p:nvSpPr>
-          <p:cNvPr id="2" name="Title 1"/>
+          <p:cNvPr id="4" name="Title 3"/>
           <p:cNvSpPr>
             <a:spLocks noGrp="1"/>
           </p:cNvSpPr>
@@ -3913,7 +3865,7 @@
           <a:p>
             <a:r>
               <a:rPr lang="ru-RU" dirty="0" smtClean="0"/>
-              <a:t>Контейнеры</a:t>
+              <a:t>Ввод данных</a:t>
             </a:r>
             <a:endParaRPr lang="ru-RU" dirty="0"/>
           </a:p>
@@ -3921,7 +3873,7 @@
       </p:sp>
       <p:sp>
         <p:nvSpPr>
-          <p:cNvPr id="3" name="Content Placeholder 2"/>
+          <p:cNvPr id="5" name="Content Placeholder 4"/>
           <p:cNvSpPr>
             <a:spLocks noGrp="1"/>
           </p:cNvSpPr>
@@ -3932,54 +3884,86 @@
         <p:spPr/>
         <p:txBody>
           <a:bodyPr>
-            <a:normAutofit lnSpcReduction="10000"/>
+            <a:normAutofit fontScale="92500" lnSpcReduction="20000"/>
           </a:bodyPr>
           <a:lstStyle/>
           <a:p>
             <a:r>
+              <a:rPr lang="en-US" dirty="0" err="1" smtClean="0"/>
+              <a:t>TextBox</a:t>
+            </a:r>
+            <a:r>
               <a:rPr lang="en-US" dirty="0" smtClean="0"/>
-              <a:t>Panel</a:t>
-            </a:r>
+              <a:t>: </a:t>
+            </a:r>
+            <a:r>
+              <a:rPr lang="ru-RU" dirty="0" smtClean="0"/>
+              <a:t>однострочный текст, пароль, многострочный текст</a:t>
+            </a:r>
+            <a:endParaRPr lang="en-US" dirty="0" smtClean="0"/>
+          </a:p>
+          <a:p>
+            <a:r>
+              <a:rPr lang="en-US" dirty="0" err="1"/>
+              <a:t>MaskedTextBox</a:t>
+            </a:r>
+            <a:endParaRPr lang="ru-RU" dirty="0" smtClean="0"/>
           </a:p>
           <a:p>
             <a:r>
               <a:rPr lang="en-US" dirty="0" err="1" smtClean="0"/>
-              <a:t>GroupBox</a:t>
+              <a:t>RichTextBox</a:t>
+            </a:r>
+            <a:r>
+              <a:rPr lang="ru-RU" dirty="0" smtClean="0"/>
+              <a:t>: </a:t>
+            </a:r>
+            <a:r>
+              <a:rPr lang="ru-RU" dirty="0"/>
+              <a:t>многострочный </a:t>
+            </a:r>
+            <a:r>
+              <a:rPr lang="ru-RU" dirty="0" smtClean="0"/>
+              <a:t>текст с форматированием</a:t>
             </a:r>
             <a:endParaRPr lang="en-US" dirty="0" smtClean="0"/>
           </a:p>
           <a:p>
-            <a:endParaRPr lang="en-US" dirty="0"/>
+            <a:r>
+              <a:rPr lang="en-US" dirty="0" err="1"/>
+              <a:t>ComboBox</a:t>
+            </a:r>
+            <a:endParaRPr lang="ru-RU" dirty="0" smtClean="0"/>
           </a:p>
           <a:p>
             <a:r>
               <a:rPr lang="en-US" dirty="0" err="1" smtClean="0"/>
-              <a:t>SplitContainer</a:t>
+              <a:t>NumericUpDown</a:t>
             </a:r>
             <a:endParaRPr lang="en-US" dirty="0" smtClean="0"/>
           </a:p>
           <a:p>
             <a:r>
               <a:rPr lang="en-US" dirty="0" err="1" smtClean="0"/>
-              <a:t>TabControl</a:t>
+              <a:t>DomainUpDown</a:t>
             </a:r>
             <a:endParaRPr lang="en-US" dirty="0" smtClean="0"/>
           </a:p>
           <a:p>
-            <a:endParaRPr lang="en-US" dirty="0"/>
-          </a:p>
-          <a:p>
             <a:r>
               <a:rPr lang="en-US" dirty="0" err="1" smtClean="0"/>
-              <a:t>FlowLayoutPanel</a:t>
+              <a:t>DateTimePicker</a:t>
+            </a:r>
+            <a:endParaRPr lang="ru-RU" dirty="0" smtClean="0"/>
+          </a:p>
+          <a:p>
+            <a:r>
+              <a:rPr lang="en-US" dirty="0" err="1" smtClean="0"/>
+              <a:t>MonthCalendar</a:t>
             </a:r>
             <a:endParaRPr lang="en-US" dirty="0" smtClean="0"/>
           </a:p>
           <a:p>
-            <a:r>
-              <a:rPr lang="en-US" dirty="0" err="1" smtClean="0"/>
-              <a:t>TableLayoutPanel</a:t>
-            </a:r>
             <a:endParaRPr lang="ru-RU" dirty="0"/>
           </a:p>
         </p:txBody>
@@ -3987,7 +3971,7 @@
     </p:spTree>
     <p:extLst>
       <p:ext uri="{BB962C8B-B14F-4D97-AF65-F5344CB8AC3E}">
-        <p14:creationId xmlns:p14="http://schemas.microsoft.com/office/powerpoint/2010/main" val="3685836777"/>
+        <p14:creationId xmlns:p14="http://schemas.microsoft.com/office/powerpoint/2010/main" val="2778302017"/>
       </p:ext>
     </p:extLst>
   </p:cSld>
@@ -4038,7 +4022,7 @@
           <a:p>
             <a:r>
               <a:rPr lang="ru-RU" dirty="0" smtClean="0"/>
-              <a:t>Статический текст</a:t>
+              <a:t>Контейнеры</a:t>
             </a:r>
             <a:endParaRPr lang="ru-RU" dirty="0"/>
           </a:p>
@@ -4056,22 +4040,55 @@
         </p:nvSpPr>
         <p:spPr/>
         <p:txBody>
-          <a:bodyPr/>
+          <a:bodyPr>
+            <a:normAutofit lnSpcReduction="10000"/>
+          </a:bodyPr>
           <a:lstStyle/>
           <a:p>
             <a:r>
               <a:rPr lang="en-US" dirty="0" smtClean="0"/>
-              <a:t>Label</a:t>
+              <a:t>Panel</a:t>
             </a:r>
           </a:p>
           <a:p>
             <a:r>
               <a:rPr lang="en-US" dirty="0" err="1" smtClean="0"/>
-              <a:t>LinkLabel</a:t>
+              <a:t>GroupBox</a:t>
             </a:r>
             <a:endParaRPr lang="en-US" dirty="0" smtClean="0"/>
           </a:p>
           <a:p>
+            <a:endParaRPr lang="en-US" dirty="0"/>
+          </a:p>
+          <a:p>
+            <a:r>
+              <a:rPr lang="en-US" dirty="0" err="1" smtClean="0"/>
+              <a:t>SplitContainer</a:t>
+            </a:r>
+            <a:endParaRPr lang="en-US" dirty="0" smtClean="0"/>
+          </a:p>
+          <a:p>
+            <a:r>
+              <a:rPr lang="en-US" dirty="0" err="1" smtClean="0"/>
+              <a:t>TabControl</a:t>
+            </a:r>
+            <a:endParaRPr lang="en-US" dirty="0" smtClean="0"/>
+          </a:p>
+          <a:p>
+            <a:endParaRPr lang="en-US" dirty="0"/>
+          </a:p>
+          <a:p>
+            <a:r>
+              <a:rPr lang="en-US" dirty="0" err="1" smtClean="0"/>
+              <a:t>FlowLayoutPanel</a:t>
+            </a:r>
+            <a:endParaRPr lang="en-US" dirty="0" smtClean="0"/>
+          </a:p>
+          <a:p>
+            <a:r>
+              <a:rPr lang="en-US" dirty="0" err="1" smtClean="0"/>
+              <a:t>TableLayoutPanel</a:t>
+            </a:r>
             <a:endParaRPr lang="ru-RU" dirty="0"/>
           </a:p>
         </p:txBody>
@@ -4079,7 +4096,7 @@
     </p:spTree>
     <p:extLst>
       <p:ext uri="{BB962C8B-B14F-4D97-AF65-F5344CB8AC3E}">
-        <p14:creationId xmlns:p14="http://schemas.microsoft.com/office/powerpoint/2010/main" val="2359087904"/>
+        <p14:creationId xmlns:p14="http://schemas.microsoft.com/office/powerpoint/2010/main" val="3685836777"/>
       </p:ext>
     </p:extLst>
   </p:cSld>
@@ -4130,11 +4147,7 @@
           <a:p>
             <a:r>
               <a:rPr lang="ru-RU" dirty="0" smtClean="0"/>
-              <a:t>Элементы </a:t>
-            </a:r>
-            <a:r>
-              <a:rPr lang="en-US" dirty="0" smtClean="0"/>
-              <a:t>UI</a:t>
+              <a:t>Статический текст</a:t>
             </a:r>
             <a:endParaRPr lang="ru-RU" dirty="0"/>
           </a:p>
@@ -4156,39 +4169,18 @@
           <a:lstStyle/>
           <a:p>
             <a:r>
+              <a:rPr lang="en-US" dirty="0" smtClean="0"/>
+              <a:t>Label</a:t>
+            </a:r>
+          </a:p>
+          <a:p>
+            <a:r>
               <a:rPr lang="en-US" dirty="0" err="1" smtClean="0"/>
-              <a:t>MenuStrip</a:t>
-            </a:r>
-            <a:r>
-              <a:rPr lang="en-US" dirty="0" smtClean="0"/>
-              <a:t>:</a:t>
-            </a:r>
-            <a:r>
-              <a:rPr lang="ru-RU" dirty="0" smtClean="0"/>
-              <a:t> главное меню</a:t>
+              <a:t>LinkLabel</a:t>
             </a:r>
             <a:endParaRPr lang="en-US" dirty="0" smtClean="0"/>
           </a:p>
           <a:p>
-            <a:r>
-              <a:rPr lang="en-US" dirty="0" err="1" smtClean="0"/>
-              <a:t>ContextMenuStrip</a:t>
-            </a:r>
-            <a:r>
-              <a:rPr lang="ru-RU" dirty="0" smtClean="0"/>
-              <a:t>: контекстное меню</a:t>
-            </a:r>
-            <a:endParaRPr lang="en-US" dirty="0" smtClean="0"/>
-          </a:p>
-          <a:p>
-            <a:r>
-              <a:rPr lang="en-US" dirty="0" err="1" smtClean="0"/>
-              <a:t>StatusStrip</a:t>
-            </a:r>
-            <a:r>
-              <a:rPr lang="ru-RU" dirty="0" smtClean="0"/>
-              <a:t>: строка статуса</a:t>
-            </a:r>
             <a:endParaRPr lang="ru-RU" dirty="0"/>
           </a:p>
         </p:txBody>
@@ -4196,7 +4188,7 @@
     </p:spTree>
     <p:extLst>
       <p:ext uri="{BB962C8B-B14F-4D97-AF65-F5344CB8AC3E}">
-        <p14:creationId xmlns:p14="http://schemas.microsoft.com/office/powerpoint/2010/main" val="3917359600"/>
+        <p14:creationId xmlns:p14="http://schemas.microsoft.com/office/powerpoint/2010/main" val="2359087904"/>
       </p:ext>
     </p:extLst>
   </p:cSld>
@@ -4247,7 +4239,11 @@
           <a:p>
             <a:r>
               <a:rPr lang="ru-RU" dirty="0" smtClean="0"/>
-              <a:t>Стандартные диалоги</a:t>
+              <a:t>Элементы </a:t>
+            </a:r>
+            <a:r>
+              <a:rPr lang="en-US" dirty="0" smtClean="0"/>
+              <a:t>UI</a:t>
             </a:r>
             <a:endParaRPr lang="ru-RU" dirty="0"/>
           </a:p>
@@ -4269,54 +4265,38 @@
           <a:lstStyle/>
           <a:p>
             <a:r>
-              <a:rPr lang="ru-RU" dirty="0" smtClean="0"/>
-              <a:t>Файлы/папки:</a:t>
+              <a:rPr lang="en-US" dirty="0" err="1" smtClean="0"/>
+              <a:t>MenuStrip</a:t>
+            </a:r>
+            <a:r>
+              <a:rPr lang="en-US" dirty="0" smtClean="0"/>
+              <a:t>:</a:t>
+            </a:r>
+            <a:r>
+              <a:rPr lang="ru-RU" dirty="0" smtClean="0"/>
+              <a:t> главное меню</a:t>
             </a:r>
             <a:endParaRPr lang="en-US" dirty="0" smtClean="0"/>
           </a:p>
           <a:p>
-            <a:pPr lvl="1"/>
             <a:r>
               <a:rPr lang="en-US" dirty="0" err="1" smtClean="0"/>
-              <a:t>OpenFileDialog</a:t>
+              <a:t>ContextMenuStrip</a:t>
+            </a:r>
+            <a:r>
+              <a:rPr lang="ru-RU" dirty="0" smtClean="0"/>
+              <a:t>: контекстное меню</a:t>
             </a:r>
             <a:endParaRPr lang="en-US" dirty="0" smtClean="0"/>
           </a:p>
           <a:p>
-            <a:pPr lvl="1"/>
             <a:r>
               <a:rPr lang="en-US" dirty="0" err="1" smtClean="0"/>
-              <a:t>SaveFileDialog</a:t>
-            </a:r>
-            <a:endParaRPr lang="en-US" dirty="0" smtClean="0"/>
-          </a:p>
-          <a:p>
-            <a:pPr lvl="1"/>
-            <a:r>
-              <a:rPr lang="en-US" dirty="0" err="1" smtClean="0"/>
-              <a:t>FolderBrowserDialog</a:t>
-            </a:r>
-            <a:endParaRPr lang="ru-RU" dirty="0" smtClean="0"/>
-          </a:p>
-          <a:p>
-            <a:r>
-              <a:rPr lang="ru-RU" dirty="0" smtClean="0"/>
-              <a:t>Печать:</a:t>
-            </a:r>
-          </a:p>
-          <a:p>
-            <a:pPr lvl="1"/>
-            <a:r>
-              <a:rPr lang="en-US" dirty="0" err="1" smtClean="0"/>
-              <a:t>PrintDialog</a:t>
-            </a:r>
-            <a:endParaRPr lang="en-US" dirty="0" smtClean="0"/>
-          </a:p>
-          <a:p>
-            <a:pPr lvl="1"/>
-            <a:r>
-              <a:rPr lang="en-US" dirty="0" err="1" smtClean="0"/>
-              <a:t>PageSetupDialog</a:t>
+              <a:t>StatusStrip</a:t>
+            </a:r>
+            <a:r>
+              <a:rPr lang="ru-RU" dirty="0" smtClean="0"/>
+              <a:t>: строка статуса</a:t>
             </a:r>
             <a:endParaRPr lang="ru-RU" dirty="0"/>
           </a:p>
@@ -4325,7 +4305,7 @@
     </p:spTree>
     <p:extLst>
       <p:ext uri="{BB962C8B-B14F-4D97-AF65-F5344CB8AC3E}">
-        <p14:creationId xmlns:p14="http://schemas.microsoft.com/office/powerpoint/2010/main" val="177429524"/>
+        <p14:creationId xmlns:p14="http://schemas.microsoft.com/office/powerpoint/2010/main" val="3917359600"/>
       </p:ext>
     </p:extLst>
   </p:cSld>
@@ -4376,7 +4356,7 @@
           <a:p>
             <a:r>
               <a:rPr lang="ru-RU" dirty="0" smtClean="0"/>
-              <a:t>Паралельное выполнение</a:t>
+              <a:t>Стандартные диалоги</a:t>
             </a:r>
             <a:endParaRPr lang="ru-RU" dirty="0"/>
           </a:p>
@@ -4398,15 +4378,54 @@
           <a:lstStyle/>
           <a:p>
             <a:r>
+              <a:rPr lang="ru-RU" dirty="0" smtClean="0"/>
+              <a:t>Файлы/папки:</a:t>
+            </a:r>
+            <a:endParaRPr lang="en-US" dirty="0" smtClean="0"/>
+          </a:p>
+          <a:p>
+            <a:pPr lvl="1"/>
+            <a:r>
               <a:rPr lang="en-US" dirty="0" err="1" smtClean="0"/>
-              <a:t>BackgroundWorker</a:t>
+              <a:t>OpenFileDialog</a:t>
             </a:r>
             <a:endParaRPr lang="en-US" dirty="0" smtClean="0"/>
           </a:p>
           <a:p>
-            <a:r>
-              <a:rPr lang="en-US" dirty="0" smtClean="0"/>
-              <a:t>Timer</a:t>
+            <a:pPr lvl="1"/>
+            <a:r>
+              <a:rPr lang="en-US" dirty="0" err="1" smtClean="0"/>
+              <a:t>SaveFileDialog</a:t>
+            </a:r>
+            <a:endParaRPr lang="en-US" dirty="0" smtClean="0"/>
+          </a:p>
+          <a:p>
+            <a:pPr lvl="1"/>
+            <a:r>
+              <a:rPr lang="en-US" dirty="0" err="1" smtClean="0"/>
+              <a:t>FolderBrowserDialog</a:t>
+            </a:r>
+            <a:endParaRPr lang="ru-RU" dirty="0" smtClean="0"/>
+          </a:p>
+          <a:p>
+            <a:r>
+              <a:rPr lang="ru-RU" dirty="0" smtClean="0"/>
+              <a:t>Печать:</a:t>
+            </a:r>
+          </a:p>
+          <a:p>
+            <a:pPr lvl="1"/>
+            <a:r>
+              <a:rPr lang="en-US" dirty="0" err="1" smtClean="0"/>
+              <a:t>PrintDialog</a:t>
+            </a:r>
+            <a:endParaRPr lang="en-US" dirty="0" smtClean="0"/>
+          </a:p>
+          <a:p>
+            <a:pPr lvl="1"/>
+            <a:r>
+              <a:rPr lang="en-US" dirty="0" err="1" smtClean="0"/>
+              <a:t>PageSetupDialog</a:t>
             </a:r>
             <a:endParaRPr lang="ru-RU" dirty="0"/>
           </a:p>
@@ -4415,7 +4434,7 @@
     </p:spTree>
     <p:extLst>
       <p:ext uri="{BB962C8B-B14F-4D97-AF65-F5344CB8AC3E}">
-        <p14:creationId xmlns:p14="http://schemas.microsoft.com/office/powerpoint/2010/main" val="498033561"/>
+        <p14:creationId xmlns:p14="http://schemas.microsoft.com/office/powerpoint/2010/main" val="177429524"/>
       </p:ext>
     </p:extLst>
   </p:cSld>
@@ -4451,7 +4470,7 @@
       </p:grpSpPr>
       <p:sp>
         <p:nvSpPr>
-          <p:cNvPr id="4" name="Title 3"/>
+          <p:cNvPr id="2" name="Title 1"/>
           <p:cNvSpPr>
             <a:spLocks noGrp="1"/>
           </p:cNvSpPr>
@@ -4466,7 +4485,7 @@
           <a:p>
             <a:r>
               <a:rPr lang="ru-RU" dirty="0" smtClean="0"/>
-              <a:t>Полезные библиотеки</a:t>
+              <a:t>Паралельное выполнение</a:t>
             </a:r>
             <a:endParaRPr lang="ru-RU" dirty="0"/>
           </a:p>
@@ -4474,12 +4493,12 @@
       </p:sp>
       <p:sp>
         <p:nvSpPr>
-          <p:cNvPr id="5" name="Text Placeholder 4"/>
-          <p:cNvSpPr>
-            <a:spLocks noGrp="1"/>
-          </p:cNvSpPr>
-          <p:nvPr>
-            <p:ph type="body" idx="1"/>
+          <p:cNvPr id="3" name="Content Placeholder 2"/>
+          <p:cNvSpPr>
+            <a:spLocks noGrp="1"/>
+          </p:cNvSpPr>
+          <p:nvPr>
+            <p:ph idx="1"/>
           </p:nvPr>
         </p:nvSpPr>
         <p:spPr/>
@@ -4487,6 +4506,17 @@
           <a:bodyPr/>
           <a:lstStyle/>
           <a:p>
+            <a:r>
+              <a:rPr lang="en-US" dirty="0" err="1" smtClean="0"/>
+              <a:t>BackgroundWorker</a:t>
+            </a:r>
+            <a:endParaRPr lang="en-US" dirty="0" smtClean="0"/>
+          </a:p>
+          <a:p>
+            <a:r>
+              <a:rPr lang="en-US" dirty="0" smtClean="0"/>
+              <a:t>Timer</a:t>
+            </a:r>
             <a:endParaRPr lang="ru-RU" dirty="0"/>
           </a:p>
         </p:txBody>
@@ -4494,7 +4524,7 @@
     </p:spTree>
     <p:extLst>
       <p:ext uri="{BB962C8B-B14F-4D97-AF65-F5344CB8AC3E}">
-        <p14:creationId xmlns:p14="http://schemas.microsoft.com/office/powerpoint/2010/main" val="2756578197"/>
+        <p14:creationId xmlns:p14="http://schemas.microsoft.com/office/powerpoint/2010/main" val="498033561"/>
       </p:ext>
     </p:extLst>
   </p:cSld>
@@ -4530,7 +4560,7 @@
       </p:grpSpPr>
       <p:sp>
         <p:nvSpPr>
-          <p:cNvPr id="2" name="Title 1"/>
+          <p:cNvPr id="4" name="Title 3"/>
           <p:cNvSpPr>
             <a:spLocks noGrp="1"/>
           </p:cNvSpPr>
@@ -4545,7 +4575,7 @@
           <a:p>
             <a:r>
               <a:rPr lang="ru-RU" dirty="0" smtClean="0"/>
-              <a:t>Элементы управления</a:t>
+              <a:t>Полезные библиотеки</a:t>
             </a:r>
             <a:endParaRPr lang="ru-RU" dirty="0"/>
           </a:p>
@@ -4553,59 +4583,18 @@
       </p:sp>
       <p:sp>
         <p:nvSpPr>
-          <p:cNvPr id="3" name="Content Placeholder 2"/>
-          <p:cNvSpPr>
-            <a:spLocks noGrp="1"/>
-          </p:cNvSpPr>
-          <p:nvPr>
-            <p:ph idx="1"/>
+          <p:cNvPr id="5" name="Text Placeholder 4"/>
+          <p:cNvSpPr>
+            <a:spLocks noGrp="1"/>
+          </p:cNvSpPr>
+          <p:nvPr>
+            <p:ph type="body" idx="1"/>
           </p:nvPr>
         </p:nvSpPr>
         <p:spPr/>
         <p:txBody>
           <a:bodyPr/>
           <a:lstStyle/>
-          <a:p>
-            <a:r>
-              <a:rPr lang="en-US" dirty="0" err="1" smtClean="0">
-                <a:solidFill>
-                  <a:srgbClr val="FFFF00"/>
-                </a:solidFill>
-              </a:rPr>
-              <a:t>FastColoredTextBox</a:t>
-            </a:r>
-            <a:r>
-              <a:rPr lang="ru-RU" dirty="0" smtClean="0"/>
-              <a:t>: </a:t>
-            </a:r>
-            <a:r>
-              <a:rPr lang="en-US" dirty="0" smtClean="0"/>
-              <a:t>textbox </a:t>
-            </a:r>
-            <a:r>
-              <a:rPr lang="ru-RU" dirty="0" smtClean="0"/>
-              <a:t>с подсветкой синтаксиса</a:t>
-            </a:r>
-            <a:br>
-              <a:rPr lang="ru-RU" dirty="0" smtClean="0"/>
-            </a:br>
-            <a:r>
-              <a:rPr lang="en-US" dirty="0">
-                <a:hlinkClick r:id="rId2"/>
-              </a:rPr>
-              <a:t>https://</a:t>
-            </a:r>
-            <a:r>
-              <a:rPr lang="en-US" dirty="0" smtClean="0">
-                <a:hlinkClick r:id="rId2"/>
-              </a:rPr>
-              <a:t>www.nuget.org/packages/FCTB/</a:t>
-            </a:r>
-            <a:endParaRPr lang="ru-RU" smtClean="0"/>
-          </a:p>
-          <a:p>
-            <a:endParaRPr lang="ru-RU" dirty="0" smtClean="0"/>
-          </a:p>
           <a:p>
             <a:endParaRPr lang="ru-RU" dirty="0"/>
           </a:p>
@@ -4614,7 +4603,7 @@
     </p:spTree>
     <p:extLst>
       <p:ext uri="{BB962C8B-B14F-4D97-AF65-F5344CB8AC3E}">
-        <p14:creationId xmlns:p14="http://schemas.microsoft.com/office/powerpoint/2010/main" val="2217456043"/>
+        <p14:creationId xmlns:p14="http://schemas.microsoft.com/office/powerpoint/2010/main" val="2756578197"/>
       </p:ext>
     </p:extLst>
   </p:cSld>
@@ -4759,6 +4748,126 @@
           <a:p>
             <a:r>
               <a:rPr lang="ru-RU" dirty="0" smtClean="0"/>
+              <a:t>Элементы управления</a:t>
+            </a:r>
+            <a:endParaRPr lang="ru-RU" dirty="0"/>
+          </a:p>
+        </p:txBody>
+      </p:sp>
+      <p:sp>
+        <p:nvSpPr>
+          <p:cNvPr id="3" name="Content Placeholder 2"/>
+          <p:cNvSpPr>
+            <a:spLocks noGrp="1"/>
+          </p:cNvSpPr>
+          <p:nvPr>
+            <p:ph idx="1"/>
+          </p:nvPr>
+        </p:nvSpPr>
+        <p:spPr/>
+        <p:txBody>
+          <a:bodyPr/>
+          <a:lstStyle/>
+          <a:p>
+            <a:r>
+              <a:rPr lang="en-US" dirty="0" err="1" smtClean="0">
+                <a:solidFill>
+                  <a:srgbClr val="FFFF00"/>
+                </a:solidFill>
+              </a:rPr>
+              <a:t>FastColoredTextBox</a:t>
+            </a:r>
+            <a:r>
+              <a:rPr lang="ru-RU" dirty="0" smtClean="0"/>
+              <a:t>: </a:t>
+            </a:r>
+            <a:r>
+              <a:rPr lang="en-US" dirty="0" smtClean="0"/>
+              <a:t>textbox </a:t>
+            </a:r>
+            <a:r>
+              <a:rPr lang="ru-RU" dirty="0" smtClean="0"/>
+              <a:t>с подсветкой синтаксиса</a:t>
+            </a:r>
+            <a:br>
+              <a:rPr lang="ru-RU" dirty="0" smtClean="0"/>
+            </a:br>
+            <a:r>
+              <a:rPr lang="en-US" dirty="0">
+                <a:hlinkClick r:id="rId2"/>
+              </a:rPr>
+              <a:t>https://</a:t>
+            </a:r>
+            <a:r>
+              <a:rPr lang="en-US" dirty="0" smtClean="0">
+                <a:hlinkClick r:id="rId2"/>
+              </a:rPr>
+              <a:t>www.nuget.org/packages/FCTB/</a:t>
+            </a:r>
+            <a:endParaRPr lang="ru-RU" smtClean="0"/>
+          </a:p>
+          <a:p>
+            <a:endParaRPr lang="ru-RU" dirty="0" smtClean="0"/>
+          </a:p>
+          <a:p>
+            <a:endParaRPr lang="ru-RU" dirty="0"/>
+          </a:p>
+        </p:txBody>
+      </p:sp>
+    </p:spTree>
+    <p:extLst>
+      <p:ext uri="{BB962C8B-B14F-4D97-AF65-F5344CB8AC3E}">
+        <p14:creationId xmlns:p14="http://schemas.microsoft.com/office/powerpoint/2010/main" val="2217456043"/>
+      </p:ext>
+    </p:extLst>
+  </p:cSld>
+  <p:clrMapOvr>
+    <a:masterClrMapping/>
+  </p:clrMapOvr>
+  <p:timing>
+    <p:tnLst>
+      <p:par>
+        <p:cTn id="1" dur="indefinite" restart="never" nodeType="tmRoot"/>
+      </p:par>
+    </p:tnLst>
+  </p:timing>
+</p:sld>
+</file>
+
+<file path=ppt/slides/slide21.xml><?xml version="1.0" encoding="utf-8"?>
+<p:sld xmlns:a="http://schemas.openxmlformats.org/drawingml/2006/main" xmlns:r="http://schemas.openxmlformats.org/officeDocument/2006/relationships" xmlns:p="http://schemas.openxmlformats.org/presentationml/2006/main">
+  <p:cSld>
+    <p:spTree>
+      <p:nvGrpSpPr>
+        <p:cNvPr id="1" name=""/>
+        <p:cNvGrpSpPr/>
+        <p:nvPr/>
+      </p:nvGrpSpPr>
+      <p:grpSpPr>
+        <a:xfrm>
+          <a:off x="0" y="0"/>
+          <a:ext cx="0" cy="0"/>
+          <a:chOff x="0" y="0"/>
+          <a:chExt cx="0" cy="0"/>
+        </a:xfrm>
+      </p:grpSpPr>
+      <p:sp>
+        <p:nvSpPr>
+          <p:cNvPr id="2" name="Title 1"/>
+          <p:cNvSpPr>
+            <a:spLocks noGrp="1"/>
+          </p:cNvSpPr>
+          <p:nvPr>
+            <p:ph type="title"/>
+          </p:nvPr>
+        </p:nvSpPr>
+        <p:spPr/>
+        <p:txBody>
+          <a:bodyPr/>
+          <a:lstStyle/>
+          <a:p>
+            <a:r>
+              <a:rPr lang="ru-RU" dirty="0" smtClean="0"/>
               <a:t>Полезные инструменты</a:t>
             </a:r>
             <a:endParaRPr lang="en-US" dirty="0"/>
@@ -4797,7 +4906,7 @@
 </p:sld>
 </file>
 
-<file path=ppt/slides/slide21.xml><?xml version="1.0" encoding="utf-8"?>
+<file path=ppt/slides/slide22.xml><?xml version="1.0" encoding="utf-8"?>
 <p:sld xmlns:a="http://schemas.openxmlformats.org/drawingml/2006/main" xmlns:r="http://schemas.openxmlformats.org/officeDocument/2006/relationships" xmlns:p="http://schemas.openxmlformats.org/presentationml/2006/main">
   <p:cSld>
     <p:spTree>
@@ -5836,6 +5945,190 @@
           <a:p>
             <a:r>
               <a:rPr lang="en-US" dirty="0" smtClean="0"/>
+              <a:t>Z-</a:t>
+            </a:r>
+            <a:r>
+              <a:rPr lang="ru-RU" dirty="0" smtClean="0"/>
+              <a:t>порядок</a:t>
+            </a:r>
+            <a:endParaRPr lang="en-US" dirty="0"/>
+          </a:p>
+        </p:txBody>
+      </p:sp>
+      <p:sp>
+        <p:nvSpPr>
+          <p:cNvPr id="3" name="Content Placeholder 2"/>
+          <p:cNvSpPr>
+            <a:spLocks noGrp="1"/>
+          </p:cNvSpPr>
+          <p:nvPr>
+            <p:ph idx="1"/>
+          </p:nvPr>
+        </p:nvSpPr>
+        <p:spPr/>
+        <p:txBody>
+          <a:bodyPr>
+            <a:normAutofit lnSpcReduction="10000"/>
+          </a:bodyPr>
+          <a:lstStyle/>
+          <a:p>
+            <a:pPr marL="0" indent="0">
+              <a:buNone/>
+            </a:pPr>
+            <a:r>
+              <a:rPr lang="ru-RU" dirty="0" smtClean="0"/>
+              <a:t>Элементы управления рисуются с учетом т.н. </a:t>
+            </a:r>
+            <a:r>
+              <a:rPr lang="en-US" dirty="0" smtClean="0"/>
+              <a:t>Z-</a:t>
+            </a:r>
+            <a:r>
+              <a:rPr lang="ru-RU" dirty="0" smtClean="0"/>
+              <a:t>порядка. Это число от 0 до </a:t>
+            </a:r>
+            <a:r>
+              <a:rPr lang="en-US" dirty="0" err="1" smtClean="0"/>
+              <a:t>int.MaxValue</a:t>
+            </a:r>
+            <a:r>
+              <a:rPr lang="en-US" dirty="0" smtClean="0"/>
+              <a:t>. </a:t>
+            </a:r>
+            <a:r>
+              <a:rPr lang="ru-RU" dirty="0" smtClean="0"/>
+              <a:t>Чем больше значение </a:t>
+            </a:r>
+            <a:r>
+              <a:rPr lang="en-US" dirty="0" smtClean="0"/>
+              <a:t>Z </a:t>
+            </a:r>
+            <a:r>
+              <a:rPr lang="ru-RU" dirty="0" smtClean="0"/>
+              <a:t>тем «дальше» элемент управления от экрана.</a:t>
+            </a:r>
+          </a:p>
+          <a:p>
+            <a:pPr marL="0" indent="0">
+              <a:buNone/>
+            </a:pPr>
+            <a:endParaRPr lang="ru-RU" dirty="0"/>
+          </a:p>
+          <a:p>
+            <a:pPr marL="0" indent="0">
+              <a:buNone/>
+            </a:pPr>
+            <a:r>
+              <a:rPr lang="ru-RU" dirty="0" err="1" smtClean="0"/>
+              <a:t>Программно</a:t>
+            </a:r>
+            <a:r>
+              <a:rPr lang="ru-RU" dirty="0" smtClean="0"/>
+              <a:t> управлять </a:t>
+            </a:r>
+            <a:r>
+              <a:rPr lang="en-US" dirty="0" smtClean="0"/>
+              <a:t>Z-</a:t>
+            </a:r>
+            <a:r>
+              <a:rPr lang="ru-RU" dirty="0" smtClean="0"/>
+              <a:t>порядком можно с помощью функций </a:t>
+            </a:r>
+            <a:r>
+              <a:rPr lang="en-US" dirty="0" err="1"/>
+              <a:t>Control.BringToFront</a:t>
+            </a:r>
+            <a:r>
+              <a:rPr lang="en-US" dirty="0"/>
+              <a:t>()/</a:t>
+            </a:r>
+            <a:r>
+              <a:rPr lang="en-US" dirty="0" err="1"/>
+              <a:t>SendToBack</a:t>
+            </a:r>
+            <a:r>
+              <a:rPr lang="en-US" dirty="0"/>
+              <a:t>() </a:t>
+            </a:r>
+            <a:r>
+              <a:rPr lang="ru-RU" dirty="0"/>
+              <a:t>и </a:t>
+            </a:r>
+            <a:r>
+              <a:rPr lang="en-US" dirty="0" err="1"/>
+              <a:t>Controls.GetChildIndex</a:t>
+            </a:r>
+            <a:r>
+              <a:rPr lang="en-US" dirty="0"/>
+              <a:t>()/</a:t>
+            </a:r>
+            <a:r>
+              <a:rPr lang="en-US" dirty="0" err="1"/>
+              <a:t>SetChildIndex</a:t>
+            </a:r>
+            <a:r>
+              <a:rPr lang="en-US" dirty="0" smtClean="0"/>
+              <a:t>()</a:t>
+            </a:r>
+            <a:r>
+              <a:rPr lang="ru-RU" dirty="0"/>
+              <a:t>.</a:t>
+            </a:r>
+            <a:r>
+              <a:rPr lang="ru-RU" dirty="0" smtClean="0"/>
+              <a:t> </a:t>
+            </a:r>
+            <a:endParaRPr lang="en-US" dirty="0"/>
+          </a:p>
+        </p:txBody>
+      </p:sp>
+    </p:spTree>
+    <p:extLst>
+      <p:ext uri="{BB962C8B-B14F-4D97-AF65-F5344CB8AC3E}">
+        <p14:creationId xmlns:p14="http://schemas.microsoft.com/office/powerpoint/2010/main" val="18164935"/>
+      </p:ext>
+    </p:extLst>
+  </p:cSld>
+  <p:clrMapOvr>
+    <a:masterClrMapping/>
+  </p:clrMapOvr>
+</p:sld>
+</file>
+
+<file path=ppt/slides/slide7.xml><?xml version="1.0" encoding="utf-8"?>
+<p:sld xmlns:a="http://schemas.openxmlformats.org/drawingml/2006/main" xmlns:r="http://schemas.openxmlformats.org/officeDocument/2006/relationships" xmlns:p="http://schemas.openxmlformats.org/presentationml/2006/main">
+  <p:cSld>
+    <p:spTree>
+      <p:nvGrpSpPr>
+        <p:cNvPr id="1" name=""/>
+        <p:cNvGrpSpPr/>
+        <p:nvPr/>
+      </p:nvGrpSpPr>
+      <p:grpSpPr>
+        <a:xfrm>
+          <a:off x="0" y="0"/>
+          <a:ext cx="0" cy="0"/>
+          <a:chOff x="0" y="0"/>
+          <a:chExt cx="0" cy="0"/>
+        </a:xfrm>
+      </p:grpSpPr>
+      <p:sp>
+        <p:nvSpPr>
+          <p:cNvPr id="2" name="Title 1"/>
+          <p:cNvSpPr>
+            <a:spLocks noGrp="1"/>
+          </p:cNvSpPr>
+          <p:nvPr>
+            <p:ph type="title"/>
+          </p:nvPr>
+        </p:nvSpPr>
+        <p:spPr/>
+        <p:txBody>
+          <a:bodyPr/>
+          <a:lstStyle/>
+          <a:p>
+            <a:r>
+              <a:rPr lang="en-US" dirty="0" smtClean="0"/>
               <a:t>Document Outline</a:t>
             </a:r>
             <a:endParaRPr lang="en-US" dirty="0"/>
@@ -5977,426 +6270,6 @@
 </p:sld>
 </file>
 
-<file path=ppt/slides/slide7.xml><?xml version="1.0" encoding="utf-8"?>
-<p:sld xmlns:a="http://schemas.openxmlformats.org/drawingml/2006/main" xmlns:r="http://schemas.openxmlformats.org/officeDocument/2006/relationships" xmlns:p="http://schemas.openxmlformats.org/presentationml/2006/main">
-  <p:cSld>
-    <p:spTree>
-      <p:nvGrpSpPr>
-        <p:cNvPr id="1" name=""/>
-        <p:cNvGrpSpPr/>
-        <p:nvPr/>
-      </p:nvGrpSpPr>
-      <p:grpSpPr>
-        <a:xfrm>
-          <a:off x="0" y="0"/>
-          <a:ext cx="0" cy="0"/>
-          <a:chOff x="0" y="0"/>
-          <a:chExt cx="0" cy="0"/>
-        </a:xfrm>
-      </p:grpSpPr>
-      <p:sp>
-        <p:nvSpPr>
-          <p:cNvPr id="2" name="Title 1"/>
-          <p:cNvSpPr>
-            <a:spLocks noGrp="1"/>
-          </p:cNvSpPr>
-          <p:nvPr>
-            <p:ph type="title"/>
-          </p:nvPr>
-        </p:nvSpPr>
-        <p:spPr/>
-        <p:txBody>
-          <a:bodyPr/>
-          <a:lstStyle/>
-          <a:p>
-            <a:r>
-              <a:rPr lang="ru-RU" dirty="0" smtClean="0"/>
-              <a:t>Имена событий</a:t>
-            </a:r>
-            <a:endParaRPr lang="ru-RU" dirty="0"/>
-          </a:p>
-        </p:txBody>
-      </p:sp>
-      <p:sp>
-        <p:nvSpPr>
-          <p:cNvPr id="3" name="Content Placeholder 2"/>
-          <p:cNvSpPr>
-            <a:spLocks noGrp="1"/>
-          </p:cNvSpPr>
-          <p:nvPr>
-            <p:ph idx="1"/>
-          </p:nvPr>
-        </p:nvSpPr>
-        <p:spPr/>
-        <p:txBody>
-          <a:bodyPr>
-            <a:normAutofit fontScale="70000" lnSpcReduction="20000"/>
-          </a:bodyPr>
-          <a:lstStyle/>
-          <a:p>
-            <a:r>
-              <a:rPr lang="ru-RU" dirty="0"/>
-              <a:t>О</a:t>
-            </a:r>
-            <a:r>
-              <a:rPr lang="ru-RU" dirty="0" smtClean="0"/>
-              <a:t>кончание -</a:t>
-            </a:r>
-            <a:r>
-              <a:rPr lang="en-US" dirty="0" err="1" smtClean="0"/>
-              <a:t>ed</a:t>
-            </a:r>
-            <a:r>
-              <a:rPr lang="en-US" dirty="0" smtClean="0"/>
-              <a:t> </a:t>
-            </a:r>
-            <a:r>
-              <a:rPr lang="ru-RU" dirty="0" smtClean="0"/>
-              <a:t>(</a:t>
-            </a:r>
-            <a:r>
-              <a:rPr lang="en-US" dirty="0" err="1" smtClean="0"/>
-              <a:t>FormClosed</a:t>
-            </a:r>
-            <a:r>
-              <a:rPr lang="en-US" dirty="0" smtClean="0"/>
-              <a:t>, </a:t>
-            </a:r>
-            <a:r>
-              <a:rPr lang="en-US" dirty="0" err="1" smtClean="0"/>
-              <a:t>DefaultItemChanged</a:t>
-            </a:r>
-            <a:r>
-              <a:rPr lang="en-US" dirty="0" smtClean="0"/>
-              <a:t>, </a:t>
-            </a:r>
-            <a:r>
-              <a:rPr lang="en-US" dirty="0" err="1" smtClean="0"/>
-              <a:t>ItemRemoved</a:t>
-            </a:r>
-            <a:r>
-              <a:rPr lang="en-US" dirty="0" smtClean="0"/>
-              <a:t> </a:t>
-            </a:r>
-            <a:r>
-              <a:rPr lang="ru-RU" dirty="0"/>
-              <a:t>и т.п</a:t>
-            </a:r>
-            <a:r>
-              <a:rPr lang="ru-RU" dirty="0" smtClean="0"/>
-              <a:t>.):</a:t>
-            </a:r>
-            <a:r>
-              <a:rPr lang="en-US" dirty="0" smtClean="0"/>
-              <a:t> </a:t>
-            </a:r>
-            <a:r>
-              <a:rPr lang="ru-RU" dirty="0" smtClean="0"/>
-              <a:t>событие генерируется после указанного действия.</a:t>
-            </a:r>
-            <a:endParaRPr lang="en-US" dirty="0" smtClean="0"/>
-          </a:p>
-          <a:p>
-            <a:r>
-              <a:rPr lang="ru-RU" dirty="0" smtClean="0"/>
-              <a:t>Окончание –</a:t>
-            </a:r>
-            <a:r>
-              <a:rPr lang="en-US" dirty="0" err="1" smtClean="0"/>
-              <a:t>ing</a:t>
-            </a:r>
-            <a:r>
-              <a:rPr lang="ru-RU" dirty="0" smtClean="0"/>
-              <a:t> (</a:t>
-            </a:r>
-            <a:r>
-              <a:rPr lang="en-US" dirty="0" err="1" smtClean="0"/>
-              <a:t>FormClosing</a:t>
-            </a:r>
-            <a:r>
-              <a:rPr lang="en-US" dirty="0" smtClean="0"/>
-              <a:t>,</a:t>
-            </a:r>
-            <a:r>
-              <a:rPr lang="ru-RU" dirty="0" smtClean="0"/>
-              <a:t> </a:t>
-            </a:r>
-            <a:r>
-              <a:rPr lang="en-US" dirty="0" smtClean="0"/>
-              <a:t>Validating, Opening </a:t>
-            </a:r>
-            <a:r>
-              <a:rPr lang="ru-RU" dirty="0" smtClean="0"/>
-              <a:t>и т.п.): событие генерируется в момент указанного действия. Иногда дается возможность отмены.</a:t>
-            </a:r>
-          </a:p>
-          <a:p>
-            <a:r>
-              <a:rPr lang="en-US" dirty="0" err="1" smtClean="0"/>
-              <a:t>BeforeSmth</a:t>
-            </a:r>
-            <a:r>
-              <a:rPr lang="en-US" dirty="0" smtClean="0"/>
-              <a:t> </a:t>
-            </a:r>
-            <a:r>
-              <a:rPr lang="ru-RU" dirty="0" smtClean="0"/>
-              <a:t>(</a:t>
-            </a:r>
-            <a:r>
-              <a:rPr lang="en-US" dirty="0" err="1" smtClean="0"/>
-              <a:t>BeforeCollapse</a:t>
-            </a:r>
-            <a:r>
-              <a:rPr lang="en-US" dirty="0"/>
-              <a:t>, </a:t>
-            </a:r>
-            <a:r>
-              <a:rPr lang="en-US" dirty="0" err="1"/>
-              <a:t>Before</a:t>
-            </a:r>
-            <a:r>
-              <a:rPr lang="en-US" dirty="0" err="1" smtClean="0"/>
-              <a:t>Expand</a:t>
-            </a:r>
-            <a:r>
-              <a:rPr lang="en-US" dirty="0"/>
-              <a:t>, </a:t>
-            </a:r>
-            <a:r>
-              <a:rPr lang="en-US" dirty="0" err="1"/>
-              <a:t>Before</a:t>
-            </a:r>
-            <a:r>
-              <a:rPr lang="en-US" dirty="0" err="1" smtClean="0"/>
-              <a:t>LabelEdit</a:t>
-            </a:r>
-            <a:r>
-              <a:rPr lang="en-US" dirty="0" smtClean="0"/>
-              <a:t> </a:t>
-            </a:r>
-            <a:r>
-              <a:rPr lang="ru-RU" dirty="0" smtClean="0"/>
-              <a:t>и </a:t>
-            </a:r>
-            <a:r>
-              <a:rPr lang="ru-RU" dirty="0"/>
-              <a:t>т.п</a:t>
-            </a:r>
-            <a:r>
-              <a:rPr lang="ru-RU" dirty="0" smtClean="0"/>
-              <a:t>.): событие генерируется до указанного действия.</a:t>
-            </a:r>
-            <a:endParaRPr lang="en-US" dirty="0" smtClean="0"/>
-          </a:p>
-          <a:p>
-            <a:r>
-              <a:rPr lang="en-US" dirty="0" err="1" smtClean="0"/>
-              <a:t>AfterSmth</a:t>
-            </a:r>
-            <a:r>
-              <a:rPr lang="en-US" dirty="0" smtClean="0"/>
-              <a:t> </a:t>
-            </a:r>
-            <a:r>
-              <a:rPr lang="ru-RU" dirty="0" smtClean="0"/>
-              <a:t>(</a:t>
-            </a:r>
-            <a:r>
-              <a:rPr lang="en-US" dirty="0" err="1" smtClean="0"/>
-              <a:t>AfterCollapse</a:t>
-            </a:r>
-            <a:r>
-              <a:rPr lang="en-US" dirty="0" smtClean="0"/>
-              <a:t>, </a:t>
-            </a:r>
-            <a:r>
-              <a:rPr lang="en-US" dirty="0" err="1" smtClean="0"/>
-              <a:t>AfterExpand</a:t>
-            </a:r>
-            <a:r>
-              <a:rPr lang="en-US" dirty="0" smtClean="0"/>
-              <a:t>, </a:t>
-            </a:r>
-            <a:r>
-              <a:rPr lang="en-US" dirty="0" err="1" smtClean="0"/>
-              <a:t>AfterLabelEdit</a:t>
-            </a:r>
-            <a:r>
-              <a:rPr lang="en-US" dirty="0" smtClean="0"/>
-              <a:t> </a:t>
-            </a:r>
-            <a:r>
-              <a:rPr lang="ru-RU" dirty="0" smtClean="0"/>
-              <a:t>и </a:t>
-            </a:r>
-            <a:r>
-              <a:rPr lang="ru-RU" dirty="0"/>
-              <a:t>т.п</a:t>
-            </a:r>
-            <a:r>
-              <a:rPr lang="ru-RU" dirty="0" smtClean="0"/>
-              <a:t>.):</a:t>
-            </a:r>
-            <a:r>
-              <a:rPr lang="en-US" dirty="0" smtClean="0"/>
-              <a:t> </a:t>
-            </a:r>
-            <a:r>
-              <a:rPr lang="ru-RU" dirty="0"/>
-              <a:t>событие генерируется после указанного действия</a:t>
-            </a:r>
-            <a:r>
-              <a:rPr lang="ru-RU" dirty="0" smtClean="0"/>
-              <a:t>.</a:t>
-            </a:r>
-          </a:p>
-          <a:p>
-            <a:r>
-              <a:rPr lang="en-US" dirty="0" smtClean="0"/>
-              <a:t>Begin (</a:t>
-            </a:r>
-            <a:r>
-              <a:rPr lang="en-US" dirty="0" err="1" smtClean="0"/>
-              <a:t>BeginDrag</a:t>
-            </a:r>
-            <a:r>
-              <a:rPr lang="en-US" dirty="0" smtClean="0"/>
-              <a:t>, </a:t>
-            </a:r>
-            <a:r>
-              <a:rPr lang="en-US" dirty="0" err="1" smtClean="0"/>
-              <a:t>CellBeginEdit</a:t>
-            </a:r>
-            <a:r>
-              <a:rPr lang="en-US" dirty="0" smtClean="0"/>
-              <a:t>, </a:t>
-            </a:r>
-            <a:r>
-              <a:rPr lang="en-US" dirty="0" err="1" smtClean="0"/>
-              <a:t>ResizeBegin</a:t>
-            </a:r>
-            <a:r>
-              <a:rPr lang="en-US" dirty="0"/>
-              <a:t> </a:t>
-            </a:r>
-            <a:r>
-              <a:rPr lang="ru-RU" dirty="0" smtClean="0"/>
-              <a:t>и т.п.</a:t>
-            </a:r>
-            <a:r>
-              <a:rPr lang="en-US" dirty="0" smtClean="0"/>
-              <a:t>)</a:t>
-            </a:r>
-          </a:p>
-          <a:p>
-            <a:r>
-              <a:rPr lang="en-US" dirty="0" smtClean="0"/>
-              <a:t>End</a:t>
-            </a:r>
-            <a:r>
-              <a:rPr lang="ru-RU" dirty="0" smtClean="0"/>
-              <a:t> (</a:t>
-            </a:r>
-            <a:r>
-              <a:rPr lang="en-US" dirty="0" err="1" smtClean="0"/>
-              <a:t>EndDrag</a:t>
-            </a:r>
-            <a:r>
-              <a:rPr lang="en-US" dirty="0" smtClean="0"/>
-              <a:t>, </a:t>
-            </a:r>
-            <a:r>
-              <a:rPr lang="en-US" dirty="0" err="1" smtClean="0"/>
-              <a:t>CellEndEdit</a:t>
-            </a:r>
-            <a:r>
-              <a:rPr lang="en-US" dirty="0"/>
-              <a:t>, </a:t>
-            </a:r>
-            <a:r>
-              <a:rPr lang="en-US" dirty="0" err="1" smtClean="0"/>
-              <a:t>ResizeEnd</a:t>
-            </a:r>
-            <a:r>
-              <a:rPr lang="en-US" dirty="0" smtClean="0"/>
-              <a:t> </a:t>
-            </a:r>
-            <a:r>
-              <a:rPr lang="ru-RU" dirty="0"/>
-              <a:t>и т.п</a:t>
-            </a:r>
-            <a:r>
-              <a:rPr lang="ru-RU" dirty="0" smtClean="0"/>
-              <a:t>.)</a:t>
-            </a:r>
-            <a:endParaRPr lang="en-US" dirty="0" smtClean="0"/>
-          </a:p>
-          <a:p>
-            <a:r>
-              <a:rPr lang="en-US" dirty="0" err="1" smtClean="0"/>
-              <a:t>MouseXXX</a:t>
-            </a:r>
-            <a:r>
-              <a:rPr lang="ru-RU" dirty="0"/>
-              <a:t>:</a:t>
-            </a:r>
-            <a:r>
-              <a:rPr lang="en-US" dirty="0" smtClean="0"/>
-              <a:t> </a:t>
-            </a:r>
-            <a:r>
-              <a:rPr lang="ru-RU" dirty="0" smtClean="0"/>
-              <a:t>события связанные с мышью</a:t>
-            </a:r>
-          </a:p>
-          <a:p>
-            <a:r>
-              <a:rPr lang="en-US" dirty="0" err="1" smtClean="0"/>
-              <a:t>KeyXXX</a:t>
-            </a:r>
-            <a:r>
-              <a:rPr lang="en-US" dirty="0" smtClean="0"/>
-              <a:t>:</a:t>
-            </a:r>
-            <a:r>
-              <a:rPr lang="ru-RU" dirty="0"/>
-              <a:t> события связанные с </a:t>
-            </a:r>
-            <a:r>
-              <a:rPr lang="ru-RU" dirty="0" smtClean="0"/>
-              <a:t>клавиатурой</a:t>
-            </a:r>
-          </a:p>
-          <a:p>
-            <a:r>
-              <a:rPr lang="ru-RU" dirty="0" smtClean="0"/>
-              <a:t>Другие</a:t>
-            </a:r>
-            <a:endParaRPr lang="ru-RU" dirty="0"/>
-          </a:p>
-        </p:txBody>
-      </p:sp>
-    </p:spTree>
-    <p:extLst>
-      <p:ext uri="{BB962C8B-B14F-4D97-AF65-F5344CB8AC3E}">
-        <p14:creationId xmlns:p14="http://schemas.microsoft.com/office/powerpoint/2010/main" val="3606278535"/>
-      </p:ext>
-    </p:extLst>
-  </p:cSld>
-  <p:clrMapOvr>
-    <a:masterClrMapping/>
-  </p:clrMapOvr>
-  <p:timing>
-    <p:tnLst>
-      <p:par>
-        <p:cTn id="1" dur="indefinite" restart="never" nodeType="tmRoot"/>
-      </p:par>
-    </p:tnLst>
-  </p:timing>
-</p:sld>
-</file>
-
 <file path=ppt/slides/slide8.xml><?xml version="1.0" encoding="utf-8"?>
 <p:sld xmlns:a="http://schemas.openxmlformats.org/drawingml/2006/main" xmlns:r="http://schemas.openxmlformats.org/officeDocument/2006/relationships" xmlns:p="http://schemas.openxmlformats.org/presentationml/2006/main">
   <p:cSld>
@@ -6431,79 +6304,367 @@
           <a:p>
             <a:r>
               <a:rPr lang="ru-RU" dirty="0" smtClean="0"/>
-              <a:t>Метод </a:t>
+              <a:t>Имена событий</a:t>
+            </a:r>
+            <a:endParaRPr lang="ru-RU" dirty="0"/>
+          </a:p>
+        </p:txBody>
+      </p:sp>
+      <p:sp>
+        <p:nvSpPr>
+          <p:cNvPr id="3" name="Content Placeholder 2"/>
+          <p:cNvSpPr>
+            <a:spLocks noGrp="1"/>
+          </p:cNvSpPr>
+          <p:nvPr>
+            <p:ph idx="1"/>
+          </p:nvPr>
+        </p:nvSpPr>
+        <p:spPr/>
+        <p:txBody>
+          <a:bodyPr>
+            <a:normAutofit fontScale="70000" lnSpcReduction="20000"/>
+          </a:bodyPr>
+          <a:lstStyle/>
+          <a:p>
+            <a:r>
+              <a:rPr lang="ru-RU" dirty="0"/>
+              <a:t>О</a:t>
+            </a:r>
+            <a:r>
+              <a:rPr lang="ru-RU" dirty="0" smtClean="0"/>
+              <a:t>кончание -</a:t>
+            </a:r>
+            <a:r>
+              <a:rPr lang="en-US" dirty="0" err="1" smtClean="0"/>
+              <a:t>ed</a:t>
+            </a:r>
+            <a:r>
+              <a:rPr lang="en-US" dirty="0" smtClean="0"/>
+              <a:t> </a:t>
+            </a:r>
+            <a:r>
+              <a:rPr lang="ru-RU" dirty="0" smtClean="0"/>
+              <a:t>(</a:t>
+            </a:r>
+            <a:r>
+              <a:rPr lang="en-US" dirty="0" err="1" smtClean="0"/>
+              <a:t>FormClosed</a:t>
+            </a:r>
+            <a:r>
+              <a:rPr lang="en-US" dirty="0" smtClean="0"/>
+              <a:t>, </a:t>
+            </a:r>
+            <a:r>
+              <a:rPr lang="en-US" dirty="0" err="1" smtClean="0"/>
+              <a:t>DefaultItemChanged</a:t>
+            </a:r>
+            <a:r>
+              <a:rPr lang="en-US" dirty="0" smtClean="0"/>
+              <a:t>, </a:t>
+            </a:r>
+            <a:r>
+              <a:rPr lang="en-US" dirty="0" err="1" smtClean="0"/>
+              <a:t>ItemRemoved</a:t>
+            </a:r>
+            <a:r>
+              <a:rPr lang="en-US" dirty="0" smtClean="0"/>
+              <a:t> </a:t>
+            </a:r>
+            <a:r>
+              <a:rPr lang="ru-RU" dirty="0"/>
+              <a:t>и т.п</a:t>
+            </a:r>
+            <a:r>
+              <a:rPr lang="ru-RU" dirty="0" smtClean="0"/>
+              <a:t>.):</a:t>
+            </a:r>
+            <a:r>
+              <a:rPr lang="en-US" dirty="0" smtClean="0"/>
+              <a:t> </a:t>
+            </a:r>
+            <a:r>
+              <a:rPr lang="ru-RU" dirty="0" smtClean="0"/>
+              <a:t>событие генерируется после указанного действия.</a:t>
+            </a:r>
+            <a:endParaRPr lang="en-US" dirty="0" smtClean="0"/>
+          </a:p>
+          <a:p>
+            <a:r>
+              <a:rPr lang="ru-RU" dirty="0" smtClean="0"/>
+              <a:t>Окончание –</a:t>
+            </a:r>
+            <a:r>
+              <a:rPr lang="en-US" dirty="0" err="1" smtClean="0"/>
+              <a:t>ing</a:t>
+            </a:r>
+            <a:r>
+              <a:rPr lang="ru-RU" dirty="0" smtClean="0"/>
+              <a:t> (</a:t>
+            </a:r>
+            <a:r>
+              <a:rPr lang="en-US" dirty="0" err="1" smtClean="0"/>
+              <a:t>FormClosing</a:t>
+            </a:r>
+            <a:r>
+              <a:rPr lang="en-US" dirty="0" smtClean="0"/>
+              <a:t>,</a:t>
+            </a:r>
+            <a:r>
+              <a:rPr lang="ru-RU" dirty="0" smtClean="0"/>
+              <a:t> </a:t>
+            </a:r>
+            <a:r>
+              <a:rPr lang="en-US" dirty="0" smtClean="0"/>
+              <a:t>Validating, Opening </a:t>
+            </a:r>
+            <a:r>
+              <a:rPr lang="ru-RU" dirty="0" smtClean="0"/>
+              <a:t>и т.п.): событие генерируется в момент указанного действия. Иногда дается возможность отмены.</a:t>
+            </a:r>
+          </a:p>
+          <a:p>
+            <a:r>
+              <a:rPr lang="en-US" dirty="0" err="1" smtClean="0"/>
+              <a:t>BeforeSmth</a:t>
+            </a:r>
+            <a:r>
+              <a:rPr lang="en-US" dirty="0" smtClean="0"/>
+              <a:t> </a:t>
+            </a:r>
+            <a:r>
+              <a:rPr lang="ru-RU" dirty="0" smtClean="0"/>
+              <a:t>(</a:t>
+            </a:r>
+            <a:r>
+              <a:rPr lang="en-US" dirty="0" err="1" smtClean="0"/>
+              <a:t>BeforeCollapse</a:t>
+            </a:r>
+            <a:r>
+              <a:rPr lang="en-US" dirty="0"/>
+              <a:t>, </a:t>
             </a:r>
             <a:r>
               <a:rPr lang="en-US" dirty="0" err="1"/>
-              <a:t>InitializeComponent</a:t>
-            </a:r>
-            <a:endParaRPr lang="ru-RU" dirty="0"/>
-          </a:p>
-        </p:txBody>
-      </p:sp>
-      <p:sp>
-        <p:nvSpPr>
-          <p:cNvPr id="3" name="Content Placeholder 2"/>
-          <p:cNvSpPr>
-            <a:spLocks noGrp="1"/>
-          </p:cNvSpPr>
-          <p:nvPr>
-            <p:ph idx="1"/>
-          </p:nvPr>
-        </p:nvSpPr>
-        <p:spPr/>
-        <p:txBody>
-          <a:bodyPr/>
-          <a:lstStyle/>
-          <a:p>
-            <a:pPr marL="0" indent="0">
-              <a:buNone/>
-            </a:pPr>
-            <a:r>
-              <a:rPr lang="ru-RU" dirty="0" smtClean="0"/>
-              <a:t>Метод </a:t>
+              <a:t>Before</a:t>
             </a:r>
             <a:r>
               <a:rPr lang="en-US" dirty="0" err="1" smtClean="0"/>
-              <a:t>InitializeComponent</a:t>
-            </a:r>
-            <a:r>
-              <a:rPr lang="ru-RU" dirty="0" smtClean="0"/>
-              <a:t> используется дизайнером </a:t>
+              <a:t>Expand</a:t>
+            </a:r>
+            <a:r>
+              <a:rPr lang="en-US" dirty="0"/>
+              <a:t>, </a:t>
+            </a:r>
+            <a:r>
+              <a:rPr lang="en-US" dirty="0" err="1"/>
+              <a:t>Before</a:t>
+            </a:r>
+            <a:r>
+              <a:rPr lang="en-US" dirty="0" err="1" smtClean="0"/>
+              <a:t>LabelEdit</a:t>
             </a:r>
             <a:r>
               <a:rPr lang="en-US" dirty="0" smtClean="0"/>
-              <a:t>Visual Studio.</a:t>
-            </a:r>
-          </a:p>
-          <a:p>
-            <a:r>
-              <a:rPr lang="ru-RU" dirty="0" smtClean="0"/>
-              <a:t>Не меняйте этот метод</a:t>
-            </a:r>
-          </a:p>
-          <a:p>
-            <a:r>
-              <a:rPr lang="ru-RU" dirty="0" smtClean="0"/>
-              <a:t>Не удаляйте вызов </a:t>
-            </a:r>
+              <a:t> </a:t>
+            </a:r>
+            <a:r>
+              <a:rPr lang="ru-RU" dirty="0" smtClean="0"/>
+              <a:t>и </a:t>
+            </a:r>
+            <a:r>
+              <a:rPr lang="ru-RU" dirty="0"/>
+              <a:t>т.п</a:t>
+            </a:r>
+            <a:r>
+              <a:rPr lang="ru-RU" dirty="0" smtClean="0"/>
+              <a:t>.): событие генерируется до указанного действия.</a:t>
+            </a:r>
+            <a:endParaRPr lang="en-US" dirty="0" smtClean="0"/>
+          </a:p>
+          <a:p>
             <a:r>
               <a:rPr lang="en-US" dirty="0" err="1" smtClean="0"/>
-              <a:t>InitializeComponent</a:t>
-            </a:r>
-            <a:r>
-              <a:rPr lang="ru-RU" dirty="0" smtClean="0"/>
-              <a:t> из конструктора формы</a:t>
-            </a:r>
-          </a:p>
-          <a:p>
-            <a:r>
-              <a:rPr lang="ru-RU" dirty="0" smtClean="0"/>
-              <a:t>Пишите свой код инициализации после </a:t>
-            </a:r>
-            <a:r>
-              <a:rPr lang="en-US" dirty="0" err="1"/>
-              <a:t>InitializeComponent</a:t>
+              <a:t>AfterSmth</a:t>
+            </a:r>
+            <a:r>
+              <a:rPr lang="en-US" dirty="0" smtClean="0"/>
+              <a:t> </a:t>
+            </a:r>
+            <a:r>
+              <a:rPr lang="ru-RU" dirty="0" smtClean="0"/>
+              <a:t>(</a:t>
+            </a:r>
+            <a:r>
+              <a:rPr lang="en-US" dirty="0" err="1" smtClean="0"/>
+              <a:t>AfterCollapse</a:t>
+            </a:r>
+            <a:r>
+              <a:rPr lang="en-US" dirty="0" smtClean="0"/>
+              <a:t>, </a:t>
+            </a:r>
+            <a:r>
+              <a:rPr lang="en-US" dirty="0" err="1" smtClean="0"/>
+              <a:t>AfterExpand</a:t>
+            </a:r>
+            <a:r>
+              <a:rPr lang="en-US" dirty="0" smtClean="0"/>
+              <a:t>, </a:t>
+            </a:r>
+            <a:r>
+              <a:rPr lang="en-US" dirty="0" err="1" smtClean="0"/>
+              <a:t>AfterLabelEdit</a:t>
+            </a:r>
+            <a:r>
+              <a:rPr lang="en-US" dirty="0" smtClean="0"/>
+              <a:t> </a:t>
+            </a:r>
+            <a:r>
+              <a:rPr lang="ru-RU" dirty="0" smtClean="0"/>
+              <a:t>и </a:t>
+            </a:r>
+            <a:r>
+              <a:rPr lang="ru-RU" dirty="0"/>
+              <a:t>т.п</a:t>
+            </a:r>
+            <a:r>
+              <a:rPr lang="ru-RU" dirty="0" smtClean="0"/>
+              <a:t>.):</a:t>
+            </a:r>
+            <a:r>
+              <a:rPr lang="en-US" dirty="0" smtClean="0"/>
+              <a:t> </a:t>
+            </a:r>
+            <a:r>
+              <a:rPr lang="ru-RU" dirty="0"/>
+              <a:t>событие генерируется после указанного действия</a:t>
+            </a:r>
+            <a:r>
+              <a:rPr lang="ru-RU" dirty="0" smtClean="0"/>
+              <a:t>.</a:t>
+            </a:r>
+          </a:p>
+          <a:p>
+            <a:r>
+              <a:rPr lang="en-US" dirty="0" smtClean="0"/>
+              <a:t>Begin (</a:t>
+            </a:r>
+            <a:r>
+              <a:rPr lang="en-US" dirty="0" err="1" smtClean="0"/>
+              <a:t>BeginDrag</a:t>
+            </a:r>
+            <a:r>
+              <a:rPr lang="en-US" dirty="0" smtClean="0"/>
+              <a:t>, </a:t>
+            </a:r>
+            <a:r>
+              <a:rPr lang="en-US" dirty="0" err="1" smtClean="0"/>
+              <a:t>CellBeginEdit</a:t>
+            </a:r>
+            <a:r>
+              <a:rPr lang="en-US" dirty="0" smtClean="0"/>
+              <a:t>, </a:t>
+            </a:r>
+            <a:r>
+              <a:rPr lang="en-US" dirty="0" err="1" smtClean="0"/>
+              <a:t>ResizeBegin</a:t>
+            </a:r>
+            <a:r>
+              <a:rPr lang="en-US" dirty="0"/>
+              <a:t> </a:t>
+            </a:r>
+            <a:r>
+              <a:rPr lang="ru-RU" dirty="0" smtClean="0"/>
+              <a:t>и т.п.</a:t>
+            </a:r>
+            <a:r>
+              <a:rPr lang="en-US" dirty="0" smtClean="0"/>
+              <a:t>)</a:t>
+            </a:r>
+          </a:p>
+          <a:p>
+            <a:r>
+              <a:rPr lang="en-US" dirty="0" smtClean="0"/>
+              <a:t>End</a:t>
+            </a:r>
+            <a:r>
+              <a:rPr lang="ru-RU" dirty="0" smtClean="0"/>
+              <a:t> (</a:t>
+            </a:r>
+            <a:r>
+              <a:rPr lang="en-US" dirty="0" err="1" smtClean="0"/>
+              <a:t>EndDrag</a:t>
+            </a:r>
+            <a:r>
+              <a:rPr lang="en-US" dirty="0" smtClean="0"/>
+              <a:t>, </a:t>
+            </a:r>
+            <a:r>
+              <a:rPr lang="en-US" dirty="0" err="1" smtClean="0"/>
+              <a:t>CellEndEdit</a:t>
+            </a:r>
+            <a:r>
+              <a:rPr lang="en-US" dirty="0"/>
+              <a:t>, </a:t>
+            </a:r>
+            <a:r>
+              <a:rPr lang="en-US" dirty="0" err="1" smtClean="0"/>
+              <a:t>ResizeEnd</a:t>
+            </a:r>
+            <a:r>
+              <a:rPr lang="en-US" dirty="0" smtClean="0"/>
+              <a:t> </a:t>
+            </a:r>
+            <a:r>
+              <a:rPr lang="ru-RU" dirty="0"/>
+              <a:t>и т.п</a:t>
+            </a:r>
+            <a:r>
+              <a:rPr lang="ru-RU" dirty="0" smtClean="0"/>
+              <a:t>.)</a:t>
+            </a:r>
+            <a:endParaRPr lang="en-US" dirty="0" smtClean="0"/>
+          </a:p>
+          <a:p>
+            <a:r>
+              <a:rPr lang="en-US" dirty="0" err="1" smtClean="0"/>
+              <a:t>MouseXXX</a:t>
+            </a:r>
+            <a:r>
+              <a:rPr lang="ru-RU" dirty="0"/>
+              <a:t>:</a:t>
+            </a:r>
+            <a:r>
+              <a:rPr lang="en-US" dirty="0" smtClean="0"/>
+              <a:t> </a:t>
+            </a:r>
+            <a:r>
+              <a:rPr lang="ru-RU" dirty="0" smtClean="0"/>
+              <a:t>события связанные с мышью</a:t>
+            </a:r>
+          </a:p>
+          <a:p>
+            <a:r>
+              <a:rPr lang="en-US" dirty="0" err="1" smtClean="0"/>
+              <a:t>KeyXXX</a:t>
+            </a:r>
+            <a:r>
+              <a:rPr lang="en-US" dirty="0" smtClean="0"/>
+              <a:t>:</a:t>
+            </a:r>
+            <a:r>
+              <a:rPr lang="ru-RU" dirty="0"/>
+              <a:t> события связанные с </a:t>
+            </a:r>
+            <a:r>
+              <a:rPr lang="ru-RU" dirty="0" smtClean="0"/>
+              <a:t>клавиатурой</a:t>
+            </a:r>
+          </a:p>
+          <a:p>
+            <a:r>
+              <a:rPr lang="ru-RU" dirty="0" smtClean="0"/>
+              <a:t>Другие</a:t>
             </a:r>
             <a:endParaRPr lang="ru-RU" dirty="0"/>
           </a:p>
@@ -6512,7 +6673,7 @@
     </p:spTree>
     <p:extLst>
       <p:ext uri="{BB962C8B-B14F-4D97-AF65-F5344CB8AC3E}">
-        <p14:creationId xmlns:p14="http://schemas.microsoft.com/office/powerpoint/2010/main" val="4026839946"/>
+        <p14:creationId xmlns:p14="http://schemas.microsoft.com/office/powerpoint/2010/main" val="3606278535"/>
       </p:ext>
     </p:extLst>
   </p:cSld>
@@ -6563,15 +6724,11 @@
           <a:p>
             <a:r>
               <a:rPr lang="ru-RU" dirty="0" smtClean="0"/>
-              <a:t>Окно «</a:t>
-            </a:r>
-            <a:r>
-              <a:rPr lang="en-US" dirty="0" smtClean="0"/>
-              <a:t>Properties</a:t>
-            </a:r>
-            <a:r>
-              <a:rPr lang="ru-RU" dirty="0" smtClean="0"/>
-              <a:t>»</a:t>
+              <a:t>Метод </a:t>
+            </a:r>
+            <a:r>
+              <a:rPr lang="en-US" dirty="0" err="1"/>
+              <a:t>InitializeComponent</a:t>
             </a:r>
             <a:endParaRPr lang="ru-RU" dirty="0"/>
           </a:p>
@@ -6592,26 +6749,54 @@
           <a:bodyPr/>
           <a:lstStyle/>
           <a:p>
-            <a:r>
-              <a:rPr lang="ru-RU" dirty="0" smtClean="0"/>
-              <a:t>(</a:t>
+            <a:pPr marL="0" indent="0">
+              <a:buNone/>
+            </a:pPr>
+            <a:r>
+              <a:rPr lang="ru-RU" dirty="0" smtClean="0"/>
+              <a:t>Метод </a:t>
+            </a:r>
+            <a:r>
+              <a:rPr lang="en-US" dirty="0" err="1" smtClean="0"/>
+              <a:t>InitializeComponent</a:t>
+            </a:r>
+            <a:r>
+              <a:rPr lang="ru-RU" dirty="0" smtClean="0"/>
+              <a:t> используется дизайнером </a:t>
             </a:r>
             <a:r>
               <a:rPr lang="en-US" dirty="0" smtClean="0"/>
-              <a:t>Name)</a:t>
-            </a:r>
-          </a:p>
-          <a:p>
+              <a:t>Visual Studio.</a:t>
+            </a:r>
+          </a:p>
+          <a:p>
+            <a:r>
+              <a:rPr lang="ru-RU" dirty="0" smtClean="0"/>
+              <a:t>Не меняйте этот метод</a:t>
+            </a:r>
+          </a:p>
+          <a:p>
+            <a:r>
+              <a:rPr lang="ru-RU" dirty="0" smtClean="0"/>
+              <a:t>Не удаляйте вызов </a:t>
+            </a:r>
             <a:r>
               <a:rPr lang="en-US" dirty="0" err="1" smtClean="0"/>
-              <a:t>GenerateMember</a:t>
-            </a:r>
-            <a:endParaRPr lang="en-US" dirty="0" smtClean="0"/>
-          </a:p>
-          <a:p>
-            <a:r>
-              <a:rPr lang="en-US" dirty="0" smtClean="0"/>
-              <a:t>Modifiers</a:t>
+              <a:t>InitializeComponent</a:t>
+            </a:r>
+            <a:r>
+              <a:rPr lang="ru-RU" dirty="0" smtClean="0"/>
+              <a:t> из конструктора формы</a:t>
+            </a:r>
+          </a:p>
+          <a:p>
+            <a:r>
+              <a:rPr lang="ru-RU" dirty="0" smtClean="0"/>
+              <a:t>Пишите свой код инициализации после </a:t>
+            </a:r>
+            <a:r>
+              <a:rPr lang="en-US" dirty="0" err="1"/>
+              <a:t>InitializeComponent</a:t>
             </a:r>
             <a:endParaRPr lang="ru-RU" dirty="0"/>
           </a:p>
@@ -6620,7 +6805,7 @@
     </p:spTree>
     <p:extLst>
       <p:ext uri="{BB962C8B-B14F-4D97-AF65-F5344CB8AC3E}">
-        <p14:creationId xmlns:p14="http://schemas.microsoft.com/office/powerpoint/2010/main" val="3812283606"/>
+        <p14:creationId xmlns:p14="http://schemas.microsoft.com/office/powerpoint/2010/main" val="4026839946"/>
       </p:ext>
     </p:extLst>
   </p:cSld>

--- a/Presentation/lesson-12-winforms.pptx
+++ b/Presentation/lesson-12-winforms.pptx
@@ -5,7 +5,7 @@
     <p:sldMasterId id="2147483648" r:id="rId1"/>
   </p:sldMasterIdLst>
   <p:notesMasterIdLst>
-    <p:notesMasterId r:id="rId24"/>
+    <p:notesMasterId r:id="rId27"/>
   </p:notesMasterIdLst>
   <p:sldIdLst>
     <p:sldId id="256" r:id="rId2"/>
@@ -15,21 +15,24 @@
     <p:sldId id="292" r:id="rId6"/>
     <p:sldId id="298" r:id="rId7"/>
     <p:sldId id="280" r:id="rId8"/>
-    <p:sldId id="283" r:id="rId9"/>
-    <p:sldId id="290" r:id="rId10"/>
-    <p:sldId id="291" r:id="rId11"/>
-    <p:sldId id="289" r:id="rId12"/>
-    <p:sldId id="295" r:id="rId13"/>
-    <p:sldId id="282" r:id="rId14"/>
-    <p:sldId id="286" r:id="rId15"/>
-    <p:sldId id="287" r:id="rId16"/>
-    <p:sldId id="288" r:id="rId17"/>
-    <p:sldId id="284" r:id="rId18"/>
-    <p:sldId id="285" r:id="rId19"/>
-    <p:sldId id="293" r:id="rId20"/>
-    <p:sldId id="294" r:id="rId21"/>
-    <p:sldId id="296" r:id="rId22"/>
-    <p:sldId id="297" r:id="rId23"/>
+    <p:sldId id="301" r:id="rId9"/>
+    <p:sldId id="283" r:id="rId10"/>
+    <p:sldId id="299" r:id="rId11"/>
+    <p:sldId id="290" r:id="rId12"/>
+    <p:sldId id="291" r:id="rId13"/>
+    <p:sldId id="289" r:id="rId14"/>
+    <p:sldId id="295" r:id="rId15"/>
+    <p:sldId id="300" r:id="rId16"/>
+    <p:sldId id="282" r:id="rId17"/>
+    <p:sldId id="286" r:id="rId18"/>
+    <p:sldId id="287" r:id="rId19"/>
+    <p:sldId id="288" r:id="rId20"/>
+    <p:sldId id="284" r:id="rId21"/>
+    <p:sldId id="285" r:id="rId22"/>
+    <p:sldId id="293" r:id="rId23"/>
+    <p:sldId id="294" r:id="rId24"/>
+    <p:sldId id="296" r:id="rId25"/>
+    <p:sldId id="297" r:id="rId26"/>
   </p:sldIdLst>
   <p:sldSz cx="9144000" cy="6858000" type="screen4x3"/>
   <p:notesSz cx="6858000" cy="9144000"/>
@@ -229,7 +232,7 @@
           <a:p>
             <a:fld id="{B24A7054-7FFB-49F4-A126-5DF6E687FF53}" type="datetimeFigureOut">
               <a:rPr lang="ru-RU" smtClean="0"/>
-              <a:t>05.07.2017</a:t>
+              <a:t>20.01.2018</a:t>
             </a:fld>
             <a:endParaRPr lang="ru-RU"/>
           </a:p>
@@ -1292,7 +1295,7 @@
           <a:p>
             <a:fld id="{8E6E6A2A-E9D3-4A0D-B04A-ABDD367A1E08}" type="datetimeFigureOut">
               <a:rPr lang="ru-RU" smtClean="0"/>
-              <a:t>05.07.2017</a:t>
+              <a:t>20.01.2018</a:t>
             </a:fld>
             <a:endParaRPr lang="ru-RU"/>
           </a:p>
@@ -2740,7 +2743,7 @@
           <a:p>
             <a:fld id="{AC3D3127-B7C4-45E3-9797-C527EC9FDD78}" type="datetimeFigureOut">
               <a:rPr lang="ru-RU" smtClean="0"/>
-              <a:t>05.07.2017</a:t>
+              <a:t>20.01.2018</a:t>
             </a:fld>
             <a:endParaRPr lang="ru-RU"/>
           </a:p>
@@ -3344,17 +3347,9 @@
           <a:p>
             <a:r>
               <a:rPr lang="ru-RU" dirty="0" smtClean="0"/>
-              <a:t>Окно «</a:t>
-            </a:r>
-            <a:r>
-              <a:rPr lang="en-US" dirty="0" smtClean="0"/>
-              <a:t>Properties</a:t>
-            </a:r>
-            <a:r>
-              <a:rPr lang="ru-RU" dirty="0" smtClean="0"/>
-              <a:t>»</a:t>
-            </a:r>
-            <a:endParaRPr lang="ru-RU" dirty="0"/>
+              <a:t>События по умолчанию</a:t>
+            </a:r>
+            <a:endParaRPr lang="en-US" dirty="0"/>
           </a:p>
         </p:txBody>
       </p:sp>
@@ -3373,48 +3368,27 @@
           <a:bodyPr/>
           <a:lstStyle/>
           <a:p>
-            <a:r>
-              <a:rPr lang="ru-RU" dirty="0" smtClean="0"/>
-              <a:t>(</a:t>
-            </a:r>
-            <a:r>
-              <a:rPr lang="en-US" dirty="0" smtClean="0"/>
-              <a:t>Name)</a:t>
-            </a:r>
-          </a:p>
-          <a:p>
-            <a:r>
-              <a:rPr lang="en-US" dirty="0" err="1" smtClean="0"/>
-              <a:t>GenerateMember</a:t>
-            </a:r>
-            <a:endParaRPr lang="en-US" dirty="0" smtClean="0"/>
-          </a:p>
-          <a:p>
-            <a:r>
-              <a:rPr lang="en-US" dirty="0" smtClean="0"/>
-              <a:t>Modifiers</a:t>
-            </a:r>
-            <a:endParaRPr lang="ru-RU" dirty="0"/>
+            <a:pPr marL="0" indent="0">
+              <a:buNone/>
+            </a:pPr>
+            <a:r>
+              <a:rPr lang="ru-RU" dirty="0" smtClean="0"/>
+              <a:t>...</a:t>
+            </a:r>
+            <a:endParaRPr lang="en-US" dirty="0"/>
           </a:p>
         </p:txBody>
       </p:sp>
     </p:spTree>
     <p:extLst>
       <p:ext uri="{BB962C8B-B14F-4D97-AF65-F5344CB8AC3E}">
-        <p14:creationId xmlns:p14="http://schemas.microsoft.com/office/powerpoint/2010/main" val="3812283606"/>
+        <p14:creationId xmlns:p14="http://schemas.microsoft.com/office/powerpoint/2010/main" val="3526524379"/>
       </p:ext>
     </p:extLst>
   </p:cSld>
   <p:clrMapOvr>
     <a:masterClrMapping/>
   </p:clrMapOvr>
-  <p:timing>
-    <p:tnLst>
-      <p:par>
-        <p:cTn id="1" dur="indefinite" restart="never" nodeType="tmRoot"/>
-      </p:par>
-    </p:tnLst>
-  </p:timing>
 </p:sld>
 </file>
 
@@ -3452,7 +3426,11 @@
           <a:p>
             <a:r>
               <a:rPr lang="ru-RU" dirty="0" smtClean="0"/>
-              <a:t>Префиксы имен</a:t>
+              <a:t>Метод </a:t>
+            </a:r>
+            <a:r>
+              <a:rPr lang="en-US" dirty="0" err="1"/>
+              <a:t>InitializeComponent</a:t>
             </a:r>
             <a:endParaRPr lang="ru-RU" dirty="0"/>
           </a:p>
@@ -3470,177 +3448,57 @@
         </p:nvSpPr>
         <p:spPr/>
         <p:txBody>
-          <a:bodyPr numCol="2">
-            <a:normAutofit/>
-          </a:bodyPr>
+          <a:bodyPr/>
           <a:lstStyle/>
           <a:p>
+            <a:pPr marL="0" indent="0">
+              <a:buNone/>
+            </a:pPr>
+            <a:r>
+              <a:rPr lang="ru-RU" dirty="0" smtClean="0"/>
+              <a:t>Метод </a:t>
+            </a:r>
             <a:r>
               <a:rPr lang="en-US" dirty="0" err="1" smtClean="0"/>
-              <a:t>btn</a:t>
+              <a:t>InitializeComponent</a:t>
+            </a:r>
+            <a:r>
+              <a:rPr lang="ru-RU" dirty="0" smtClean="0"/>
+              <a:t> используется дизайнером </a:t>
             </a:r>
             <a:r>
               <a:rPr lang="en-US" dirty="0" smtClean="0"/>
-              <a:t> – Button</a:t>
-            </a:r>
-          </a:p>
-          <a:p>
+              <a:t>Visual Studio.</a:t>
+            </a:r>
+          </a:p>
+          <a:p>
+            <a:r>
+              <a:rPr lang="ru-RU" dirty="0" smtClean="0"/>
+              <a:t>Не меняйте этот метод</a:t>
+            </a:r>
+          </a:p>
+          <a:p>
+            <a:r>
+              <a:rPr lang="ru-RU" dirty="0" smtClean="0"/>
+              <a:t>Не удаляйте вызов </a:t>
+            </a:r>
             <a:r>
               <a:rPr lang="en-US" dirty="0" err="1" smtClean="0"/>
-              <a:t>cb</a:t>
-            </a:r>
-            <a:r>
-              <a:rPr lang="en-US" dirty="0" smtClean="0"/>
-              <a:t> – </a:t>
-            </a:r>
-            <a:r>
-              <a:rPr lang="en-US" dirty="0" err="1" smtClean="0"/>
-              <a:t>CheckBox</a:t>
-            </a:r>
-            <a:endParaRPr lang="en-US" dirty="0" smtClean="0"/>
-          </a:p>
-          <a:p>
-            <a:r>
-              <a:rPr lang="en-US" dirty="0" err="1" smtClean="0"/>
-              <a:t>dgv</a:t>
-            </a:r>
-            <a:r>
-              <a:rPr lang="en-US" dirty="0" smtClean="0"/>
-              <a:t> – </a:t>
-            </a:r>
-            <a:r>
-              <a:rPr lang="en-US" dirty="0" err="1" smtClean="0"/>
-              <a:t>DataGridView</a:t>
-            </a:r>
-            <a:endParaRPr lang="en-US" dirty="0" smtClean="0"/>
-          </a:p>
-          <a:p>
-            <a:r>
-              <a:rPr lang="en-US" dirty="0" err="1" smtClean="0"/>
-              <a:t>gbox</a:t>
-            </a:r>
-            <a:r>
-              <a:rPr lang="en-US" dirty="0" smtClean="0"/>
-              <a:t> - </a:t>
-            </a:r>
-            <a:r>
-              <a:rPr lang="en-US" dirty="0" err="1" smtClean="0"/>
-              <a:t>GroupBox</a:t>
-            </a:r>
-            <a:endParaRPr lang="en-US" dirty="0" smtClean="0"/>
-          </a:p>
-          <a:p>
-            <a:r>
-              <a:rPr lang="en-US" dirty="0" err="1" smtClean="0"/>
-              <a:t>lbl</a:t>
-            </a:r>
-            <a:r>
-              <a:rPr lang="en-US" dirty="0" smtClean="0"/>
-              <a:t> – Label</a:t>
-            </a:r>
-          </a:p>
-          <a:p>
-            <a:r>
-              <a:rPr lang="en-US" dirty="0" err="1" smtClean="0"/>
-              <a:t>lnk</a:t>
-            </a:r>
-            <a:r>
-              <a:rPr lang="en-US" dirty="0" smtClean="0"/>
-              <a:t> – </a:t>
-            </a:r>
-            <a:r>
-              <a:rPr lang="en-US" dirty="0" err="1" smtClean="0"/>
-              <a:t>LinkLabel</a:t>
-            </a:r>
-            <a:endParaRPr lang="en-US" dirty="0" smtClean="0"/>
-          </a:p>
-          <a:p>
-            <a:r>
-              <a:rPr lang="en-US" dirty="0" smtClean="0"/>
-              <a:t>lv – </a:t>
-            </a:r>
-            <a:r>
-              <a:rPr lang="en-US" dirty="0" err="1" smtClean="0"/>
-              <a:t>ListView</a:t>
-            </a:r>
-            <a:endParaRPr lang="en-US" dirty="0" smtClean="0"/>
-          </a:p>
-          <a:p>
-            <a:r>
-              <a:rPr lang="en-US" dirty="0" err="1" smtClean="0"/>
-              <a:t>pb</a:t>
-            </a:r>
-            <a:r>
-              <a:rPr lang="en-US" dirty="0" smtClean="0"/>
-              <a:t> – </a:t>
-            </a:r>
-            <a:r>
-              <a:rPr lang="en-US" dirty="0" err="1" smtClean="0"/>
-              <a:t>PictureBox</a:t>
-            </a:r>
-            <a:endParaRPr lang="en-US" dirty="0" smtClean="0"/>
-          </a:p>
-          <a:p>
-            <a:r>
-              <a:rPr lang="en-US" dirty="0" err="1" smtClean="0"/>
-              <a:t>prgs</a:t>
-            </a:r>
-            <a:r>
-              <a:rPr lang="en-US" dirty="0" smtClean="0"/>
-              <a:t> - </a:t>
-            </a:r>
-            <a:r>
-              <a:rPr lang="en-US" dirty="0" err="1" smtClean="0"/>
-              <a:t>ProgressBar</a:t>
-            </a:r>
-            <a:endParaRPr lang="en-US" dirty="0" smtClean="0"/>
-          </a:p>
-          <a:p>
-            <a:r>
-              <a:rPr lang="en-US" dirty="0" err="1" smtClean="0"/>
-              <a:t>rb</a:t>
-            </a:r>
-            <a:r>
-              <a:rPr lang="en-US" dirty="0" smtClean="0"/>
-              <a:t> - </a:t>
-            </a:r>
-            <a:r>
-              <a:rPr lang="en-US" dirty="0" err="1" smtClean="0"/>
-              <a:t>RadioButton</a:t>
-            </a:r>
-            <a:endParaRPr lang="en-US" dirty="0" smtClean="0"/>
-          </a:p>
-          <a:p>
-            <a:r>
-              <a:rPr lang="en-US" dirty="0" err="1" smtClean="0"/>
-              <a:t>tb</a:t>
-            </a:r>
-            <a:r>
-              <a:rPr lang="en-US" dirty="0" smtClean="0"/>
-              <a:t> </a:t>
-            </a:r>
-            <a:r>
-              <a:rPr lang="ru-RU" dirty="0" smtClean="0"/>
-              <a:t>– </a:t>
-            </a:r>
-            <a:r>
-              <a:rPr lang="en-US" dirty="0" err="1" smtClean="0"/>
-              <a:t>TextBox</a:t>
-            </a:r>
-            <a:endParaRPr lang="en-US" dirty="0" smtClean="0"/>
-          </a:p>
-          <a:p>
-            <a:r>
-              <a:rPr lang="en-US" dirty="0" err="1" smtClean="0"/>
-              <a:t>tv</a:t>
-            </a:r>
-            <a:r>
-              <a:rPr lang="en-US" dirty="0" smtClean="0"/>
-              <a:t> - </a:t>
-            </a:r>
-            <a:r>
-              <a:rPr lang="en-US" dirty="0" err="1" smtClean="0"/>
-              <a:t>TreeView</a:t>
+              <a:t>InitializeComponent</a:t>
+            </a:r>
+            <a:r>
+              <a:rPr lang="ru-RU" dirty="0" smtClean="0"/>
+              <a:t> из конструктора формы</a:t>
+            </a:r>
+          </a:p>
+          <a:p>
+            <a:r>
+              <a:rPr lang="ru-RU" dirty="0" smtClean="0"/>
+              <a:t>Пишите свой код инициализации после </a:t>
+            </a:r>
+            <a:r>
+              <a:rPr lang="en-US" dirty="0" err="1"/>
+              <a:t>InitializeComponent</a:t>
             </a:r>
             <a:endParaRPr lang="ru-RU" dirty="0"/>
           </a:p>
@@ -3649,7 +3507,7 @@
     </p:spTree>
     <p:extLst>
       <p:ext uri="{BB962C8B-B14F-4D97-AF65-F5344CB8AC3E}">
-        <p14:creationId xmlns:p14="http://schemas.microsoft.com/office/powerpoint/2010/main" val="3616111561"/>
+        <p14:creationId xmlns:p14="http://schemas.microsoft.com/office/powerpoint/2010/main" val="4026839946"/>
       </p:ext>
     </p:extLst>
   </p:cSld>
@@ -3695,126 +3553,69 @@
         </p:nvSpPr>
         <p:spPr/>
         <p:txBody>
-          <a:bodyPr>
-            <a:normAutofit fontScale="90000"/>
-          </a:bodyPr>
-          <a:lstStyle/>
-          <a:p>
-            <a:r>
-              <a:rPr lang="ru-RU" dirty="0" smtClean="0"/>
-              <a:t>Форма: Последовательность событий при создании</a:t>
-            </a:r>
-            <a:endParaRPr lang="en-US" dirty="0"/>
-          </a:p>
-        </p:txBody>
-      </p:sp>
-      <p:sp>
-        <p:nvSpPr>
-          <p:cNvPr id="3" name="Content Placeholder 2"/>
-          <p:cNvSpPr>
-            <a:spLocks noGrp="1"/>
-          </p:cNvSpPr>
-          <p:nvPr>
-            <p:ph idx="1"/>
-          </p:nvPr>
-        </p:nvSpPr>
-        <p:spPr/>
-        <p:txBody>
           <a:bodyPr/>
           <a:lstStyle/>
           <a:p>
-            <a:pPr marL="514350" indent="-514350">
-              <a:buFont typeface="+mj-lt"/>
-              <a:buAutoNum type="arabicPeriod"/>
-            </a:pPr>
-            <a:r>
-              <a:rPr lang="ru-RU" dirty="0" smtClean="0"/>
-              <a:t>Конструктор</a:t>
-            </a:r>
-            <a:endParaRPr lang="en-US" dirty="0"/>
-          </a:p>
-          <a:p>
-            <a:pPr marL="514350" indent="-514350">
-              <a:buFont typeface="+mj-lt"/>
-              <a:buAutoNum type="arabicPeriod"/>
-            </a:pPr>
-            <a:r>
-              <a:rPr lang="ru-RU" dirty="0" smtClean="0"/>
-              <a:t>Событие</a:t>
+            <a:r>
+              <a:rPr lang="ru-RU" dirty="0" smtClean="0"/>
+              <a:t>Окно «</a:t>
             </a:r>
             <a:r>
               <a:rPr lang="en-US" dirty="0" smtClean="0"/>
-              <a:t> </a:t>
-            </a:r>
-            <a:r>
-              <a:rPr lang="en-US" dirty="0" err="1"/>
-              <a:t>HandleCreated</a:t>
-            </a:r>
-            <a:endParaRPr lang="en-US" dirty="0"/>
-          </a:p>
-          <a:p>
-            <a:pPr marL="514350" indent="-514350">
-              <a:buFont typeface="+mj-lt"/>
-              <a:buAutoNum type="arabicPeriod"/>
-            </a:pPr>
-            <a:r>
-              <a:rPr lang="ru-RU" dirty="0" smtClean="0"/>
-              <a:t>Событие</a:t>
+              <a:t>Properties</a:t>
+            </a:r>
+            <a:r>
+              <a:rPr lang="ru-RU" dirty="0" smtClean="0"/>
+              <a:t>»</a:t>
+            </a:r>
+            <a:endParaRPr lang="ru-RU" dirty="0"/>
+          </a:p>
+        </p:txBody>
+      </p:sp>
+      <p:sp>
+        <p:nvSpPr>
+          <p:cNvPr id="3" name="Content Placeholder 2"/>
+          <p:cNvSpPr>
+            <a:spLocks noGrp="1"/>
+          </p:cNvSpPr>
+          <p:nvPr>
+            <p:ph idx="1"/>
+          </p:nvPr>
+        </p:nvSpPr>
+        <p:spPr/>
+        <p:txBody>
+          <a:bodyPr/>
+          <a:lstStyle/>
+          <a:p>
+            <a:r>
+              <a:rPr lang="ru-RU" dirty="0" smtClean="0"/>
+              <a:t>(</a:t>
             </a:r>
             <a:r>
               <a:rPr lang="en-US" dirty="0" smtClean="0"/>
-              <a:t> </a:t>
-            </a:r>
-            <a:r>
-              <a:rPr lang="en-US" dirty="0"/>
-              <a:t>Load</a:t>
-            </a:r>
-          </a:p>
-          <a:p>
-            <a:pPr marL="514350" indent="-514350">
-              <a:buFont typeface="+mj-lt"/>
-              <a:buAutoNum type="arabicPeriod"/>
-            </a:pPr>
-            <a:r>
-              <a:rPr lang="ru-RU" dirty="0" smtClean="0"/>
-              <a:t>Событие</a:t>
-            </a:r>
+              <a:t>Name)</a:t>
+            </a:r>
+          </a:p>
+          <a:p>
+            <a:r>
+              <a:rPr lang="en-US" dirty="0" err="1" smtClean="0"/>
+              <a:t>GenerateMember</a:t>
+            </a:r>
+            <a:endParaRPr lang="en-US" dirty="0" smtClean="0"/>
+          </a:p>
+          <a:p>
             <a:r>
               <a:rPr lang="en-US" dirty="0" smtClean="0"/>
-              <a:t> </a:t>
-            </a:r>
-            <a:r>
-              <a:rPr lang="en-US" dirty="0"/>
-              <a:t>Activated</a:t>
-            </a:r>
-          </a:p>
-          <a:p>
-            <a:pPr marL="514350" indent="-514350">
-              <a:buFont typeface="+mj-lt"/>
-              <a:buAutoNum type="arabicPeriod"/>
-            </a:pPr>
-            <a:r>
-              <a:rPr lang="ru-RU" smtClean="0"/>
-              <a:t>Событие</a:t>
-            </a:r>
-            <a:r>
-              <a:rPr lang="en-US" dirty="0" smtClean="0"/>
-              <a:t> </a:t>
-            </a:r>
-            <a:r>
-              <a:rPr lang="en-US" dirty="0"/>
-              <a:t>Shown</a:t>
-            </a:r>
-          </a:p>
-          <a:p>
-            <a:endParaRPr lang="en-US" dirty="0"/>
+              <a:t>Modifiers</a:t>
+            </a:r>
+            <a:endParaRPr lang="ru-RU" dirty="0"/>
           </a:p>
         </p:txBody>
       </p:sp>
     </p:spTree>
     <p:extLst>
       <p:ext uri="{BB962C8B-B14F-4D97-AF65-F5344CB8AC3E}">
-        <p14:creationId xmlns:p14="http://schemas.microsoft.com/office/powerpoint/2010/main" val="2553913673"/>
+        <p14:creationId xmlns:p14="http://schemas.microsoft.com/office/powerpoint/2010/main" val="3812283606"/>
       </p:ext>
     </p:extLst>
   </p:cSld>
@@ -3850,7 +3651,7 @@
       </p:grpSpPr>
       <p:sp>
         <p:nvSpPr>
-          <p:cNvPr id="4" name="Title 3"/>
+          <p:cNvPr id="2" name="Title 1"/>
           <p:cNvSpPr>
             <a:spLocks noGrp="1"/>
           </p:cNvSpPr>
@@ -3865,7 +3666,7 @@
           <a:p>
             <a:r>
               <a:rPr lang="ru-RU" dirty="0" smtClean="0"/>
-              <a:t>Ввод данных</a:t>
+              <a:t>Префиксы имен</a:t>
             </a:r>
             <a:endParaRPr lang="ru-RU" dirty="0"/>
           </a:p>
@@ -3873,7 +3674,7 @@
       </p:sp>
       <p:sp>
         <p:nvSpPr>
-          <p:cNvPr id="5" name="Content Placeholder 4"/>
+          <p:cNvPr id="3" name="Content Placeholder 2"/>
           <p:cNvSpPr>
             <a:spLocks noGrp="1"/>
           </p:cNvSpPr>
@@ -3883,87 +3684,178 @@
         </p:nvSpPr>
         <p:spPr/>
         <p:txBody>
-          <a:bodyPr>
-            <a:normAutofit fontScale="92500" lnSpcReduction="20000"/>
+          <a:bodyPr numCol="2">
+            <a:normAutofit/>
           </a:bodyPr>
           <a:lstStyle/>
           <a:p>
             <a:r>
               <a:rPr lang="en-US" dirty="0" err="1" smtClean="0"/>
+              <a:t>btn</a:t>
+            </a:r>
+            <a:r>
+              <a:rPr lang="en-US" dirty="0" smtClean="0"/>
+              <a:t> – Button</a:t>
+            </a:r>
+          </a:p>
+          <a:p>
+            <a:r>
+              <a:rPr lang="en-US" dirty="0" err="1" smtClean="0"/>
+              <a:t>cb</a:t>
+            </a:r>
+            <a:r>
+              <a:rPr lang="en-US" dirty="0" smtClean="0"/>
+              <a:t> – </a:t>
+            </a:r>
+            <a:r>
+              <a:rPr lang="en-US" dirty="0" err="1" smtClean="0"/>
+              <a:t>CheckBox</a:t>
+            </a:r>
+            <a:endParaRPr lang="en-US" dirty="0" smtClean="0"/>
+          </a:p>
+          <a:p>
+            <a:r>
+              <a:rPr lang="en-US" dirty="0" err="1" smtClean="0"/>
+              <a:t>dgv</a:t>
+            </a:r>
+            <a:r>
+              <a:rPr lang="en-US" dirty="0" smtClean="0"/>
+              <a:t> – </a:t>
+            </a:r>
+            <a:r>
+              <a:rPr lang="en-US" dirty="0" err="1" smtClean="0"/>
+              <a:t>DataGridView</a:t>
+            </a:r>
+            <a:endParaRPr lang="en-US" dirty="0" smtClean="0"/>
+          </a:p>
+          <a:p>
+            <a:r>
+              <a:rPr lang="en-US" dirty="0" err="1" smtClean="0"/>
+              <a:t>gbox</a:t>
+            </a:r>
+            <a:r>
+              <a:rPr lang="en-US" dirty="0" smtClean="0"/>
+              <a:t> - </a:t>
+            </a:r>
+            <a:r>
+              <a:rPr lang="en-US" dirty="0" err="1" smtClean="0"/>
+              <a:t>GroupBox</a:t>
+            </a:r>
+            <a:endParaRPr lang="en-US" dirty="0" smtClean="0"/>
+          </a:p>
+          <a:p>
+            <a:r>
+              <a:rPr lang="en-US" dirty="0" err="1" smtClean="0"/>
+              <a:t>lbl</a:t>
+            </a:r>
+            <a:r>
+              <a:rPr lang="en-US" dirty="0" smtClean="0"/>
+              <a:t> – Label</a:t>
+            </a:r>
+          </a:p>
+          <a:p>
+            <a:r>
+              <a:rPr lang="en-US" dirty="0" err="1" smtClean="0"/>
+              <a:t>lnk</a:t>
+            </a:r>
+            <a:r>
+              <a:rPr lang="en-US" dirty="0" smtClean="0"/>
+              <a:t> – </a:t>
+            </a:r>
+            <a:r>
+              <a:rPr lang="en-US" dirty="0" err="1" smtClean="0"/>
+              <a:t>LinkLabel</a:t>
+            </a:r>
+            <a:endParaRPr lang="en-US" dirty="0" smtClean="0"/>
+          </a:p>
+          <a:p>
+            <a:r>
+              <a:rPr lang="en-US" dirty="0" smtClean="0"/>
+              <a:t>lv – </a:t>
+            </a:r>
+            <a:r>
+              <a:rPr lang="en-US" dirty="0" err="1" smtClean="0"/>
+              <a:t>ListView</a:t>
+            </a:r>
+            <a:endParaRPr lang="en-US" dirty="0" smtClean="0"/>
+          </a:p>
+          <a:p>
+            <a:r>
+              <a:rPr lang="en-US" dirty="0" err="1" smtClean="0"/>
+              <a:t>pb</a:t>
+            </a:r>
+            <a:r>
+              <a:rPr lang="en-US" dirty="0" smtClean="0"/>
+              <a:t> – </a:t>
+            </a:r>
+            <a:r>
+              <a:rPr lang="en-US" dirty="0" err="1" smtClean="0"/>
+              <a:t>PictureBox</a:t>
+            </a:r>
+            <a:endParaRPr lang="en-US" dirty="0" smtClean="0"/>
+          </a:p>
+          <a:p>
+            <a:r>
+              <a:rPr lang="en-US" dirty="0" err="1" smtClean="0"/>
+              <a:t>prgs</a:t>
+            </a:r>
+            <a:r>
+              <a:rPr lang="en-US" dirty="0" smtClean="0"/>
+              <a:t> - </a:t>
+            </a:r>
+            <a:r>
+              <a:rPr lang="en-US" dirty="0" err="1" smtClean="0"/>
+              <a:t>ProgressBar</a:t>
+            </a:r>
+            <a:endParaRPr lang="en-US" dirty="0" smtClean="0"/>
+          </a:p>
+          <a:p>
+            <a:r>
+              <a:rPr lang="en-US" dirty="0" err="1" smtClean="0"/>
+              <a:t>rb</a:t>
+            </a:r>
+            <a:r>
+              <a:rPr lang="en-US" dirty="0" smtClean="0"/>
+              <a:t> - </a:t>
+            </a:r>
+            <a:r>
+              <a:rPr lang="en-US" dirty="0" err="1" smtClean="0"/>
+              <a:t>RadioButton</a:t>
+            </a:r>
+            <a:endParaRPr lang="en-US" dirty="0" smtClean="0"/>
+          </a:p>
+          <a:p>
+            <a:r>
+              <a:rPr lang="en-US" dirty="0" err="1" smtClean="0"/>
+              <a:t>tb</a:t>
+            </a:r>
+            <a:r>
+              <a:rPr lang="en-US" dirty="0" smtClean="0"/>
+              <a:t> </a:t>
+            </a:r>
+            <a:r>
+              <a:rPr lang="ru-RU" dirty="0" smtClean="0"/>
+              <a:t>– </a:t>
+            </a:r>
+            <a:r>
+              <a:rPr lang="en-US" dirty="0" err="1" smtClean="0"/>
               <a:t>TextBox</a:t>
             </a:r>
+            <a:endParaRPr lang="en-US" dirty="0" smtClean="0"/>
+          </a:p>
+          <a:p>
+            <a:r>
+              <a:rPr lang="en-US" dirty="0" err="1" smtClean="0"/>
+              <a:t>tv</a:t>
+            </a:r>
             <a:r>
               <a:rPr lang="en-US" dirty="0" smtClean="0"/>
-              <a:t>: </a:t>
-            </a:r>
-            <a:r>
-              <a:rPr lang="ru-RU" dirty="0" smtClean="0"/>
-              <a:t>однострочный текст, пароль, многострочный текст</a:t>
-            </a:r>
-            <a:endParaRPr lang="en-US" dirty="0" smtClean="0"/>
-          </a:p>
-          <a:p>
-            <a:r>
-              <a:rPr lang="en-US" dirty="0" err="1"/>
-              <a:t>MaskedTextBox</a:t>
-            </a:r>
-            <a:endParaRPr lang="ru-RU" dirty="0" smtClean="0"/>
-          </a:p>
-          <a:p>
+              <a:t> - </a:t>
+            </a:r>
             <a:r>
               <a:rPr lang="en-US" dirty="0" err="1" smtClean="0"/>
-              <a:t>RichTextBox</a:t>
-            </a:r>
-            <a:r>
-              <a:rPr lang="ru-RU" dirty="0" smtClean="0"/>
-              <a:t>: </a:t>
-            </a:r>
-            <a:r>
-              <a:rPr lang="ru-RU" dirty="0"/>
-              <a:t>многострочный </a:t>
-            </a:r>
-            <a:r>
-              <a:rPr lang="ru-RU" dirty="0" smtClean="0"/>
-              <a:t>текст с форматированием</a:t>
-            </a:r>
-            <a:endParaRPr lang="en-US" dirty="0" smtClean="0"/>
-          </a:p>
-          <a:p>
-            <a:r>
-              <a:rPr lang="en-US" dirty="0" err="1"/>
-              <a:t>ComboBox</a:t>
-            </a:r>
-            <a:endParaRPr lang="ru-RU" dirty="0" smtClean="0"/>
-          </a:p>
-          <a:p>
-            <a:r>
-              <a:rPr lang="en-US" dirty="0" err="1" smtClean="0"/>
-              <a:t>NumericUpDown</a:t>
-            </a:r>
-            <a:endParaRPr lang="en-US" dirty="0" smtClean="0"/>
-          </a:p>
-          <a:p>
-            <a:r>
-              <a:rPr lang="en-US" dirty="0" err="1" smtClean="0"/>
-              <a:t>DomainUpDown</a:t>
-            </a:r>
-            <a:endParaRPr lang="en-US" dirty="0" smtClean="0"/>
-          </a:p>
-          <a:p>
-            <a:r>
-              <a:rPr lang="en-US" dirty="0" err="1" smtClean="0"/>
-              <a:t>DateTimePicker</a:t>
-            </a:r>
-            <a:endParaRPr lang="ru-RU" dirty="0" smtClean="0"/>
-          </a:p>
-          <a:p>
-            <a:r>
-              <a:rPr lang="en-US" dirty="0" err="1" smtClean="0"/>
-              <a:t>MonthCalendar</a:t>
-            </a:r>
-            <a:endParaRPr lang="en-US" dirty="0" smtClean="0"/>
-          </a:p>
-          <a:p>
+              <a:t>TreeView</a:t>
+            </a:r>
             <a:endParaRPr lang="ru-RU" dirty="0"/>
           </a:p>
         </p:txBody>
@@ -3971,7 +3863,7 @@
     </p:spTree>
     <p:extLst>
       <p:ext uri="{BB962C8B-B14F-4D97-AF65-F5344CB8AC3E}">
-        <p14:creationId xmlns:p14="http://schemas.microsoft.com/office/powerpoint/2010/main" val="2778302017"/>
+        <p14:creationId xmlns:p14="http://schemas.microsoft.com/office/powerpoint/2010/main" val="3616111561"/>
       </p:ext>
     </p:extLst>
   </p:cSld>
@@ -4017,86 +3909,126 @@
         </p:nvSpPr>
         <p:spPr/>
         <p:txBody>
+          <a:bodyPr>
+            <a:normAutofit fontScale="90000"/>
+          </a:bodyPr>
+          <a:lstStyle/>
+          <a:p>
+            <a:r>
+              <a:rPr lang="ru-RU" dirty="0" smtClean="0"/>
+              <a:t>Форма: Последовательность событий при создании</a:t>
+            </a:r>
+            <a:endParaRPr lang="en-US" dirty="0"/>
+          </a:p>
+        </p:txBody>
+      </p:sp>
+      <p:sp>
+        <p:nvSpPr>
+          <p:cNvPr id="3" name="Content Placeholder 2"/>
+          <p:cNvSpPr>
+            <a:spLocks noGrp="1"/>
+          </p:cNvSpPr>
+          <p:nvPr>
+            <p:ph idx="1"/>
+          </p:nvPr>
+        </p:nvSpPr>
+        <p:spPr/>
+        <p:txBody>
           <a:bodyPr/>
           <a:lstStyle/>
           <a:p>
-            <a:r>
-              <a:rPr lang="ru-RU" dirty="0" smtClean="0"/>
-              <a:t>Контейнеры</a:t>
-            </a:r>
-            <a:endParaRPr lang="ru-RU" dirty="0"/>
-          </a:p>
-        </p:txBody>
-      </p:sp>
-      <p:sp>
-        <p:nvSpPr>
-          <p:cNvPr id="3" name="Content Placeholder 2"/>
-          <p:cNvSpPr>
-            <a:spLocks noGrp="1"/>
-          </p:cNvSpPr>
-          <p:nvPr>
-            <p:ph idx="1"/>
-          </p:nvPr>
-        </p:nvSpPr>
-        <p:spPr/>
-        <p:txBody>
-          <a:bodyPr>
-            <a:normAutofit lnSpcReduction="10000"/>
-          </a:bodyPr>
-          <a:lstStyle/>
-          <a:p>
+            <a:pPr marL="514350" indent="-514350">
+              <a:buFont typeface="+mj-lt"/>
+              <a:buAutoNum type="arabicPeriod"/>
+            </a:pPr>
+            <a:r>
+              <a:rPr lang="ru-RU" dirty="0" smtClean="0"/>
+              <a:t>Конструктор</a:t>
+            </a:r>
+            <a:endParaRPr lang="en-US" dirty="0"/>
+          </a:p>
+          <a:p>
+            <a:pPr marL="514350" indent="-514350">
+              <a:buFont typeface="+mj-lt"/>
+              <a:buAutoNum type="arabicPeriod"/>
+            </a:pPr>
+            <a:r>
+              <a:rPr lang="ru-RU" dirty="0" smtClean="0"/>
+              <a:t>Событие</a:t>
+            </a:r>
             <a:r>
               <a:rPr lang="en-US" dirty="0" smtClean="0"/>
-              <a:t>Panel</a:t>
-            </a:r>
-          </a:p>
-          <a:p>
-            <a:r>
-              <a:rPr lang="en-US" dirty="0" err="1" smtClean="0"/>
-              <a:t>GroupBox</a:t>
-            </a:r>
-            <a:endParaRPr lang="en-US" dirty="0" smtClean="0"/>
-          </a:p>
-          <a:p>
+              <a:t> </a:t>
+            </a:r>
+            <a:r>
+              <a:rPr lang="en-US" dirty="0" err="1"/>
+              <a:t>HandleCreated</a:t>
+            </a:r>
             <a:endParaRPr lang="en-US" dirty="0"/>
           </a:p>
           <a:p>
-            <a:r>
-              <a:rPr lang="en-US" dirty="0" err="1" smtClean="0"/>
-              <a:t>SplitContainer</a:t>
-            </a:r>
-            <a:endParaRPr lang="en-US" dirty="0" smtClean="0"/>
-          </a:p>
-          <a:p>
-            <a:r>
-              <a:rPr lang="en-US" dirty="0" err="1" smtClean="0"/>
-              <a:t>TabControl</a:t>
-            </a:r>
-            <a:endParaRPr lang="en-US" dirty="0" smtClean="0"/>
+            <a:pPr marL="514350" indent="-514350">
+              <a:buFont typeface="+mj-lt"/>
+              <a:buAutoNum type="arabicPeriod"/>
+            </a:pPr>
+            <a:r>
+              <a:rPr lang="ru-RU" dirty="0" smtClean="0"/>
+              <a:t>Событие</a:t>
+            </a:r>
+            <a:r>
+              <a:rPr lang="en-US" dirty="0" smtClean="0"/>
+              <a:t> </a:t>
+            </a:r>
+            <a:r>
+              <a:rPr lang="en-US" dirty="0"/>
+              <a:t>Load</a:t>
+            </a:r>
+          </a:p>
+          <a:p>
+            <a:pPr marL="514350" indent="-514350">
+              <a:buFont typeface="+mj-lt"/>
+              <a:buAutoNum type="arabicPeriod"/>
+            </a:pPr>
+            <a:r>
+              <a:rPr lang="ru-RU" dirty="0" smtClean="0"/>
+              <a:t>Событие</a:t>
+            </a:r>
+            <a:r>
+              <a:rPr lang="en-US" dirty="0" smtClean="0"/>
+              <a:t> </a:t>
+            </a:r>
+            <a:r>
+              <a:rPr lang="en-US" dirty="0"/>
+              <a:t>Activated</a:t>
+            </a:r>
+          </a:p>
+          <a:p>
+            <a:pPr marL="514350" indent="-514350">
+              <a:buFont typeface="+mj-lt"/>
+              <a:buAutoNum type="arabicPeriod"/>
+            </a:pPr>
+            <a:r>
+              <a:rPr lang="ru-RU" smtClean="0"/>
+              <a:t>Событие</a:t>
+            </a:r>
+            <a:r>
+              <a:rPr lang="en-US" dirty="0" smtClean="0"/>
+              <a:t> </a:t>
+            </a:r>
+            <a:r>
+              <a:rPr lang="en-US" dirty="0"/>
+              <a:t>Shown</a:t>
+            </a:r>
           </a:p>
           <a:p>
             <a:endParaRPr lang="en-US" dirty="0"/>
-          </a:p>
-          <a:p>
-            <a:r>
-              <a:rPr lang="en-US" dirty="0" err="1" smtClean="0"/>
-              <a:t>FlowLayoutPanel</a:t>
-            </a:r>
-            <a:endParaRPr lang="en-US" dirty="0" smtClean="0"/>
-          </a:p>
-          <a:p>
-            <a:r>
-              <a:rPr lang="en-US" dirty="0" err="1" smtClean="0"/>
-              <a:t>TableLayoutPanel</a:t>
-            </a:r>
-            <a:endParaRPr lang="ru-RU" dirty="0"/>
           </a:p>
         </p:txBody>
       </p:sp>
     </p:spTree>
     <p:extLst>
       <p:ext uri="{BB962C8B-B14F-4D97-AF65-F5344CB8AC3E}">
-        <p14:creationId xmlns:p14="http://schemas.microsoft.com/office/powerpoint/2010/main" val="3685836777"/>
+        <p14:creationId xmlns:p14="http://schemas.microsoft.com/office/powerpoint/2010/main" val="2553913673"/>
       </p:ext>
     </p:extLst>
   </p:cSld>
@@ -4147,20 +4079,20 @@
           <a:p>
             <a:r>
               <a:rPr lang="ru-RU" dirty="0" smtClean="0"/>
-              <a:t>Статический текст</a:t>
-            </a:r>
-            <a:endParaRPr lang="ru-RU" dirty="0"/>
-          </a:p>
-        </p:txBody>
-      </p:sp>
-      <p:sp>
-        <p:nvSpPr>
-          <p:cNvPr id="3" name="Content Placeholder 2"/>
-          <p:cNvSpPr>
-            <a:spLocks noGrp="1"/>
-          </p:cNvSpPr>
-          <p:nvPr>
-            <p:ph idx="1"/>
+              <a:t>элементы управления</a:t>
+            </a:r>
+            <a:endParaRPr lang="en-US" dirty="0"/>
+          </a:p>
+        </p:txBody>
+      </p:sp>
+      <p:sp>
+        <p:nvSpPr>
+          <p:cNvPr id="3" name="Text Placeholder 2"/>
+          <p:cNvSpPr>
+            <a:spLocks noGrp="1"/>
+          </p:cNvSpPr>
+          <p:nvPr>
+            <p:ph type="body" idx="1"/>
           </p:nvPr>
         </p:nvSpPr>
         <p:spPr/>
@@ -4168,40 +4100,20 @@
           <a:bodyPr/>
           <a:lstStyle/>
           <a:p>
-            <a:r>
-              <a:rPr lang="en-US" dirty="0" smtClean="0"/>
-              <a:t>Label</a:t>
-            </a:r>
-          </a:p>
-          <a:p>
-            <a:r>
-              <a:rPr lang="en-US" dirty="0" err="1" smtClean="0"/>
-              <a:t>LinkLabel</a:t>
-            </a:r>
-            <a:endParaRPr lang="en-US" dirty="0" smtClean="0"/>
-          </a:p>
-          <a:p>
-            <a:endParaRPr lang="ru-RU" dirty="0"/>
+            <a:endParaRPr lang="en-US"/>
           </a:p>
         </p:txBody>
       </p:sp>
     </p:spTree>
     <p:extLst>
       <p:ext uri="{BB962C8B-B14F-4D97-AF65-F5344CB8AC3E}">
-        <p14:creationId xmlns:p14="http://schemas.microsoft.com/office/powerpoint/2010/main" val="2359087904"/>
+        <p14:creationId xmlns:p14="http://schemas.microsoft.com/office/powerpoint/2010/main" val="2044073268"/>
       </p:ext>
     </p:extLst>
   </p:cSld>
   <p:clrMapOvr>
     <a:masterClrMapping/>
   </p:clrMapOvr>
-  <p:timing>
-    <p:tnLst>
-      <p:par>
-        <p:cTn id="1" dur="indefinite" restart="never" nodeType="tmRoot"/>
-      </p:par>
-    </p:tnLst>
-  </p:timing>
 </p:sld>
 </file>
 
@@ -4224,7 +4136,7 @@
       </p:grpSpPr>
       <p:sp>
         <p:nvSpPr>
-          <p:cNvPr id="2" name="Title 1"/>
+          <p:cNvPr id="4" name="Title 3"/>
           <p:cNvSpPr>
             <a:spLocks noGrp="1"/>
           </p:cNvSpPr>
@@ -4239,65 +4151,105 @@
           <a:p>
             <a:r>
               <a:rPr lang="ru-RU" dirty="0" smtClean="0"/>
-              <a:t>Элементы </a:t>
+              <a:t>Ввод данных</a:t>
+            </a:r>
+            <a:endParaRPr lang="ru-RU" dirty="0"/>
+          </a:p>
+        </p:txBody>
+      </p:sp>
+      <p:sp>
+        <p:nvSpPr>
+          <p:cNvPr id="5" name="Content Placeholder 4"/>
+          <p:cNvSpPr>
+            <a:spLocks noGrp="1"/>
+          </p:cNvSpPr>
+          <p:nvPr>
+            <p:ph idx="1"/>
+          </p:nvPr>
+        </p:nvSpPr>
+        <p:spPr/>
+        <p:txBody>
+          <a:bodyPr>
+            <a:normAutofit fontScale="92500" lnSpcReduction="20000"/>
+          </a:bodyPr>
+          <a:lstStyle/>
+          <a:p>
+            <a:r>
+              <a:rPr lang="en-US" dirty="0" err="1" smtClean="0"/>
+              <a:t>TextBox</a:t>
             </a:r>
             <a:r>
               <a:rPr lang="en-US" dirty="0" smtClean="0"/>
-              <a:t>UI</a:t>
-            </a:r>
-            <a:endParaRPr lang="ru-RU" dirty="0"/>
-          </a:p>
-        </p:txBody>
-      </p:sp>
-      <p:sp>
-        <p:nvSpPr>
-          <p:cNvPr id="3" name="Content Placeholder 2"/>
-          <p:cNvSpPr>
-            <a:spLocks noGrp="1"/>
-          </p:cNvSpPr>
-          <p:nvPr>
-            <p:ph idx="1"/>
-          </p:nvPr>
-        </p:nvSpPr>
-        <p:spPr/>
-        <p:txBody>
-          <a:bodyPr/>
-          <a:lstStyle/>
+              <a:t>: </a:t>
+            </a:r>
+            <a:r>
+              <a:rPr lang="ru-RU" dirty="0" smtClean="0"/>
+              <a:t>однострочный текст, пароль, многострочный текст</a:t>
+            </a:r>
+            <a:endParaRPr lang="en-US" dirty="0" smtClean="0"/>
+          </a:p>
+          <a:p>
+            <a:r>
+              <a:rPr lang="en-US" dirty="0" err="1"/>
+              <a:t>MaskedTextBox</a:t>
+            </a:r>
+            <a:endParaRPr lang="ru-RU" dirty="0" smtClean="0"/>
+          </a:p>
           <a:p>
             <a:r>
               <a:rPr lang="en-US" dirty="0" err="1" smtClean="0"/>
-              <a:t>MenuStrip</a:t>
-            </a:r>
-            <a:r>
-              <a:rPr lang="en-US" dirty="0" smtClean="0"/>
-              <a:t>:</a:t>
-            </a:r>
-            <a:r>
-              <a:rPr lang="ru-RU" dirty="0" smtClean="0"/>
-              <a:t> главное меню</a:t>
+              <a:t>RichTextBox</a:t>
+            </a:r>
+            <a:r>
+              <a:rPr lang="ru-RU" dirty="0" smtClean="0"/>
+              <a:t>: </a:t>
+            </a:r>
+            <a:r>
+              <a:rPr lang="ru-RU" dirty="0"/>
+              <a:t>многострочный </a:t>
+            </a:r>
+            <a:r>
+              <a:rPr lang="ru-RU" dirty="0" smtClean="0"/>
+              <a:t>текст с форматированием</a:t>
             </a:r>
             <a:endParaRPr lang="en-US" dirty="0" smtClean="0"/>
           </a:p>
           <a:p>
             <a:r>
+              <a:rPr lang="en-US" dirty="0" err="1"/>
+              <a:t>ComboBox</a:t>
+            </a:r>
+            <a:endParaRPr lang="ru-RU" dirty="0" smtClean="0"/>
+          </a:p>
+          <a:p>
+            <a:r>
               <a:rPr lang="en-US" dirty="0" err="1" smtClean="0"/>
-              <a:t>ContextMenuStrip</a:t>
-            </a:r>
-            <a:r>
-              <a:rPr lang="ru-RU" dirty="0" smtClean="0"/>
-              <a:t>: контекстное меню</a:t>
+              <a:t>NumericUpDown</a:t>
             </a:r>
             <a:endParaRPr lang="en-US" dirty="0" smtClean="0"/>
           </a:p>
           <a:p>
             <a:r>
               <a:rPr lang="en-US" dirty="0" err="1" smtClean="0"/>
-              <a:t>StatusStrip</a:t>
-            </a:r>
-            <a:r>
-              <a:rPr lang="ru-RU" dirty="0" smtClean="0"/>
-              <a:t>: строка статуса</a:t>
-            </a:r>
+              <a:t>DomainUpDown</a:t>
+            </a:r>
+            <a:endParaRPr lang="en-US" dirty="0" smtClean="0"/>
+          </a:p>
+          <a:p>
+            <a:r>
+              <a:rPr lang="en-US" dirty="0" err="1" smtClean="0"/>
+              <a:t>DateTimePicker</a:t>
+            </a:r>
+            <a:endParaRPr lang="ru-RU" dirty="0" smtClean="0"/>
+          </a:p>
+          <a:p>
+            <a:r>
+              <a:rPr lang="en-US" dirty="0" err="1" smtClean="0"/>
+              <a:t>MonthCalendar</a:t>
+            </a:r>
+            <a:endParaRPr lang="en-US" dirty="0" smtClean="0"/>
+          </a:p>
+          <a:p>
             <a:endParaRPr lang="ru-RU" dirty="0"/>
           </a:p>
         </p:txBody>
@@ -4305,7 +4257,7 @@
     </p:spTree>
     <p:extLst>
       <p:ext uri="{BB962C8B-B14F-4D97-AF65-F5344CB8AC3E}">
-        <p14:creationId xmlns:p14="http://schemas.microsoft.com/office/powerpoint/2010/main" val="3917359600"/>
+        <p14:creationId xmlns:p14="http://schemas.microsoft.com/office/powerpoint/2010/main" val="2778302017"/>
       </p:ext>
     </p:extLst>
   </p:cSld>
@@ -4356,7 +4308,7 @@
           <a:p>
             <a:r>
               <a:rPr lang="ru-RU" dirty="0" smtClean="0"/>
-              <a:t>Стандартные диалоги</a:t>
+              <a:t>Контейнеры</a:t>
             </a:r>
             <a:endParaRPr lang="ru-RU" dirty="0"/>
           </a:p>
@@ -4374,58 +4326,54 @@
         </p:nvSpPr>
         <p:spPr/>
         <p:txBody>
-          <a:bodyPr/>
+          <a:bodyPr>
+            <a:normAutofit lnSpcReduction="10000"/>
+          </a:bodyPr>
           <a:lstStyle/>
           <a:p>
             <a:r>
-              <a:rPr lang="ru-RU" dirty="0" smtClean="0"/>
-              <a:t>Файлы/папки:</a:t>
+              <a:rPr lang="en-US" dirty="0" smtClean="0"/>
+              <a:t>Panel</a:t>
+            </a:r>
+          </a:p>
+          <a:p>
+            <a:r>
+              <a:rPr lang="en-US" dirty="0" err="1" smtClean="0"/>
+              <a:t>GroupBox</a:t>
             </a:r>
             <a:endParaRPr lang="en-US" dirty="0" smtClean="0"/>
           </a:p>
           <a:p>
-            <a:pPr lvl="1"/>
+            <a:endParaRPr lang="en-US" dirty="0"/>
+          </a:p>
+          <a:p>
             <a:r>
               <a:rPr lang="en-US" dirty="0" err="1" smtClean="0"/>
-              <a:t>OpenFileDialog</a:t>
+              <a:t>SplitContainer</a:t>
             </a:r>
             <a:endParaRPr lang="en-US" dirty="0" smtClean="0"/>
           </a:p>
           <a:p>
-            <a:pPr lvl="1"/>
             <a:r>
               <a:rPr lang="en-US" dirty="0" err="1" smtClean="0"/>
-              <a:t>SaveFileDialog</a:t>
+              <a:t>TabControl</a:t>
             </a:r>
             <a:endParaRPr lang="en-US" dirty="0" smtClean="0"/>
           </a:p>
           <a:p>
-            <a:pPr lvl="1"/>
+            <a:endParaRPr lang="en-US" dirty="0"/>
+          </a:p>
+          <a:p>
             <a:r>
               <a:rPr lang="en-US" dirty="0" err="1" smtClean="0"/>
-              <a:t>FolderBrowserDialog</a:t>
-            </a:r>
-            <a:endParaRPr lang="ru-RU" dirty="0" smtClean="0"/>
-          </a:p>
-          <a:p>
-            <a:r>
-              <a:rPr lang="ru-RU" dirty="0" smtClean="0"/>
-              <a:t>Печать:</a:t>
-            </a:r>
-          </a:p>
-          <a:p>
-            <a:pPr lvl="1"/>
+              <a:t>FlowLayoutPanel</a:t>
+            </a:r>
+            <a:endParaRPr lang="en-US" dirty="0" smtClean="0"/>
+          </a:p>
+          <a:p>
             <a:r>
               <a:rPr lang="en-US" dirty="0" err="1" smtClean="0"/>
-              <a:t>PrintDialog</a:t>
-            </a:r>
-            <a:endParaRPr lang="en-US" dirty="0" smtClean="0"/>
-          </a:p>
-          <a:p>
-            <a:pPr lvl="1"/>
-            <a:r>
-              <a:rPr lang="en-US" dirty="0" err="1" smtClean="0"/>
-              <a:t>PageSetupDialog</a:t>
+              <a:t>TableLayoutPanel</a:t>
             </a:r>
             <a:endParaRPr lang="ru-RU" dirty="0"/>
           </a:p>
@@ -4434,7 +4382,7 @@
     </p:spTree>
     <p:extLst>
       <p:ext uri="{BB962C8B-B14F-4D97-AF65-F5344CB8AC3E}">
-        <p14:creationId xmlns:p14="http://schemas.microsoft.com/office/powerpoint/2010/main" val="177429524"/>
+        <p14:creationId xmlns:p14="http://schemas.microsoft.com/office/powerpoint/2010/main" val="3685836777"/>
       </p:ext>
     </p:extLst>
   </p:cSld>
@@ -4485,7 +4433,7 @@
           <a:p>
             <a:r>
               <a:rPr lang="ru-RU" dirty="0" smtClean="0"/>
-              <a:t>Паралельное выполнение</a:t>
+              <a:t>Статический текст</a:t>
             </a:r>
             <a:endParaRPr lang="ru-RU" dirty="0"/>
           </a:p>
@@ -4507,16 +4455,18 @@
           <a:lstStyle/>
           <a:p>
             <a:r>
+              <a:rPr lang="en-US" dirty="0" smtClean="0"/>
+              <a:t>Label</a:t>
+            </a:r>
+          </a:p>
+          <a:p>
+            <a:r>
               <a:rPr lang="en-US" dirty="0" err="1" smtClean="0"/>
-              <a:t>BackgroundWorker</a:t>
+              <a:t>LinkLabel</a:t>
             </a:r>
             <a:endParaRPr lang="en-US" dirty="0" smtClean="0"/>
           </a:p>
           <a:p>
-            <a:r>
-              <a:rPr lang="en-US" dirty="0" smtClean="0"/>
-              <a:t>Timer</a:t>
-            </a:r>
             <a:endParaRPr lang="ru-RU" dirty="0"/>
           </a:p>
         </p:txBody>
@@ -4524,7 +4474,7 @@
     </p:spTree>
     <p:extLst>
       <p:ext uri="{BB962C8B-B14F-4D97-AF65-F5344CB8AC3E}">
-        <p14:creationId xmlns:p14="http://schemas.microsoft.com/office/powerpoint/2010/main" val="498033561"/>
+        <p14:creationId xmlns:p14="http://schemas.microsoft.com/office/powerpoint/2010/main" val="2359087904"/>
       </p:ext>
     </p:extLst>
   </p:cSld>
@@ -4560,7 +4510,7 @@
       </p:grpSpPr>
       <p:sp>
         <p:nvSpPr>
-          <p:cNvPr id="4" name="Title 3"/>
+          <p:cNvPr id="2" name="Title 1"/>
           <p:cNvSpPr>
             <a:spLocks noGrp="1"/>
           </p:cNvSpPr>
@@ -4575,7 +4525,11 @@
           <a:p>
             <a:r>
               <a:rPr lang="ru-RU" dirty="0" smtClean="0"/>
-              <a:t>Полезные библиотеки</a:t>
+              <a:t>Элементы </a:t>
+            </a:r>
+            <a:r>
+              <a:rPr lang="en-US" dirty="0" smtClean="0"/>
+              <a:t>UI</a:t>
             </a:r>
             <a:endParaRPr lang="ru-RU" dirty="0"/>
           </a:p>
@@ -4583,12 +4537,12 @@
       </p:sp>
       <p:sp>
         <p:nvSpPr>
-          <p:cNvPr id="5" name="Text Placeholder 4"/>
-          <p:cNvSpPr>
-            <a:spLocks noGrp="1"/>
-          </p:cNvSpPr>
-          <p:nvPr>
-            <p:ph type="body" idx="1"/>
+          <p:cNvPr id="3" name="Content Placeholder 2"/>
+          <p:cNvSpPr>
+            <a:spLocks noGrp="1"/>
+          </p:cNvSpPr>
+          <p:nvPr>
+            <p:ph idx="1"/>
           </p:nvPr>
         </p:nvSpPr>
         <p:spPr/>
@@ -4596,6 +4550,40 @@
           <a:bodyPr/>
           <a:lstStyle/>
           <a:p>
+            <a:r>
+              <a:rPr lang="en-US" dirty="0" err="1" smtClean="0"/>
+              <a:t>MenuStrip</a:t>
+            </a:r>
+            <a:r>
+              <a:rPr lang="en-US" dirty="0" smtClean="0"/>
+              <a:t>:</a:t>
+            </a:r>
+            <a:r>
+              <a:rPr lang="ru-RU" dirty="0" smtClean="0"/>
+              <a:t> главное меню</a:t>
+            </a:r>
+            <a:endParaRPr lang="en-US" dirty="0" smtClean="0"/>
+          </a:p>
+          <a:p>
+            <a:r>
+              <a:rPr lang="en-US" dirty="0" err="1" smtClean="0"/>
+              <a:t>ContextMenuStrip</a:t>
+            </a:r>
+            <a:r>
+              <a:rPr lang="ru-RU" dirty="0" smtClean="0"/>
+              <a:t>: контекстное меню</a:t>
+            </a:r>
+            <a:endParaRPr lang="en-US" dirty="0" smtClean="0"/>
+          </a:p>
+          <a:p>
+            <a:r>
+              <a:rPr lang="en-US" dirty="0" err="1" smtClean="0"/>
+              <a:t>StatusStrip</a:t>
+            </a:r>
+            <a:r>
+              <a:rPr lang="ru-RU" dirty="0" smtClean="0"/>
+              <a:t>: строка статуса</a:t>
+            </a:r>
             <a:endParaRPr lang="ru-RU" dirty="0"/>
           </a:p>
         </p:txBody>
@@ -4603,7 +4591,7 @@
     </p:spTree>
     <p:extLst>
       <p:ext uri="{BB962C8B-B14F-4D97-AF65-F5344CB8AC3E}">
-        <p14:creationId xmlns:p14="http://schemas.microsoft.com/office/powerpoint/2010/main" val="2756578197"/>
+        <p14:creationId xmlns:p14="http://schemas.microsoft.com/office/powerpoint/2010/main" val="3917359600"/>
       </p:ext>
     </p:extLst>
   </p:cSld>
@@ -4748,7 +4736,7 @@
           <a:p>
             <a:r>
               <a:rPr lang="ru-RU" dirty="0" smtClean="0"/>
-              <a:t>Элементы управления</a:t>
+              <a:t>Стандартные диалоги</a:t>
             </a:r>
             <a:endParaRPr lang="ru-RU" dirty="0"/>
           </a:p>
@@ -4770,46 +4758,55 @@
           <a:lstStyle/>
           <a:p>
             <a:r>
-              <a:rPr lang="en-US" dirty="0" err="1" smtClean="0">
-                <a:solidFill>
-                  <a:srgbClr val="FFFF00"/>
-                </a:solidFill>
-              </a:rPr>
-              <a:t>FastColoredTextBox</a:t>
-            </a:r>
-            <a:r>
-              <a:rPr lang="ru-RU" dirty="0" smtClean="0"/>
-              <a:t>: </a:t>
-            </a:r>
-            <a:r>
-              <a:rPr lang="en-US" dirty="0" smtClean="0"/>
-              <a:t>textbox </a:t>
-            </a:r>
-            <a:r>
-              <a:rPr lang="ru-RU" dirty="0" smtClean="0"/>
-              <a:t>с подсветкой синтаксиса</a:t>
-            </a:r>
-            <a:br>
-              <a:rPr lang="ru-RU" dirty="0" smtClean="0"/>
-            </a:br>
-            <a:r>
-              <a:rPr lang="en-US" dirty="0">
-                <a:hlinkClick r:id="rId2"/>
-              </a:rPr>
-              <a:t>https://</a:t>
-            </a:r>
-            <a:r>
-              <a:rPr lang="en-US" dirty="0" smtClean="0">
-                <a:hlinkClick r:id="rId2"/>
-              </a:rPr>
-              <a:t>www.nuget.org/packages/FCTB/</a:t>
-            </a:r>
-            <a:endParaRPr lang="ru-RU" smtClean="0"/>
-          </a:p>
-          <a:p>
+              <a:rPr lang="ru-RU" dirty="0" smtClean="0"/>
+              <a:t>Файлы/папки:</a:t>
+            </a:r>
+            <a:endParaRPr lang="en-US" dirty="0" smtClean="0"/>
+          </a:p>
+          <a:p>
+            <a:pPr lvl="1"/>
+            <a:r>
+              <a:rPr lang="en-US" dirty="0" err="1" smtClean="0"/>
+              <a:t>OpenFileDialog</a:t>
+            </a:r>
+            <a:endParaRPr lang="en-US" dirty="0" smtClean="0"/>
+          </a:p>
+          <a:p>
+            <a:pPr lvl="1"/>
+            <a:r>
+              <a:rPr lang="en-US" dirty="0" err="1" smtClean="0"/>
+              <a:t>SaveFileDialog</a:t>
+            </a:r>
+            <a:endParaRPr lang="en-US" dirty="0" smtClean="0"/>
+          </a:p>
+          <a:p>
+            <a:pPr lvl="1"/>
+            <a:r>
+              <a:rPr lang="en-US" dirty="0" err="1" smtClean="0"/>
+              <a:t>FolderBrowserDialog</a:t>
+            </a:r>
             <a:endParaRPr lang="ru-RU" dirty="0" smtClean="0"/>
           </a:p>
           <a:p>
+            <a:r>
+              <a:rPr lang="ru-RU" dirty="0" smtClean="0"/>
+              <a:t>Печать:</a:t>
+            </a:r>
+          </a:p>
+          <a:p>
+            <a:pPr lvl="1"/>
+            <a:r>
+              <a:rPr lang="en-US" dirty="0" err="1" smtClean="0"/>
+              <a:t>PrintDialog</a:t>
+            </a:r>
+            <a:endParaRPr lang="en-US" dirty="0" smtClean="0"/>
+          </a:p>
+          <a:p>
+            <a:pPr lvl="1"/>
+            <a:r>
+              <a:rPr lang="en-US" dirty="0" err="1" smtClean="0"/>
+              <a:t>PageSetupDialog</a:t>
+            </a:r>
             <a:endParaRPr lang="ru-RU" dirty="0"/>
           </a:p>
         </p:txBody>
@@ -4817,7 +4814,7 @@
     </p:spTree>
     <p:extLst>
       <p:ext uri="{BB962C8B-B14F-4D97-AF65-F5344CB8AC3E}">
-        <p14:creationId xmlns:p14="http://schemas.microsoft.com/office/powerpoint/2010/main" val="2217456043"/>
+        <p14:creationId xmlns:p14="http://schemas.microsoft.com/office/powerpoint/2010/main" val="177429524"/>
       </p:ext>
     </p:extLst>
   </p:cSld>
@@ -4868,6 +4865,295 @@
           <a:p>
             <a:r>
               <a:rPr lang="ru-RU" dirty="0" smtClean="0"/>
+              <a:t>Паралельное выполнение</a:t>
+            </a:r>
+            <a:endParaRPr lang="ru-RU" dirty="0"/>
+          </a:p>
+        </p:txBody>
+      </p:sp>
+      <p:sp>
+        <p:nvSpPr>
+          <p:cNvPr id="3" name="Content Placeholder 2"/>
+          <p:cNvSpPr>
+            <a:spLocks noGrp="1"/>
+          </p:cNvSpPr>
+          <p:nvPr>
+            <p:ph idx="1"/>
+          </p:nvPr>
+        </p:nvSpPr>
+        <p:spPr/>
+        <p:txBody>
+          <a:bodyPr/>
+          <a:lstStyle/>
+          <a:p>
+            <a:r>
+              <a:rPr lang="en-US" dirty="0" err="1" smtClean="0"/>
+              <a:t>BackgroundWorker</a:t>
+            </a:r>
+            <a:endParaRPr lang="en-US" dirty="0" smtClean="0"/>
+          </a:p>
+          <a:p>
+            <a:r>
+              <a:rPr lang="en-US" dirty="0" smtClean="0"/>
+              <a:t>Timer</a:t>
+            </a:r>
+            <a:endParaRPr lang="ru-RU" dirty="0"/>
+          </a:p>
+        </p:txBody>
+      </p:sp>
+    </p:spTree>
+    <p:extLst>
+      <p:ext uri="{BB962C8B-B14F-4D97-AF65-F5344CB8AC3E}">
+        <p14:creationId xmlns:p14="http://schemas.microsoft.com/office/powerpoint/2010/main" val="498033561"/>
+      </p:ext>
+    </p:extLst>
+  </p:cSld>
+  <p:clrMapOvr>
+    <a:masterClrMapping/>
+  </p:clrMapOvr>
+  <p:timing>
+    <p:tnLst>
+      <p:par>
+        <p:cTn id="1" dur="indefinite" restart="never" nodeType="tmRoot"/>
+      </p:par>
+    </p:tnLst>
+  </p:timing>
+</p:sld>
+</file>
+
+<file path=ppt/slides/slide22.xml><?xml version="1.0" encoding="utf-8"?>
+<p:sld xmlns:a="http://schemas.openxmlformats.org/drawingml/2006/main" xmlns:r="http://schemas.openxmlformats.org/officeDocument/2006/relationships" xmlns:p="http://schemas.openxmlformats.org/presentationml/2006/main">
+  <p:cSld>
+    <p:spTree>
+      <p:nvGrpSpPr>
+        <p:cNvPr id="1" name=""/>
+        <p:cNvGrpSpPr/>
+        <p:nvPr/>
+      </p:nvGrpSpPr>
+      <p:grpSpPr>
+        <a:xfrm>
+          <a:off x="0" y="0"/>
+          <a:ext cx="0" cy="0"/>
+          <a:chOff x="0" y="0"/>
+          <a:chExt cx="0" cy="0"/>
+        </a:xfrm>
+      </p:grpSpPr>
+      <p:sp>
+        <p:nvSpPr>
+          <p:cNvPr id="4" name="Title 3"/>
+          <p:cNvSpPr>
+            <a:spLocks noGrp="1"/>
+          </p:cNvSpPr>
+          <p:nvPr>
+            <p:ph type="title"/>
+          </p:nvPr>
+        </p:nvSpPr>
+        <p:spPr/>
+        <p:txBody>
+          <a:bodyPr/>
+          <a:lstStyle/>
+          <a:p>
+            <a:r>
+              <a:rPr lang="ru-RU" dirty="0" smtClean="0"/>
+              <a:t>Полезные библиотеки</a:t>
+            </a:r>
+            <a:endParaRPr lang="ru-RU" dirty="0"/>
+          </a:p>
+        </p:txBody>
+      </p:sp>
+      <p:sp>
+        <p:nvSpPr>
+          <p:cNvPr id="5" name="Text Placeholder 4"/>
+          <p:cNvSpPr>
+            <a:spLocks noGrp="1"/>
+          </p:cNvSpPr>
+          <p:nvPr>
+            <p:ph type="body" idx="1"/>
+          </p:nvPr>
+        </p:nvSpPr>
+        <p:spPr/>
+        <p:txBody>
+          <a:bodyPr/>
+          <a:lstStyle/>
+          <a:p>
+            <a:endParaRPr lang="ru-RU" dirty="0"/>
+          </a:p>
+        </p:txBody>
+      </p:sp>
+    </p:spTree>
+    <p:extLst>
+      <p:ext uri="{BB962C8B-B14F-4D97-AF65-F5344CB8AC3E}">
+        <p14:creationId xmlns:p14="http://schemas.microsoft.com/office/powerpoint/2010/main" val="2756578197"/>
+      </p:ext>
+    </p:extLst>
+  </p:cSld>
+  <p:clrMapOvr>
+    <a:masterClrMapping/>
+  </p:clrMapOvr>
+  <p:timing>
+    <p:tnLst>
+      <p:par>
+        <p:cTn id="1" dur="indefinite" restart="never" nodeType="tmRoot"/>
+      </p:par>
+    </p:tnLst>
+  </p:timing>
+</p:sld>
+</file>
+
+<file path=ppt/slides/slide23.xml><?xml version="1.0" encoding="utf-8"?>
+<p:sld xmlns:a="http://schemas.openxmlformats.org/drawingml/2006/main" xmlns:r="http://schemas.openxmlformats.org/officeDocument/2006/relationships" xmlns:p="http://schemas.openxmlformats.org/presentationml/2006/main">
+  <p:cSld>
+    <p:spTree>
+      <p:nvGrpSpPr>
+        <p:cNvPr id="1" name=""/>
+        <p:cNvGrpSpPr/>
+        <p:nvPr/>
+      </p:nvGrpSpPr>
+      <p:grpSpPr>
+        <a:xfrm>
+          <a:off x="0" y="0"/>
+          <a:ext cx="0" cy="0"/>
+          <a:chOff x="0" y="0"/>
+          <a:chExt cx="0" cy="0"/>
+        </a:xfrm>
+      </p:grpSpPr>
+      <p:sp>
+        <p:nvSpPr>
+          <p:cNvPr id="2" name="Title 1"/>
+          <p:cNvSpPr>
+            <a:spLocks noGrp="1"/>
+          </p:cNvSpPr>
+          <p:nvPr>
+            <p:ph type="title"/>
+          </p:nvPr>
+        </p:nvSpPr>
+        <p:spPr/>
+        <p:txBody>
+          <a:bodyPr/>
+          <a:lstStyle/>
+          <a:p>
+            <a:r>
+              <a:rPr lang="ru-RU" dirty="0" smtClean="0"/>
+              <a:t>Элементы управления</a:t>
+            </a:r>
+            <a:endParaRPr lang="ru-RU" dirty="0"/>
+          </a:p>
+        </p:txBody>
+      </p:sp>
+      <p:sp>
+        <p:nvSpPr>
+          <p:cNvPr id="3" name="Content Placeholder 2"/>
+          <p:cNvSpPr>
+            <a:spLocks noGrp="1"/>
+          </p:cNvSpPr>
+          <p:nvPr>
+            <p:ph idx="1"/>
+          </p:nvPr>
+        </p:nvSpPr>
+        <p:spPr/>
+        <p:txBody>
+          <a:bodyPr/>
+          <a:lstStyle/>
+          <a:p>
+            <a:r>
+              <a:rPr lang="en-US" dirty="0" err="1" smtClean="0">
+                <a:solidFill>
+                  <a:srgbClr val="FFFF00"/>
+                </a:solidFill>
+              </a:rPr>
+              <a:t>FastColoredTextBox</a:t>
+            </a:r>
+            <a:r>
+              <a:rPr lang="ru-RU" dirty="0" smtClean="0"/>
+              <a:t>: </a:t>
+            </a:r>
+            <a:r>
+              <a:rPr lang="en-US" dirty="0" smtClean="0"/>
+              <a:t>textbox </a:t>
+            </a:r>
+            <a:r>
+              <a:rPr lang="ru-RU" dirty="0" smtClean="0"/>
+              <a:t>с подсветкой синтаксиса</a:t>
+            </a:r>
+            <a:br>
+              <a:rPr lang="ru-RU" dirty="0" smtClean="0"/>
+            </a:br>
+            <a:r>
+              <a:rPr lang="en-US" dirty="0">
+                <a:hlinkClick r:id="rId2"/>
+              </a:rPr>
+              <a:t>https://</a:t>
+            </a:r>
+            <a:r>
+              <a:rPr lang="en-US" dirty="0" smtClean="0">
+                <a:hlinkClick r:id="rId2"/>
+              </a:rPr>
+              <a:t>www.nuget.org/packages/FCTB/</a:t>
+            </a:r>
+            <a:endParaRPr lang="ru-RU" smtClean="0"/>
+          </a:p>
+          <a:p>
+            <a:endParaRPr lang="ru-RU" dirty="0" smtClean="0"/>
+          </a:p>
+          <a:p>
+            <a:endParaRPr lang="ru-RU" dirty="0"/>
+          </a:p>
+        </p:txBody>
+      </p:sp>
+    </p:spTree>
+    <p:extLst>
+      <p:ext uri="{BB962C8B-B14F-4D97-AF65-F5344CB8AC3E}">
+        <p14:creationId xmlns:p14="http://schemas.microsoft.com/office/powerpoint/2010/main" val="2217456043"/>
+      </p:ext>
+    </p:extLst>
+  </p:cSld>
+  <p:clrMapOvr>
+    <a:masterClrMapping/>
+  </p:clrMapOvr>
+  <p:timing>
+    <p:tnLst>
+      <p:par>
+        <p:cTn id="1" dur="indefinite" restart="never" nodeType="tmRoot"/>
+      </p:par>
+    </p:tnLst>
+  </p:timing>
+</p:sld>
+</file>
+
+<file path=ppt/slides/slide24.xml><?xml version="1.0" encoding="utf-8"?>
+<p:sld xmlns:a="http://schemas.openxmlformats.org/drawingml/2006/main" xmlns:r="http://schemas.openxmlformats.org/officeDocument/2006/relationships" xmlns:p="http://schemas.openxmlformats.org/presentationml/2006/main">
+  <p:cSld>
+    <p:spTree>
+      <p:nvGrpSpPr>
+        <p:cNvPr id="1" name=""/>
+        <p:cNvGrpSpPr/>
+        <p:nvPr/>
+      </p:nvGrpSpPr>
+      <p:grpSpPr>
+        <a:xfrm>
+          <a:off x="0" y="0"/>
+          <a:ext cx="0" cy="0"/>
+          <a:chOff x="0" y="0"/>
+          <a:chExt cx="0" cy="0"/>
+        </a:xfrm>
+      </p:grpSpPr>
+      <p:sp>
+        <p:nvSpPr>
+          <p:cNvPr id="2" name="Title 1"/>
+          <p:cNvSpPr>
+            <a:spLocks noGrp="1"/>
+          </p:cNvSpPr>
+          <p:nvPr>
+            <p:ph type="title"/>
+          </p:nvPr>
+        </p:nvSpPr>
+        <p:spPr/>
+        <p:txBody>
+          <a:bodyPr/>
+          <a:lstStyle/>
+          <a:p>
+            <a:r>
+              <a:rPr lang="ru-RU" dirty="0" smtClean="0"/>
               <a:t>Полезные инструменты</a:t>
             </a:r>
             <a:endParaRPr lang="en-US" dirty="0"/>
@@ -4906,7 +5192,7 @@
 </p:sld>
 </file>
 
-<file path=ppt/slides/slide22.xml><?xml version="1.0" encoding="utf-8"?>
+<file path=ppt/slides/slide25.xml><?xml version="1.0" encoding="utf-8"?>
 <p:sld xmlns:a="http://schemas.openxmlformats.org/drawingml/2006/main" xmlns:r="http://schemas.openxmlformats.org/officeDocument/2006/relationships" xmlns:p="http://schemas.openxmlformats.org/presentationml/2006/main">
   <p:cSld>
     <p:spTree>
@@ -6304,9 +6590,13 @@
           <a:p>
             <a:r>
               <a:rPr lang="ru-RU" dirty="0" smtClean="0"/>
-              <a:t>Имена событий</a:t>
-            </a:r>
-            <a:endParaRPr lang="ru-RU" dirty="0"/>
+              <a:t>Иерархия свойства </a:t>
+            </a:r>
+            <a:r>
+              <a:rPr lang="en-US" dirty="0" smtClean="0"/>
+              <a:t>Visible</a:t>
+            </a:r>
+            <a:endParaRPr lang="en-US" dirty="0"/>
           </a:p>
         </p:txBody>
       </p:sp>
@@ -6322,371 +6612,34 @@
         </p:nvSpPr>
         <p:spPr/>
         <p:txBody>
-          <a:bodyPr>
-            <a:normAutofit fontScale="70000" lnSpcReduction="20000"/>
-          </a:bodyPr>
+          <a:bodyPr/>
           <a:lstStyle/>
           <a:p>
-            <a:r>
-              <a:rPr lang="ru-RU" dirty="0"/>
-              <a:t>О</a:t>
-            </a:r>
-            <a:r>
-              <a:rPr lang="ru-RU" dirty="0" smtClean="0"/>
-              <a:t>кончание -</a:t>
-            </a:r>
-            <a:r>
-              <a:rPr lang="en-US" dirty="0" err="1" smtClean="0"/>
-              <a:t>ed</a:t>
-            </a:r>
-            <a:r>
-              <a:rPr lang="en-US" dirty="0" smtClean="0"/>
-              <a:t> </a:t>
-            </a:r>
-            <a:r>
-              <a:rPr lang="ru-RU" dirty="0" smtClean="0"/>
-              <a:t>(</a:t>
-            </a:r>
-            <a:r>
-              <a:rPr lang="en-US" dirty="0" err="1" smtClean="0"/>
-              <a:t>FormClosed</a:t>
-            </a:r>
-            <a:r>
-              <a:rPr lang="en-US" dirty="0" smtClean="0"/>
-              <a:t>, </a:t>
-            </a:r>
-            <a:r>
-              <a:rPr lang="en-US" dirty="0" err="1" smtClean="0"/>
-              <a:t>DefaultItemChanged</a:t>
-            </a:r>
-            <a:r>
-              <a:rPr lang="en-US" dirty="0" smtClean="0"/>
-              <a:t>, </a:t>
-            </a:r>
-            <a:r>
-              <a:rPr lang="en-US" dirty="0" err="1" smtClean="0"/>
-              <a:t>ItemRemoved</a:t>
-            </a:r>
-            <a:r>
-              <a:rPr lang="en-US" dirty="0" smtClean="0"/>
-              <a:t> </a:t>
-            </a:r>
-            <a:r>
-              <a:rPr lang="ru-RU" dirty="0"/>
-              <a:t>и т.п</a:t>
-            </a:r>
-            <a:r>
-              <a:rPr lang="ru-RU" dirty="0" smtClean="0"/>
-              <a:t>.):</a:t>
-            </a:r>
-            <a:r>
-              <a:rPr lang="en-US" dirty="0" smtClean="0"/>
-              <a:t> </a:t>
-            </a:r>
-            <a:r>
-              <a:rPr lang="ru-RU" dirty="0" smtClean="0"/>
-              <a:t>событие генерируется после указанного действия.</a:t>
-            </a:r>
-            <a:endParaRPr lang="en-US" dirty="0" smtClean="0"/>
-          </a:p>
-          <a:p>
-            <a:r>
-              <a:rPr lang="ru-RU" dirty="0" smtClean="0"/>
-              <a:t>Окончание –</a:t>
-            </a:r>
-            <a:r>
-              <a:rPr lang="en-US" dirty="0" err="1" smtClean="0"/>
-              <a:t>ing</a:t>
-            </a:r>
-            <a:r>
-              <a:rPr lang="ru-RU" dirty="0" smtClean="0"/>
-              <a:t> (</a:t>
-            </a:r>
-            <a:r>
-              <a:rPr lang="en-US" dirty="0" err="1" smtClean="0"/>
-              <a:t>FormClosing</a:t>
-            </a:r>
-            <a:r>
-              <a:rPr lang="en-US" dirty="0" smtClean="0"/>
-              <a:t>,</a:t>
-            </a:r>
-            <a:r>
-              <a:rPr lang="ru-RU" dirty="0" smtClean="0"/>
-              <a:t> </a:t>
-            </a:r>
-            <a:r>
-              <a:rPr lang="en-US" dirty="0" smtClean="0"/>
-              <a:t>Validating, Opening </a:t>
-            </a:r>
-            <a:r>
-              <a:rPr lang="ru-RU" dirty="0" smtClean="0"/>
-              <a:t>и т.п.): событие генерируется в момент указанного действия. Иногда дается возможность отмены.</a:t>
-            </a:r>
-          </a:p>
-          <a:p>
-            <a:r>
-              <a:rPr lang="en-US" dirty="0" err="1" smtClean="0"/>
-              <a:t>BeforeSmth</a:t>
-            </a:r>
-            <a:r>
-              <a:rPr lang="en-US" dirty="0" smtClean="0"/>
-              <a:t> </a:t>
-            </a:r>
-            <a:r>
-              <a:rPr lang="ru-RU" dirty="0" smtClean="0"/>
-              <a:t>(</a:t>
-            </a:r>
-            <a:r>
-              <a:rPr lang="en-US" dirty="0" err="1" smtClean="0"/>
-              <a:t>BeforeCollapse</a:t>
-            </a:r>
-            <a:r>
-              <a:rPr lang="en-US" dirty="0"/>
-              <a:t>, </a:t>
-            </a:r>
-            <a:r>
-              <a:rPr lang="en-US" dirty="0" err="1"/>
-              <a:t>Before</a:t>
-            </a:r>
-            <a:r>
-              <a:rPr lang="en-US" dirty="0" err="1" smtClean="0"/>
-              <a:t>Expand</a:t>
-            </a:r>
-            <a:r>
-              <a:rPr lang="en-US" dirty="0"/>
-              <a:t>, </a:t>
-            </a:r>
-            <a:r>
-              <a:rPr lang="en-US" dirty="0" err="1"/>
-              <a:t>Before</a:t>
-            </a:r>
-            <a:r>
-              <a:rPr lang="en-US" dirty="0" err="1" smtClean="0"/>
-              <a:t>LabelEdit</a:t>
-            </a:r>
-            <a:r>
-              <a:rPr lang="en-US" dirty="0" smtClean="0"/>
-              <a:t> </a:t>
-            </a:r>
-            <a:r>
-              <a:rPr lang="ru-RU" dirty="0" smtClean="0"/>
-              <a:t>и </a:t>
-            </a:r>
-            <a:r>
-              <a:rPr lang="ru-RU" dirty="0"/>
-              <a:t>т.п</a:t>
-            </a:r>
-            <a:r>
-              <a:rPr lang="ru-RU" dirty="0" smtClean="0"/>
-              <a:t>.): событие генерируется до указанного действия.</a:t>
-            </a:r>
-            <a:endParaRPr lang="en-US" dirty="0" smtClean="0"/>
-          </a:p>
-          <a:p>
-            <a:r>
-              <a:rPr lang="en-US" dirty="0" err="1" smtClean="0"/>
-              <a:t>AfterSmth</a:t>
-            </a:r>
-            <a:r>
-              <a:rPr lang="en-US" dirty="0" smtClean="0"/>
-              <a:t> </a:t>
-            </a:r>
-            <a:r>
-              <a:rPr lang="ru-RU" dirty="0" smtClean="0"/>
-              <a:t>(</a:t>
-            </a:r>
-            <a:r>
-              <a:rPr lang="en-US" dirty="0" err="1" smtClean="0"/>
-              <a:t>AfterCollapse</a:t>
-            </a:r>
-            <a:r>
-              <a:rPr lang="en-US" dirty="0" smtClean="0"/>
-              <a:t>, </a:t>
-            </a:r>
-            <a:r>
-              <a:rPr lang="en-US" dirty="0" err="1" smtClean="0"/>
-              <a:t>AfterExpand</a:t>
-            </a:r>
-            <a:r>
-              <a:rPr lang="en-US" dirty="0" smtClean="0"/>
-              <a:t>, </a:t>
-            </a:r>
-            <a:r>
-              <a:rPr lang="en-US" dirty="0" err="1" smtClean="0"/>
-              <a:t>AfterLabelEdit</a:t>
-            </a:r>
-            <a:r>
-              <a:rPr lang="en-US" dirty="0" smtClean="0"/>
-              <a:t> </a:t>
-            </a:r>
-            <a:r>
-              <a:rPr lang="ru-RU" dirty="0" smtClean="0"/>
-              <a:t>и </a:t>
-            </a:r>
-            <a:r>
-              <a:rPr lang="ru-RU" dirty="0"/>
-              <a:t>т.п</a:t>
-            </a:r>
-            <a:r>
-              <a:rPr lang="ru-RU" dirty="0" smtClean="0"/>
-              <a:t>.):</a:t>
-            </a:r>
-            <a:r>
-              <a:rPr lang="en-US" dirty="0" smtClean="0"/>
-              <a:t> </a:t>
-            </a:r>
-            <a:r>
-              <a:rPr lang="ru-RU" dirty="0"/>
-              <a:t>событие генерируется после указанного действия</a:t>
-            </a:r>
-            <a:r>
-              <a:rPr lang="ru-RU" dirty="0" smtClean="0"/>
-              <a:t>.</a:t>
-            </a:r>
-          </a:p>
-          <a:p>
-            <a:r>
-              <a:rPr lang="en-US" dirty="0" smtClean="0"/>
-              <a:t>Begin (</a:t>
-            </a:r>
-            <a:r>
-              <a:rPr lang="en-US" dirty="0" err="1" smtClean="0"/>
-              <a:t>BeginDrag</a:t>
-            </a:r>
-            <a:r>
-              <a:rPr lang="en-US" dirty="0" smtClean="0"/>
-              <a:t>, </a:t>
-            </a:r>
-            <a:r>
-              <a:rPr lang="en-US" dirty="0" err="1" smtClean="0"/>
-              <a:t>CellBeginEdit</a:t>
-            </a:r>
-            <a:r>
-              <a:rPr lang="en-US" dirty="0" smtClean="0"/>
-              <a:t>, </a:t>
-            </a:r>
-            <a:r>
-              <a:rPr lang="en-US" dirty="0" err="1" smtClean="0"/>
-              <a:t>ResizeBegin</a:t>
-            </a:r>
-            <a:r>
-              <a:rPr lang="en-US" dirty="0"/>
-              <a:t> </a:t>
-            </a:r>
-            <a:r>
-              <a:rPr lang="ru-RU" dirty="0" smtClean="0"/>
-              <a:t>и т.п.</a:t>
-            </a:r>
-            <a:r>
-              <a:rPr lang="en-US" dirty="0" smtClean="0"/>
-              <a:t>)</a:t>
-            </a:r>
-          </a:p>
-          <a:p>
-            <a:r>
-              <a:rPr lang="en-US" dirty="0" smtClean="0"/>
-              <a:t>End</a:t>
-            </a:r>
-            <a:r>
-              <a:rPr lang="ru-RU" dirty="0" smtClean="0"/>
-              <a:t> (</a:t>
-            </a:r>
-            <a:r>
-              <a:rPr lang="en-US" dirty="0" err="1" smtClean="0"/>
-              <a:t>EndDrag</a:t>
-            </a:r>
-            <a:r>
-              <a:rPr lang="en-US" dirty="0" smtClean="0"/>
-              <a:t>, </a:t>
-            </a:r>
-            <a:r>
-              <a:rPr lang="en-US" dirty="0" err="1" smtClean="0"/>
-              <a:t>CellEndEdit</a:t>
-            </a:r>
-            <a:r>
-              <a:rPr lang="en-US" dirty="0"/>
-              <a:t>, </a:t>
-            </a:r>
-            <a:r>
-              <a:rPr lang="en-US" dirty="0" err="1" smtClean="0"/>
-              <a:t>ResizeEnd</a:t>
-            </a:r>
-            <a:r>
-              <a:rPr lang="en-US" dirty="0" smtClean="0"/>
-              <a:t> </a:t>
-            </a:r>
-            <a:r>
-              <a:rPr lang="ru-RU" dirty="0"/>
-              <a:t>и т.п</a:t>
-            </a:r>
-            <a:r>
-              <a:rPr lang="ru-RU" dirty="0" smtClean="0"/>
-              <a:t>.)</a:t>
-            </a:r>
-            <a:endParaRPr lang="en-US" dirty="0" smtClean="0"/>
-          </a:p>
-          <a:p>
-            <a:r>
-              <a:rPr lang="en-US" dirty="0" err="1" smtClean="0"/>
-              <a:t>MouseXXX</a:t>
-            </a:r>
-            <a:r>
-              <a:rPr lang="ru-RU" dirty="0"/>
-              <a:t>:</a:t>
-            </a:r>
-            <a:r>
-              <a:rPr lang="en-US" dirty="0" smtClean="0"/>
-              <a:t> </a:t>
-            </a:r>
-            <a:r>
-              <a:rPr lang="ru-RU" dirty="0" smtClean="0"/>
-              <a:t>события связанные с мышью</a:t>
-            </a:r>
-          </a:p>
-          <a:p>
-            <a:r>
-              <a:rPr lang="en-US" dirty="0" err="1" smtClean="0"/>
-              <a:t>KeyXXX</a:t>
-            </a:r>
-            <a:r>
-              <a:rPr lang="en-US" dirty="0" smtClean="0"/>
-              <a:t>:</a:t>
-            </a:r>
-            <a:r>
-              <a:rPr lang="ru-RU" dirty="0"/>
-              <a:t> события связанные с </a:t>
-            </a:r>
-            <a:r>
-              <a:rPr lang="ru-RU" dirty="0" smtClean="0"/>
-              <a:t>клавиатурой</a:t>
-            </a:r>
-          </a:p>
-          <a:p>
-            <a:r>
-              <a:rPr lang="ru-RU" dirty="0" smtClean="0"/>
-              <a:t>Другие</a:t>
-            </a:r>
-            <a:endParaRPr lang="ru-RU" dirty="0"/>
+            <a:pPr marL="0" indent="0">
+              <a:buNone/>
+            </a:pPr>
+            <a:r>
+              <a:rPr lang="ru-RU" dirty="0" smtClean="0"/>
+              <a:t>Если контейнер невидим, то элемент управления </a:t>
+            </a:r>
+            <a:r>
+              <a:rPr lang="ru-RU" smtClean="0"/>
+              <a:t>будет невидим.</a:t>
+            </a:r>
+            <a:endParaRPr lang="en-US" dirty="0"/>
           </a:p>
         </p:txBody>
       </p:sp>
     </p:spTree>
     <p:extLst>
       <p:ext uri="{BB962C8B-B14F-4D97-AF65-F5344CB8AC3E}">
-        <p14:creationId xmlns:p14="http://schemas.microsoft.com/office/powerpoint/2010/main" val="3606278535"/>
+        <p14:creationId xmlns:p14="http://schemas.microsoft.com/office/powerpoint/2010/main" val="4287770717"/>
       </p:ext>
     </p:extLst>
   </p:cSld>
   <p:clrMapOvr>
     <a:masterClrMapping/>
   </p:clrMapOvr>
-  <p:timing>
-    <p:tnLst>
-      <p:par>
-        <p:cTn id="1" dur="indefinite" restart="never" nodeType="tmRoot"/>
-      </p:par>
-    </p:tnLst>
-  </p:timing>
 </p:sld>
 </file>
 
@@ -6724,79 +6677,367 @@
           <a:p>
             <a:r>
               <a:rPr lang="ru-RU" dirty="0" smtClean="0"/>
-              <a:t>Метод </a:t>
+              <a:t>Имена событий</a:t>
+            </a:r>
+            <a:endParaRPr lang="ru-RU" dirty="0"/>
+          </a:p>
+        </p:txBody>
+      </p:sp>
+      <p:sp>
+        <p:nvSpPr>
+          <p:cNvPr id="3" name="Content Placeholder 2"/>
+          <p:cNvSpPr>
+            <a:spLocks noGrp="1"/>
+          </p:cNvSpPr>
+          <p:nvPr>
+            <p:ph idx="1"/>
+          </p:nvPr>
+        </p:nvSpPr>
+        <p:spPr/>
+        <p:txBody>
+          <a:bodyPr>
+            <a:normAutofit fontScale="70000" lnSpcReduction="20000"/>
+          </a:bodyPr>
+          <a:lstStyle/>
+          <a:p>
+            <a:r>
+              <a:rPr lang="ru-RU" dirty="0"/>
+              <a:t>О</a:t>
+            </a:r>
+            <a:r>
+              <a:rPr lang="ru-RU" dirty="0" smtClean="0"/>
+              <a:t>кончание -</a:t>
+            </a:r>
+            <a:r>
+              <a:rPr lang="en-US" dirty="0" err="1" smtClean="0"/>
+              <a:t>ed</a:t>
+            </a:r>
+            <a:r>
+              <a:rPr lang="en-US" dirty="0" smtClean="0"/>
+              <a:t> </a:t>
+            </a:r>
+            <a:r>
+              <a:rPr lang="ru-RU" dirty="0" smtClean="0"/>
+              <a:t>(</a:t>
+            </a:r>
+            <a:r>
+              <a:rPr lang="en-US" dirty="0" err="1" smtClean="0"/>
+              <a:t>FormClosed</a:t>
+            </a:r>
+            <a:r>
+              <a:rPr lang="en-US" dirty="0" smtClean="0"/>
+              <a:t>, </a:t>
+            </a:r>
+            <a:r>
+              <a:rPr lang="en-US" dirty="0" err="1" smtClean="0"/>
+              <a:t>DefaultItemChanged</a:t>
+            </a:r>
+            <a:r>
+              <a:rPr lang="en-US" dirty="0" smtClean="0"/>
+              <a:t>, </a:t>
+            </a:r>
+            <a:r>
+              <a:rPr lang="en-US" dirty="0" err="1" smtClean="0"/>
+              <a:t>ItemRemoved</a:t>
+            </a:r>
+            <a:r>
+              <a:rPr lang="en-US" dirty="0" smtClean="0"/>
+              <a:t> </a:t>
+            </a:r>
+            <a:r>
+              <a:rPr lang="ru-RU" dirty="0"/>
+              <a:t>и т.п</a:t>
+            </a:r>
+            <a:r>
+              <a:rPr lang="ru-RU" dirty="0" smtClean="0"/>
+              <a:t>.):</a:t>
+            </a:r>
+            <a:r>
+              <a:rPr lang="en-US" dirty="0" smtClean="0"/>
+              <a:t> </a:t>
+            </a:r>
+            <a:r>
+              <a:rPr lang="ru-RU" dirty="0" smtClean="0"/>
+              <a:t>событие генерируется после указанного действия.</a:t>
+            </a:r>
+            <a:endParaRPr lang="en-US" dirty="0" smtClean="0"/>
+          </a:p>
+          <a:p>
+            <a:r>
+              <a:rPr lang="ru-RU" dirty="0" smtClean="0"/>
+              <a:t>Окончание –</a:t>
+            </a:r>
+            <a:r>
+              <a:rPr lang="en-US" dirty="0" err="1" smtClean="0"/>
+              <a:t>ing</a:t>
+            </a:r>
+            <a:r>
+              <a:rPr lang="ru-RU" dirty="0" smtClean="0"/>
+              <a:t> (</a:t>
+            </a:r>
+            <a:r>
+              <a:rPr lang="en-US" dirty="0" err="1" smtClean="0"/>
+              <a:t>FormClosing</a:t>
+            </a:r>
+            <a:r>
+              <a:rPr lang="en-US" dirty="0" smtClean="0"/>
+              <a:t>,</a:t>
+            </a:r>
+            <a:r>
+              <a:rPr lang="ru-RU" dirty="0" smtClean="0"/>
+              <a:t> </a:t>
+            </a:r>
+            <a:r>
+              <a:rPr lang="en-US" dirty="0" smtClean="0"/>
+              <a:t>Validating, Opening </a:t>
+            </a:r>
+            <a:r>
+              <a:rPr lang="ru-RU" dirty="0" smtClean="0"/>
+              <a:t>и т.п.): событие генерируется в момент указанного действия. Иногда дается возможность отмены.</a:t>
+            </a:r>
+          </a:p>
+          <a:p>
+            <a:r>
+              <a:rPr lang="en-US" dirty="0" err="1" smtClean="0"/>
+              <a:t>BeforeSmth</a:t>
+            </a:r>
+            <a:r>
+              <a:rPr lang="en-US" dirty="0" smtClean="0"/>
+              <a:t> </a:t>
+            </a:r>
+            <a:r>
+              <a:rPr lang="ru-RU" dirty="0" smtClean="0"/>
+              <a:t>(</a:t>
+            </a:r>
+            <a:r>
+              <a:rPr lang="en-US" dirty="0" err="1" smtClean="0"/>
+              <a:t>BeforeCollapse</a:t>
+            </a:r>
+            <a:r>
+              <a:rPr lang="en-US" dirty="0"/>
+              <a:t>, </a:t>
             </a:r>
             <a:r>
               <a:rPr lang="en-US" dirty="0" err="1"/>
-              <a:t>InitializeComponent</a:t>
-            </a:r>
-            <a:endParaRPr lang="ru-RU" dirty="0"/>
-          </a:p>
-        </p:txBody>
-      </p:sp>
-      <p:sp>
-        <p:nvSpPr>
-          <p:cNvPr id="3" name="Content Placeholder 2"/>
-          <p:cNvSpPr>
-            <a:spLocks noGrp="1"/>
-          </p:cNvSpPr>
-          <p:nvPr>
-            <p:ph idx="1"/>
-          </p:nvPr>
-        </p:nvSpPr>
-        <p:spPr/>
-        <p:txBody>
-          <a:bodyPr/>
-          <a:lstStyle/>
-          <a:p>
-            <a:pPr marL="0" indent="0">
-              <a:buNone/>
-            </a:pPr>
-            <a:r>
-              <a:rPr lang="ru-RU" dirty="0" smtClean="0"/>
-              <a:t>Метод </a:t>
+              <a:t>Before</a:t>
             </a:r>
             <a:r>
               <a:rPr lang="en-US" dirty="0" err="1" smtClean="0"/>
-              <a:t>InitializeComponent</a:t>
-            </a:r>
-            <a:r>
-              <a:rPr lang="ru-RU" dirty="0" smtClean="0"/>
-              <a:t> используется дизайнером </a:t>
+              <a:t>Expand</a:t>
+            </a:r>
+            <a:r>
+              <a:rPr lang="en-US" dirty="0"/>
+              <a:t>, </a:t>
+            </a:r>
+            <a:r>
+              <a:rPr lang="en-US" dirty="0" err="1"/>
+              <a:t>Before</a:t>
+            </a:r>
+            <a:r>
+              <a:rPr lang="en-US" dirty="0" err="1" smtClean="0"/>
+              <a:t>LabelEdit</a:t>
             </a:r>
             <a:r>
               <a:rPr lang="en-US" dirty="0" smtClean="0"/>
-              <a:t>Visual Studio.</a:t>
-            </a:r>
-          </a:p>
-          <a:p>
-            <a:r>
-              <a:rPr lang="ru-RU" dirty="0" smtClean="0"/>
-              <a:t>Не меняйте этот метод</a:t>
-            </a:r>
-          </a:p>
-          <a:p>
-            <a:r>
-              <a:rPr lang="ru-RU" dirty="0" smtClean="0"/>
-              <a:t>Не удаляйте вызов </a:t>
-            </a:r>
+              <a:t> </a:t>
+            </a:r>
+            <a:r>
+              <a:rPr lang="ru-RU" dirty="0" smtClean="0"/>
+              <a:t>и </a:t>
+            </a:r>
+            <a:r>
+              <a:rPr lang="ru-RU" dirty="0"/>
+              <a:t>т.п</a:t>
+            </a:r>
+            <a:r>
+              <a:rPr lang="ru-RU" dirty="0" smtClean="0"/>
+              <a:t>.): событие генерируется до указанного действия.</a:t>
+            </a:r>
+            <a:endParaRPr lang="en-US" dirty="0" smtClean="0"/>
+          </a:p>
+          <a:p>
             <a:r>
               <a:rPr lang="en-US" dirty="0" err="1" smtClean="0"/>
-              <a:t>InitializeComponent</a:t>
-            </a:r>
-            <a:r>
-              <a:rPr lang="ru-RU" dirty="0" smtClean="0"/>
-              <a:t> из конструктора формы</a:t>
-            </a:r>
-          </a:p>
-          <a:p>
-            <a:r>
-              <a:rPr lang="ru-RU" dirty="0" smtClean="0"/>
-              <a:t>Пишите свой код инициализации после </a:t>
-            </a:r>
-            <a:r>
-              <a:rPr lang="en-US" dirty="0" err="1"/>
-              <a:t>InitializeComponent</a:t>
+              <a:t>AfterSmth</a:t>
+            </a:r>
+            <a:r>
+              <a:rPr lang="en-US" dirty="0" smtClean="0"/>
+              <a:t> </a:t>
+            </a:r>
+            <a:r>
+              <a:rPr lang="ru-RU" dirty="0" smtClean="0"/>
+              <a:t>(</a:t>
+            </a:r>
+            <a:r>
+              <a:rPr lang="en-US" dirty="0" err="1" smtClean="0"/>
+              <a:t>AfterCollapse</a:t>
+            </a:r>
+            <a:r>
+              <a:rPr lang="en-US" dirty="0" smtClean="0"/>
+              <a:t>, </a:t>
+            </a:r>
+            <a:r>
+              <a:rPr lang="en-US" dirty="0" err="1" smtClean="0"/>
+              <a:t>AfterExpand</a:t>
+            </a:r>
+            <a:r>
+              <a:rPr lang="en-US" dirty="0" smtClean="0"/>
+              <a:t>, </a:t>
+            </a:r>
+            <a:r>
+              <a:rPr lang="en-US" dirty="0" err="1" smtClean="0"/>
+              <a:t>AfterLabelEdit</a:t>
+            </a:r>
+            <a:r>
+              <a:rPr lang="en-US" dirty="0" smtClean="0"/>
+              <a:t> </a:t>
+            </a:r>
+            <a:r>
+              <a:rPr lang="ru-RU" dirty="0" smtClean="0"/>
+              <a:t>и </a:t>
+            </a:r>
+            <a:r>
+              <a:rPr lang="ru-RU" dirty="0"/>
+              <a:t>т.п</a:t>
+            </a:r>
+            <a:r>
+              <a:rPr lang="ru-RU" dirty="0" smtClean="0"/>
+              <a:t>.):</a:t>
+            </a:r>
+            <a:r>
+              <a:rPr lang="en-US" dirty="0" smtClean="0"/>
+              <a:t> </a:t>
+            </a:r>
+            <a:r>
+              <a:rPr lang="ru-RU" dirty="0"/>
+              <a:t>событие генерируется после указанного действия</a:t>
+            </a:r>
+            <a:r>
+              <a:rPr lang="ru-RU" dirty="0" smtClean="0"/>
+              <a:t>.</a:t>
+            </a:r>
+          </a:p>
+          <a:p>
+            <a:r>
+              <a:rPr lang="en-US" dirty="0" smtClean="0"/>
+              <a:t>Begin (</a:t>
+            </a:r>
+            <a:r>
+              <a:rPr lang="en-US" dirty="0" err="1" smtClean="0"/>
+              <a:t>BeginDrag</a:t>
+            </a:r>
+            <a:r>
+              <a:rPr lang="en-US" dirty="0" smtClean="0"/>
+              <a:t>, </a:t>
+            </a:r>
+            <a:r>
+              <a:rPr lang="en-US" dirty="0" err="1" smtClean="0"/>
+              <a:t>CellBeginEdit</a:t>
+            </a:r>
+            <a:r>
+              <a:rPr lang="en-US" dirty="0" smtClean="0"/>
+              <a:t>, </a:t>
+            </a:r>
+            <a:r>
+              <a:rPr lang="en-US" dirty="0" err="1" smtClean="0"/>
+              <a:t>ResizeBegin</a:t>
+            </a:r>
+            <a:r>
+              <a:rPr lang="en-US" dirty="0"/>
+              <a:t> </a:t>
+            </a:r>
+            <a:r>
+              <a:rPr lang="ru-RU" dirty="0" smtClean="0"/>
+              <a:t>и т.п.</a:t>
+            </a:r>
+            <a:r>
+              <a:rPr lang="en-US" dirty="0" smtClean="0"/>
+              <a:t>)</a:t>
+            </a:r>
+          </a:p>
+          <a:p>
+            <a:r>
+              <a:rPr lang="en-US" dirty="0" smtClean="0"/>
+              <a:t>End</a:t>
+            </a:r>
+            <a:r>
+              <a:rPr lang="ru-RU" dirty="0" smtClean="0"/>
+              <a:t> (</a:t>
+            </a:r>
+            <a:r>
+              <a:rPr lang="en-US" dirty="0" err="1" smtClean="0"/>
+              <a:t>EndDrag</a:t>
+            </a:r>
+            <a:r>
+              <a:rPr lang="en-US" dirty="0" smtClean="0"/>
+              <a:t>, </a:t>
+            </a:r>
+            <a:r>
+              <a:rPr lang="en-US" dirty="0" err="1" smtClean="0"/>
+              <a:t>CellEndEdit</a:t>
+            </a:r>
+            <a:r>
+              <a:rPr lang="en-US" dirty="0"/>
+              <a:t>, </a:t>
+            </a:r>
+            <a:r>
+              <a:rPr lang="en-US" dirty="0" err="1" smtClean="0"/>
+              <a:t>ResizeEnd</a:t>
+            </a:r>
+            <a:r>
+              <a:rPr lang="en-US" dirty="0" smtClean="0"/>
+              <a:t> </a:t>
+            </a:r>
+            <a:r>
+              <a:rPr lang="ru-RU" dirty="0"/>
+              <a:t>и т.п</a:t>
+            </a:r>
+            <a:r>
+              <a:rPr lang="ru-RU" dirty="0" smtClean="0"/>
+              <a:t>.)</a:t>
+            </a:r>
+            <a:endParaRPr lang="en-US" dirty="0" smtClean="0"/>
+          </a:p>
+          <a:p>
+            <a:r>
+              <a:rPr lang="en-US" dirty="0" err="1" smtClean="0"/>
+              <a:t>MouseXXX</a:t>
+            </a:r>
+            <a:r>
+              <a:rPr lang="ru-RU" dirty="0"/>
+              <a:t>:</a:t>
+            </a:r>
+            <a:r>
+              <a:rPr lang="en-US" dirty="0" smtClean="0"/>
+              <a:t> </a:t>
+            </a:r>
+            <a:r>
+              <a:rPr lang="ru-RU" dirty="0" smtClean="0"/>
+              <a:t>события связанные с мышью</a:t>
+            </a:r>
+          </a:p>
+          <a:p>
+            <a:r>
+              <a:rPr lang="en-US" dirty="0" err="1" smtClean="0"/>
+              <a:t>KeyXXX</a:t>
+            </a:r>
+            <a:r>
+              <a:rPr lang="en-US" dirty="0" smtClean="0"/>
+              <a:t>:</a:t>
+            </a:r>
+            <a:r>
+              <a:rPr lang="ru-RU" dirty="0"/>
+              <a:t> события связанные с </a:t>
+            </a:r>
+            <a:r>
+              <a:rPr lang="ru-RU" dirty="0" smtClean="0"/>
+              <a:t>клавиатурой</a:t>
+            </a:r>
+          </a:p>
+          <a:p>
+            <a:r>
+              <a:rPr lang="ru-RU" dirty="0" smtClean="0"/>
+              <a:t>Другие</a:t>
             </a:r>
             <a:endParaRPr lang="ru-RU" dirty="0"/>
           </a:p>
@@ -6805,7 +7046,7 @@
     </p:spTree>
     <p:extLst>
       <p:ext uri="{BB962C8B-B14F-4D97-AF65-F5344CB8AC3E}">
-        <p14:creationId xmlns:p14="http://schemas.microsoft.com/office/powerpoint/2010/main" val="4026839946"/>
+        <p14:creationId xmlns:p14="http://schemas.microsoft.com/office/powerpoint/2010/main" val="3606278535"/>
       </p:ext>
     </p:extLst>
   </p:cSld>

--- a/Presentation/lesson-12-winforms.pptx
+++ b/Presentation/lesson-12-winforms.pptx
@@ -232,7 +232,7 @@
           <a:p>
             <a:fld id="{B24A7054-7FFB-49F4-A126-5DF6E687FF53}" type="datetimeFigureOut">
               <a:rPr lang="ru-RU" smtClean="0"/>
-              <a:t>20.01.2018</a:t>
+              <a:t>01.07.2018</a:t>
             </a:fld>
             <a:endParaRPr lang="ru-RU"/>
           </a:p>
@@ -296,35 +296,35 @@
           <a:p>
             <a:pPr lvl="0"/>
             <a:r>
-              <a:rPr lang="en-US" smtClean="0"/>
+              <a:rPr lang="en-US"/>
               <a:t>Click to edit Master text styles</a:t>
             </a:r>
           </a:p>
           <a:p>
             <a:pPr lvl="1"/>
             <a:r>
-              <a:rPr lang="en-US" smtClean="0"/>
+              <a:rPr lang="en-US"/>
               <a:t>Second level</a:t>
             </a:r>
           </a:p>
           <a:p>
             <a:pPr lvl="2"/>
             <a:r>
-              <a:rPr lang="en-US" smtClean="0"/>
+              <a:rPr lang="en-US"/>
               <a:t>Third level</a:t>
             </a:r>
           </a:p>
           <a:p>
             <a:pPr lvl="3"/>
             <a:r>
-              <a:rPr lang="en-US" smtClean="0"/>
+              <a:rPr lang="en-US"/>
               <a:t>Fourth level</a:t>
             </a:r>
           </a:p>
           <a:p>
             <a:pPr lvl="4"/>
             <a:r>
-              <a:rPr lang="en-US" smtClean="0"/>
+              <a:rPr lang="en-US"/>
               <a:t>Fifth level</a:t>
             </a:r>
             <a:endParaRPr lang="ru-RU"/>
@@ -540,7 +540,7 @@
           <a:p>
             <a:pPr algn="ctr"/>
             <a:r>
-              <a:rPr lang="ru-RU" sz="3600" b="1" i="1" dirty="0" smtClean="0">
+              <a:rPr lang="ru-RU" sz="3600" b="1" i="1" dirty="0">
                 <a:solidFill>
                   <a:schemeClr val="bg1"/>
                 </a:solidFill>
@@ -548,7 +548,7 @@
               <a:t>Основы программирования на </a:t>
             </a:r>
             <a:r>
-              <a:rPr lang="en-US" sz="3600" b="1" i="1" dirty="0" smtClean="0">
+              <a:rPr lang="en-US" sz="3600" b="1" i="1" dirty="0">
                 <a:solidFill>
                   <a:schemeClr val="bg1"/>
                 </a:solidFill>
@@ -655,18 +655,10 @@
                   <a:schemeClr val="bg1"/>
                 </a:solidFill>
               </a:rPr>
-              <a:t>Занятие </a:t>
-            </a:r>
-            <a:r>
-              <a:rPr lang="ru-RU" sz="2400" dirty="0" smtClean="0">
-                <a:solidFill>
-                  <a:schemeClr val="bg1"/>
-                </a:solidFill>
-              </a:rPr>
-              <a:t>№</a:t>
-            </a:r>
-            <a:r>
-              <a:rPr lang="en-US" sz="2400" dirty="0" smtClean="0">
+              <a:t>Занятие №</a:t>
+            </a:r>
+            <a:r>
+              <a:rPr lang="en-US" sz="2400" dirty="0">
                 <a:solidFill>
                   <a:schemeClr val="bg1"/>
                 </a:solidFill>
@@ -674,7 +666,7 @@
               <a:t>?</a:t>
             </a:r>
             <a:r>
-              <a:rPr lang="ru-RU" sz="2400" dirty="0" smtClean="0">
+              <a:rPr lang="ru-RU" sz="2400" dirty="0">
                 <a:solidFill>
                   <a:schemeClr val="bg1"/>
                 </a:solidFill>
@@ -744,7 +736,7 @@
           </a:lstStyle>
           <a:p>
             <a:r>
-              <a:rPr lang="en-US" smtClean="0"/>
+              <a:rPr lang="en-US"/>
               <a:t>Click to edit Master title style</a:t>
             </a:r>
             <a:endParaRPr lang="ru-RU" dirty="0"/>
@@ -809,7 +801,7 @@
           </a:lstStyle>
           <a:p>
             <a:r>
-              <a:rPr lang="en-US" smtClean="0"/>
+              <a:rPr lang="en-US"/>
               <a:t>Click icon to add picture</a:t>
             </a:r>
             <a:endParaRPr lang="ru-RU"/>
@@ -875,7 +867,7 @@
           <a:p>
             <a:pPr lvl="0"/>
             <a:r>
-              <a:rPr lang="en-US" smtClean="0"/>
+              <a:rPr lang="en-US"/>
               <a:t>Click to edit Master text styles</a:t>
             </a:r>
           </a:p>
@@ -927,7 +919,7 @@
           <a:lstStyle/>
           <a:p>
             <a:r>
-              <a:rPr lang="en-US" smtClean="0"/>
+              <a:rPr lang="en-US"/>
               <a:t>Click to edit Master title style</a:t>
             </a:r>
             <a:endParaRPr lang="ru-RU" dirty="0"/>
@@ -951,35 +943,35 @@
           <a:p>
             <a:pPr lvl="0"/>
             <a:r>
-              <a:rPr lang="en-US" smtClean="0"/>
+              <a:rPr lang="en-US"/>
               <a:t>Click to edit Master text styles</a:t>
             </a:r>
           </a:p>
           <a:p>
             <a:pPr lvl="1"/>
             <a:r>
-              <a:rPr lang="en-US" smtClean="0"/>
+              <a:rPr lang="en-US"/>
               <a:t>Second level</a:t>
             </a:r>
           </a:p>
           <a:p>
             <a:pPr lvl="2"/>
             <a:r>
-              <a:rPr lang="en-US" smtClean="0"/>
+              <a:rPr lang="en-US"/>
               <a:t>Third level</a:t>
             </a:r>
           </a:p>
           <a:p>
             <a:pPr lvl="3"/>
             <a:r>
-              <a:rPr lang="en-US" smtClean="0"/>
+              <a:rPr lang="en-US"/>
               <a:t>Fourth level</a:t>
             </a:r>
           </a:p>
           <a:p>
             <a:pPr lvl="4"/>
             <a:r>
-              <a:rPr lang="en-US" smtClean="0"/>
+              <a:rPr lang="en-US"/>
               <a:t>Fifth level</a:t>
             </a:r>
             <a:endParaRPr lang="ru-RU" dirty="0"/>
@@ -1037,7 +1029,7 @@
           <a:lstStyle/>
           <a:p>
             <a:r>
-              <a:rPr lang="en-US" smtClean="0"/>
+              <a:rPr lang="en-US"/>
               <a:t>Click to edit Master title style</a:t>
             </a:r>
             <a:endParaRPr lang="ru-RU" dirty="0"/>
@@ -1066,35 +1058,35 @@
           <a:p>
             <a:pPr lvl="0"/>
             <a:r>
-              <a:rPr lang="en-US" smtClean="0"/>
+              <a:rPr lang="en-US"/>
               <a:t>Click to edit Master text styles</a:t>
             </a:r>
           </a:p>
           <a:p>
             <a:pPr lvl="1"/>
             <a:r>
-              <a:rPr lang="en-US" smtClean="0"/>
+              <a:rPr lang="en-US"/>
               <a:t>Second level</a:t>
             </a:r>
           </a:p>
           <a:p>
             <a:pPr lvl="2"/>
             <a:r>
-              <a:rPr lang="en-US" smtClean="0"/>
+              <a:rPr lang="en-US"/>
               <a:t>Third level</a:t>
             </a:r>
           </a:p>
           <a:p>
             <a:pPr lvl="3"/>
             <a:r>
-              <a:rPr lang="en-US" smtClean="0"/>
+              <a:rPr lang="en-US"/>
               <a:t>Fourth level</a:t>
             </a:r>
           </a:p>
           <a:p>
             <a:pPr lvl="4"/>
             <a:r>
-              <a:rPr lang="en-US" smtClean="0"/>
+              <a:rPr lang="en-US"/>
               <a:t>Fifth level</a:t>
             </a:r>
             <a:endParaRPr lang="ru-RU" dirty="0"/>
@@ -1152,7 +1144,7 @@
           <a:lstStyle/>
           <a:p>
             <a:r>
-              <a:rPr lang="en-US" smtClean="0"/>
+              <a:rPr lang="en-US"/>
               <a:t>Click to edit Master title style</a:t>
             </a:r>
             <a:endParaRPr lang="ru-RU"/>
@@ -1271,7 +1263,7 @@
           </a:lstStyle>
           <a:p>
             <a:r>
-              <a:rPr lang="en-US" smtClean="0"/>
+              <a:rPr lang="en-US"/>
               <a:t>Click to edit Master subtitle style</a:t>
             </a:r>
             <a:endParaRPr lang="ru-RU"/>
@@ -1295,7 +1287,7 @@
           <a:p>
             <a:fld id="{8E6E6A2A-E9D3-4A0D-B04A-ABDD367A1E08}" type="datetimeFigureOut">
               <a:rPr lang="ru-RU" smtClean="0"/>
-              <a:t>20.01.2018</a:t>
+              <a:t>01.07.2018</a:t>
             </a:fld>
             <a:endParaRPr lang="ru-RU"/>
           </a:p>
@@ -1389,7 +1381,7 @@
           <a:lstStyle/>
           <a:p>
             <a:r>
-              <a:rPr lang="en-US" smtClean="0"/>
+              <a:rPr lang="en-US"/>
               <a:t>Click to edit Master title style</a:t>
             </a:r>
             <a:endParaRPr lang="ru-RU" dirty="0"/>
@@ -1413,35 +1405,35 @@
           <a:p>
             <a:pPr lvl="0"/>
             <a:r>
-              <a:rPr lang="en-US" smtClean="0"/>
+              <a:rPr lang="en-US"/>
               <a:t>Click to edit Master text styles</a:t>
             </a:r>
           </a:p>
           <a:p>
             <a:pPr lvl="1"/>
             <a:r>
-              <a:rPr lang="en-US" smtClean="0"/>
+              <a:rPr lang="en-US"/>
               <a:t>Second level</a:t>
             </a:r>
           </a:p>
           <a:p>
             <a:pPr lvl="2"/>
             <a:r>
-              <a:rPr lang="en-US" smtClean="0"/>
+              <a:rPr lang="en-US"/>
               <a:t>Third level</a:t>
             </a:r>
           </a:p>
           <a:p>
             <a:pPr lvl="3"/>
             <a:r>
-              <a:rPr lang="en-US" smtClean="0"/>
+              <a:rPr lang="en-US"/>
               <a:t>Fourth level</a:t>
             </a:r>
           </a:p>
           <a:p>
             <a:pPr lvl="4"/>
             <a:r>
-              <a:rPr lang="en-US" smtClean="0"/>
+              <a:rPr lang="en-US"/>
               <a:t>Fifth level</a:t>
             </a:r>
             <a:endParaRPr lang="ru-RU" dirty="0"/>
@@ -1503,7 +1495,7 @@
           </a:lstStyle>
           <a:p>
             <a:r>
-              <a:rPr lang="en-US" smtClean="0"/>
+              <a:rPr lang="en-US"/>
               <a:t>Click to edit Master title style</a:t>
             </a:r>
             <a:endParaRPr lang="ru-RU" dirty="0"/>
@@ -1623,7 +1615,7 @@
           <a:p>
             <a:pPr lvl="0"/>
             <a:r>
-              <a:rPr lang="en-US" smtClean="0"/>
+              <a:rPr lang="en-US"/>
               <a:t>Click to edit Master text styles</a:t>
             </a:r>
           </a:p>
@@ -1675,7 +1667,7 @@
           <a:lstStyle/>
           <a:p>
             <a:r>
-              <a:rPr lang="en-US" smtClean="0"/>
+              <a:rPr lang="en-US"/>
               <a:t>Click to edit Master title style</a:t>
             </a:r>
             <a:endParaRPr lang="ru-RU" dirty="0"/>
@@ -1732,35 +1724,35 @@
           <a:p>
             <a:pPr lvl="0"/>
             <a:r>
-              <a:rPr lang="en-US" smtClean="0"/>
+              <a:rPr lang="en-US"/>
               <a:t>Click to edit Master text styles</a:t>
             </a:r>
           </a:p>
           <a:p>
             <a:pPr lvl="1"/>
             <a:r>
-              <a:rPr lang="en-US" smtClean="0"/>
+              <a:rPr lang="en-US"/>
               <a:t>Second level</a:t>
             </a:r>
           </a:p>
           <a:p>
             <a:pPr lvl="2"/>
             <a:r>
-              <a:rPr lang="en-US" smtClean="0"/>
+              <a:rPr lang="en-US"/>
               <a:t>Third level</a:t>
             </a:r>
           </a:p>
           <a:p>
             <a:pPr lvl="3"/>
             <a:r>
-              <a:rPr lang="en-US" smtClean="0"/>
+              <a:rPr lang="en-US"/>
               <a:t>Fourth level</a:t>
             </a:r>
           </a:p>
           <a:p>
             <a:pPr lvl="4"/>
             <a:r>
-              <a:rPr lang="en-US" smtClean="0"/>
+              <a:rPr lang="en-US"/>
               <a:t>Fifth level</a:t>
             </a:r>
             <a:endParaRPr lang="ru-RU" dirty="0"/>
@@ -1817,35 +1809,35 @@
           <a:p>
             <a:pPr lvl="0"/>
             <a:r>
-              <a:rPr lang="en-US" smtClean="0"/>
+              <a:rPr lang="en-US"/>
               <a:t>Click to edit Master text styles</a:t>
             </a:r>
           </a:p>
           <a:p>
             <a:pPr lvl="1"/>
             <a:r>
-              <a:rPr lang="en-US" smtClean="0"/>
+              <a:rPr lang="en-US"/>
               <a:t>Second level</a:t>
             </a:r>
           </a:p>
           <a:p>
             <a:pPr lvl="2"/>
             <a:r>
-              <a:rPr lang="en-US" smtClean="0"/>
+              <a:rPr lang="en-US"/>
               <a:t>Third level</a:t>
             </a:r>
           </a:p>
           <a:p>
             <a:pPr lvl="3"/>
             <a:r>
-              <a:rPr lang="en-US" smtClean="0"/>
+              <a:rPr lang="en-US"/>
               <a:t>Fourth level</a:t>
             </a:r>
           </a:p>
           <a:p>
             <a:pPr lvl="4"/>
             <a:r>
-              <a:rPr lang="en-US" smtClean="0"/>
+              <a:rPr lang="en-US"/>
               <a:t>Fifth level</a:t>
             </a:r>
             <a:endParaRPr lang="ru-RU" dirty="0"/>
@@ -1902,7 +1894,7 @@
           </a:lstStyle>
           <a:p>
             <a:r>
-              <a:rPr lang="en-US" smtClean="0"/>
+              <a:rPr lang="en-US"/>
               <a:t>Click to edit Master title style</a:t>
             </a:r>
             <a:endParaRPr lang="ru-RU" dirty="0"/>
@@ -1968,7 +1960,7 @@
           <a:p>
             <a:pPr lvl="0"/>
             <a:r>
-              <a:rPr lang="en-US" smtClean="0"/>
+              <a:rPr lang="en-US"/>
               <a:t>Click to edit Master text styles</a:t>
             </a:r>
           </a:p>
@@ -2024,35 +2016,35 @@
           <a:p>
             <a:pPr lvl="0"/>
             <a:r>
-              <a:rPr lang="en-US" smtClean="0"/>
+              <a:rPr lang="en-US"/>
               <a:t>Click to edit Master text styles</a:t>
             </a:r>
           </a:p>
           <a:p>
             <a:pPr lvl="1"/>
             <a:r>
-              <a:rPr lang="en-US" smtClean="0"/>
+              <a:rPr lang="en-US"/>
               <a:t>Second level</a:t>
             </a:r>
           </a:p>
           <a:p>
             <a:pPr lvl="2"/>
             <a:r>
-              <a:rPr lang="en-US" smtClean="0"/>
+              <a:rPr lang="en-US"/>
               <a:t>Third level</a:t>
             </a:r>
           </a:p>
           <a:p>
             <a:pPr lvl="3"/>
             <a:r>
-              <a:rPr lang="en-US" smtClean="0"/>
+              <a:rPr lang="en-US"/>
               <a:t>Fourth level</a:t>
             </a:r>
           </a:p>
           <a:p>
             <a:pPr lvl="4"/>
             <a:r>
-              <a:rPr lang="en-US" smtClean="0"/>
+              <a:rPr lang="en-US"/>
               <a:t>Fifth level</a:t>
             </a:r>
             <a:endParaRPr lang="ru-RU" dirty="0"/>
@@ -2118,7 +2110,7 @@
           <a:p>
             <a:pPr lvl="0"/>
             <a:r>
-              <a:rPr lang="en-US" smtClean="0"/>
+              <a:rPr lang="en-US"/>
               <a:t>Click to edit Master text styles</a:t>
             </a:r>
           </a:p>
@@ -2174,35 +2166,35 @@
           <a:p>
             <a:pPr lvl="0"/>
             <a:r>
-              <a:rPr lang="en-US" smtClean="0"/>
+              <a:rPr lang="en-US"/>
               <a:t>Click to edit Master text styles</a:t>
             </a:r>
           </a:p>
           <a:p>
             <a:pPr lvl="1"/>
             <a:r>
-              <a:rPr lang="en-US" smtClean="0"/>
+              <a:rPr lang="en-US"/>
               <a:t>Second level</a:t>
             </a:r>
           </a:p>
           <a:p>
             <a:pPr lvl="2"/>
             <a:r>
-              <a:rPr lang="en-US" smtClean="0"/>
+              <a:rPr lang="en-US"/>
               <a:t>Third level</a:t>
             </a:r>
           </a:p>
           <a:p>
             <a:pPr lvl="3"/>
             <a:r>
-              <a:rPr lang="en-US" smtClean="0"/>
+              <a:rPr lang="en-US"/>
               <a:t>Fourth level</a:t>
             </a:r>
           </a:p>
           <a:p>
             <a:pPr lvl="4"/>
             <a:r>
-              <a:rPr lang="en-US" smtClean="0"/>
+              <a:rPr lang="en-US"/>
               <a:t>Fifth level</a:t>
             </a:r>
             <a:endParaRPr lang="ru-RU" dirty="0"/>
@@ -2255,7 +2247,7 @@
           <a:lstStyle/>
           <a:p>
             <a:r>
-              <a:rPr lang="en-US" smtClean="0"/>
+              <a:rPr lang="en-US"/>
               <a:t>Click to edit Master title style</a:t>
             </a:r>
             <a:endParaRPr lang="ru-RU" dirty="0"/>
@@ -2316,14 +2308,14 @@
           <a:p>
             <a:pPr algn="ctr"/>
             <a:r>
-              <a:rPr lang="ru-RU" sz="3200" dirty="0" smtClean="0"/>
+              <a:rPr lang="ru-RU" sz="3200" dirty="0"/>
               <a:t>Название.</a:t>
             </a:r>
             <a:r>
-              <a:rPr lang="ru-RU" sz="3200" baseline="0" dirty="0" smtClean="0"/>
+              <a:rPr lang="ru-RU" sz="3200" baseline="0" dirty="0"/>
               <a:t> Демонстрация.</a:t>
             </a:r>
-            <a:endParaRPr lang="ru-RU" sz="3200" dirty="0" smtClean="0"/>
+            <a:endParaRPr lang="ru-RU" sz="3200" dirty="0"/>
           </a:p>
         </p:txBody>
       </p:sp>
@@ -2412,7 +2404,7 @@
           </a:lstStyle>
           <a:p>
             <a:r>
-              <a:rPr lang="en-US" smtClean="0"/>
+              <a:rPr lang="en-US"/>
               <a:t>Click to edit Master title style</a:t>
             </a:r>
             <a:endParaRPr lang="ru-RU" dirty="0"/>
@@ -2469,35 +2461,35 @@
           <a:p>
             <a:pPr lvl="0"/>
             <a:r>
-              <a:rPr lang="en-US" smtClean="0"/>
+              <a:rPr lang="en-US"/>
               <a:t>Click to edit Master text styles</a:t>
             </a:r>
           </a:p>
           <a:p>
             <a:pPr lvl="1"/>
             <a:r>
-              <a:rPr lang="en-US" smtClean="0"/>
+              <a:rPr lang="en-US"/>
               <a:t>Second level</a:t>
             </a:r>
           </a:p>
           <a:p>
             <a:pPr lvl="2"/>
             <a:r>
-              <a:rPr lang="en-US" smtClean="0"/>
+              <a:rPr lang="en-US"/>
               <a:t>Third level</a:t>
             </a:r>
           </a:p>
           <a:p>
             <a:pPr lvl="3"/>
             <a:r>
-              <a:rPr lang="en-US" smtClean="0"/>
+              <a:rPr lang="en-US"/>
               <a:t>Fourth level</a:t>
             </a:r>
           </a:p>
           <a:p>
             <a:pPr lvl="4"/>
             <a:r>
-              <a:rPr lang="en-US" smtClean="0"/>
+              <a:rPr lang="en-US"/>
               <a:t>Fifth level</a:t>
             </a:r>
             <a:endParaRPr lang="ru-RU" dirty="0"/>
@@ -2563,7 +2555,7 @@
           <a:p>
             <a:pPr lvl="0"/>
             <a:r>
-              <a:rPr lang="en-US" smtClean="0"/>
+              <a:rPr lang="en-US"/>
               <a:t>Click to edit Master text styles</a:t>
             </a:r>
           </a:p>
@@ -2639,7 +2631,7 @@
           <a:lstStyle/>
           <a:p>
             <a:r>
-              <a:rPr lang="en-US" smtClean="0"/>
+              <a:rPr lang="en-US"/>
               <a:t>Click to edit Master title style</a:t>
             </a:r>
             <a:endParaRPr lang="ru-RU"/>
@@ -2673,35 +2665,35 @@
           <a:p>
             <a:pPr lvl="0"/>
             <a:r>
-              <a:rPr lang="en-US" smtClean="0"/>
+              <a:rPr lang="en-US"/>
               <a:t>Click to edit Master text styles</a:t>
             </a:r>
           </a:p>
           <a:p>
             <a:pPr lvl="1"/>
             <a:r>
-              <a:rPr lang="en-US" smtClean="0"/>
+              <a:rPr lang="en-US"/>
               <a:t>Second level</a:t>
             </a:r>
           </a:p>
           <a:p>
             <a:pPr lvl="2"/>
             <a:r>
-              <a:rPr lang="en-US" smtClean="0"/>
+              <a:rPr lang="en-US"/>
               <a:t>Third level</a:t>
             </a:r>
           </a:p>
           <a:p>
             <a:pPr lvl="3"/>
             <a:r>
-              <a:rPr lang="en-US" smtClean="0"/>
+              <a:rPr lang="en-US"/>
               <a:t>Fourth level</a:t>
             </a:r>
           </a:p>
           <a:p>
             <a:pPr lvl="4"/>
             <a:r>
-              <a:rPr lang="en-US" smtClean="0"/>
+              <a:rPr lang="en-US"/>
               <a:t>Fifth level</a:t>
             </a:r>
             <a:endParaRPr lang="ru-RU"/>
@@ -2743,7 +2735,7 @@
           <a:p>
             <a:fld id="{AC3D3127-B7C4-45E3-9797-C527EC9FDD78}" type="datetimeFigureOut">
               <a:rPr lang="ru-RU" smtClean="0"/>
-              <a:t>20.01.2018</a:t>
+              <a:t>01.07.2018</a:t>
             </a:fld>
             <a:endParaRPr lang="ru-RU"/>
           </a:p>
@@ -3129,7 +3121,7 @@
         <p:spPr>
           <a:xfrm>
             <a:off x="143508" y="1304764"/>
-            <a:ext cx="8856984" cy="646331"/>
+            <a:ext cx="8856984" cy="523220"/>
           </a:xfrm>
           <a:prstGeom prst="rect">
             <a:avLst/>
@@ -3143,7 +3135,7 @@
           <a:p>
             <a:pPr algn="ctr"/>
             <a:r>
-              <a:rPr lang="ru-RU" sz="3600" b="1" i="1" dirty="0" smtClean="0">
+              <a:rPr lang="ru-RU" sz="2800" i="1" dirty="0">
                 <a:solidFill>
                   <a:schemeClr val="bg1"/>
                 </a:solidFill>
@@ -3151,14 +3143,14 @@
               <a:t>Основы программирования на </a:t>
             </a:r>
             <a:r>
-              <a:rPr lang="en-US" sz="3600" b="1" i="1" dirty="0" smtClean="0">
+              <a:rPr lang="en-US" sz="2800" i="1" dirty="0">
                 <a:solidFill>
                   <a:schemeClr val="bg1"/>
                 </a:solidFill>
               </a:rPr>
               <a:t>C#</a:t>
             </a:r>
-            <a:endParaRPr lang="ru-RU" sz="3600" b="1" i="1" dirty="0">
+            <a:endParaRPr lang="ru-RU" sz="2800" i="1" dirty="0">
               <a:solidFill>
                 <a:schemeClr val="bg1"/>
               </a:solidFill>
@@ -3166,70 +3158,6 @@
           </a:p>
         </p:txBody>
       </p:sp>
-      <p:pic>
-        <p:nvPicPr>
-          <p:cNvPr id="6" name="Picture 5"/>
-          <p:cNvPicPr>
-            <a:picLocks noChangeAspect="1" noChangeArrowheads="1"/>
-          </p:cNvPicPr>
-          <p:nvPr/>
-        </p:nvPicPr>
-        <p:blipFill>
-          <a:blip r:embed="rId2">
-            <a:extLst>
-              <a:ext uri="{28A0092B-C50C-407E-A947-70E740481C1C}">
-                <a14:useLocalDpi xmlns:a14="http://schemas.microsoft.com/office/drawing/2010/main" val="0"/>
-              </a:ext>
-            </a:extLst>
-          </a:blip>
-          <a:srcRect/>
-          <a:stretch>
-            <a:fillRect/>
-          </a:stretch>
-        </p:blipFill>
-        <p:spPr bwMode="auto">
-          <a:xfrm>
-            <a:off x="1638300" y="3829211"/>
-            <a:ext cx="5867400" cy="1724025"/>
-          </a:xfrm>
-          <a:prstGeom prst="rect">
-            <a:avLst/>
-          </a:prstGeom>
-          <a:noFill/>
-          <a:ln>
-            <a:noFill/>
-          </a:ln>
-          <a:effectLst/>
-          <a:extLst>
-            <a:ext uri="{909E8E84-426E-40DD-AFC4-6F175D3DCCD1}">
-              <a14:hiddenFill xmlns:a14="http://schemas.microsoft.com/office/drawing/2010/main">
-                <a:solidFill>
-                  <a:schemeClr val="accent1"/>
-                </a:solidFill>
-              </a14:hiddenFill>
-            </a:ext>
-            <a:ext uri="{91240B29-F687-4F45-9708-019B960494DF}">
-              <a14:hiddenLine xmlns:a14="http://schemas.microsoft.com/office/drawing/2010/main" w="9525">
-                <a:solidFill>
-                  <a:schemeClr val="tx1"/>
-                </a:solidFill>
-                <a:miter lim="800000"/>
-                <a:headEnd/>
-                <a:tailEnd/>
-              </a14:hiddenLine>
-            </a:ext>
-            <a:ext uri="{AF507438-7753-43E0-B8FC-AC1667EBCBE1}">
-              <a14:hiddenEffects xmlns:a14="http://schemas.microsoft.com/office/drawing/2010/main">
-                <a:effectLst>
-                  <a:outerShdw dist="35921" dir="2700000" algn="ctr" rotWithShape="0">
-                    <a:schemeClr val="bg2"/>
-                  </a:outerShdw>
-                </a:effectLst>
-              </a14:hiddenEffects>
-            </a:ext>
-          </a:extLst>
-        </p:spPr>
-      </p:pic>
       <p:sp>
         <p:nvSpPr>
           <p:cNvPr id="7" name="TextBox 6"/>
@@ -3239,7 +3167,7 @@
         <p:spPr>
           <a:xfrm>
             <a:off x="143508" y="2528900"/>
-            <a:ext cx="8856984" cy="461665"/>
+            <a:ext cx="8856984" cy="646331"/>
           </a:xfrm>
           <a:prstGeom prst="rect">
             <a:avLst/>
@@ -3254,41 +3182,169 @@
           <a:p>
             <a:pPr algn="ctr"/>
             <a:r>
-              <a:rPr lang="ru-RU" sz="2400" dirty="0" smtClean="0">
+              <a:rPr lang="en-US" sz="3600" b="1" dirty="0">
                 <a:solidFill>
                   <a:schemeClr val="bg1"/>
                 </a:solidFill>
+                <a:latin typeface="Footlight MT Light" panose="0204060206030A020304" pitchFamily="18" charset="77"/>
               </a:rPr>
-              <a:t>Занятие №</a:t>
-            </a:r>
-            <a:r>
-              <a:rPr lang="en-US" sz="2400" dirty="0" smtClean="0">
+              <a:t>§ </a:t>
+            </a:r>
+            <a:r>
+              <a:rPr lang="ru-RU" sz="3600" b="1" dirty="0">
                 <a:solidFill>
                   <a:schemeClr val="bg1"/>
                 </a:solidFill>
+                <a:latin typeface="Footlight MT Light" panose="0204060206030A020304" pitchFamily="18" charset="77"/>
               </a:rPr>
-              <a:t>12</a:t>
-            </a:r>
-            <a:r>
-              <a:rPr lang="ru-RU" sz="2400" dirty="0" smtClean="0">
+              <a:t>Введение в </a:t>
+            </a:r>
+            <a:r>
+              <a:rPr lang="en-US" sz="3600" b="1" dirty="0">
                 <a:solidFill>
                   <a:schemeClr val="bg1"/>
                 </a:solidFill>
+                <a:latin typeface="Footlight MT Light" panose="0204060206030A020304" pitchFamily="18" charset="77"/>
               </a:rPr>
-              <a:t>. </a:t>
-            </a:r>
-            <a:r>
-              <a:rPr lang="en-US" sz="2400" dirty="0" smtClean="0">
+              <a:t>Windows</a:t>
+            </a:r>
+            <a:r>
+              <a:rPr lang="ru-RU" sz="3600" b="1">
                 <a:solidFill>
                   <a:schemeClr val="bg1"/>
                 </a:solidFill>
+                <a:latin typeface="Footlight MT Light" panose="0204060206030A020304" pitchFamily="18" charset="77"/>
               </a:rPr>
-              <a:t>Windows  Forms</a:t>
-            </a:r>
-            <a:endParaRPr lang="en-US" sz="2400" dirty="0">
+              <a:t> </a:t>
+            </a:r>
+            <a:r>
+              <a:rPr lang="en-US" sz="3600" b="1">
+                <a:solidFill>
+                  <a:schemeClr val="bg1"/>
+                </a:solidFill>
+                <a:latin typeface="Footlight MT Light" panose="0204060206030A020304" pitchFamily="18" charset="77"/>
+              </a:rPr>
+              <a:t>Forms</a:t>
+            </a:r>
+            <a:endParaRPr lang="en-US" sz="3600" b="1" dirty="0">
               <a:solidFill>
                 <a:schemeClr val="bg1"/>
               </a:solidFill>
+              <a:latin typeface="Footlight MT Light" panose="0204060206030A020304" pitchFamily="18" charset="77"/>
+            </a:endParaRPr>
+          </a:p>
+        </p:txBody>
+      </p:sp>
+      <p:sp>
+        <p:nvSpPr>
+          <p:cNvPr id="8" name="TextBox 7">
+            <a:extLst>
+              <a:ext uri="{FF2B5EF4-FFF2-40B4-BE49-F238E27FC236}">
+                <a16:creationId xmlns:a16="http://schemas.microsoft.com/office/drawing/2014/main" id="{E3F98971-C02A-F840-B9BA-69B373F33942}"/>
+              </a:ext>
+            </a:extLst>
+          </p:cNvPr>
+          <p:cNvSpPr txBox="1"/>
+          <p:nvPr/>
+        </p:nvSpPr>
+        <p:spPr>
+          <a:xfrm>
+            <a:off x="2339752" y="4984720"/>
+            <a:ext cx="4464496" cy="1138773"/>
+          </a:xfrm>
+          <a:prstGeom prst="rect">
+            <a:avLst/>
+          </a:prstGeom>
+          <a:noFill/>
+        </p:spPr>
+        <p:txBody>
+          <a:bodyPr wrap="square" rtlCol="0">
+            <a:spAutoFit/>
+          </a:bodyPr>
+          <a:lstStyle/>
+          <a:p>
+            <a:r>
+              <a:rPr lang="ru-RU" sz="2000" dirty="0">
+                <a:solidFill>
+                  <a:schemeClr val="bg1"/>
+                </a:solidFill>
+                <a:effectLst>
+                  <a:outerShdw blurRad="50800" dist="38100" dir="5400000" algn="t" rotWithShape="0">
+                    <a:prstClr val="black">
+                      <a:alpha val="40000"/>
+                    </a:prstClr>
+                  </a:outerShdw>
+                </a:effectLst>
+                <a:latin typeface="Segoe Print" panose="02000800000000000000" pitchFamily="2" charset="0"/>
+              </a:rPr>
+              <a:t>Центр Обучающих Технологий</a:t>
+            </a:r>
+          </a:p>
+          <a:p>
+            <a:pPr algn="ctr"/>
+            <a:r>
+              <a:rPr lang="ru-RU" sz="1600" dirty="0">
+                <a:solidFill>
+                  <a:schemeClr val="bg1"/>
+                </a:solidFill>
+                <a:effectLst>
+                  <a:outerShdw blurRad="50800" dist="38100" dir="5400000" algn="t" rotWithShape="0">
+                    <a:prstClr val="black">
+                      <a:alpha val="40000"/>
+                    </a:prstClr>
+                  </a:outerShdw>
+                </a:effectLst>
+                <a:latin typeface="Segoe Print" panose="02000800000000000000" pitchFamily="2" charset="0"/>
+              </a:rPr>
+              <a:t>основан в 2002 году</a:t>
+            </a:r>
+          </a:p>
+          <a:p>
+            <a:pPr algn="ctr"/>
+            <a:endParaRPr lang="ru-RU" sz="1600" dirty="0">
+              <a:solidFill>
+                <a:schemeClr val="bg1"/>
+              </a:solidFill>
+              <a:effectLst>
+                <a:outerShdw blurRad="50800" dist="38100" dir="5400000" algn="t" rotWithShape="0">
+                  <a:prstClr val="black">
+                    <a:alpha val="40000"/>
+                  </a:prstClr>
+                </a:outerShdw>
+              </a:effectLst>
+              <a:latin typeface="Segoe Print" panose="02000800000000000000" pitchFamily="2" charset="0"/>
+            </a:endParaRPr>
+          </a:p>
+          <a:p>
+            <a:pPr algn="ctr"/>
+            <a:r>
+              <a:rPr lang="en-US" sz="1600" dirty="0" err="1">
+                <a:solidFill>
+                  <a:schemeClr val="bg1"/>
+                </a:solidFill>
+                <a:effectLst>
+                  <a:outerShdw blurRad="50800" dist="38100" dir="5400000" algn="t" rotWithShape="0">
+                    <a:prstClr val="black">
+                      <a:alpha val="40000"/>
+                    </a:prstClr>
+                  </a:outerShdw>
+                </a:effectLst>
+                <a:latin typeface="Segoe Print" panose="02000800000000000000" pitchFamily="2" charset="0"/>
+              </a:rPr>
+              <a:t>trainingcenter.by</a:t>
+            </a:r>
+            <a:endParaRPr lang="en-US" sz="1600" dirty="0">
+              <a:solidFill>
+                <a:schemeClr val="bg1"/>
+              </a:solidFill>
+              <a:effectLst>
+                <a:outerShdw blurRad="50800" dist="38100" dir="5400000" algn="t" rotWithShape="0">
+                  <a:prstClr val="black">
+                    <a:alpha val="40000"/>
+                  </a:prstClr>
+                </a:outerShdw>
+              </a:effectLst>
+              <a:latin typeface="Segoe Print" panose="02000800000000000000" pitchFamily="2" charset="0"/>
             </a:endParaRPr>
           </a:p>
         </p:txBody>
@@ -3303,13 +3359,6 @@
   <p:clrMapOvr>
     <a:masterClrMapping/>
   </p:clrMapOvr>
-  <p:timing>
-    <p:tnLst>
-      <p:par>
-        <p:cTn id="1" dur="indefinite" restart="never" nodeType="tmRoot"/>
-      </p:par>
-    </p:tnLst>
-  </p:timing>
 </p:sld>
 </file>
 
@@ -3346,7 +3395,7 @@
           <a:lstStyle/>
           <a:p>
             <a:r>
-              <a:rPr lang="ru-RU" dirty="0" smtClean="0"/>
+              <a:rPr lang="ru-RU" dirty="0"/>
               <a:t>События по умолчанию</a:t>
             </a:r>
             <a:endParaRPr lang="en-US" dirty="0"/>
@@ -3372,7 +3421,7 @@
               <a:buNone/>
             </a:pPr>
             <a:r>
-              <a:rPr lang="ru-RU" dirty="0" smtClean="0"/>
+              <a:rPr lang="ru-RU" dirty="0"/>
               <a:t>...</a:t>
             </a:r>
             <a:endParaRPr lang="en-US" dirty="0"/>
@@ -3425,7 +3474,7 @@
           <a:lstStyle/>
           <a:p>
             <a:r>
-              <a:rPr lang="ru-RU" dirty="0" smtClean="0"/>
+              <a:rPr lang="ru-RU" dirty="0"/>
               <a:t>Метод </a:t>
             </a:r>
             <a:r>
@@ -3455,45 +3504,45 @@
               <a:buNone/>
             </a:pPr>
             <a:r>
-              <a:rPr lang="ru-RU" dirty="0" smtClean="0"/>
+              <a:rPr lang="ru-RU" dirty="0"/>
               <a:t>Метод </a:t>
             </a:r>
             <a:r>
-              <a:rPr lang="en-US" dirty="0" err="1" smtClean="0"/>
+              <a:rPr lang="en-US" dirty="0" err="1"/>
               <a:t>InitializeComponent</a:t>
             </a:r>
             <a:r>
-              <a:rPr lang="ru-RU" dirty="0" smtClean="0"/>
+              <a:rPr lang="ru-RU" dirty="0"/>
               <a:t> используется дизайнером </a:t>
             </a:r>
             <a:r>
-              <a:rPr lang="en-US" dirty="0" smtClean="0"/>
+              <a:rPr lang="en-US" dirty="0"/>
               <a:t>Visual Studio.</a:t>
             </a:r>
           </a:p>
           <a:p>
             <a:r>
-              <a:rPr lang="ru-RU" dirty="0" smtClean="0"/>
+              <a:rPr lang="ru-RU" dirty="0"/>
               <a:t>Не меняйте этот метод</a:t>
             </a:r>
           </a:p>
           <a:p>
             <a:r>
-              <a:rPr lang="ru-RU" dirty="0" smtClean="0"/>
+              <a:rPr lang="ru-RU" dirty="0"/>
               <a:t>Не удаляйте вызов </a:t>
             </a:r>
             <a:r>
-              <a:rPr lang="en-US" dirty="0" err="1" smtClean="0"/>
+              <a:rPr lang="en-US" dirty="0" err="1"/>
               <a:t>InitializeComponent</a:t>
             </a:r>
             <a:r>
-              <a:rPr lang="ru-RU" dirty="0" smtClean="0"/>
+              <a:rPr lang="ru-RU" dirty="0"/>
               <a:t> из конструктора формы</a:t>
             </a:r>
           </a:p>
           <a:p>
             <a:r>
-              <a:rPr lang="ru-RU" dirty="0" smtClean="0"/>
+              <a:rPr lang="ru-RU" dirty="0"/>
               <a:t>Пишите свой код инициализации после </a:t>
             </a:r>
             <a:r>
@@ -3514,13 +3563,6 @@
   <p:clrMapOvr>
     <a:masterClrMapping/>
   </p:clrMapOvr>
-  <p:timing>
-    <p:tnLst>
-      <p:par>
-        <p:cTn id="1" dur="indefinite" restart="never" nodeType="tmRoot"/>
-      </p:par>
-    </p:tnLst>
-  </p:timing>
 </p:sld>
 </file>
 
@@ -3557,18 +3599,17 @@
           <a:lstStyle/>
           <a:p>
             <a:r>
-              <a:rPr lang="ru-RU" dirty="0" smtClean="0"/>
+              <a:rPr lang="ru-RU" dirty="0"/>
               <a:t>Окно «</a:t>
             </a:r>
             <a:r>
-              <a:rPr lang="en-US" dirty="0" smtClean="0"/>
+              <a:rPr lang="en-US" dirty="0"/>
               <a:t>Properties</a:t>
             </a:r>
             <a:r>
-              <a:rPr lang="ru-RU" dirty="0" smtClean="0"/>
+              <a:rPr lang="ru-RU" dirty="0"/>
               <a:t>»</a:t>
             </a:r>
-            <a:endParaRPr lang="ru-RU" dirty="0"/>
           </a:p>
         </p:txBody>
       </p:sp>
@@ -3588,24 +3629,24 @@
           <a:lstStyle/>
           <a:p>
             <a:r>
-              <a:rPr lang="ru-RU" dirty="0" smtClean="0"/>
+              <a:rPr lang="ru-RU" dirty="0"/>
               <a:t>(</a:t>
             </a:r>
             <a:r>
-              <a:rPr lang="en-US" dirty="0" smtClean="0"/>
+              <a:rPr lang="en-US" dirty="0"/>
               <a:t>Name)</a:t>
             </a:r>
           </a:p>
           <a:p>
             <a:r>
-              <a:rPr lang="en-US" dirty="0" err="1" smtClean="0"/>
+              <a:rPr lang="en-US" dirty="0" err="1"/>
               <a:t>GenerateMember</a:t>
             </a:r>
-            <a:endParaRPr lang="en-US" dirty="0" smtClean="0"/>
-          </a:p>
-          <a:p>
-            <a:r>
-              <a:rPr lang="en-US" dirty="0" smtClean="0"/>
+            <a:endParaRPr lang="en-US" dirty="0"/>
+          </a:p>
+          <a:p>
+            <a:r>
+              <a:rPr lang="en-US" dirty="0"/>
               <a:t>Modifiers</a:t>
             </a:r>
             <a:endParaRPr lang="ru-RU" dirty="0"/>
@@ -3622,13 +3663,6 @@
   <p:clrMapOvr>
     <a:masterClrMapping/>
   </p:clrMapOvr>
-  <p:timing>
-    <p:tnLst>
-      <p:par>
-        <p:cTn id="1" dur="indefinite" restart="never" nodeType="tmRoot"/>
-      </p:par>
-    </p:tnLst>
-  </p:timing>
 </p:sld>
 </file>
 
@@ -3665,10 +3699,9 @@
           <a:lstStyle/>
           <a:p>
             <a:r>
-              <a:rPr lang="ru-RU" dirty="0" smtClean="0"/>
+              <a:rPr lang="ru-RU" dirty="0"/>
               <a:t>Префиксы имен</a:t>
             </a:r>
-            <a:endParaRPr lang="ru-RU" dirty="0"/>
           </a:p>
         </p:txBody>
       </p:sp>
@@ -3690,170 +3723,170 @@
           <a:lstStyle/>
           <a:p>
             <a:r>
-              <a:rPr lang="en-US" dirty="0" err="1" smtClean="0"/>
+              <a:rPr lang="en-US" dirty="0" err="1"/>
               <a:t>btn</a:t>
             </a:r>
             <a:r>
-              <a:rPr lang="en-US" dirty="0" smtClean="0"/>
+              <a:rPr lang="en-US" dirty="0"/>
               <a:t> – Button</a:t>
             </a:r>
           </a:p>
           <a:p>
             <a:r>
-              <a:rPr lang="en-US" dirty="0" err="1" smtClean="0"/>
+              <a:rPr lang="en-US" dirty="0" err="1"/>
               <a:t>cb</a:t>
             </a:r>
             <a:r>
-              <a:rPr lang="en-US" dirty="0" smtClean="0"/>
+              <a:rPr lang="en-US" dirty="0"/>
               <a:t> – </a:t>
             </a:r>
             <a:r>
-              <a:rPr lang="en-US" dirty="0" err="1" smtClean="0"/>
+              <a:rPr lang="en-US" dirty="0" err="1"/>
               <a:t>CheckBox</a:t>
             </a:r>
-            <a:endParaRPr lang="en-US" dirty="0" smtClean="0"/>
-          </a:p>
-          <a:p>
-            <a:r>
-              <a:rPr lang="en-US" dirty="0" err="1" smtClean="0"/>
+            <a:endParaRPr lang="en-US" dirty="0"/>
+          </a:p>
+          <a:p>
+            <a:r>
+              <a:rPr lang="en-US" dirty="0" err="1"/>
               <a:t>dgv</a:t>
             </a:r>
             <a:r>
-              <a:rPr lang="en-US" dirty="0" smtClean="0"/>
+              <a:rPr lang="en-US" dirty="0"/>
               <a:t> – </a:t>
             </a:r>
             <a:r>
-              <a:rPr lang="en-US" dirty="0" err="1" smtClean="0"/>
+              <a:rPr lang="en-US" dirty="0" err="1"/>
               <a:t>DataGridView</a:t>
             </a:r>
-            <a:endParaRPr lang="en-US" dirty="0" smtClean="0"/>
-          </a:p>
-          <a:p>
-            <a:r>
-              <a:rPr lang="en-US" dirty="0" err="1" smtClean="0"/>
+            <a:endParaRPr lang="en-US" dirty="0"/>
+          </a:p>
+          <a:p>
+            <a:r>
+              <a:rPr lang="en-US" dirty="0" err="1"/>
               <a:t>gbox</a:t>
             </a:r>
             <a:r>
-              <a:rPr lang="en-US" dirty="0" smtClean="0"/>
+              <a:rPr lang="en-US" dirty="0"/>
               <a:t> - </a:t>
             </a:r>
             <a:r>
-              <a:rPr lang="en-US" dirty="0" err="1" smtClean="0"/>
+              <a:rPr lang="en-US" dirty="0" err="1"/>
               <a:t>GroupBox</a:t>
             </a:r>
-            <a:endParaRPr lang="en-US" dirty="0" smtClean="0"/>
-          </a:p>
-          <a:p>
-            <a:r>
-              <a:rPr lang="en-US" dirty="0" err="1" smtClean="0"/>
+            <a:endParaRPr lang="en-US" dirty="0"/>
+          </a:p>
+          <a:p>
+            <a:r>
+              <a:rPr lang="en-US" dirty="0" err="1"/>
               <a:t>lbl</a:t>
             </a:r>
             <a:r>
-              <a:rPr lang="en-US" dirty="0" smtClean="0"/>
+              <a:rPr lang="en-US" dirty="0"/>
               <a:t> – Label</a:t>
             </a:r>
           </a:p>
           <a:p>
             <a:r>
-              <a:rPr lang="en-US" dirty="0" err="1" smtClean="0"/>
+              <a:rPr lang="en-US" dirty="0" err="1"/>
               <a:t>lnk</a:t>
             </a:r>
             <a:r>
-              <a:rPr lang="en-US" dirty="0" smtClean="0"/>
+              <a:rPr lang="en-US" dirty="0"/>
               <a:t> – </a:t>
             </a:r>
             <a:r>
-              <a:rPr lang="en-US" dirty="0" err="1" smtClean="0"/>
+              <a:rPr lang="en-US" dirty="0" err="1"/>
               <a:t>LinkLabel</a:t>
             </a:r>
-            <a:endParaRPr lang="en-US" dirty="0" smtClean="0"/>
-          </a:p>
-          <a:p>
-            <a:r>
-              <a:rPr lang="en-US" dirty="0" smtClean="0"/>
+            <a:endParaRPr lang="en-US" dirty="0"/>
+          </a:p>
+          <a:p>
+            <a:r>
+              <a:rPr lang="en-US" dirty="0"/>
               <a:t>lv – </a:t>
             </a:r>
             <a:r>
-              <a:rPr lang="en-US" dirty="0" err="1" smtClean="0"/>
+              <a:rPr lang="en-US" dirty="0" err="1"/>
               <a:t>ListView</a:t>
             </a:r>
-            <a:endParaRPr lang="en-US" dirty="0" smtClean="0"/>
-          </a:p>
-          <a:p>
-            <a:r>
-              <a:rPr lang="en-US" dirty="0" err="1" smtClean="0"/>
+            <a:endParaRPr lang="en-US" dirty="0"/>
+          </a:p>
+          <a:p>
+            <a:r>
+              <a:rPr lang="en-US" dirty="0" err="1"/>
               <a:t>pb</a:t>
             </a:r>
             <a:r>
-              <a:rPr lang="en-US" dirty="0" smtClean="0"/>
+              <a:rPr lang="en-US" dirty="0"/>
               <a:t> – </a:t>
             </a:r>
             <a:r>
-              <a:rPr lang="en-US" dirty="0" err="1" smtClean="0"/>
+              <a:rPr lang="en-US" dirty="0" err="1"/>
               <a:t>PictureBox</a:t>
             </a:r>
-            <a:endParaRPr lang="en-US" dirty="0" smtClean="0"/>
-          </a:p>
-          <a:p>
-            <a:r>
-              <a:rPr lang="en-US" dirty="0" err="1" smtClean="0"/>
+            <a:endParaRPr lang="en-US" dirty="0"/>
+          </a:p>
+          <a:p>
+            <a:r>
+              <a:rPr lang="en-US" dirty="0" err="1"/>
               <a:t>prgs</a:t>
             </a:r>
             <a:r>
-              <a:rPr lang="en-US" dirty="0" smtClean="0"/>
+              <a:rPr lang="en-US" dirty="0"/>
               <a:t> - </a:t>
             </a:r>
             <a:r>
-              <a:rPr lang="en-US" dirty="0" err="1" smtClean="0"/>
+              <a:rPr lang="en-US" dirty="0" err="1"/>
               <a:t>ProgressBar</a:t>
             </a:r>
-            <a:endParaRPr lang="en-US" dirty="0" smtClean="0"/>
-          </a:p>
-          <a:p>
-            <a:r>
-              <a:rPr lang="en-US" dirty="0" err="1" smtClean="0"/>
+            <a:endParaRPr lang="en-US" dirty="0"/>
+          </a:p>
+          <a:p>
+            <a:r>
+              <a:rPr lang="en-US" dirty="0" err="1"/>
               <a:t>rb</a:t>
             </a:r>
             <a:r>
-              <a:rPr lang="en-US" dirty="0" smtClean="0"/>
+              <a:rPr lang="en-US" dirty="0"/>
               <a:t> - </a:t>
             </a:r>
             <a:r>
-              <a:rPr lang="en-US" dirty="0" err="1" smtClean="0"/>
+              <a:rPr lang="en-US" dirty="0" err="1"/>
               <a:t>RadioButton</a:t>
             </a:r>
-            <a:endParaRPr lang="en-US" dirty="0" smtClean="0"/>
-          </a:p>
-          <a:p>
-            <a:r>
-              <a:rPr lang="en-US" dirty="0" err="1" smtClean="0"/>
+            <a:endParaRPr lang="en-US" dirty="0"/>
+          </a:p>
+          <a:p>
+            <a:r>
+              <a:rPr lang="en-US" dirty="0" err="1"/>
               <a:t>tb</a:t>
             </a:r>
             <a:r>
-              <a:rPr lang="en-US" dirty="0" smtClean="0"/>
+              <a:rPr lang="en-US" dirty="0"/>
               <a:t> </a:t>
             </a:r>
             <a:r>
-              <a:rPr lang="ru-RU" dirty="0" smtClean="0"/>
+              <a:rPr lang="ru-RU" dirty="0"/>
               <a:t>– </a:t>
             </a:r>
             <a:r>
-              <a:rPr lang="en-US" dirty="0" err="1" smtClean="0"/>
+              <a:rPr lang="en-US" dirty="0" err="1"/>
               <a:t>TextBox</a:t>
             </a:r>
-            <a:endParaRPr lang="en-US" dirty="0" smtClean="0"/>
-          </a:p>
-          <a:p>
-            <a:r>
-              <a:rPr lang="en-US" dirty="0" err="1" smtClean="0"/>
+            <a:endParaRPr lang="en-US" dirty="0"/>
+          </a:p>
+          <a:p>
+            <a:r>
+              <a:rPr lang="en-US" dirty="0" err="1"/>
               <a:t>tv</a:t>
             </a:r>
             <a:r>
-              <a:rPr lang="en-US" dirty="0" smtClean="0"/>
+              <a:rPr lang="en-US" dirty="0"/>
               <a:t> - </a:t>
             </a:r>
             <a:r>
-              <a:rPr lang="en-US" dirty="0" err="1" smtClean="0"/>
+              <a:rPr lang="en-US" dirty="0" err="1"/>
               <a:t>TreeView</a:t>
             </a:r>
             <a:endParaRPr lang="ru-RU" dirty="0"/>
@@ -3870,13 +3903,6 @@
   <p:clrMapOvr>
     <a:masterClrMapping/>
   </p:clrMapOvr>
-  <p:timing>
-    <p:tnLst>
-      <p:par>
-        <p:cTn id="1" dur="indefinite" restart="never" nodeType="tmRoot"/>
-      </p:par>
-    </p:tnLst>
-  </p:timing>
 </p:sld>
 </file>
 
@@ -3915,7 +3941,7 @@
           <a:lstStyle/>
           <a:p>
             <a:r>
-              <a:rPr lang="ru-RU" dirty="0" smtClean="0"/>
+              <a:rPr lang="ru-RU" dirty="0"/>
               <a:t>Форма: Последовательность событий при создании</a:t>
             </a:r>
             <a:endParaRPr lang="en-US" dirty="0"/>
@@ -3942,7 +3968,7 @@
               <a:buAutoNum type="arabicPeriod"/>
             </a:pPr>
             <a:r>
-              <a:rPr lang="ru-RU" dirty="0" smtClean="0"/>
+              <a:rPr lang="ru-RU" dirty="0"/>
               <a:t>Конструктор</a:t>
             </a:r>
             <a:endParaRPr lang="en-US" dirty="0"/>
@@ -3953,11 +3979,11 @@
               <a:buAutoNum type="arabicPeriod"/>
             </a:pPr>
             <a:r>
-              <a:rPr lang="ru-RU" dirty="0" smtClean="0"/>
+              <a:rPr lang="ru-RU" dirty="0"/>
               <a:t>Событие</a:t>
             </a:r>
             <a:r>
-              <a:rPr lang="en-US" dirty="0" smtClean="0"/>
+              <a:rPr lang="en-US" dirty="0"/>
               <a:t> </a:t>
             </a:r>
             <a:r>
@@ -3972,16 +3998,12 @@
               <a:buAutoNum type="arabicPeriod"/>
             </a:pPr>
             <a:r>
-              <a:rPr lang="ru-RU" dirty="0" smtClean="0"/>
+              <a:rPr lang="ru-RU" dirty="0"/>
               <a:t>Событие</a:t>
             </a:r>
             <a:r>
-              <a:rPr lang="en-US" dirty="0" smtClean="0"/>
-              <a:t> </a:t>
-            </a:r>
-            <a:r>
-              <a:rPr lang="en-US" dirty="0"/>
-              <a:t>Load</a:t>
+              <a:rPr lang="en-US" dirty="0"/>
+              <a:t> Load</a:t>
             </a:r>
           </a:p>
           <a:p>
@@ -3990,16 +4012,12 @@
               <a:buAutoNum type="arabicPeriod"/>
             </a:pPr>
             <a:r>
-              <a:rPr lang="ru-RU" dirty="0" smtClean="0"/>
+              <a:rPr lang="ru-RU" dirty="0"/>
               <a:t>Событие</a:t>
             </a:r>
             <a:r>
-              <a:rPr lang="en-US" dirty="0" smtClean="0"/>
-              <a:t> </a:t>
-            </a:r>
-            <a:r>
-              <a:rPr lang="en-US" dirty="0"/>
-              <a:t>Activated</a:t>
+              <a:rPr lang="en-US" dirty="0"/>
+              <a:t> Activated</a:t>
             </a:r>
           </a:p>
           <a:p>
@@ -4008,16 +4026,12 @@
               <a:buAutoNum type="arabicPeriod"/>
             </a:pPr>
             <a:r>
-              <a:rPr lang="ru-RU" smtClean="0"/>
+              <a:rPr lang="ru-RU"/>
               <a:t>Событие</a:t>
             </a:r>
             <a:r>
-              <a:rPr lang="en-US" dirty="0" smtClean="0"/>
-              <a:t> </a:t>
-            </a:r>
-            <a:r>
-              <a:rPr lang="en-US" dirty="0"/>
-              <a:t>Shown</a:t>
+              <a:rPr lang="en-US" dirty="0"/>
+              <a:t> Shown</a:t>
             </a:r>
           </a:p>
           <a:p>
@@ -4035,13 +4049,6 @@
   <p:clrMapOvr>
     <a:masterClrMapping/>
   </p:clrMapOvr>
-  <p:timing>
-    <p:tnLst>
-      <p:par>
-        <p:cTn id="1" dur="indefinite" restart="never" nodeType="tmRoot"/>
-      </p:par>
-    </p:tnLst>
-  </p:timing>
 </p:sld>
 </file>
 
@@ -4078,7 +4085,7 @@
           <a:lstStyle/>
           <a:p>
             <a:r>
-              <a:rPr lang="ru-RU" dirty="0" smtClean="0"/>
+              <a:rPr lang="ru-RU" dirty="0"/>
               <a:t>элементы управления</a:t>
             </a:r>
             <a:endParaRPr lang="en-US" dirty="0"/>
@@ -4150,10 +4157,9 @@
           <a:lstStyle/>
           <a:p>
             <a:r>
-              <a:rPr lang="ru-RU" dirty="0" smtClean="0"/>
+              <a:rPr lang="ru-RU" dirty="0"/>
               <a:t>Ввод данных</a:t>
             </a:r>
-            <a:endParaRPr lang="ru-RU" dirty="0"/>
           </a:p>
         </p:txBody>
       </p:sp>
@@ -4175,79 +4181,71 @@
           <a:lstStyle/>
           <a:p>
             <a:r>
-              <a:rPr lang="en-US" dirty="0" err="1" smtClean="0"/>
+              <a:rPr lang="en-US" dirty="0" err="1"/>
               <a:t>TextBox</a:t>
             </a:r>
             <a:r>
-              <a:rPr lang="en-US" dirty="0" smtClean="0"/>
+              <a:rPr lang="en-US" dirty="0"/>
               <a:t>: </a:t>
             </a:r>
             <a:r>
-              <a:rPr lang="ru-RU" dirty="0" smtClean="0"/>
+              <a:rPr lang="ru-RU" dirty="0"/>
               <a:t>однострочный текст, пароль, многострочный текст</a:t>
             </a:r>
-            <a:endParaRPr lang="en-US" dirty="0" smtClean="0"/>
+            <a:endParaRPr lang="en-US" dirty="0"/>
           </a:p>
           <a:p>
             <a:r>
               <a:rPr lang="en-US" dirty="0" err="1"/>
               <a:t>MaskedTextBox</a:t>
             </a:r>
-            <a:endParaRPr lang="ru-RU" dirty="0" smtClean="0"/>
-          </a:p>
-          <a:p>
-            <a:r>
-              <a:rPr lang="en-US" dirty="0" err="1" smtClean="0"/>
+            <a:endParaRPr lang="ru-RU" dirty="0"/>
+          </a:p>
+          <a:p>
+            <a:r>
+              <a:rPr lang="en-US" dirty="0" err="1"/>
               <a:t>RichTextBox</a:t>
             </a:r>
             <a:r>
-              <a:rPr lang="ru-RU" dirty="0" smtClean="0"/>
-              <a:t>: </a:t>
-            </a:r>
-            <a:r>
-              <a:rPr lang="ru-RU" dirty="0"/>
-              <a:t>многострочный </a:t>
-            </a:r>
-            <a:r>
-              <a:rPr lang="ru-RU" dirty="0" smtClean="0"/>
-              <a:t>текст с форматированием</a:t>
-            </a:r>
-            <a:endParaRPr lang="en-US" dirty="0" smtClean="0"/>
+              <a:rPr lang="ru-RU" dirty="0"/>
+              <a:t>: многострочный текст с форматированием</a:t>
+            </a:r>
+            <a:endParaRPr lang="en-US" dirty="0"/>
           </a:p>
           <a:p>
             <a:r>
               <a:rPr lang="en-US" dirty="0" err="1"/>
               <a:t>ComboBox</a:t>
             </a:r>
-            <a:endParaRPr lang="ru-RU" dirty="0" smtClean="0"/>
-          </a:p>
-          <a:p>
-            <a:r>
-              <a:rPr lang="en-US" dirty="0" err="1" smtClean="0"/>
+            <a:endParaRPr lang="ru-RU" dirty="0"/>
+          </a:p>
+          <a:p>
+            <a:r>
+              <a:rPr lang="en-US" dirty="0" err="1"/>
               <a:t>NumericUpDown</a:t>
             </a:r>
-            <a:endParaRPr lang="en-US" dirty="0" smtClean="0"/>
-          </a:p>
-          <a:p>
-            <a:r>
-              <a:rPr lang="en-US" dirty="0" err="1" smtClean="0"/>
+            <a:endParaRPr lang="en-US" dirty="0"/>
+          </a:p>
+          <a:p>
+            <a:r>
+              <a:rPr lang="en-US" dirty="0" err="1"/>
               <a:t>DomainUpDown</a:t>
             </a:r>
-            <a:endParaRPr lang="en-US" dirty="0" smtClean="0"/>
-          </a:p>
-          <a:p>
-            <a:r>
-              <a:rPr lang="en-US" dirty="0" err="1" smtClean="0"/>
+            <a:endParaRPr lang="en-US" dirty="0"/>
+          </a:p>
+          <a:p>
+            <a:r>
+              <a:rPr lang="en-US" dirty="0" err="1"/>
               <a:t>DateTimePicker</a:t>
             </a:r>
-            <a:endParaRPr lang="ru-RU" dirty="0" smtClean="0"/>
-          </a:p>
-          <a:p>
-            <a:r>
-              <a:rPr lang="en-US" dirty="0" err="1" smtClean="0"/>
+            <a:endParaRPr lang="ru-RU" dirty="0"/>
+          </a:p>
+          <a:p>
+            <a:r>
+              <a:rPr lang="en-US" dirty="0" err="1"/>
               <a:t>MonthCalendar</a:t>
             </a:r>
-            <a:endParaRPr lang="en-US" dirty="0" smtClean="0"/>
+            <a:endParaRPr lang="en-US" dirty="0"/>
           </a:p>
           <a:p>
             <a:endParaRPr lang="ru-RU" dirty="0"/>
@@ -4264,13 +4262,6 @@
   <p:clrMapOvr>
     <a:masterClrMapping/>
   </p:clrMapOvr>
-  <p:timing>
-    <p:tnLst>
-      <p:par>
-        <p:cTn id="1" dur="indefinite" restart="never" nodeType="tmRoot"/>
-      </p:par>
-    </p:tnLst>
-  </p:timing>
 </p:sld>
 </file>
 
@@ -4307,10 +4298,9 @@
           <a:lstStyle/>
           <a:p>
             <a:r>
-              <a:rPr lang="ru-RU" dirty="0" smtClean="0"/>
+              <a:rPr lang="ru-RU" dirty="0"/>
               <a:t>Контейнеры</a:t>
             </a:r>
-            <a:endParaRPr lang="ru-RU" dirty="0"/>
           </a:p>
         </p:txBody>
       </p:sp>
@@ -4332,47 +4322,47 @@
           <a:lstStyle/>
           <a:p>
             <a:r>
-              <a:rPr lang="en-US" dirty="0" smtClean="0"/>
+              <a:rPr lang="en-US" dirty="0"/>
               <a:t>Panel</a:t>
             </a:r>
           </a:p>
           <a:p>
             <a:r>
-              <a:rPr lang="en-US" dirty="0" err="1" smtClean="0"/>
+              <a:rPr lang="en-US" dirty="0" err="1"/>
               <a:t>GroupBox</a:t>
             </a:r>
-            <a:endParaRPr lang="en-US" dirty="0" smtClean="0"/>
-          </a:p>
-          <a:p>
             <a:endParaRPr lang="en-US" dirty="0"/>
           </a:p>
           <a:p>
-            <a:r>
-              <a:rPr lang="en-US" dirty="0" err="1" smtClean="0"/>
+            <a:endParaRPr lang="en-US" dirty="0"/>
+          </a:p>
+          <a:p>
+            <a:r>
+              <a:rPr lang="en-US" dirty="0" err="1"/>
               <a:t>SplitContainer</a:t>
             </a:r>
-            <a:endParaRPr lang="en-US" dirty="0" smtClean="0"/>
-          </a:p>
-          <a:p>
-            <a:r>
-              <a:rPr lang="en-US" dirty="0" err="1" smtClean="0"/>
+            <a:endParaRPr lang="en-US" dirty="0"/>
+          </a:p>
+          <a:p>
+            <a:r>
+              <a:rPr lang="en-US" dirty="0" err="1"/>
               <a:t>TabControl</a:t>
             </a:r>
-            <a:endParaRPr lang="en-US" dirty="0" smtClean="0"/>
-          </a:p>
-          <a:p>
             <a:endParaRPr lang="en-US" dirty="0"/>
           </a:p>
           <a:p>
-            <a:r>
-              <a:rPr lang="en-US" dirty="0" err="1" smtClean="0"/>
+            <a:endParaRPr lang="en-US" dirty="0"/>
+          </a:p>
+          <a:p>
+            <a:r>
+              <a:rPr lang="en-US" dirty="0" err="1"/>
               <a:t>FlowLayoutPanel</a:t>
             </a:r>
-            <a:endParaRPr lang="en-US" dirty="0" smtClean="0"/>
-          </a:p>
-          <a:p>
-            <a:r>
-              <a:rPr lang="en-US" dirty="0" err="1" smtClean="0"/>
+            <a:endParaRPr lang="en-US" dirty="0"/>
+          </a:p>
+          <a:p>
+            <a:r>
+              <a:rPr lang="en-US" dirty="0" err="1"/>
               <a:t>TableLayoutPanel</a:t>
             </a:r>
             <a:endParaRPr lang="ru-RU" dirty="0"/>
@@ -4389,13 +4379,6 @@
   <p:clrMapOvr>
     <a:masterClrMapping/>
   </p:clrMapOvr>
-  <p:timing>
-    <p:tnLst>
-      <p:par>
-        <p:cTn id="1" dur="indefinite" restart="never" nodeType="tmRoot"/>
-      </p:par>
-    </p:tnLst>
-  </p:timing>
 </p:sld>
 </file>
 
@@ -4432,10 +4415,9 @@
           <a:lstStyle/>
           <a:p>
             <a:r>
-              <a:rPr lang="ru-RU" dirty="0" smtClean="0"/>
+              <a:rPr lang="ru-RU" dirty="0"/>
               <a:t>Статический текст</a:t>
             </a:r>
-            <a:endParaRPr lang="ru-RU" dirty="0"/>
           </a:p>
         </p:txBody>
       </p:sp>
@@ -4455,16 +4437,16 @@
           <a:lstStyle/>
           <a:p>
             <a:r>
-              <a:rPr lang="en-US" dirty="0" smtClean="0"/>
+              <a:rPr lang="en-US" dirty="0"/>
               <a:t>Label</a:t>
             </a:r>
           </a:p>
           <a:p>
             <a:r>
-              <a:rPr lang="en-US" dirty="0" err="1" smtClean="0"/>
+              <a:rPr lang="en-US" dirty="0" err="1"/>
               <a:t>LinkLabel</a:t>
             </a:r>
-            <a:endParaRPr lang="en-US" dirty="0" smtClean="0"/>
+            <a:endParaRPr lang="en-US" dirty="0"/>
           </a:p>
           <a:p>
             <a:endParaRPr lang="ru-RU" dirty="0"/>
@@ -4481,13 +4463,6 @@
   <p:clrMapOvr>
     <a:masterClrMapping/>
   </p:clrMapOvr>
-  <p:timing>
-    <p:tnLst>
-      <p:par>
-        <p:cTn id="1" dur="indefinite" restart="never" nodeType="tmRoot"/>
-      </p:par>
-    </p:tnLst>
-  </p:timing>
 </p:sld>
 </file>
 
@@ -4524,11 +4499,11 @@
           <a:lstStyle/>
           <a:p>
             <a:r>
-              <a:rPr lang="ru-RU" dirty="0" smtClean="0"/>
+              <a:rPr lang="ru-RU" dirty="0"/>
               <a:t>Элементы </a:t>
             </a:r>
             <a:r>
-              <a:rPr lang="en-US" dirty="0" smtClean="0"/>
+              <a:rPr lang="en-US" dirty="0"/>
               <a:t>UI</a:t>
             </a:r>
             <a:endParaRPr lang="ru-RU" dirty="0"/>
@@ -4551,40 +4526,39 @@
           <a:lstStyle/>
           <a:p>
             <a:r>
-              <a:rPr lang="en-US" dirty="0" err="1" smtClean="0"/>
+              <a:rPr lang="en-US" dirty="0" err="1"/>
               <a:t>MenuStrip</a:t>
             </a:r>
             <a:r>
-              <a:rPr lang="en-US" dirty="0" smtClean="0"/>
+              <a:rPr lang="en-US" dirty="0"/>
               <a:t>:</a:t>
             </a:r>
             <a:r>
-              <a:rPr lang="ru-RU" dirty="0" smtClean="0"/>
+              <a:rPr lang="ru-RU" dirty="0"/>
               <a:t> главное меню</a:t>
             </a:r>
-            <a:endParaRPr lang="en-US" dirty="0" smtClean="0"/>
-          </a:p>
-          <a:p>
-            <a:r>
-              <a:rPr lang="en-US" dirty="0" err="1" smtClean="0"/>
+            <a:endParaRPr lang="en-US" dirty="0"/>
+          </a:p>
+          <a:p>
+            <a:r>
+              <a:rPr lang="en-US" dirty="0" err="1"/>
               <a:t>ContextMenuStrip</a:t>
             </a:r>
             <a:r>
-              <a:rPr lang="ru-RU" dirty="0" smtClean="0"/>
+              <a:rPr lang="ru-RU" dirty="0"/>
               <a:t>: контекстное меню</a:t>
             </a:r>
-            <a:endParaRPr lang="en-US" dirty="0" smtClean="0"/>
-          </a:p>
-          <a:p>
-            <a:r>
-              <a:rPr lang="en-US" dirty="0" err="1" smtClean="0"/>
+            <a:endParaRPr lang="en-US" dirty="0"/>
+          </a:p>
+          <a:p>
+            <a:r>
+              <a:rPr lang="en-US" dirty="0" err="1"/>
               <a:t>StatusStrip</a:t>
             </a:r>
             <a:r>
-              <a:rPr lang="ru-RU" dirty="0" smtClean="0"/>
+              <a:rPr lang="ru-RU" dirty="0"/>
               <a:t>: строка статуса</a:t>
             </a:r>
-            <a:endParaRPr lang="ru-RU" dirty="0"/>
           </a:p>
         </p:txBody>
       </p:sp>
@@ -4598,13 +4572,6 @@
   <p:clrMapOvr>
     <a:masterClrMapping/>
   </p:clrMapOvr>
-  <p:timing>
-    <p:tnLst>
-      <p:par>
-        <p:cTn id="1" dur="indefinite" restart="never" nodeType="tmRoot"/>
-      </p:par>
-    </p:tnLst>
-  </p:timing>
 </p:sld>
 </file>
 
@@ -4641,7 +4608,7 @@
           <a:lstStyle/>
           <a:p>
             <a:r>
-              <a:rPr lang="ru-RU" dirty="0" smtClean="0"/>
+              <a:rPr lang="ru-RU" dirty="0"/>
               <a:t>Литература</a:t>
             </a:r>
             <a:endParaRPr lang="en-US" dirty="0"/>
@@ -4667,10 +4634,9 @@
               <a:buNone/>
             </a:pPr>
             <a:r>
-              <a:rPr lang="en-US" dirty="0" smtClean="0"/>
+              <a:rPr lang="en-US" dirty="0"/>
               <a:t>TODO</a:t>
             </a:r>
-            <a:endParaRPr lang="en-US" dirty="0"/>
           </a:p>
         </p:txBody>
       </p:sp>
@@ -4684,21 +4650,6 @@
   <p:clrMapOvr>
     <a:masterClrMapping/>
   </p:clrMapOvr>
-  <mc:AlternateContent xmlns:mc="http://schemas.openxmlformats.org/markup-compatibility/2006" xmlns:p14="http://schemas.microsoft.com/office/powerpoint/2010/main">
-    <mc:Choice Requires="p14">
-      <p:transition spd="slow" p14:dur="2000"/>
-    </mc:Choice>
-    <mc:Fallback xmlns="">
-      <p:transition spd="slow"/>
-    </mc:Fallback>
-  </mc:AlternateContent>
-  <p:timing>
-    <p:tnLst>
-      <p:par>
-        <p:cTn id="1" dur="indefinite" restart="never" nodeType="tmRoot"/>
-      </p:par>
-    </p:tnLst>
-  </p:timing>
 </p:sld>
 </file>
 
@@ -4735,10 +4686,9 @@
           <a:lstStyle/>
           <a:p>
             <a:r>
-              <a:rPr lang="ru-RU" dirty="0" smtClean="0"/>
+              <a:rPr lang="ru-RU" dirty="0"/>
               <a:t>Стандартные диалоги</a:t>
             </a:r>
-            <a:endParaRPr lang="ru-RU" dirty="0"/>
           </a:p>
         </p:txBody>
       </p:sp>
@@ -4758,53 +4708,53 @@
           <a:lstStyle/>
           <a:p>
             <a:r>
-              <a:rPr lang="ru-RU" dirty="0" smtClean="0"/>
+              <a:rPr lang="ru-RU" dirty="0"/>
               <a:t>Файлы/папки:</a:t>
             </a:r>
-            <a:endParaRPr lang="en-US" dirty="0" smtClean="0"/>
+            <a:endParaRPr lang="en-US" dirty="0"/>
           </a:p>
           <a:p>
             <a:pPr lvl="1"/>
             <a:r>
-              <a:rPr lang="en-US" dirty="0" err="1" smtClean="0"/>
+              <a:rPr lang="en-US" dirty="0" err="1"/>
               <a:t>OpenFileDialog</a:t>
             </a:r>
-            <a:endParaRPr lang="en-US" dirty="0" smtClean="0"/>
+            <a:endParaRPr lang="en-US" dirty="0"/>
           </a:p>
           <a:p>
             <a:pPr lvl="1"/>
             <a:r>
-              <a:rPr lang="en-US" dirty="0" err="1" smtClean="0"/>
+              <a:rPr lang="en-US" dirty="0" err="1"/>
               <a:t>SaveFileDialog</a:t>
             </a:r>
-            <a:endParaRPr lang="en-US" dirty="0" smtClean="0"/>
+            <a:endParaRPr lang="en-US" dirty="0"/>
           </a:p>
           <a:p>
             <a:pPr lvl="1"/>
             <a:r>
-              <a:rPr lang="en-US" dirty="0" err="1" smtClean="0"/>
+              <a:rPr lang="en-US" dirty="0" err="1"/>
               <a:t>FolderBrowserDialog</a:t>
             </a:r>
-            <a:endParaRPr lang="ru-RU" dirty="0" smtClean="0"/>
-          </a:p>
-          <a:p>
-            <a:r>
-              <a:rPr lang="ru-RU" dirty="0" smtClean="0"/>
+            <a:endParaRPr lang="ru-RU" dirty="0"/>
+          </a:p>
+          <a:p>
+            <a:r>
+              <a:rPr lang="ru-RU" dirty="0"/>
               <a:t>Печать:</a:t>
             </a:r>
           </a:p>
           <a:p>
             <a:pPr lvl="1"/>
             <a:r>
-              <a:rPr lang="en-US" dirty="0" err="1" smtClean="0"/>
+              <a:rPr lang="en-US" dirty="0" err="1"/>
               <a:t>PrintDialog</a:t>
             </a:r>
-            <a:endParaRPr lang="en-US" dirty="0" smtClean="0"/>
+            <a:endParaRPr lang="en-US" dirty="0"/>
           </a:p>
           <a:p>
             <a:pPr lvl="1"/>
             <a:r>
-              <a:rPr lang="en-US" dirty="0" err="1" smtClean="0"/>
+              <a:rPr lang="en-US" dirty="0" err="1"/>
               <a:t>PageSetupDialog</a:t>
             </a:r>
             <a:endParaRPr lang="ru-RU" dirty="0"/>
@@ -4821,13 +4771,6 @@
   <p:clrMapOvr>
     <a:masterClrMapping/>
   </p:clrMapOvr>
-  <p:timing>
-    <p:tnLst>
-      <p:par>
-        <p:cTn id="1" dur="indefinite" restart="never" nodeType="tmRoot"/>
-      </p:par>
-    </p:tnLst>
-  </p:timing>
 </p:sld>
 </file>
 
@@ -4864,10 +4807,9 @@
           <a:lstStyle/>
           <a:p>
             <a:r>
-              <a:rPr lang="ru-RU" dirty="0" smtClean="0"/>
+              <a:rPr lang="ru-RU" dirty="0"/>
               <a:t>Паралельное выполнение</a:t>
             </a:r>
-            <a:endParaRPr lang="ru-RU" dirty="0"/>
           </a:p>
         </p:txBody>
       </p:sp>
@@ -4887,14 +4829,14 @@
           <a:lstStyle/>
           <a:p>
             <a:r>
-              <a:rPr lang="en-US" dirty="0" err="1" smtClean="0"/>
+              <a:rPr lang="en-US" dirty="0" err="1"/>
               <a:t>BackgroundWorker</a:t>
             </a:r>
-            <a:endParaRPr lang="en-US" dirty="0" smtClean="0"/>
-          </a:p>
-          <a:p>
-            <a:r>
-              <a:rPr lang="en-US" dirty="0" smtClean="0"/>
+            <a:endParaRPr lang="en-US" dirty="0"/>
+          </a:p>
+          <a:p>
+            <a:r>
+              <a:rPr lang="en-US" dirty="0"/>
               <a:t>Timer</a:t>
             </a:r>
             <a:endParaRPr lang="ru-RU" dirty="0"/>
@@ -4911,13 +4853,6 @@
   <p:clrMapOvr>
     <a:masterClrMapping/>
   </p:clrMapOvr>
-  <p:timing>
-    <p:tnLst>
-      <p:par>
-        <p:cTn id="1" dur="indefinite" restart="never" nodeType="tmRoot"/>
-      </p:par>
-    </p:tnLst>
-  </p:timing>
 </p:sld>
 </file>
 
@@ -4954,10 +4889,9 @@
           <a:lstStyle/>
           <a:p>
             <a:r>
-              <a:rPr lang="ru-RU" dirty="0" smtClean="0"/>
+              <a:rPr lang="ru-RU" dirty="0"/>
               <a:t>Полезные библиотеки</a:t>
             </a:r>
-            <a:endParaRPr lang="ru-RU" dirty="0"/>
           </a:p>
         </p:txBody>
       </p:sp>
@@ -4990,13 +4924,6 @@
   <p:clrMapOvr>
     <a:masterClrMapping/>
   </p:clrMapOvr>
-  <p:timing>
-    <p:tnLst>
-      <p:par>
-        <p:cTn id="1" dur="indefinite" restart="never" nodeType="tmRoot"/>
-      </p:par>
-    </p:tnLst>
-  </p:timing>
 </p:sld>
 </file>
 
@@ -5033,10 +4960,9 @@
           <a:lstStyle/>
           <a:p>
             <a:r>
-              <a:rPr lang="ru-RU" dirty="0" smtClean="0"/>
+              <a:rPr lang="ru-RU" dirty="0"/>
               <a:t>Элементы управления</a:t>
             </a:r>
-            <a:endParaRPr lang="ru-RU" dirty="0"/>
           </a:p>
         </p:txBody>
       </p:sp>
@@ -5056,7 +4982,7 @@
           <a:lstStyle/>
           <a:p>
             <a:r>
-              <a:rPr lang="en-US" dirty="0" err="1" smtClean="0">
+              <a:rPr lang="en-US" dirty="0" err="1">
                 <a:solidFill>
                   <a:srgbClr val="FFFF00"/>
                 </a:solidFill>
@@ -5064,36 +4990,30 @@
               <a:t>FastColoredTextBox</a:t>
             </a:r>
             <a:r>
-              <a:rPr lang="ru-RU" dirty="0" smtClean="0"/>
+              <a:rPr lang="ru-RU" dirty="0"/>
               <a:t>: </a:t>
             </a:r>
             <a:r>
-              <a:rPr lang="en-US" dirty="0" smtClean="0"/>
+              <a:rPr lang="en-US" dirty="0"/>
               <a:t>textbox </a:t>
             </a:r>
             <a:r>
-              <a:rPr lang="ru-RU" dirty="0" smtClean="0"/>
+              <a:rPr lang="ru-RU" dirty="0"/>
               <a:t>с подсветкой синтаксиса</a:t>
             </a:r>
             <a:br>
-              <a:rPr lang="ru-RU" dirty="0" smtClean="0"/>
+              <a:rPr lang="ru-RU" dirty="0"/>
             </a:br>
             <a:r>
               <a:rPr lang="en-US" dirty="0">
                 <a:hlinkClick r:id="rId2"/>
               </a:rPr>
-              <a:t>https://</a:t>
-            </a:r>
-            <a:r>
-              <a:rPr lang="en-US" dirty="0" smtClean="0">
-                <a:hlinkClick r:id="rId2"/>
-              </a:rPr>
-              <a:t>www.nuget.org/packages/FCTB/</a:t>
-            </a:r>
-            <a:endParaRPr lang="ru-RU" smtClean="0"/>
-          </a:p>
-          <a:p>
-            <a:endParaRPr lang="ru-RU" dirty="0" smtClean="0"/>
+              <a:t>https://www.nuget.org/packages/FCTB/</a:t>
+            </a:r>
+            <a:endParaRPr lang="ru-RU"/>
+          </a:p>
+          <a:p>
+            <a:endParaRPr lang="ru-RU" dirty="0"/>
           </a:p>
           <a:p>
             <a:endParaRPr lang="ru-RU" dirty="0"/>
@@ -5110,13 +5030,6 @@
   <p:clrMapOvr>
     <a:masterClrMapping/>
   </p:clrMapOvr>
-  <p:timing>
-    <p:tnLst>
-      <p:par>
-        <p:cTn id="1" dur="indefinite" restart="never" nodeType="tmRoot"/>
-      </p:par>
-    </p:tnLst>
-  </p:timing>
 </p:sld>
 </file>
 
@@ -5153,7 +5066,7 @@
           <a:lstStyle/>
           <a:p>
             <a:r>
-              <a:rPr lang="ru-RU" dirty="0" smtClean="0"/>
+              <a:rPr lang="ru-RU" dirty="0"/>
               <a:t>Полезные инструменты</a:t>
             </a:r>
             <a:endParaRPr lang="en-US" dirty="0"/>
@@ -5225,10 +5138,9 @@
           <a:lstStyle/>
           <a:p>
             <a:r>
-              <a:rPr lang="en-US" dirty="0" smtClean="0"/>
+              <a:rPr lang="en-US" dirty="0"/>
               <a:t>Inspect</a:t>
             </a:r>
-            <a:endParaRPr lang="en-US" dirty="0"/>
           </a:p>
         </p:txBody>
       </p:sp>
@@ -5248,14 +5160,14 @@
           <a:lstStyle/>
           <a:p>
             <a:r>
-              <a:rPr lang="ru-RU" dirty="0" smtClean="0"/>
+              <a:rPr lang="ru-RU" dirty="0"/>
               <a:t>Входит в </a:t>
             </a:r>
             <a:r>
-              <a:rPr lang="en-US" dirty="0" smtClean="0"/>
+              <a:rPr lang="en-US" dirty="0"/>
               <a:t>Windows SDK</a:t>
             </a:r>
-            <a:endParaRPr lang="ru-RU" dirty="0" smtClean="0"/>
+            <a:endParaRPr lang="ru-RU" dirty="0"/>
           </a:p>
           <a:p>
             <a:r>
@@ -5349,34 +5261,17 @@
                 </a:solidFill>
                 <a:hlinkClick r:id="rId2"/>
               </a:rPr>
-              <a:t>https://</a:t>
-            </a:r>
-            <a:r>
-              <a:rPr lang="en-US" dirty="0" smtClean="0">
-                <a:solidFill>
-                  <a:schemeClr val="bg1"/>
-                </a:solidFill>
-                <a:hlinkClick r:id="rId2"/>
-              </a:rPr>
-              <a:t>github.com/bazile/Training</a:t>
-            </a:r>
-            <a:r>
-              <a:rPr lang="en-US" dirty="0" smtClean="0">
-                <a:solidFill>
-                  <a:schemeClr val="bg1"/>
-                </a:solidFill>
-              </a:rPr>
-              <a:t/>
+              <a:t>https://github.com/bazile/Training</a:t>
             </a:r>
             <a:br>
-              <a:rPr lang="en-US" dirty="0" smtClean="0">
+              <a:rPr lang="en-US" dirty="0">
                 <a:solidFill>
                   <a:schemeClr val="bg1"/>
                 </a:solidFill>
               </a:rPr>
             </a:br>
             <a:r>
-              <a:rPr lang="ru-RU" dirty="0" smtClean="0">
+              <a:rPr lang="ru-RU" dirty="0">
                 <a:solidFill>
                   <a:schemeClr val="bg1"/>
                 </a:solidFill>
@@ -5385,7 +5280,7 @@
             </a:r>
           </a:p>
           <a:p>
-            <a:endParaRPr lang="ru-RU" dirty="0" smtClean="0">
+            <a:endParaRPr lang="ru-RU" dirty="0">
               <a:solidFill>
                 <a:schemeClr val="bg1"/>
               </a:solidFill>
@@ -5399,45 +5294,23 @@
                 </a:solidFill>
                 <a:hlinkClick r:id="rId3"/>
               </a:rPr>
-              <a:t>http://belhard.nullptr.ru</a:t>
-            </a:r>
-            <a:r>
-              <a:rPr lang="en-US" dirty="0" smtClean="0">
-                <a:solidFill>
-                  <a:schemeClr val="bg1"/>
-                </a:solidFill>
-                <a:hlinkClick r:id="rId3"/>
-              </a:rPr>
-              <a:t>/</a:t>
-            </a:r>
-            <a:r>
-              <a:rPr lang="ru-RU" dirty="0" smtClean="0">
-                <a:solidFill>
-                  <a:schemeClr val="bg1"/>
-                </a:solidFill>
-              </a:rPr>
-              <a:t/>
+              <a:t>http://belhard.nullptr.ru/</a:t>
             </a:r>
             <a:br>
-              <a:rPr lang="ru-RU" dirty="0" smtClean="0">
+              <a:rPr lang="ru-RU" dirty="0">
                 <a:solidFill>
                   <a:schemeClr val="bg1"/>
                 </a:solidFill>
               </a:rPr>
             </a:br>
             <a:r>
-              <a:rPr lang="ru-RU" dirty="0" smtClean="0">
+              <a:rPr lang="ru-RU" dirty="0">
                 <a:solidFill>
                   <a:schemeClr val="bg1"/>
                 </a:solidFill>
               </a:rPr>
               <a:t>Книги, примеры к ним и другие полезные файлы.</a:t>
             </a:r>
-            <a:endParaRPr lang="ru-RU" dirty="0">
-              <a:solidFill>
-                <a:schemeClr val="bg1"/>
-              </a:solidFill>
-            </a:endParaRPr>
           </a:p>
           <a:p>
             <a:endParaRPr lang="en-US" dirty="0"/>
@@ -5454,13 +5327,6 @@
   <p:clrMapOvr>
     <a:masterClrMapping/>
   </p:clrMapOvr>
-  <p:timing>
-    <p:tnLst>
-      <p:par>
-        <p:cTn id="1" dur="indefinite" restart="never" nodeType="tmRoot"/>
-      </p:par>
-    </p:tnLst>
-  </p:timing>
 </p:sld>
 </file>
 
@@ -5497,7 +5363,7 @@
           <a:lstStyle/>
           <a:p>
             <a:r>
-              <a:rPr lang="en-US" dirty="0" smtClean="0"/>
+              <a:rPr lang="en-US" dirty="0"/>
               <a:t>WPF vs Windows Forms</a:t>
             </a:r>
             <a:endParaRPr lang="ru-RU" dirty="0"/>
@@ -5520,72 +5386,56 @@
           <a:lstStyle/>
           <a:p>
             <a:r>
-              <a:rPr lang="en-US" dirty="0" smtClean="0"/>
+              <a:rPr lang="en-US" dirty="0"/>
               <a:t>WPF </a:t>
             </a:r>
             <a:r>
-              <a:rPr lang="ru-RU" dirty="0" smtClean="0"/>
-              <a:t>не </a:t>
-            </a:r>
-            <a:r>
-              <a:rPr lang="ru-RU" dirty="0"/>
-              <a:t>заменяет, а дополняет </a:t>
-            </a:r>
-            <a:r>
-              <a:rPr lang="en-US" dirty="0"/>
-              <a:t>Windows </a:t>
-            </a:r>
-            <a:r>
-              <a:rPr lang="en-US" dirty="0" smtClean="0"/>
-              <a:t>Forms</a:t>
-            </a:r>
-            <a:endParaRPr lang="ru-RU" dirty="0" smtClean="0"/>
-          </a:p>
-          <a:p>
-            <a:r>
-              <a:rPr lang="en-US" dirty="0" smtClean="0"/>
+              <a:rPr lang="ru-RU" dirty="0"/>
+              <a:t>не заменяет, а дополняет </a:t>
+            </a:r>
+            <a:r>
+              <a:rPr lang="en-US" dirty="0"/>
+              <a:t>Windows Forms</a:t>
+            </a:r>
+            <a:endParaRPr lang="ru-RU" dirty="0"/>
+          </a:p>
+          <a:p>
+            <a:r>
+              <a:rPr lang="en-US" dirty="0"/>
               <a:t>Windows Store </a:t>
             </a:r>
             <a:r>
               <a:rPr lang="ru-RU" dirty="0"/>
-              <a:t>п</a:t>
-            </a:r>
-            <a:r>
-              <a:rPr lang="ru-RU" dirty="0" smtClean="0"/>
-              <a:t>риложения для </a:t>
-            </a:r>
-            <a:r>
-              <a:rPr lang="en-US" dirty="0" smtClean="0"/>
+              <a:t>приложения для </a:t>
+            </a:r>
+            <a:r>
+              <a:rPr lang="en-US" dirty="0"/>
               <a:t>Windows 8.x</a:t>
             </a:r>
             <a:r>
               <a:rPr lang="ru-RU" dirty="0"/>
-              <a:t> </a:t>
-            </a:r>
-            <a:r>
-              <a:rPr lang="ru-RU" dirty="0" smtClean="0"/>
-              <a:t>пишутся с использованием </a:t>
-            </a:r>
-            <a:r>
-              <a:rPr lang="en-US" dirty="0" smtClean="0"/>
+              <a:t> пишутся с использованием </a:t>
+            </a:r>
+            <a:r>
+              <a:rPr lang="en-US" dirty="0"/>
               <a:t>WPF</a:t>
             </a:r>
           </a:p>
           <a:p>
             <a:r>
-              <a:rPr lang="ru-RU" dirty="0" smtClean="0"/>
+              <a:rPr lang="ru-RU" dirty="0"/>
               <a:t>Технология </a:t>
             </a:r>
             <a:r>
-              <a:rPr lang="en-US" dirty="0" smtClean="0"/>
+              <a:rPr lang="en-US" dirty="0"/>
               <a:t>WPF </a:t>
             </a:r>
             <a:r>
-              <a:rPr lang="ru-RU" dirty="0" smtClean="0"/>
+              <a:rPr lang="ru-RU" dirty="0"/>
               <a:t>более сложная в освоении, </a:t>
             </a:r>
             <a:r>
-              <a:rPr lang="ru-RU" smtClean="0"/>
+              <a:rPr lang="ru-RU"/>
               <a:t>но дающая больше встроенных инструментов для правильной организации приложений</a:t>
             </a:r>
             <a:endParaRPr lang="ru-RU" dirty="0"/>
@@ -5602,13 +5452,6 @@
   <p:clrMapOvr>
     <a:masterClrMapping/>
   </p:clrMapOvr>
-  <p:timing>
-    <p:tnLst>
-      <p:par>
-        <p:cTn id="1" dur="indefinite" restart="never" nodeType="tmRoot"/>
-      </p:par>
-    </p:tnLst>
-  </p:timing>
 </p:sld>
 </file>
 
@@ -5647,10 +5490,9 @@
           <a:lstStyle/>
           <a:p>
             <a:r>
-              <a:rPr lang="ru-RU" dirty="0" smtClean="0"/>
+              <a:rPr lang="ru-RU" dirty="0"/>
               <a:t>Система координат</a:t>
             </a:r>
-            <a:endParaRPr lang="ru-RU" dirty="0"/>
           </a:p>
         </p:txBody>
       </p:sp>
@@ -6230,11 +6072,11 @@
           <a:lstStyle/>
           <a:p>
             <a:r>
-              <a:rPr lang="en-US" dirty="0" smtClean="0"/>
+              <a:rPr lang="en-US" dirty="0"/>
               <a:t>Z-</a:t>
             </a:r>
             <a:r>
-              <a:rPr lang="ru-RU" dirty="0" smtClean="0"/>
+              <a:rPr lang="ru-RU" dirty="0"/>
               <a:t>порядок</a:t>
             </a:r>
             <a:endParaRPr lang="en-US" dirty="0"/>
@@ -6262,35 +6104,35 @@
               <a:buNone/>
             </a:pPr>
             <a:r>
-              <a:rPr lang="ru-RU" dirty="0" smtClean="0"/>
+              <a:rPr lang="ru-RU" dirty="0"/>
               <a:t>Элементы управления рисуются с учетом т.н. </a:t>
             </a:r>
             <a:r>
-              <a:rPr lang="en-US" dirty="0" smtClean="0"/>
+              <a:rPr lang="en-US" dirty="0"/>
               <a:t>Z-</a:t>
             </a:r>
             <a:r>
-              <a:rPr lang="ru-RU" dirty="0" smtClean="0"/>
+              <a:rPr lang="ru-RU" dirty="0"/>
               <a:t>порядка. Это число от 0 до </a:t>
             </a:r>
             <a:r>
-              <a:rPr lang="en-US" dirty="0" err="1" smtClean="0"/>
+              <a:rPr lang="en-US" dirty="0" err="1"/>
               <a:t>int.MaxValue</a:t>
             </a:r>
             <a:r>
-              <a:rPr lang="en-US" dirty="0" smtClean="0"/>
+              <a:rPr lang="en-US" dirty="0"/>
               <a:t>. </a:t>
             </a:r>
             <a:r>
-              <a:rPr lang="ru-RU" dirty="0" smtClean="0"/>
+              <a:rPr lang="ru-RU" dirty="0"/>
               <a:t>Чем больше значение </a:t>
             </a:r>
             <a:r>
-              <a:rPr lang="en-US" dirty="0" smtClean="0"/>
+              <a:rPr lang="en-US" dirty="0"/>
               <a:t>Z </a:t>
             </a:r>
             <a:r>
-              <a:rPr lang="ru-RU" dirty="0" smtClean="0"/>
+              <a:rPr lang="ru-RU" dirty="0"/>
               <a:t>тем «дальше» элемент управления от экрана.</a:t>
             </a:r>
           </a:p>
@@ -6305,19 +6147,19 @@
               <a:buNone/>
             </a:pPr>
             <a:r>
-              <a:rPr lang="ru-RU" dirty="0" err="1" smtClean="0"/>
+              <a:rPr lang="ru-RU" dirty="0" err="1"/>
               <a:t>Программно</a:t>
             </a:r>
             <a:r>
-              <a:rPr lang="ru-RU" dirty="0" smtClean="0"/>
+              <a:rPr lang="ru-RU" dirty="0"/>
               <a:t> управлять </a:t>
             </a:r>
             <a:r>
-              <a:rPr lang="en-US" dirty="0" smtClean="0"/>
+              <a:rPr lang="en-US" dirty="0"/>
               <a:t>Z-</a:t>
             </a:r>
             <a:r>
-              <a:rPr lang="ru-RU" dirty="0" smtClean="0"/>
+              <a:rPr lang="ru-RU" dirty="0"/>
               <a:t>порядком можно с помощью функций </a:t>
             </a:r>
             <a:r>
@@ -6353,16 +6195,12 @@
               <a:t>SetChildIndex</a:t>
             </a:r>
             <a:r>
-              <a:rPr lang="en-US" dirty="0" smtClean="0"/>
+              <a:rPr lang="en-US" dirty="0"/>
               <a:t>()</a:t>
             </a:r>
             <a:r>
               <a:rPr lang="ru-RU" dirty="0"/>
-              <a:t>.</a:t>
-            </a:r>
-            <a:r>
-              <a:rPr lang="ru-RU" dirty="0" smtClean="0"/>
-              <a:t> </a:t>
+              <a:t>. </a:t>
             </a:r>
             <a:endParaRPr lang="en-US" dirty="0"/>
           </a:p>
@@ -6414,10 +6252,9 @@
           <a:lstStyle/>
           <a:p>
             <a:r>
-              <a:rPr lang="en-US" dirty="0" smtClean="0"/>
+              <a:rPr lang="en-US" dirty="0"/>
               <a:t>Document Outline</a:t>
             </a:r>
-            <a:endParaRPr lang="en-US" dirty="0"/>
           </a:p>
         </p:txBody>
       </p:sp>
@@ -6447,35 +6284,31 @@
               <a:buNone/>
             </a:pPr>
             <a:r>
-              <a:rPr lang="ru-RU" dirty="0" smtClean="0"/>
+              <a:rPr lang="ru-RU" dirty="0"/>
               <a:t>Для упрощения работы с «деревом» элементов управления в </a:t>
             </a:r>
             <a:r>
-              <a:rPr lang="en-US" dirty="0" smtClean="0"/>
+              <a:rPr lang="en-US" dirty="0"/>
               <a:t>Visual Studio </a:t>
             </a:r>
             <a:r>
-              <a:rPr lang="ru-RU" dirty="0" smtClean="0"/>
+              <a:rPr lang="ru-RU" dirty="0"/>
               <a:t>есть окно </a:t>
             </a:r>
             <a:r>
               <a:rPr lang="en-US" dirty="0"/>
-              <a:t>Document </a:t>
-            </a:r>
-            <a:r>
-              <a:rPr lang="en-US" dirty="0" smtClean="0"/>
-              <a:t>Outline</a:t>
-            </a:r>
-            <a:r>
-              <a:rPr lang="ru-RU" dirty="0" smtClean="0"/>
+              <a:t>Document Outline</a:t>
+            </a:r>
+            <a:r>
+              <a:rPr lang="ru-RU" dirty="0"/>
               <a:t>. Вывести его можно из меню </a:t>
             </a:r>
             <a:r>
-              <a:rPr lang="en-US" dirty="0" smtClean="0"/>
+              <a:rPr lang="en-US" dirty="0"/>
               <a:t>View -&gt; Other Windows -&gt; Document Outline. </a:t>
             </a:r>
             <a:r>
-              <a:rPr lang="ru-RU" dirty="0" smtClean="0"/>
+              <a:rPr lang="ru-RU" dirty="0"/>
               <a:t>Окно показывает элементы текущей формы в виде дерева. Выбор элемента в дереве выбирает его в визуальном дизайнере и окне свойств.</a:t>
             </a:r>
             <a:endParaRPr lang="en-US" dirty="0"/>
@@ -6546,13 +6379,6 @@
   <p:clrMapOvr>
     <a:masterClrMapping/>
   </p:clrMapOvr>
-  <p:timing>
-    <p:tnLst>
-      <p:par>
-        <p:cTn id="1" dur="indefinite" restart="never" nodeType="tmRoot"/>
-      </p:par>
-    </p:tnLst>
-  </p:timing>
 </p:sld>
 </file>
 
@@ -6589,14 +6415,13 @@
           <a:lstStyle/>
           <a:p>
             <a:r>
-              <a:rPr lang="ru-RU" dirty="0" smtClean="0"/>
+              <a:rPr lang="ru-RU" dirty="0"/>
               <a:t>Иерархия свойства </a:t>
             </a:r>
             <a:r>
-              <a:rPr lang="en-US" dirty="0" smtClean="0"/>
+              <a:rPr lang="en-US" dirty="0"/>
               <a:t>Visible</a:t>
             </a:r>
-            <a:endParaRPr lang="en-US" dirty="0"/>
           </a:p>
         </p:txBody>
       </p:sp>
@@ -6619,11 +6444,11 @@
               <a:buNone/>
             </a:pPr>
             <a:r>
-              <a:rPr lang="ru-RU" dirty="0" smtClean="0"/>
+              <a:rPr lang="ru-RU" dirty="0"/>
               <a:t>Если контейнер невидим, то элемент управления </a:t>
             </a:r>
             <a:r>
-              <a:rPr lang="ru-RU" smtClean="0"/>
+              <a:rPr lang="ru-RU"/>
               <a:t>будет невидим.</a:t>
             </a:r>
             <a:endParaRPr lang="en-US" dirty="0"/>
@@ -6676,10 +6501,9 @@
           <a:lstStyle/>
           <a:p>
             <a:r>
-              <a:rPr lang="ru-RU" dirty="0" smtClean="0"/>
+              <a:rPr lang="ru-RU" dirty="0"/>
               <a:t>Имена событий</a:t>
             </a:r>
-            <a:endParaRPr lang="ru-RU" dirty="0"/>
           </a:p>
         </p:txBody>
       </p:sp>
@@ -6702,115 +6526,107 @@
           <a:p>
             <a:r>
               <a:rPr lang="ru-RU" dirty="0"/>
-              <a:t>О</a:t>
-            </a:r>
-            <a:r>
-              <a:rPr lang="ru-RU" dirty="0" smtClean="0"/>
-              <a:t>кончание -</a:t>
-            </a:r>
-            <a:r>
-              <a:rPr lang="en-US" dirty="0" err="1" smtClean="0"/>
+              <a:t>Окончание -</a:t>
+            </a:r>
+            <a:r>
+              <a:rPr lang="en-US" dirty="0" err="1"/>
               <a:t>ed</a:t>
             </a:r>
             <a:r>
-              <a:rPr lang="en-US" dirty="0" smtClean="0"/>
+              <a:rPr lang="en-US" dirty="0"/>
               <a:t> </a:t>
             </a:r>
             <a:r>
-              <a:rPr lang="ru-RU" dirty="0" smtClean="0"/>
+              <a:rPr lang="ru-RU" dirty="0"/>
               <a:t>(</a:t>
             </a:r>
             <a:r>
-              <a:rPr lang="en-US" dirty="0" err="1" smtClean="0"/>
+              <a:rPr lang="en-US" dirty="0" err="1"/>
               <a:t>FormClosed</a:t>
             </a:r>
             <a:r>
-              <a:rPr lang="en-US" dirty="0" smtClean="0"/>
+              <a:rPr lang="en-US" dirty="0"/>
               <a:t>, </a:t>
             </a:r>
             <a:r>
-              <a:rPr lang="en-US" dirty="0" err="1" smtClean="0"/>
+              <a:rPr lang="en-US" dirty="0" err="1"/>
               <a:t>DefaultItemChanged</a:t>
             </a:r>
             <a:r>
-              <a:rPr lang="en-US" dirty="0" smtClean="0"/>
+              <a:rPr lang="en-US" dirty="0"/>
               <a:t>, </a:t>
             </a:r>
             <a:r>
-              <a:rPr lang="en-US" dirty="0" err="1" smtClean="0"/>
+              <a:rPr lang="en-US" dirty="0" err="1"/>
               <a:t>ItemRemoved</a:t>
             </a:r>
             <a:r>
-              <a:rPr lang="en-US" dirty="0" smtClean="0"/>
+              <a:rPr lang="en-US" dirty="0"/>
               <a:t> </a:t>
             </a:r>
             <a:r>
               <a:rPr lang="ru-RU" dirty="0"/>
-              <a:t>и т.п</a:t>
-            </a:r>
-            <a:r>
-              <a:rPr lang="ru-RU" dirty="0" smtClean="0"/>
-              <a:t>.):</a:t>
-            </a:r>
-            <a:r>
-              <a:rPr lang="en-US" dirty="0" smtClean="0"/>
+              <a:t>и т.п.):</a:t>
+            </a:r>
+            <a:r>
+              <a:rPr lang="en-US" dirty="0"/>
               <a:t> </a:t>
             </a:r>
             <a:r>
-              <a:rPr lang="ru-RU" dirty="0" smtClean="0"/>
+              <a:rPr lang="ru-RU" dirty="0"/>
               <a:t>событие генерируется после указанного действия.</a:t>
             </a:r>
-            <a:endParaRPr lang="en-US" dirty="0" smtClean="0"/>
-          </a:p>
-          <a:p>
-            <a:r>
-              <a:rPr lang="ru-RU" dirty="0" smtClean="0"/>
+            <a:endParaRPr lang="en-US" dirty="0"/>
+          </a:p>
+          <a:p>
+            <a:r>
+              <a:rPr lang="ru-RU" dirty="0"/>
               <a:t>Окончание –</a:t>
             </a:r>
             <a:r>
-              <a:rPr lang="en-US" dirty="0" err="1" smtClean="0"/>
+              <a:rPr lang="en-US" dirty="0" err="1"/>
               <a:t>ing</a:t>
             </a:r>
             <a:r>
-              <a:rPr lang="ru-RU" dirty="0" smtClean="0"/>
+              <a:rPr lang="ru-RU" dirty="0"/>
               <a:t> (</a:t>
             </a:r>
             <a:r>
-              <a:rPr lang="en-US" dirty="0" err="1" smtClean="0"/>
+              <a:rPr lang="en-US" dirty="0" err="1"/>
               <a:t>FormClosing</a:t>
             </a:r>
             <a:r>
-              <a:rPr lang="en-US" dirty="0" smtClean="0"/>
+              <a:rPr lang="en-US" dirty="0"/>
               <a:t>,</a:t>
             </a:r>
             <a:r>
-              <a:rPr lang="ru-RU" dirty="0" smtClean="0"/>
+              <a:rPr lang="ru-RU" dirty="0"/>
               <a:t> </a:t>
             </a:r>
             <a:r>
-              <a:rPr lang="en-US" dirty="0" smtClean="0"/>
+              <a:rPr lang="en-US" dirty="0"/>
               <a:t>Validating, Opening </a:t>
             </a:r>
             <a:r>
-              <a:rPr lang="ru-RU" dirty="0" smtClean="0"/>
+              <a:rPr lang="ru-RU" dirty="0"/>
               <a:t>и т.п.): событие генерируется в момент указанного действия. Иногда дается возможность отмены.</a:t>
             </a:r>
           </a:p>
           <a:p>
             <a:r>
-              <a:rPr lang="en-US" dirty="0" err="1" smtClean="0"/>
+              <a:rPr lang="en-US" dirty="0" err="1"/>
               <a:t>BeforeSmth</a:t>
             </a:r>
             <a:r>
-              <a:rPr lang="en-US" dirty="0" smtClean="0"/>
+              <a:rPr lang="en-US" dirty="0"/>
               <a:t> </a:t>
             </a:r>
             <a:r>
-              <a:rPr lang="ru-RU" dirty="0" smtClean="0"/>
+              <a:rPr lang="ru-RU" dirty="0"/>
               <a:t>(</a:t>
             </a:r>
             <a:r>
-              <a:rPr lang="en-US" dirty="0" err="1" smtClean="0"/>
+              <a:rPr lang="en-US" dirty="0" err="1"/>
               <a:t>BeforeCollapse</a:t>
             </a:r>
             <a:r>
@@ -6819,11 +6635,7 @@
             </a:r>
             <a:r>
               <a:rPr lang="en-US" dirty="0" err="1"/>
-              <a:t>Before</a:t>
-            </a:r>
-            <a:r>
-              <a:rPr lang="en-US" dirty="0" err="1" smtClean="0"/>
-              <a:t>Expand</a:t>
+              <a:t>BeforeExpand</a:t>
             </a:r>
             <a:r>
               <a:rPr lang="en-US" dirty="0"/>
@@ -6831,115 +6643,91 @@
             </a:r>
             <a:r>
               <a:rPr lang="en-US" dirty="0" err="1"/>
-              <a:t>Before</a:t>
-            </a:r>
-            <a:r>
-              <a:rPr lang="en-US" dirty="0" err="1" smtClean="0"/>
-              <a:t>LabelEdit</a:t>
-            </a:r>
-            <a:r>
-              <a:rPr lang="en-US" dirty="0" smtClean="0"/>
+              <a:t>BeforeLabelEdit</a:t>
+            </a:r>
+            <a:r>
+              <a:rPr lang="en-US" dirty="0"/>
               <a:t> </a:t>
             </a:r>
             <a:r>
-              <a:rPr lang="ru-RU" dirty="0" smtClean="0"/>
-              <a:t>и </a:t>
-            </a:r>
-            <a:r>
-              <a:rPr lang="ru-RU" dirty="0"/>
-              <a:t>т.п</a:t>
-            </a:r>
-            <a:r>
-              <a:rPr lang="ru-RU" dirty="0" smtClean="0"/>
-              <a:t>.): событие генерируется до указанного действия.</a:t>
-            </a:r>
-            <a:endParaRPr lang="en-US" dirty="0" smtClean="0"/>
-          </a:p>
-          <a:p>
-            <a:r>
-              <a:rPr lang="en-US" dirty="0" err="1" smtClean="0"/>
+              <a:rPr lang="ru-RU" dirty="0"/>
+              <a:t>и т.п.): событие генерируется до указанного действия.</a:t>
+            </a:r>
+            <a:endParaRPr lang="en-US" dirty="0"/>
+          </a:p>
+          <a:p>
+            <a:r>
+              <a:rPr lang="en-US" dirty="0" err="1"/>
               <a:t>AfterSmth</a:t>
             </a:r>
             <a:r>
-              <a:rPr lang="en-US" dirty="0" smtClean="0"/>
+              <a:rPr lang="en-US" dirty="0"/>
               <a:t> </a:t>
             </a:r>
             <a:r>
-              <a:rPr lang="ru-RU" dirty="0" smtClean="0"/>
+              <a:rPr lang="ru-RU" dirty="0"/>
               <a:t>(</a:t>
             </a:r>
             <a:r>
-              <a:rPr lang="en-US" dirty="0" err="1" smtClean="0"/>
+              <a:rPr lang="en-US" dirty="0" err="1"/>
               <a:t>AfterCollapse</a:t>
             </a:r>
             <a:r>
-              <a:rPr lang="en-US" dirty="0" smtClean="0"/>
+              <a:rPr lang="en-US" dirty="0"/>
               <a:t>, </a:t>
             </a:r>
             <a:r>
-              <a:rPr lang="en-US" dirty="0" err="1" smtClean="0"/>
+              <a:rPr lang="en-US" dirty="0" err="1"/>
               <a:t>AfterExpand</a:t>
             </a:r>
             <a:r>
-              <a:rPr lang="en-US" dirty="0" smtClean="0"/>
+              <a:rPr lang="en-US" dirty="0"/>
               <a:t>, </a:t>
             </a:r>
             <a:r>
-              <a:rPr lang="en-US" dirty="0" err="1" smtClean="0"/>
+              <a:rPr lang="en-US" dirty="0" err="1"/>
               <a:t>AfterLabelEdit</a:t>
             </a:r>
             <a:r>
-              <a:rPr lang="en-US" dirty="0" smtClean="0"/>
+              <a:rPr lang="en-US" dirty="0"/>
               <a:t> </a:t>
             </a:r>
             <a:r>
-              <a:rPr lang="ru-RU" dirty="0" smtClean="0"/>
-              <a:t>и </a:t>
-            </a:r>
-            <a:r>
-              <a:rPr lang="ru-RU" dirty="0"/>
-              <a:t>т.п</a:t>
-            </a:r>
-            <a:r>
-              <a:rPr lang="ru-RU" dirty="0" smtClean="0"/>
-              <a:t>.):</a:t>
-            </a:r>
-            <a:r>
-              <a:rPr lang="en-US" dirty="0" smtClean="0"/>
+              <a:rPr lang="ru-RU" dirty="0"/>
+              <a:t>и т.п.):</a:t>
+            </a:r>
+            <a:r>
+              <a:rPr lang="en-US" dirty="0"/>
               <a:t> </a:t>
             </a:r>
             <a:r>
               <a:rPr lang="ru-RU" dirty="0"/>
-              <a:t>событие генерируется после указанного действия</a:t>
-            </a:r>
-            <a:r>
-              <a:rPr lang="ru-RU" dirty="0" smtClean="0"/>
-              <a:t>.</a:t>
-            </a:r>
-          </a:p>
-          <a:p>
-            <a:r>
-              <a:rPr lang="en-US" dirty="0" smtClean="0"/>
+              <a:t>событие генерируется после указанного действия.</a:t>
+            </a:r>
+          </a:p>
+          <a:p>
+            <a:r>
+              <a:rPr lang="en-US" dirty="0"/>
               <a:t>Begin (</a:t>
             </a:r>
             <a:r>
-              <a:rPr lang="en-US" dirty="0" err="1" smtClean="0"/>
+              <a:rPr lang="en-US" dirty="0" err="1"/>
               <a:t>BeginDrag</a:t>
             </a:r>
             <a:r>
-              <a:rPr lang="en-US" dirty="0" smtClean="0"/>
+              <a:rPr lang="en-US" dirty="0"/>
               <a:t>, </a:t>
             </a:r>
             <a:r>
-              <a:rPr lang="en-US" dirty="0" err="1" smtClean="0"/>
+              <a:rPr lang="en-US" dirty="0" err="1"/>
               <a:t>CellBeginEdit</a:t>
             </a:r>
             <a:r>
-              <a:rPr lang="en-US" dirty="0" smtClean="0"/>
+              <a:rPr lang="en-US" dirty="0"/>
               <a:t>, </a:t>
             </a:r>
             <a:r>
-              <a:rPr lang="en-US" dirty="0" err="1" smtClean="0"/>
+              <a:rPr lang="en-US" dirty="0" err="1"/>
               <a:t>ResizeBegin</a:t>
             </a:r>
             <a:r>
@@ -6947,33 +6735,33 @@
               <a:t> </a:t>
             </a:r>
             <a:r>
-              <a:rPr lang="ru-RU" dirty="0" smtClean="0"/>
+              <a:rPr lang="ru-RU" dirty="0"/>
               <a:t>и т.п.</a:t>
             </a:r>
             <a:r>
-              <a:rPr lang="en-US" dirty="0" smtClean="0"/>
+              <a:rPr lang="en-US" dirty="0"/>
               <a:t>)</a:t>
             </a:r>
           </a:p>
           <a:p>
             <a:r>
-              <a:rPr lang="en-US" dirty="0" smtClean="0"/>
+              <a:rPr lang="en-US" dirty="0"/>
               <a:t>End</a:t>
             </a:r>
             <a:r>
-              <a:rPr lang="ru-RU" dirty="0" smtClean="0"/>
+              <a:rPr lang="ru-RU" dirty="0"/>
               <a:t> (</a:t>
             </a:r>
             <a:r>
-              <a:rPr lang="en-US" dirty="0" err="1" smtClean="0"/>
+              <a:rPr lang="en-US" dirty="0" err="1"/>
               <a:t>EndDrag</a:t>
             </a:r>
             <a:r>
-              <a:rPr lang="en-US" dirty="0" smtClean="0"/>
+              <a:rPr lang="en-US" dirty="0"/>
               <a:t>, </a:t>
             </a:r>
             <a:r>
-              <a:rPr lang="en-US" dirty="0" err="1" smtClean="0"/>
+              <a:rPr lang="en-US" dirty="0" err="1"/>
               <a:t>CellEndEdit</a:t>
             </a:r>
             <a:r>
@@ -6981,26 +6769,22 @@
               <a:t>, </a:t>
             </a:r>
             <a:r>
-              <a:rPr lang="en-US" dirty="0" err="1" smtClean="0"/>
+              <a:rPr lang="en-US" dirty="0" err="1"/>
               <a:t>ResizeEnd</a:t>
             </a:r>
             <a:r>
-              <a:rPr lang="en-US" dirty="0" smtClean="0"/>
+              <a:rPr lang="en-US" dirty="0"/>
               <a:t> </a:t>
             </a:r>
             <a:r>
               <a:rPr lang="ru-RU" dirty="0"/>
-              <a:t>и т.п</a:t>
-            </a:r>
-            <a:r>
-              <a:rPr lang="ru-RU" dirty="0" smtClean="0"/>
-              <a:t>.)</a:t>
-            </a:r>
-            <a:endParaRPr lang="en-US" dirty="0" smtClean="0"/>
-          </a:p>
-          <a:p>
-            <a:r>
-              <a:rPr lang="en-US" dirty="0" err="1" smtClean="0"/>
+              <a:t>и т.п.)</a:t>
+            </a:r>
+            <a:endParaRPr lang="en-US" dirty="0"/>
+          </a:p>
+          <a:p>
+            <a:r>
+              <a:rPr lang="en-US" dirty="0" err="1"/>
               <a:t>MouseXXX</a:t>
             </a:r>
             <a:r>
@@ -7008,38 +6792,33 @@
               <a:t>:</a:t>
             </a:r>
             <a:r>
-              <a:rPr lang="en-US" dirty="0" smtClean="0"/>
+              <a:rPr lang="en-US" dirty="0"/>
               <a:t> </a:t>
             </a:r>
             <a:r>
-              <a:rPr lang="ru-RU" dirty="0" smtClean="0"/>
+              <a:rPr lang="ru-RU" dirty="0"/>
               <a:t>события связанные с мышью</a:t>
             </a:r>
           </a:p>
           <a:p>
             <a:r>
-              <a:rPr lang="en-US" dirty="0" err="1" smtClean="0"/>
+              <a:rPr lang="en-US" dirty="0" err="1"/>
               <a:t>KeyXXX</a:t>
             </a:r>
             <a:r>
-              <a:rPr lang="en-US" dirty="0" smtClean="0"/>
+              <a:rPr lang="en-US" dirty="0"/>
               <a:t>:</a:t>
             </a:r>
             <a:r>
               <a:rPr lang="ru-RU" dirty="0"/>
-              <a:t> события связанные с </a:t>
-            </a:r>
-            <a:r>
-              <a:rPr lang="ru-RU" dirty="0" smtClean="0"/>
-              <a:t>клавиатурой</a:t>
-            </a:r>
-          </a:p>
-          <a:p>
-            <a:r>
-              <a:rPr lang="ru-RU" dirty="0" smtClean="0"/>
+              <a:t> события связанные с клавиатурой</a:t>
+            </a:r>
+          </a:p>
+          <a:p>
+            <a:r>
+              <a:rPr lang="ru-RU" dirty="0"/>
               <a:t>Другие</a:t>
             </a:r>
-            <a:endParaRPr lang="ru-RU" dirty="0"/>
           </a:p>
         </p:txBody>
       </p:sp>
@@ -7053,13 +6832,6 @@
   <p:clrMapOvr>
     <a:masterClrMapping/>
   </p:clrMapOvr>
-  <p:timing>
-    <p:tnLst>
-      <p:par>
-        <p:cTn id="1" dur="indefinite" restart="never" nodeType="tmRoot"/>
-      </p:par>
-    </p:tnLst>
-  </p:timing>
 </p:sld>
 </file>
 

--- a/Presentation/lesson-12-winforms.pptx
+++ b/Presentation/lesson-12-winforms.pptx
@@ -133,7 +133,7 @@
   </p:defaultTextStyle>
   <p:extLst>
     <p:ext uri="{EFAFB233-063F-42B5-8137-9DF3F51BA10A}">
-      <p15:sldGuideLst xmlns:p15="http://schemas.microsoft.com/office/powerpoint/2012/main">
+      <p15:sldGuideLst xmlns:p15="http://schemas.microsoft.com/office/powerpoint/2012/main" xmlns="">
         <p15:guide id="1" orient="horz" pos="2160">
           <p15:clr>
             <a:srgbClr val="A4A3A4"/>
@@ -232,7 +232,7 @@
           <a:p>
             <a:fld id="{B24A7054-7FFB-49F4-A126-5DF6E687FF53}" type="datetimeFigureOut">
               <a:rPr lang="ru-RU" smtClean="0"/>
-              <a:t>01.07.2018</a:t>
+              <a:t>22.02.2019</a:t>
             </a:fld>
             <a:endParaRPr lang="ru-RU"/>
           </a:p>
@@ -501,8 +501,8 @@
 </file>
 
 <file path=ppt/slideLayouts/slideLayout1.xml><?xml version="1.0" encoding="utf-8"?>
-<p:sldLayout xmlns:a="http://schemas.openxmlformats.org/drawingml/2006/main" xmlns:r="http://schemas.openxmlformats.org/officeDocument/2006/relationships" xmlns:p="http://schemas.openxmlformats.org/presentationml/2006/main" preserve="1" userDrawn="1">
-  <p:cSld name="Title Slide">
+<p:sldLayout xmlns:a="http://schemas.openxmlformats.org/drawingml/2006/main" xmlns:r="http://schemas.openxmlformats.org/officeDocument/2006/relationships" xmlns:p="http://schemas.openxmlformats.org/presentationml/2006/main" type="obj" preserve="1">
+  <p:cSld name="Title and Content">
     <p:spTree>
       <p:nvGrpSpPr>
         <p:cNvPr id="1" name=""/>
@@ -519,172 +519,83 @@
       </p:grpSpPr>
       <p:sp>
         <p:nvSpPr>
-          <p:cNvPr id="7" name="Rectangle 6"/>
-          <p:cNvSpPr/>
-          <p:nvPr userDrawn="1"/>
-        </p:nvSpPr>
-        <p:spPr>
-          <a:xfrm>
-            <a:off x="143508" y="1304764"/>
-            <a:ext cx="8856984" cy="646331"/>
-          </a:xfrm>
-          <a:prstGeom prst="rect">
-            <a:avLst/>
-          </a:prstGeom>
-        </p:spPr>
-        <p:txBody>
-          <a:bodyPr wrap="square">
-            <a:spAutoFit/>
-          </a:bodyPr>
+          <p:cNvPr id="2" name="Title 1"/>
+          <p:cNvSpPr>
+            <a:spLocks noGrp="1"/>
+          </p:cNvSpPr>
+          <p:nvPr>
+            <p:ph type="title"/>
+          </p:nvPr>
+        </p:nvSpPr>
+        <p:spPr/>
+        <p:txBody>
+          <a:bodyPr/>
           <a:lstStyle/>
           <a:p>
-            <a:pPr algn="ctr"/>
-            <a:r>
-              <a:rPr lang="ru-RU" sz="3600" b="1" i="1" dirty="0">
-                <a:solidFill>
-                  <a:schemeClr val="bg1"/>
-                </a:solidFill>
-              </a:rPr>
-              <a:t>Основы программирования на </a:t>
-            </a:r>
-            <a:r>
-              <a:rPr lang="en-US" sz="3600" b="1" i="1" dirty="0">
-                <a:solidFill>
-                  <a:schemeClr val="bg1"/>
-                </a:solidFill>
-              </a:rPr>
-              <a:t>C#</a:t>
-            </a:r>
-            <a:endParaRPr lang="ru-RU" sz="3600" b="1" i="1" dirty="0">
-              <a:solidFill>
-                <a:schemeClr val="bg1"/>
-              </a:solidFill>
-            </a:endParaRPr>
-          </a:p>
-        </p:txBody>
-      </p:sp>
-      <p:pic>
-        <p:nvPicPr>
-          <p:cNvPr id="8" name="Picture 5"/>
-          <p:cNvPicPr>
-            <a:picLocks noChangeAspect="1" noChangeArrowheads="1"/>
-          </p:cNvPicPr>
-          <p:nvPr userDrawn="1"/>
-        </p:nvPicPr>
-        <p:blipFill>
-          <a:blip r:embed="rId2">
-            <a:extLst>
-              <a:ext uri="{28A0092B-C50C-407E-A947-70E740481C1C}">
-                <a14:useLocalDpi xmlns:a14="http://schemas.microsoft.com/office/drawing/2010/main" val="0"/>
-              </a:ext>
-            </a:extLst>
-          </a:blip>
-          <a:srcRect/>
-          <a:stretch>
-            <a:fillRect/>
-          </a:stretch>
-        </p:blipFill>
-        <p:spPr bwMode="auto">
-          <a:xfrm>
-            <a:off x="1638300" y="3829211"/>
-            <a:ext cx="5867400" cy="1724025"/>
-          </a:xfrm>
-          <a:prstGeom prst="rect">
-            <a:avLst/>
-          </a:prstGeom>
-          <a:noFill/>
-          <a:ln>
-            <a:noFill/>
-          </a:ln>
-          <a:effectLst/>
-          <a:extLst>
-            <a:ext uri="{909E8E84-426E-40DD-AFC4-6F175D3DCCD1}">
-              <a14:hiddenFill xmlns:a14="http://schemas.microsoft.com/office/drawing/2010/main">
-                <a:solidFill>
-                  <a:schemeClr val="accent1"/>
-                </a:solidFill>
-              </a14:hiddenFill>
-            </a:ext>
-            <a:ext uri="{91240B29-F687-4F45-9708-019B960494DF}">
-              <a14:hiddenLine xmlns:a14="http://schemas.microsoft.com/office/drawing/2010/main" w="9525">
-                <a:solidFill>
-                  <a:schemeClr val="tx1"/>
-                </a:solidFill>
-                <a:miter lim="800000"/>
-                <a:headEnd/>
-                <a:tailEnd/>
-              </a14:hiddenLine>
-            </a:ext>
-            <a:ext uri="{AF507438-7753-43E0-B8FC-AC1667EBCBE1}">
-              <a14:hiddenEffects xmlns:a14="http://schemas.microsoft.com/office/drawing/2010/main">
-                <a:effectLst>
-                  <a:outerShdw dist="35921" dir="2700000" algn="ctr" rotWithShape="0">
-                    <a:schemeClr val="bg2"/>
-                  </a:outerShdw>
-                </a:effectLst>
-              </a14:hiddenEffects>
-            </a:ext>
-          </a:extLst>
-        </p:spPr>
-      </p:pic>
-      <p:sp>
-        <p:nvSpPr>
-          <p:cNvPr id="9" name="TextBox 8"/>
-          <p:cNvSpPr txBox="1"/>
-          <p:nvPr userDrawn="1"/>
-        </p:nvSpPr>
-        <p:spPr>
-          <a:xfrm>
-            <a:off x="2774873" y="2528900"/>
-            <a:ext cx="4240263" cy="461665"/>
-          </a:xfrm>
-          <a:prstGeom prst="rect">
-            <a:avLst/>
-          </a:prstGeom>
-          <a:noFill/>
-        </p:spPr>
-        <p:txBody>
-          <a:bodyPr wrap="none" rtlCol="0">
-            <a:spAutoFit/>
-          </a:bodyPr>
+            <a:r>
+              <a:rPr lang="en-US"/>
+              <a:t>Click to edit Master title style</a:t>
+            </a:r>
+            <a:endParaRPr lang="ru-RU" dirty="0"/>
+          </a:p>
+        </p:txBody>
+      </p:sp>
+      <p:sp>
+        <p:nvSpPr>
+          <p:cNvPr id="3" name="Content Placeholder 2"/>
+          <p:cNvSpPr>
+            <a:spLocks noGrp="1"/>
+          </p:cNvSpPr>
+          <p:nvPr>
+            <p:ph idx="1"/>
+          </p:nvPr>
+        </p:nvSpPr>
+        <p:spPr/>
+        <p:txBody>
+          <a:bodyPr/>
           <a:lstStyle/>
           <a:p>
-            <a:r>
-              <a:rPr lang="ru-RU" sz="2400" dirty="0">
-                <a:solidFill>
-                  <a:schemeClr val="bg1"/>
-                </a:solidFill>
-              </a:rPr>
-              <a:t>Занятие №</a:t>
-            </a:r>
-            <a:r>
-              <a:rPr lang="en-US" sz="2400" dirty="0">
-                <a:solidFill>
-                  <a:schemeClr val="bg1"/>
-                </a:solidFill>
-              </a:rPr>
-              <a:t>?</a:t>
-            </a:r>
-            <a:r>
-              <a:rPr lang="ru-RU" sz="2400" dirty="0">
-                <a:solidFill>
-                  <a:schemeClr val="bg1"/>
-                </a:solidFill>
-              </a:rPr>
-              <a:t>. Название занятия</a:t>
-            </a:r>
-            <a:endParaRPr lang="en-US" sz="2400" dirty="0">
-              <a:solidFill>
-                <a:schemeClr val="bg1"/>
-              </a:solidFill>
-            </a:endParaRPr>
+            <a:pPr lvl="0"/>
+            <a:r>
+              <a:rPr lang="en-US"/>
+              <a:t>Click to edit Master text styles</a:t>
+            </a:r>
+          </a:p>
+          <a:p>
+            <a:pPr lvl="1"/>
+            <a:r>
+              <a:rPr lang="en-US"/>
+              <a:t>Second level</a:t>
+            </a:r>
+          </a:p>
+          <a:p>
+            <a:pPr lvl="2"/>
+            <a:r>
+              <a:rPr lang="en-US"/>
+              <a:t>Third level</a:t>
+            </a:r>
+          </a:p>
+          <a:p>
+            <a:pPr lvl="3"/>
+            <a:r>
+              <a:rPr lang="en-US"/>
+              <a:t>Fourth level</a:t>
+            </a:r>
+          </a:p>
+          <a:p>
+            <a:pPr lvl="4"/>
+            <a:r>
+              <a:rPr lang="en-US"/>
+              <a:t>Fifth level</a:t>
+            </a:r>
+            <a:endParaRPr lang="ru-RU" dirty="0"/>
           </a:p>
         </p:txBody>
       </p:sp>
     </p:spTree>
     <p:extLst>
       <p:ext uri="{BB962C8B-B14F-4D97-AF65-F5344CB8AC3E}">
-        <p14:creationId xmlns:p14="http://schemas.microsoft.com/office/powerpoint/2010/main" val="2062725571"/>
+        <p14:creationId xmlns:p14="http://schemas.microsoft.com/office/powerpoint/2010/main" val="3363467697"/>
       </p:ext>
     </p:extLst>
   </p:cSld>
@@ -695,198 +606,6 @@
 </file>
 
 <file path=ppt/slideLayouts/slideLayout10.xml><?xml version="1.0" encoding="utf-8"?>
-<p:sldLayout xmlns:a="http://schemas.openxmlformats.org/drawingml/2006/main" xmlns:r="http://schemas.openxmlformats.org/officeDocument/2006/relationships" xmlns:p="http://schemas.openxmlformats.org/presentationml/2006/main" type="picTx" preserve="1">
-  <p:cSld name="Picture with Caption">
-    <p:spTree>
-      <p:nvGrpSpPr>
-        <p:cNvPr id="1" name=""/>
-        <p:cNvGrpSpPr/>
-        <p:nvPr/>
-      </p:nvGrpSpPr>
-      <p:grpSpPr>
-        <a:xfrm>
-          <a:off x="0" y="0"/>
-          <a:ext cx="0" cy="0"/>
-          <a:chOff x="0" y="0"/>
-          <a:chExt cx="0" cy="0"/>
-        </a:xfrm>
-      </p:grpSpPr>
-      <p:sp>
-        <p:nvSpPr>
-          <p:cNvPr id="2" name="Title 1"/>
-          <p:cNvSpPr>
-            <a:spLocks noGrp="1"/>
-          </p:cNvSpPr>
-          <p:nvPr>
-            <p:ph type="title"/>
-          </p:nvPr>
-        </p:nvSpPr>
-        <p:spPr>
-          <a:xfrm>
-            <a:off x="1792288" y="4800600"/>
-            <a:ext cx="5486400" cy="566738"/>
-          </a:xfrm>
-        </p:spPr>
-        <p:txBody>
-          <a:bodyPr anchor="b"/>
-          <a:lstStyle>
-            <a:lvl1pPr algn="l">
-              <a:defRPr sz="2000" b="1"/>
-            </a:lvl1pPr>
-          </a:lstStyle>
-          <a:p>
-            <a:r>
-              <a:rPr lang="en-US"/>
-              <a:t>Click to edit Master title style</a:t>
-            </a:r>
-            <a:endParaRPr lang="ru-RU" dirty="0"/>
-          </a:p>
-        </p:txBody>
-      </p:sp>
-      <p:sp>
-        <p:nvSpPr>
-          <p:cNvPr id="3" name="Picture Placeholder 2"/>
-          <p:cNvSpPr>
-            <a:spLocks noGrp="1"/>
-          </p:cNvSpPr>
-          <p:nvPr>
-            <p:ph type="pic" idx="1"/>
-          </p:nvPr>
-        </p:nvSpPr>
-        <p:spPr>
-          <a:xfrm>
-            <a:off x="1792288" y="612775"/>
-            <a:ext cx="5486400" cy="4114800"/>
-          </a:xfrm>
-        </p:spPr>
-        <p:txBody>
-          <a:bodyPr/>
-          <a:lstStyle>
-            <a:lvl1pPr marL="0" indent="0">
-              <a:buNone/>
-              <a:defRPr sz="3200"/>
-            </a:lvl1pPr>
-            <a:lvl2pPr marL="457200" indent="0">
-              <a:buNone/>
-              <a:defRPr sz="2800"/>
-            </a:lvl2pPr>
-            <a:lvl3pPr marL="914400" indent="0">
-              <a:buNone/>
-              <a:defRPr sz="2400"/>
-            </a:lvl3pPr>
-            <a:lvl4pPr marL="1371600" indent="0">
-              <a:buNone/>
-              <a:defRPr sz="2000"/>
-            </a:lvl4pPr>
-            <a:lvl5pPr marL="1828800" indent="0">
-              <a:buNone/>
-              <a:defRPr sz="2000"/>
-            </a:lvl5pPr>
-            <a:lvl6pPr marL="2286000" indent="0">
-              <a:buNone/>
-              <a:defRPr sz="2000"/>
-            </a:lvl6pPr>
-            <a:lvl7pPr marL="2743200" indent="0">
-              <a:buNone/>
-              <a:defRPr sz="2000"/>
-            </a:lvl7pPr>
-            <a:lvl8pPr marL="3200400" indent="0">
-              <a:buNone/>
-              <a:defRPr sz="2000"/>
-            </a:lvl8pPr>
-            <a:lvl9pPr marL="3657600" indent="0">
-              <a:buNone/>
-              <a:defRPr sz="2000"/>
-            </a:lvl9pPr>
-          </a:lstStyle>
-          <a:p>
-            <a:r>
-              <a:rPr lang="en-US"/>
-              <a:t>Click icon to add picture</a:t>
-            </a:r>
-            <a:endParaRPr lang="ru-RU"/>
-          </a:p>
-        </p:txBody>
-      </p:sp>
-      <p:sp>
-        <p:nvSpPr>
-          <p:cNvPr id="4" name="Text Placeholder 3"/>
-          <p:cNvSpPr>
-            <a:spLocks noGrp="1"/>
-          </p:cNvSpPr>
-          <p:nvPr>
-            <p:ph type="body" sz="half" idx="2"/>
-          </p:nvPr>
-        </p:nvSpPr>
-        <p:spPr>
-          <a:xfrm>
-            <a:off x="1792288" y="5367338"/>
-            <a:ext cx="5486400" cy="804862"/>
-          </a:xfrm>
-        </p:spPr>
-        <p:txBody>
-          <a:bodyPr/>
-          <a:lstStyle>
-            <a:lvl1pPr marL="0" indent="0">
-              <a:buNone/>
-              <a:defRPr sz="1400"/>
-            </a:lvl1pPr>
-            <a:lvl2pPr marL="457200" indent="0">
-              <a:buNone/>
-              <a:defRPr sz="1200"/>
-            </a:lvl2pPr>
-            <a:lvl3pPr marL="914400" indent="0">
-              <a:buNone/>
-              <a:defRPr sz="1000"/>
-            </a:lvl3pPr>
-            <a:lvl4pPr marL="1371600" indent="0">
-              <a:buNone/>
-              <a:defRPr sz="900"/>
-            </a:lvl4pPr>
-            <a:lvl5pPr marL="1828800" indent="0">
-              <a:buNone/>
-              <a:defRPr sz="900"/>
-            </a:lvl5pPr>
-            <a:lvl6pPr marL="2286000" indent="0">
-              <a:buNone/>
-              <a:defRPr sz="900"/>
-            </a:lvl6pPr>
-            <a:lvl7pPr marL="2743200" indent="0">
-              <a:buNone/>
-              <a:defRPr sz="900"/>
-            </a:lvl7pPr>
-            <a:lvl8pPr marL="3200400" indent="0">
-              <a:buNone/>
-              <a:defRPr sz="900"/>
-            </a:lvl8pPr>
-            <a:lvl9pPr marL="3657600" indent="0">
-              <a:buNone/>
-              <a:defRPr sz="900"/>
-            </a:lvl9pPr>
-          </a:lstStyle>
-          <a:p>
-            <a:pPr lvl="0"/>
-            <a:r>
-              <a:rPr lang="en-US"/>
-              <a:t>Click to edit Master text styles</a:t>
-            </a:r>
-          </a:p>
-        </p:txBody>
-      </p:sp>
-    </p:spTree>
-    <p:extLst>
-      <p:ext uri="{BB962C8B-B14F-4D97-AF65-F5344CB8AC3E}">
-        <p14:creationId xmlns:p14="http://schemas.microsoft.com/office/powerpoint/2010/main" val="2103675460"/>
-      </p:ext>
-    </p:extLst>
-  </p:cSld>
-  <p:clrMapOvr>
-    <a:masterClrMapping/>
-  </p:clrMapOvr>
-</p:sldLayout>
-</file>
-
-<file path=ppt/slideLayouts/slideLayout11.xml><?xml version="1.0" encoding="utf-8"?>
 <p:sldLayout xmlns:a="http://schemas.openxmlformats.org/drawingml/2006/main" xmlns:r="http://schemas.openxmlformats.org/officeDocument/2006/relationships" xmlns:p="http://schemas.openxmlformats.org/presentationml/2006/main" type="vertTx" preserve="1">
   <p:cSld name="Title and Vertical Text">
     <p:spTree>
@@ -991,7 +710,7 @@
 </p:sldLayout>
 </file>
 
-<file path=ppt/slideLayouts/slideLayout12.xml><?xml version="1.0" encoding="utf-8"?>
+<file path=ppt/slideLayouts/slideLayout11.xml><?xml version="1.0" encoding="utf-8"?>
 <p:sldLayout xmlns:a="http://schemas.openxmlformats.org/drawingml/2006/main" xmlns:r="http://schemas.openxmlformats.org/officeDocument/2006/relationships" xmlns:p="http://schemas.openxmlformats.org/presentationml/2006/main" type="vertTitleAndTx" preserve="1">
   <p:cSld name="Vertical Title and Text">
     <p:spTree>
@@ -1106,7 +825,7 @@
 </p:sldLayout>
 </file>
 
-<file path=ppt/slideLayouts/slideLayout13.xml><?xml version="1.0" encoding="utf-8"?>
+<file path=ppt/slideLayouts/slideLayout12.xml><?xml version="1.0" encoding="utf-8"?>
 <p:sldLayout xmlns:a="http://schemas.openxmlformats.org/drawingml/2006/main" xmlns:r="http://schemas.openxmlformats.org/officeDocument/2006/relationships" xmlns:p="http://schemas.openxmlformats.org/presentationml/2006/main" type="title">
   <p:cSld name="2_Title Slide">
     <p:spTree>
@@ -1287,7 +1006,7 @@
           <a:p>
             <a:fld id="{8E6E6A2A-E9D3-4A0D-B04A-ABDD367A1E08}" type="datetimeFigureOut">
               <a:rPr lang="ru-RU" smtClean="0"/>
-              <a:t>01.07.2018</a:t>
+              <a:t>22.02.2019</a:t>
             </a:fld>
             <a:endParaRPr lang="ru-RU"/>
           </a:p>
@@ -1349,111 +1068,6 @@
 </file>
 
 <file path=ppt/slideLayouts/slideLayout2.xml><?xml version="1.0" encoding="utf-8"?>
-<p:sldLayout xmlns:a="http://schemas.openxmlformats.org/drawingml/2006/main" xmlns:r="http://schemas.openxmlformats.org/officeDocument/2006/relationships" xmlns:p="http://schemas.openxmlformats.org/presentationml/2006/main" type="obj" preserve="1">
-  <p:cSld name="Title and Content">
-    <p:spTree>
-      <p:nvGrpSpPr>
-        <p:cNvPr id="1" name=""/>
-        <p:cNvGrpSpPr/>
-        <p:nvPr/>
-      </p:nvGrpSpPr>
-      <p:grpSpPr>
-        <a:xfrm>
-          <a:off x="0" y="0"/>
-          <a:ext cx="0" cy="0"/>
-          <a:chOff x="0" y="0"/>
-          <a:chExt cx="0" cy="0"/>
-        </a:xfrm>
-      </p:grpSpPr>
-      <p:sp>
-        <p:nvSpPr>
-          <p:cNvPr id="2" name="Title 1"/>
-          <p:cNvSpPr>
-            <a:spLocks noGrp="1"/>
-          </p:cNvSpPr>
-          <p:nvPr>
-            <p:ph type="title"/>
-          </p:nvPr>
-        </p:nvSpPr>
-        <p:spPr/>
-        <p:txBody>
-          <a:bodyPr/>
-          <a:lstStyle/>
-          <a:p>
-            <a:r>
-              <a:rPr lang="en-US"/>
-              <a:t>Click to edit Master title style</a:t>
-            </a:r>
-            <a:endParaRPr lang="ru-RU" dirty="0"/>
-          </a:p>
-        </p:txBody>
-      </p:sp>
-      <p:sp>
-        <p:nvSpPr>
-          <p:cNvPr id="3" name="Content Placeholder 2"/>
-          <p:cNvSpPr>
-            <a:spLocks noGrp="1"/>
-          </p:cNvSpPr>
-          <p:nvPr>
-            <p:ph idx="1"/>
-          </p:nvPr>
-        </p:nvSpPr>
-        <p:spPr/>
-        <p:txBody>
-          <a:bodyPr/>
-          <a:lstStyle/>
-          <a:p>
-            <a:pPr lvl="0"/>
-            <a:r>
-              <a:rPr lang="en-US"/>
-              <a:t>Click to edit Master text styles</a:t>
-            </a:r>
-          </a:p>
-          <a:p>
-            <a:pPr lvl="1"/>
-            <a:r>
-              <a:rPr lang="en-US"/>
-              <a:t>Second level</a:t>
-            </a:r>
-          </a:p>
-          <a:p>
-            <a:pPr lvl="2"/>
-            <a:r>
-              <a:rPr lang="en-US"/>
-              <a:t>Third level</a:t>
-            </a:r>
-          </a:p>
-          <a:p>
-            <a:pPr lvl="3"/>
-            <a:r>
-              <a:rPr lang="en-US"/>
-              <a:t>Fourth level</a:t>
-            </a:r>
-          </a:p>
-          <a:p>
-            <a:pPr lvl="4"/>
-            <a:r>
-              <a:rPr lang="en-US"/>
-              <a:t>Fifth level</a:t>
-            </a:r>
-            <a:endParaRPr lang="ru-RU" dirty="0"/>
-          </a:p>
-        </p:txBody>
-      </p:sp>
-    </p:spTree>
-    <p:extLst>
-      <p:ext uri="{BB962C8B-B14F-4D97-AF65-F5344CB8AC3E}">
-        <p14:creationId xmlns:p14="http://schemas.microsoft.com/office/powerpoint/2010/main" val="3363467697"/>
-      </p:ext>
-    </p:extLst>
-  </p:cSld>
-  <p:clrMapOvr>
-    <a:masterClrMapping/>
-  </p:clrMapOvr>
-</p:sldLayout>
-</file>
-
-<file path=ppt/slideLayouts/slideLayout3.xml><?xml version="1.0" encoding="utf-8"?>
 <p:sldLayout xmlns:a="http://schemas.openxmlformats.org/drawingml/2006/main" xmlns:r="http://schemas.openxmlformats.org/officeDocument/2006/relationships" xmlns:p="http://schemas.openxmlformats.org/presentationml/2006/main" type="secHead" preserve="1">
   <p:cSld name="Section Header">
     <p:spTree>
@@ -1634,7 +1248,7 @@
 </p:sldLayout>
 </file>
 
-<file path=ppt/slideLayouts/slideLayout4.xml><?xml version="1.0" encoding="utf-8"?>
+<file path=ppt/slideLayouts/slideLayout3.xml><?xml version="1.0" encoding="utf-8"?>
 <p:sldLayout xmlns:a="http://schemas.openxmlformats.org/drawingml/2006/main" xmlns:r="http://schemas.openxmlformats.org/officeDocument/2006/relationships" xmlns:p="http://schemas.openxmlformats.org/presentationml/2006/main" type="twoObj" preserve="1">
   <p:cSld name="Two Content">
     <p:spTree>
@@ -1857,7 +1471,7 @@
 </p:sldLayout>
 </file>
 
-<file path=ppt/slideLayouts/slideLayout5.xml><?xml version="1.0" encoding="utf-8"?>
+<file path=ppt/slideLayouts/slideLayout4.xml><?xml version="1.0" encoding="utf-8"?>
 <p:sldLayout xmlns:a="http://schemas.openxmlformats.org/drawingml/2006/main" xmlns:r="http://schemas.openxmlformats.org/officeDocument/2006/relationships" xmlns:p="http://schemas.openxmlformats.org/presentationml/2006/main" type="twoTxTwoObj" preserve="1">
   <p:cSld name="Comparison">
     <p:spTree>
@@ -2214,7 +1828,7 @@
 </p:sldLayout>
 </file>
 
-<file path=ppt/slideLayouts/slideLayout6.xml><?xml version="1.0" encoding="utf-8"?>
+<file path=ppt/slideLayouts/slideLayout5.xml><?xml version="1.0" encoding="utf-8"?>
 <p:sldLayout xmlns:a="http://schemas.openxmlformats.org/drawingml/2006/main" xmlns:r="http://schemas.openxmlformats.org/officeDocument/2006/relationships" xmlns:p="http://schemas.openxmlformats.org/presentationml/2006/main" type="titleOnly" preserve="1">
   <p:cSld name="Title Only">
     <p:spTree>
@@ -2267,7 +1881,7 @@
 </p:sldLayout>
 </file>
 
-<file path=ppt/slideLayouts/slideLayout7.xml><?xml version="1.0" encoding="utf-8"?>
+<file path=ppt/slideLayouts/slideLayout6.xml><?xml version="1.0" encoding="utf-8"?>
 <p:sldLayout xmlns:a="http://schemas.openxmlformats.org/drawingml/2006/main" xmlns:r="http://schemas.openxmlformats.org/officeDocument/2006/relationships" xmlns:p="http://schemas.openxmlformats.org/presentationml/2006/main" preserve="1" userDrawn="1">
   <p:cSld name="Demo">
     <p:spTree>
@@ -2332,7 +1946,7 @@
 </p:sldLayout>
 </file>
 
-<file path=ppt/slideLayouts/slideLayout8.xml><?xml version="1.0" encoding="utf-8"?>
+<file path=ppt/slideLayouts/slideLayout7.xml><?xml version="1.0" encoding="utf-8"?>
 <p:sldLayout xmlns:a="http://schemas.openxmlformats.org/drawingml/2006/main" xmlns:r="http://schemas.openxmlformats.org/officeDocument/2006/relationships" xmlns:p="http://schemas.openxmlformats.org/presentationml/2006/main" type="blank" preserve="1">
   <p:cSld name="1_Blank">
     <p:spTree>
@@ -2362,7 +1976,7 @@
 </p:sldLayout>
 </file>
 
-<file path=ppt/slideLayouts/slideLayout9.xml><?xml version="1.0" encoding="utf-8"?>
+<file path=ppt/slideLayouts/slideLayout8.xml><?xml version="1.0" encoding="utf-8"?>
 <p:sldLayout xmlns:a="http://schemas.openxmlformats.org/drawingml/2006/main" xmlns:r="http://schemas.openxmlformats.org/officeDocument/2006/relationships" xmlns:p="http://schemas.openxmlformats.org/presentationml/2006/main" type="objTx" preserve="1">
   <p:cSld name="Content with Caption">
     <p:spTree>
@@ -2574,13 +2188,205 @@
 </p:sldLayout>
 </file>
 
+<file path=ppt/slideLayouts/slideLayout9.xml><?xml version="1.0" encoding="utf-8"?>
+<p:sldLayout xmlns:a="http://schemas.openxmlformats.org/drawingml/2006/main" xmlns:r="http://schemas.openxmlformats.org/officeDocument/2006/relationships" xmlns:p="http://schemas.openxmlformats.org/presentationml/2006/main" type="picTx" preserve="1">
+  <p:cSld name="Picture with Caption">
+    <p:spTree>
+      <p:nvGrpSpPr>
+        <p:cNvPr id="1" name=""/>
+        <p:cNvGrpSpPr/>
+        <p:nvPr/>
+      </p:nvGrpSpPr>
+      <p:grpSpPr>
+        <a:xfrm>
+          <a:off x="0" y="0"/>
+          <a:ext cx="0" cy="0"/>
+          <a:chOff x="0" y="0"/>
+          <a:chExt cx="0" cy="0"/>
+        </a:xfrm>
+      </p:grpSpPr>
+      <p:sp>
+        <p:nvSpPr>
+          <p:cNvPr id="2" name="Title 1"/>
+          <p:cNvSpPr>
+            <a:spLocks noGrp="1"/>
+          </p:cNvSpPr>
+          <p:nvPr>
+            <p:ph type="title"/>
+          </p:nvPr>
+        </p:nvSpPr>
+        <p:spPr>
+          <a:xfrm>
+            <a:off x="1792288" y="4800600"/>
+            <a:ext cx="5486400" cy="566738"/>
+          </a:xfrm>
+        </p:spPr>
+        <p:txBody>
+          <a:bodyPr anchor="b"/>
+          <a:lstStyle>
+            <a:lvl1pPr algn="l">
+              <a:defRPr sz="2000" b="1"/>
+            </a:lvl1pPr>
+          </a:lstStyle>
+          <a:p>
+            <a:r>
+              <a:rPr lang="en-US"/>
+              <a:t>Click to edit Master title style</a:t>
+            </a:r>
+            <a:endParaRPr lang="ru-RU" dirty="0"/>
+          </a:p>
+        </p:txBody>
+      </p:sp>
+      <p:sp>
+        <p:nvSpPr>
+          <p:cNvPr id="3" name="Picture Placeholder 2"/>
+          <p:cNvSpPr>
+            <a:spLocks noGrp="1"/>
+          </p:cNvSpPr>
+          <p:nvPr>
+            <p:ph type="pic" idx="1"/>
+          </p:nvPr>
+        </p:nvSpPr>
+        <p:spPr>
+          <a:xfrm>
+            <a:off x="1792288" y="612775"/>
+            <a:ext cx="5486400" cy="4114800"/>
+          </a:xfrm>
+        </p:spPr>
+        <p:txBody>
+          <a:bodyPr/>
+          <a:lstStyle>
+            <a:lvl1pPr marL="0" indent="0">
+              <a:buNone/>
+              <a:defRPr sz="3200"/>
+            </a:lvl1pPr>
+            <a:lvl2pPr marL="457200" indent="0">
+              <a:buNone/>
+              <a:defRPr sz="2800"/>
+            </a:lvl2pPr>
+            <a:lvl3pPr marL="914400" indent="0">
+              <a:buNone/>
+              <a:defRPr sz="2400"/>
+            </a:lvl3pPr>
+            <a:lvl4pPr marL="1371600" indent="0">
+              <a:buNone/>
+              <a:defRPr sz="2000"/>
+            </a:lvl4pPr>
+            <a:lvl5pPr marL="1828800" indent="0">
+              <a:buNone/>
+              <a:defRPr sz="2000"/>
+            </a:lvl5pPr>
+            <a:lvl6pPr marL="2286000" indent="0">
+              <a:buNone/>
+              <a:defRPr sz="2000"/>
+            </a:lvl6pPr>
+            <a:lvl7pPr marL="2743200" indent="0">
+              <a:buNone/>
+              <a:defRPr sz="2000"/>
+            </a:lvl7pPr>
+            <a:lvl8pPr marL="3200400" indent="0">
+              <a:buNone/>
+              <a:defRPr sz="2000"/>
+            </a:lvl8pPr>
+            <a:lvl9pPr marL="3657600" indent="0">
+              <a:buNone/>
+              <a:defRPr sz="2000"/>
+            </a:lvl9pPr>
+          </a:lstStyle>
+          <a:p>
+            <a:r>
+              <a:rPr lang="en-US"/>
+              <a:t>Click icon to add picture</a:t>
+            </a:r>
+            <a:endParaRPr lang="ru-RU"/>
+          </a:p>
+        </p:txBody>
+      </p:sp>
+      <p:sp>
+        <p:nvSpPr>
+          <p:cNvPr id="4" name="Text Placeholder 3"/>
+          <p:cNvSpPr>
+            <a:spLocks noGrp="1"/>
+          </p:cNvSpPr>
+          <p:nvPr>
+            <p:ph type="body" sz="half" idx="2"/>
+          </p:nvPr>
+        </p:nvSpPr>
+        <p:spPr>
+          <a:xfrm>
+            <a:off x="1792288" y="5367338"/>
+            <a:ext cx="5486400" cy="804862"/>
+          </a:xfrm>
+        </p:spPr>
+        <p:txBody>
+          <a:bodyPr/>
+          <a:lstStyle>
+            <a:lvl1pPr marL="0" indent="0">
+              <a:buNone/>
+              <a:defRPr sz="1400"/>
+            </a:lvl1pPr>
+            <a:lvl2pPr marL="457200" indent="0">
+              <a:buNone/>
+              <a:defRPr sz="1200"/>
+            </a:lvl2pPr>
+            <a:lvl3pPr marL="914400" indent="0">
+              <a:buNone/>
+              <a:defRPr sz="1000"/>
+            </a:lvl3pPr>
+            <a:lvl4pPr marL="1371600" indent="0">
+              <a:buNone/>
+              <a:defRPr sz="900"/>
+            </a:lvl4pPr>
+            <a:lvl5pPr marL="1828800" indent="0">
+              <a:buNone/>
+              <a:defRPr sz="900"/>
+            </a:lvl5pPr>
+            <a:lvl6pPr marL="2286000" indent="0">
+              <a:buNone/>
+              <a:defRPr sz="900"/>
+            </a:lvl6pPr>
+            <a:lvl7pPr marL="2743200" indent="0">
+              <a:buNone/>
+              <a:defRPr sz="900"/>
+            </a:lvl7pPr>
+            <a:lvl8pPr marL="3200400" indent="0">
+              <a:buNone/>
+              <a:defRPr sz="900"/>
+            </a:lvl8pPr>
+            <a:lvl9pPr marL="3657600" indent="0">
+              <a:buNone/>
+              <a:defRPr sz="900"/>
+            </a:lvl9pPr>
+          </a:lstStyle>
+          <a:p>
+            <a:pPr lvl="0"/>
+            <a:r>
+              <a:rPr lang="en-US"/>
+              <a:t>Click to edit Master text styles</a:t>
+            </a:r>
+          </a:p>
+        </p:txBody>
+      </p:sp>
+    </p:spTree>
+    <p:extLst>
+      <p:ext uri="{BB962C8B-B14F-4D97-AF65-F5344CB8AC3E}">
+        <p14:creationId xmlns:p14="http://schemas.microsoft.com/office/powerpoint/2010/main" val="2103675460"/>
+      </p:ext>
+    </p:extLst>
+  </p:cSld>
+  <p:clrMapOvr>
+    <a:masterClrMapping/>
+  </p:clrMapOvr>
+</p:sldLayout>
+</file>
+
 <file path=ppt/slideMasters/slideMaster1.xml><?xml version="1.0" encoding="utf-8"?>
 <p:sldMaster xmlns:a="http://schemas.openxmlformats.org/drawingml/2006/main" xmlns:r="http://schemas.openxmlformats.org/officeDocument/2006/relationships" xmlns:p="http://schemas.openxmlformats.org/presentationml/2006/main">
   <p:cSld>
     <p:bg>
       <p:bgPr>
         <a:blipFill dpi="0" rotWithShape="1">
-          <a:blip r:embed="rId15">
+          <a:blip r:embed="rId14">
             <a:lum/>
           </a:blip>
           <a:srcRect/>
@@ -2735,7 +2541,7 @@
           <a:p>
             <a:fld id="{AC3D3127-B7C4-45E3-9797-C527EC9FDD78}" type="datetimeFigureOut">
               <a:rPr lang="ru-RU" smtClean="0"/>
-              <a:t>01.07.2018</a:t>
+              <a:t>22.02.2019</a:t>
             </a:fld>
             <a:endParaRPr lang="ru-RU"/>
           </a:p>
@@ -2828,19 +2634,18 @@
   </p:cSld>
   <p:clrMap bg1="lt1" tx1="dk1" bg2="lt2" tx2="dk2" accent1="accent1" accent2="accent2" accent3="accent3" accent4="accent4" accent5="accent5" accent6="accent6" hlink="hlink" folHlink="folHlink"/>
   <p:sldLayoutIdLst>
-    <p:sldLayoutId id="2147483649" r:id="rId1"/>
-    <p:sldLayoutId id="2147483650" r:id="rId2"/>
-    <p:sldLayoutId id="2147483651" r:id="rId3"/>
-    <p:sldLayoutId id="2147483652" r:id="rId4"/>
-    <p:sldLayoutId id="2147483653" r:id="rId5"/>
-    <p:sldLayoutId id="2147483654" r:id="rId6"/>
-    <p:sldLayoutId id="2147483655" r:id="rId7"/>
-    <p:sldLayoutId id="2147483660" r:id="rId8"/>
-    <p:sldLayoutId id="2147483656" r:id="rId9"/>
-    <p:sldLayoutId id="2147483657" r:id="rId10"/>
-    <p:sldLayoutId id="2147483658" r:id="rId11"/>
-    <p:sldLayoutId id="2147483659" r:id="rId12"/>
-    <p:sldLayoutId id="2147483661" r:id="rId13"/>
+    <p:sldLayoutId id="2147483650" r:id="rId1"/>
+    <p:sldLayoutId id="2147483651" r:id="rId2"/>
+    <p:sldLayoutId id="2147483652" r:id="rId3"/>
+    <p:sldLayoutId id="2147483653" r:id="rId4"/>
+    <p:sldLayoutId id="2147483654" r:id="rId5"/>
+    <p:sldLayoutId id="2147483655" r:id="rId6"/>
+    <p:sldLayoutId id="2147483660" r:id="rId7"/>
+    <p:sldLayoutId id="2147483656" r:id="rId8"/>
+    <p:sldLayoutId id="2147483657" r:id="rId9"/>
+    <p:sldLayoutId id="2147483658" r:id="rId10"/>
+    <p:sldLayoutId id="2147483659" r:id="rId11"/>
+    <p:sldLayoutId id="2147483661" r:id="rId12"/>
   </p:sldLayoutIdLst>
   <p:txStyles>
     <p:titleStyle>
@@ -3240,7 +3045,7 @@
           <p:cNvPr id="8" name="TextBox 7">
             <a:extLst>
               <a:ext uri="{FF2B5EF4-FFF2-40B4-BE49-F238E27FC236}">
-                <a16:creationId xmlns:a16="http://schemas.microsoft.com/office/drawing/2014/main" id="{E3F98971-C02A-F840-B9BA-69B373F33942}"/>
+                <a16:creationId xmlns:a16="http://schemas.microsoft.com/office/drawing/2014/main" xmlns="" id="{E3F98971-C02A-F840-B9BA-69B373F33942}"/>
               </a:ext>
             </a:extLst>
           </p:cNvPr>
@@ -4650,6 +4455,14 @@
   <p:clrMapOvr>
     <a:masterClrMapping/>
   </p:clrMapOvr>
+  <mc:AlternateContent xmlns:mc="http://schemas.openxmlformats.org/markup-compatibility/2006">
+    <mc:Choice xmlns:p14="http://schemas.microsoft.com/office/powerpoint/2010/main" Requires="p14">
+      <p:transition spd="slow" p14:dur="2000"/>
+    </mc:Choice>
+    <mc:Fallback>
+      <p:transition spd="slow"/>
+    </mc:Fallback>
+  </mc:AlternateContent>
 </p:sld>
 </file>
 
@@ -5263,6 +5076,14 @@
               </a:rPr>
               <a:t>https://github.com/bazile/Training</a:t>
             </a:r>
+            <a:r>
+              <a:rPr lang="en-US" dirty="0">
+                <a:solidFill>
+                  <a:schemeClr val="bg1"/>
+                </a:solidFill>
+              </a:rPr>
+              <a:t/>
+            </a:r>
             <a:br>
               <a:rPr lang="en-US" dirty="0">
                 <a:solidFill>
@@ -5295,6 +5116,14 @@
                 <a:hlinkClick r:id="rId3"/>
               </a:rPr>
               <a:t>http://belhard.nullptr.ru/</a:t>
+            </a:r>
+            <a:r>
+              <a:rPr lang="ru-RU" dirty="0">
+                <a:solidFill>
+                  <a:schemeClr val="bg1"/>
+                </a:solidFill>
+              </a:rPr>
+              <a:t/>
             </a:r>
             <a:br>
               <a:rPr lang="ru-RU" dirty="0">

--- a/Presentation/lesson-12-winforms.pptx
+++ b/Presentation/lesson-12-winforms.pptx
@@ -5,7 +5,7 @@
     <p:sldMasterId id="2147483648" r:id="rId1"/>
   </p:sldMasterIdLst>
   <p:notesMasterIdLst>
-    <p:notesMasterId r:id="rId27"/>
+    <p:notesMasterId r:id="rId30"/>
   </p:notesMasterIdLst>
   <p:sldIdLst>
     <p:sldId id="256" r:id="rId2"/>
@@ -29,10 +29,13 @@
     <p:sldId id="288" r:id="rId20"/>
     <p:sldId id="284" r:id="rId21"/>
     <p:sldId id="285" r:id="rId22"/>
-    <p:sldId id="293" r:id="rId23"/>
-    <p:sldId id="294" r:id="rId24"/>
-    <p:sldId id="296" r:id="rId25"/>
-    <p:sldId id="297" r:id="rId26"/>
+    <p:sldId id="302" r:id="rId23"/>
+    <p:sldId id="305" r:id="rId24"/>
+    <p:sldId id="303" r:id="rId25"/>
+    <p:sldId id="293" r:id="rId26"/>
+    <p:sldId id="294" r:id="rId27"/>
+    <p:sldId id="296" r:id="rId28"/>
+    <p:sldId id="297" r:id="rId29"/>
   </p:sldIdLst>
   <p:sldSz cx="9144000" cy="6858000" type="screen4x3"/>
   <p:notesSz cx="6858000" cy="9144000"/>
@@ -133,7 +136,7 @@
   </p:defaultTextStyle>
   <p:extLst>
     <p:ext uri="{EFAFB233-063F-42B5-8137-9DF3F51BA10A}">
-      <p15:sldGuideLst xmlns:p15="http://schemas.microsoft.com/office/powerpoint/2012/main" xmlns="">
+      <p15:sldGuideLst xmlns="" xmlns:p15="http://schemas.microsoft.com/office/powerpoint/2012/main">
         <p15:guide id="1" orient="horz" pos="2160">
           <p15:clr>
             <a:srgbClr val="A4A3A4"/>
@@ -232,7 +235,7 @@
           <a:p>
             <a:fld id="{B24A7054-7FFB-49F4-A126-5DF6E687FF53}" type="datetimeFigureOut">
               <a:rPr lang="ru-RU" smtClean="0"/>
-              <a:t>22.02.2019</a:t>
+              <a:t>12.03.2019</a:t>
             </a:fld>
             <a:endParaRPr lang="ru-RU"/>
           </a:p>
@@ -1006,7 +1009,7 @@
           <a:p>
             <a:fld id="{8E6E6A2A-E9D3-4A0D-B04A-ABDD367A1E08}" type="datetimeFigureOut">
               <a:rPr lang="ru-RU" smtClean="0"/>
-              <a:t>22.02.2019</a:t>
+              <a:t>12.03.2019</a:t>
             </a:fld>
             <a:endParaRPr lang="ru-RU"/>
           </a:p>
@@ -2541,7 +2544,7 @@
           <a:p>
             <a:fld id="{AC3D3127-B7C4-45E3-9797-C527EC9FDD78}" type="datetimeFigureOut">
               <a:rPr lang="ru-RU" smtClean="0"/>
-              <a:t>22.02.2019</a:t>
+              <a:t>12.03.2019</a:t>
             </a:fld>
             <a:endParaRPr lang="ru-RU"/>
           </a:p>
@@ -3045,7 +3048,7 @@
           <p:cNvPr id="8" name="TextBox 7">
             <a:extLst>
               <a:ext uri="{FF2B5EF4-FFF2-40B4-BE49-F238E27FC236}">
-                <a16:creationId xmlns:a16="http://schemas.microsoft.com/office/drawing/2014/main" xmlns="" id="{E3F98971-C02A-F840-B9BA-69B373F33942}"/>
+                <a16:creationId xmlns="" xmlns:a16="http://schemas.microsoft.com/office/drawing/2014/main" id="{E3F98971-C02A-F840-B9BA-69B373F33942}"/>
               </a:ext>
             </a:extLst>
           </p:cNvPr>
@@ -4455,11 +4458,11 @@
   <p:clrMapOvr>
     <a:masterClrMapping/>
   </p:clrMapOvr>
-  <mc:AlternateContent xmlns:mc="http://schemas.openxmlformats.org/markup-compatibility/2006">
-    <mc:Choice xmlns:p14="http://schemas.microsoft.com/office/powerpoint/2010/main" Requires="p14">
+  <mc:AlternateContent xmlns:mc="http://schemas.openxmlformats.org/markup-compatibility/2006" xmlns:p14="http://schemas.microsoft.com/office/powerpoint/2010/main">
+    <mc:Choice Requires="p14">
       <p:transition spd="slow" p14:dur="2000"/>
     </mc:Choice>
-    <mc:Fallback>
+    <mc:Fallback xmlns="">
       <p:transition spd="slow"/>
     </mc:Fallback>
   </mc:AlternateContent>
@@ -4688,7 +4691,7 @@
       </p:grpSpPr>
       <p:sp>
         <p:nvSpPr>
-          <p:cNvPr id="4" name="Title 3"/>
+          <p:cNvPr id="2" name="Title 1"/>
           <p:cNvSpPr>
             <a:spLocks noGrp="1"/>
           </p:cNvSpPr>
@@ -4702,15 +4705,20 @@
           <a:lstStyle/>
           <a:p>
             <a:r>
-              <a:rPr lang="ru-RU" dirty="0"/>
-              <a:t>Полезные библиотеки</a:t>
-            </a:r>
-          </a:p>
-        </p:txBody>
-      </p:sp>
-      <p:sp>
-        <p:nvSpPr>
-          <p:cNvPr id="5" name="Text Placeholder 4"/>
+              <a:rPr lang="ru-RU" dirty="0" smtClean="0"/>
+              <a:t>конфигурация </a:t>
+            </a:r>
+            <a:r>
+              <a:rPr lang="en-US" dirty="0" smtClean="0"/>
+              <a:t>windows forms</a:t>
+            </a:r>
+            <a:endParaRPr lang="ru-RU" dirty="0"/>
+          </a:p>
+        </p:txBody>
+      </p:sp>
+      <p:sp>
+        <p:nvSpPr>
+          <p:cNvPr id="3" name="Text Placeholder 2"/>
           <p:cNvSpPr>
             <a:spLocks noGrp="1"/>
           </p:cNvSpPr>
@@ -4723,14 +4731,14 @@
           <a:bodyPr/>
           <a:lstStyle/>
           <a:p>
-            <a:endParaRPr lang="ru-RU" dirty="0"/>
+            <a:endParaRPr lang="ru-RU"/>
           </a:p>
         </p:txBody>
       </p:sp>
     </p:spTree>
     <p:extLst>
       <p:ext uri="{BB962C8B-B14F-4D97-AF65-F5344CB8AC3E}">
-        <p14:creationId xmlns:p14="http://schemas.microsoft.com/office/powerpoint/2010/main" val="2756578197"/>
+        <p14:creationId xmlns:p14="http://schemas.microsoft.com/office/powerpoint/2010/main" val="786970700"/>
       </p:ext>
     </p:extLst>
   </p:cSld>
@@ -4773,9 +4781,10 @@
           <a:lstStyle/>
           <a:p>
             <a:r>
-              <a:rPr lang="ru-RU" dirty="0"/>
-              <a:t>Элементы управления</a:t>
-            </a:r>
+              <a:rPr lang="en-US" dirty="0" smtClean="0"/>
+              <a:t>.NET  4.5.2+</a:t>
+            </a:r>
+            <a:endParaRPr lang="ru-RU" dirty="0"/>
           </a:p>
         </p:txBody>
       </p:sp>
@@ -4794,41 +4803,55 @@
           <a:bodyPr/>
           <a:lstStyle/>
           <a:p>
-            <a:r>
-              <a:rPr lang="en-US" dirty="0" err="1">
-                <a:solidFill>
-                  <a:srgbClr val="FFFF00"/>
-                </a:solidFill>
-              </a:rPr>
-              <a:t>FastColoredTextBox</a:t>
-            </a:r>
-            <a:r>
-              <a:rPr lang="ru-RU" dirty="0"/>
-              <a:t>: </a:t>
-            </a:r>
-            <a:r>
-              <a:rPr lang="en-US" dirty="0"/>
-              <a:t>textbox </a:t>
-            </a:r>
-            <a:r>
-              <a:rPr lang="ru-RU" dirty="0"/>
-              <a:t>с подсветкой синтаксиса</a:t>
-            </a:r>
-            <a:br>
-              <a:rPr lang="ru-RU" dirty="0"/>
-            </a:br>
-            <a:r>
-              <a:rPr lang="en-US" dirty="0">
-                <a:hlinkClick r:id="rId2"/>
-              </a:rPr>
-              <a:t>https://www.nuget.org/packages/FCTB/</a:t>
-            </a:r>
-            <a:endParaRPr lang="ru-RU"/>
-          </a:p>
-          <a:p>
-            <a:endParaRPr lang="ru-RU" dirty="0"/>
-          </a:p>
-          <a:p>
+            <a:pPr marL="0" indent="0">
+              <a:buNone/>
+            </a:pPr>
+            <a:r>
+              <a:rPr lang="en-US" dirty="0"/>
+              <a:t>&lt;</a:t>
+            </a:r>
+            <a:r>
+              <a:rPr lang="en-US" dirty="0" err="1"/>
+              <a:t>appSettings</a:t>
+            </a:r>
+            <a:r>
+              <a:rPr lang="en-US" dirty="0"/>
+              <a:t>&gt;</a:t>
+            </a:r>
+          </a:p>
+          <a:p>
+            <a:pPr marL="0" indent="0">
+              <a:buNone/>
+            </a:pPr>
+            <a:r>
+              <a:rPr lang="en-US" dirty="0"/>
+              <a:t>    &lt;add key="</a:t>
+            </a:r>
+            <a:r>
+              <a:rPr lang="en-US" dirty="0" err="1"/>
+              <a:t>EnableWindowsFormsHighDpiAutoResizing</a:t>
+            </a:r>
+            <a:r>
+              <a:rPr lang="en-US" dirty="0"/>
+              <a:t>" value="true" /&gt;</a:t>
+            </a:r>
+          </a:p>
+          <a:p>
+            <a:pPr marL="0" indent="0">
+              <a:buNone/>
+            </a:pPr>
+            <a:r>
+              <a:rPr lang="en-US" dirty="0"/>
+              <a:t>&lt;/</a:t>
+            </a:r>
+            <a:r>
+              <a:rPr lang="en-US" dirty="0" err="1"/>
+              <a:t>appSettings</a:t>
+            </a:r>
+            <a:r>
+              <a:rPr lang="en-US" dirty="0"/>
+              <a:t>&gt;</a:t>
+            </a:r>
             <a:endParaRPr lang="ru-RU" dirty="0"/>
           </a:p>
         </p:txBody>
@@ -4836,7 +4859,7 @@
     </p:spTree>
     <p:extLst>
       <p:ext uri="{BB962C8B-B14F-4D97-AF65-F5344CB8AC3E}">
-        <p14:creationId xmlns:p14="http://schemas.microsoft.com/office/powerpoint/2010/main" val="2217456043"/>
+        <p14:creationId xmlns:p14="http://schemas.microsoft.com/office/powerpoint/2010/main" val="3351174334"/>
       </p:ext>
     </p:extLst>
   </p:cSld>
@@ -4875,6 +4898,405 @@
         </p:nvSpPr>
         <p:spPr/>
         <p:txBody>
+          <a:bodyPr>
+            <a:noAutofit/>
+          </a:bodyPr>
+          <a:lstStyle/>
+          <a:p>
+            <a:r>
+              <a:rPr lang="en-US" sz="2800" dirty="0" err="1" smtClean="0"/>
+              <a:t>System.Windows.Forms</a:t>
+            </a:r>
+            <a:r>
+              <a:rPr lang="en-US" sz="2800" dirty="0" smtClean="0"/>
+              <a:t>.</a:t>
+            </a:r>
+            <a:r>
+              <a:rPr lang="ru-RU" sz="2800" dirty="0" smtClean="0"/>
+              <a:t/>
+            </a:r>
+            <a:br>
+              <a:rPr lang="ru-RU" sz="2800" dirty="0" smtClean="0"/>
+            </a:br>
+            <a:r>
+              <a:rPr lang="en-US" sz="2800" dirty="0" err="1" smtClean="0"/>
+              <a:t>ApplicationConfigurationSection</a:t>
+            </a:r>
+            <a:r>
+              <a:rPr lang="en-US" sz="2800" dirty="0"/>
+              <a:t/>
+            </a:r>
+            <a:br>
+              <a:rPr lang="en-US" sz="2800" dirty="0"/>
+            </a:br>
+            <a:r>
+              <a:rPr lang="ru-RU" sz="2800" dirty="0" smtClean="0"/>
+              <a:t>(</a:t>
+            </a:r>
+            <a:r>
+              <a:rPr lang="en-US" sz="2800" dirty="0" smtClean="0"/>
+              <a:t>.NET 4.7+)</a:t>
+            </a:r>
+            <a:endParaRPr lang="ru-RU" sz="2800" dirty="0"/>
+          </a:p>
+        </p:txBody>
+      </p:sp>
+      <p:sp>
+        <p:nvSpPr>
+          <p:cNvPr id="3" name="Content Placeholder 2"/>
+          <p:cNvSpPr>
+            <a:spLocks noGrp="1"/>
+          </p:cNvSpPr>
+          <p:nvPr>
+            <p:ph idx="1"/>
+          </p:nvPr>
+        </p:nvSpPr>
+        <p:spPr/>
+        <p:txBody>
+          <a:bodyPr>
+            <a:normAutofit fontScale="55000" lnSpcReduction="20000"/>
+          </a:bodyPr>
+          <a:lstStyle/>
+          <a:p>
+            <a:pPr marL="0" indent="0">
+              <a:buNone/>
+            </a:pPr>
+            <a:r>
+              <a:rPr lang="ru-RU" dirty="0" smtClean="0"/>
+              <a:t>Начиная с </a:t>
+            </a:r>
+            <a:r>
+              <a:rPr lang="en-US" dirty="0" smtClean="0"/>
+              <a:t>.NET 4.7 </a:t>
+            </a:r>
+            <a:r>
+              <a:rPr lang="ru-RU" dirty="0" smtClean="0"/>
+              <a:t>в файле конфигурации поддерживается секция </a:t>
+            </a:r>
+            <a:r>
+              <a:rPr lang="en-US" dirty="0" err="1" smtClean="0"/>
+              <a:t>System.Windows.Forms.ApplicationConfigurationSection</a:t>
+            </a:r>
+            <a:r>
+              <a:rPr lang="en-US" dirty="0" smtClean="0"/>
+              <a:t> </a:t>
+            </a:r>
+            <a:r>
+              <a:rPr lang="ru-RU" dirty="0" smtClean="0"/>
+              <a:t>со следующими параметрами:</a:t>
+            </a:r>
+          </a:p>
+          <a:p>
+            <a:pPr marL="0" indent="0">
+              <a:buNone/>
+            </a:pPr>
+            <a:endParaRPr lang="ru-RU" dirty="0" smtClean="0"/>
+          </a:p>
+          <a:p>
+            <a:r>
+              <a:rPr lang="en-US" dirty="0" err="1"/>
+              <a:t>AnchorLayout.DisableSinglePassControlScaling</a:t>
+            </a:r>
+            <a:endParaRPr lang="en-US" dirty="0"/>
+          </a:p>
+          <a:p>
+            <a:r>
+              <a:rPr lang="en-US" dirty="0" err="1"/>
+              <a:t>DpiAwareness</a:t>
+            </a:r>
+            <a:endParaRPr lang="en-US" dirty="0"/>
+          </a:p>
+          <a:p>
+            <a:r>
+              <a:rPr lang="en-US" dirty="0" err="1"/>
+              <a:t>CheckedListBox.DisableHighDpiImprovements</a:t>
+            </a:r>
+            <a:endParaRPr lang="en-US" dirty="0"/>
+          </a:p>
+          <a:p>
+            <a:r>
+              <a:rPr lang="en-US" dirty="0" err="1"/>
+              <a:t>DataGridView.DisableHighDpiImprovements</a:t>
+            </a:r>
+            <a:endParaRPr lang="en-US" dirty="0"/>
+          </a:p>
+          <a:p>
+            <a:r>
+              <a:rPr lang="en-US" dirty="0" err="1"/>
+              <a:t>DisableDpiChangedMessageHandling</a:t>
+            </a:r>
+            <a:endParaRPr lang="en-US" dirty="0"/>
+          </a:p>
+          <a:p>
+            <a:r>
+              <a:rPr lang="en-US" dirty="0" err="1"/>
+              <a:t>EnableWindowsFormsHighDpiAutoResizing</a:t>
+            </a:r>
+            <a:endParaRPr lang="en-US" dirty="0"/>
+          </a:p>
+          <a:p>
+            <a:r>
+              <a:rPr lang="en-US" dirty="0" err="1"/>
+              <a:t>Form.DisableSinglePassControlScaling</a:t>
+            </a:r>
+            <a:endParaRPr lang="en-US" dirty="0"/>
+          </a:p>
+          <a:p>
+            <a:r>
+              <a:rPr lang="en-US" dirty="0" err="1"/>
+              <a:t>MonthCalendar.DisableSinglePassControlScaling</a:t>
+            </a:r>
+            <a:endParaRPr lang="en-US" dirty="0"/>
+          </a:p>
+          <a:p>
+            <a:r>
+              <a:rPr lang="en-US" dirty="0" err="1" smtClean="0"/>
+              <a:t>Toolstrip.DisableHighDpiImprovements</a:t>
+            </a:r>
+            <a:endParaRPr lang="ru-RU" dirty="0" smtClean="0"/>
+          </a:p>
+          <a:p>
+            <a:endParaRPr lang="ru-RU" dirty="0"/>
+          </a:p>
+          <a:p>
+            <a:pPr marL="0" indent="0">
+              <a:buNone/>
+            </a:pPr>
+            <a:r>
+              <a:rPr lang="en-US" dirty="0">
+                <a:hlinkClick r:id="rId2"/>
+              </a:rPr>
+              <a:t>https://</a:t>
+            </a:r>
+            <a:r>
+              <a:rPr lang="en-US" dirty="0" smtClean="0">
+                <a:hlinkClick r:id="rId2"/>
+              </a:rPr>
+              <a:t>docs.microsoft.com/en-us/dotnet/framework/configure-apps/file-schema/winforms/windows-forms-add-configuration-element</a:t>
+            </a:r>
+            <a:endParaRPr lang="ru-RU" dirty="0"/>
+          </a:p>
+        </p:txBody>
+      </p:sp>
+    </p:spTree>
+    <p:extLst>
+      <p:ext uri="{BB962C8B-B14F-4D97-AF65-F5344CB8AC3E}">
+        <p14:creationId xmlns:p14="http://schemas.microsoft.com/office/powerpoint/2010/main" val="730006280"/>
+      </p:ext>
+    </p:extLst>
+  </p:cSld>
+  <p:clrMapOvr>
+    <a:masterClrMapping/>
+  </p:clrMapOvr>
+</p:sld>
+</file>
+
+<file path=ppt/slides/slide25.xml><?xml version="1.0" encoding="utf-8"?>
+<p:sld xmlns:a="http://schemas.openxmlformats.org/drawingml/2006/main" xmlns:r="http://schemas.openxmlformats.org/officeDocument/2006/relationships" xmlns:p="http://schemas.openxmlformats.org/presentationml/2006/main">
+  <p:cSld>
+    <p:spTree>
+      <p:nvGrpSpPr>
+        <p:cNvPr id="1" name=""/>
+        <p:cNvGrpSpPr/>
+        <p:nvPr/>
+      </p:nvGrpSpPr>
+      <p:grpSpPr>
+        <a:xfrm>
+          <a:off x="0" y="0"/>
+          <a:ext cx="0" cy="0"/>
+          <a:chOff x="0" y="0"/>
+          <a:chExt cx="0" cy="0"/>
+        </a:xfrm>
+      </p:grpSpPr>
+      <p:sp>
+        <p:nvSpPr>
+          <p:cNvPr id="4" name="Title 3"/>
+          <p:cNvSpPr>
+            <a:spLocks noGrp="1"/>
+          </p:cNvSpPr>
+          <p:nvPr>
+            <p:ph type="title"/>
+          </p:nvPr>
+        </p:nvSpPr>
+        <p:spPr/>
+        <p:txBody>
+          <a:bodyPr/>
+          <a:lstStyle/>
+          <a:p>
+            <a:r>
+              <a:rPr lang="ru-RU" dirty="0"/>
+              <a:t>Полезные библиотеки</a:t>
+            </a:r>
+          </a:p>
+        </p:txBody>
+      </p:sp>
+      <p:sp>
+        <p:nvSpPr>
+          <p:cNvPr id="5" name="Text Placeholder 4"/>
+          <p:cNvSpPr>
+            <a:spLocks noGrp="1"/>
+          </p:cNvSpPr>
+          <p:nvPr>
+            <p:ph type="body" idx="1"/>
+          </p:nvPr>
+        </p:nvSpPr>
+        <p:spPr/>
+        <p:txBody>
+          <a:bodyPr/>
+          <a:lstStyle/>
+          <a:p>
+            <a:endParaRPr lang="ru-RU" dirty="0"/>
+          </a:p>
+        </p:txBody>
+      </p:sp>
+    </p:spTree>
+    <p:extLst>
+      <p:ext uri="{BB962C8B-B14F-4D97-AF65-F5344CB8AC3E}">
+        <p14:creationId xmlns:p14="http://schemas.microsoft.com/office/powerpoint/2010/main" val="2756578197"/>
+      </p:ext>
+    </p:extLst>
+  </p:cSld>
+  <p:clrMapOvr>
+    <a:masterClrMapping/>
+  </p:clrMapOvr>
+</p:sld>
+</file>
+
+<file path=ppt/slides/slide26.xml><?xml version="1.0" encoding="utf-8"?>
+<p:sld xmlns:a="http://schemas.openxmlformats.org/drawingml/2006/main" xmlns:r="http://schemas.openxmlformats.org/officeDocument/2006/relationships" xmlns:p="http://schemas.openxmlformats.org/presentationml/2006/main">
+  <p:cSld>
+    <p:spTree>
+      <p:nvGrpSpPr>
+        <p:cNvPr id="1" name=""/>
+        <p:cNvGrpSpPr/>
+        <p:nvPr/>
+      </p:nvGrpSpPr>
+      <p:grpSpPr>
+        <a:xfrm>
+          <a:off x="0" y="0"/>
+          <a:ext cx="0" cy="0"/>
+          <a:chOff x="0" y="0"/>
+          <a:chExt cx="0" cy="0"/>
+        </a:xfrm>
+      </p:grpSpPr>
+      <p:sp>
+        <p:nvSpPr>
+          <p:cNvPr id="2" name="Title 1"/>
+          <p:cNvSpPr>
+            <a:spLocks noGrp="1"/>
+          </p:cNvSpPr>
+          <p:nvPr>
+            <p:ph type="title"/>
+          </p:nvPr>
+        </p:nvSpPr>
+        <p:spPr/>
+        <p:txBody>
+          <a:bodyPr/>
+          <a:lstStyle/>
+          <a:p>
+            <a:r>
+              <a:rPr lang="ru-RU" dirty="0"/>
+              <a:t>Элементы управления</a:t>
+            </a:r>
+          </a:p>
+        </p:txBody>
+      </p:sp>
+      <p:sp>
+        <p:nvSpPr>
+          <p:cNvPr id="3" name="Content Placeholder 2"/>
+          <p:cNvSpPr>
+            <a:spLocks noGrp="1"/>
+          </p:cNvSpPr>
+          <p:nvPr>
+            <p:ph idx="1"/>
+          </p:nvPr>
+        </p:nvSpPr>
+        <p:spPr/>
+        <p:txBody>
+          <a:bodyPr/>
+          <a:lstStyle/>
+          <a:p>
+            <a:r>
+              <a:rPr lang="en-US" dirty="0" err="1">
+                <a:solidFill>
+                  <a:srgbClr val="FFFF00"/>
+                </a:solidFill>
+              </a:rPr>
+              <a:t>FastColoredTextBox</a:t>
+            </a:r>
+            <a:r>
+              <a:rPr lang="ru-RU" dirty="0"/>
+              <a:t>: </a:t>
+            </a:r>
+            <a:r>
+              <a:rPr lang="en-US" dirty="0"/>
+              <a:t>textbox </a:t>
+            </a:r>
+            <a:r>
+              <a:rPr lang="ru-RU" dirty="0"/>
+              <a:t>с подсветкой синтаксиса</a:t>
+            </a:r>
+            <a:br>
+              <a:rPr lang="ru-RU" dirty="0"/>
+            </a:br>
+            <a:r>
+              <a:rPr lang="en-US" dirty="0">
+                <a:hlinkClick r:id="rId2"/>
+              </a:rPr>
+              <a:t>https://www.nuget.org/packages/FCTB/</a:t>
+            </a:r>
+            <a:endParaRPr lang="ru-RU"/>
+          </a:p>
+          <a:p>
+            <a:endParaRPr lang="ru-RU" dirty="0"/>
+          </a:p>
+          <a:p>
+            <a:endParaRPr lang="ru-RU" dirty="0"/>
+          </a:p>
+        </p:txBody>
+      </p:sp>
+    </p:spTree>
+    <p:extLst>
+      <p:ext uri="{BB962C8B-B14F-4D97-AF65-F5344CB8AC3E}">
+        <p14:creationId xmlns:p14="http://schemas.microsoft.com/office/powerpoint/2010/main" val="2217456043"/>
+      </p:ext>
+    </p:extLst>
+  </p:cSld>
+  <p:clrMapOvr>
+    <a:masterClrMapping/>
+  </p:clrMapOvr>
+</p:sld>
+</file>
+
+<file path=ppt/slides/slide27.xml><?xml version="1.0" encoding="utf-8"?>
+<p:sld xmlns:a="http://schemas.openxmlformats.org/drawingml/2006/main" xmlns:r="http://schemas.openxmlformats.org/officeDocument/2006/relationships" xmlns:p="http://schemas.openxmlformats.org/presentationml/2006/main">
+  <p:cSld>
+    <p:spTree>
+      <p:nvGrpSpPr>
+        <p:cNvPr id="1" name=""/>
+        <p:cNvGrpSpPr/>
+        <p:nvPr/>
+      </p:nvGrpSpPr>
+      <p:grpSpPr>
+        <a:xfrm>
+          <a:off x="0" y="0"/>
+          <a:ext cx="0" cy="0"/>
+          <a:chOff x="0" y="0"/>
+          <a:chExt cx="0" cy="0"/>
+        </a:xfrm>
+      </p:grpSpPr>
+      <p:sp>
+        <p:nvSpPr>
+          <p:cNvPr id="2" name="Title 1"/>
+          <p:cNvSpPr>
+            <a:spLocks noGrp="1"/>
+          </p:cNvSpPr>
+          <p:nvPr>
+            <p:ph type="title"/>
+          </p:nvPr>
+        </p:nvSpPr>
+        <p:spPr/>
+        <p:txBody>
           <a:bodyPr/>
           <a:lstStyle/>
           <a:p>
@@ -4918,7 +5340,7 @@
 </p:sld>
 </file>
 
-<file path=ppt/slides/slide25.xml><?xml version="1.0" encoding="utf-8"?>
+<file path=ppt/slides/slide28.xml><?xml version="1.0" encoding="utf-8"?>
 <p:sld xmlns:a="http://schemas.openxmlformats.org/drawingml/2006/main" xmlns:r="http://schemas.openxmlformats.org/officeDocument/2006/relationships" xmlns:p="http://schemas.openxmlformats.org/presentationml/2006/main">
   <p:cSld>
     <p:spTree>
